--- a/Submissions/C_Graham_Capstone.pptx
+++ b/Submissions/C_Graham_Capstone.pptx
@@ -7,6 +7,12 @@
   <p:sldIdLst>
     <p:sldId id="256" r:id="rId2"/>
     <p:sldId id="257" r:id="rId3"/>
+    <p:sldId id="258" r:id="rId4"/>
+    <p:sldId id="259" r:id="rId5"/>
+    <p:sldId id="260" r:id="rId6"/>
+    <p:sldId id="261" r:id="rId7"/>
+    <p:sldId id="262" r:id="rId8"/>
+    <p:sldId id="263" r:id="rId9"/>
   </p:sldIdLst>
   <p:sldSz cx="9144000" cy="6858000" type="screen4x3"/>
   <p:notesSz cx="6858000" cy="9144000"/>
@@ -108,6 +114,4322 @@
 </p:presentation>
 </file>
 
+<file path=ppt/diagrams/colors1.xml><?xml version="1.0" encoding="utf-8"?>
+<dgm:colorsDef xmlns:dgm="http://schemas.openxmlformats.org/drawingml/2006/diagram" xmlns:a="http://schemas.openxmlformats.org/drawingml/2006/main" uniqueId="urn:microsoft.com/office/officeart/2005/8/colors/accent0_3">
+  <dgm:title val=""/>
+  <dgm:desc val=""/>
+  <dgm:catLst>
+    <dgm:cat type="mainScheme" pri="10300"/>
+  </dgm:catLst>
+  <dgm:styleLbl name="node0">
+    <dgm:fillClrLst meth="repeat">
+      <a:schemeClr val="dk2"/>
+    </dgm:fillClrLst>
+    <dgm:linClrLst meth="repeat">
+      <a:schemeClr val="lt2"/>
+    </dgm:linClrLst>
+    <dgm:effectClrLst/>
+    <dgm:txLinClrLst/>
+    <dgm:txFillClrLst/>
+    <dgm:txEffectClrLst/>
+  </dgm:styleLbl>
+  <dgm:styleLbl name="alignNode1">
+    <dgm:fillClrLst meth="repeat">
+      <a:schemeClr val="dk2"/>
+    </dgm:fillClrLst>
+    <dgm:linClrLst meth="repeat">
+      <a:schemeClr val="dk2"/>
+    </dgm:linClrLst>
+    <dgm:effectClrLst/>
+    <dgm:txLinClrLst/>
+    <dgm:txFillClrLst/>
+    <dgm:txEffectClrLst/>
+  </dgm:styleLbl>
+  <dgm:styleLbl name="node1">
+    <dgm:fillClrLst meth="repeat">
+      <a:schemeClr val="dk2"/>
+    </dgm:fillClrLst>
+    <dgm:linClrLst meth="repeat">
+      <a:schemeClr val="lt2"/>
+    </dgm:linClrLst>
+    <dgm:effectClrLst/>
+    <dgm:txLinClrLst/>
+    <dgm:txFillClrLst/>
+    <dgm:txEffectClrLst/>
+  </dgm:styleLbl>
+  <dgm:styleLbl name="lnNode1">
+    <dgm:fillClrLst meth="repeat">
+      <a:schemeClr val="dk2"/>
+    </dgm:fillClrLst>
+    <dgm:linClrLst meth="repeat">
+      <a:schemeClr val="lt2"/>
+    </dgm:linClrLst>
+    <dgm:effectClrLst/>
+    <dgm:txLinClrLst/>
+    <dgm:txFillClrLst/>
+    <dgm:txEffectClrLst/>
+  </dgm:styleLbl>
+  <dgm:styleLbl name="vennNode1">
+    <dgm:fillClrLst meth="repeat">
+      <a:schemeClr val="dk2">
+        <a:alpha val="50000"/>
+      </a:schemeClr>
+    </dgm:fillClrLst>
+    <dgm:linClrLst meth="repeat">
+      <a:schemeClr val="lt2"/>
+    </dgm:linClrLst>
+    <dgm:effectClrLst/>
+    <dgm:txLinClrLst/>
+    <dgm:txFillClrLst/>
+    <dgm:txEffectClrLst/>
+  </dgm:styleLbl>
+  <dgm:styleLbl name="node2">
+    <dgm:fillClrLst meth="repeat">
+      <a:schemeClr val="dk2"/>
+    </dgm:fillClrLst>
+    <dgm:linClrLst meth="repeat">
+      <a:schemeClr val="lt2"/>
+    </dgm:linClrLst>
+    <dgm:effectClrLst/>
+    <dgm:txLinClrLst/>
+    <dgm:txFillClrLst/>
+    <dgm:txEffectClrLst/>
+  </dgm:styleLbl>
+  <dgm:styleLbl name="node3">
+    <dgm:fillClrLst meth="repeat">
+      <a:schemeClr val="dk2"/>
+    </dgm:fillClrLst>
+    <dgm:linClrLst meth="repeat">
+      <a:schemeClr val="lt2"/>
+    </dgm:linClrLst>
+    <dgm:effectClrLst/>
+    <dgm:txLinClrLst/>
+    <dgm:txFillClrLst/>
+    <dgm:txEffectClrLst/>
+  </dgm:styleLbl>
+  <dgm:styleLbl name="node4">
+    <dgm:fillClrLst meth="repeat">
+      <a:schemeClr val="dk2"/>
+    </dgm:fillClrLst>
+    <dgm:linClrLst meth="repeat">
+      <a:schemeClr val="lt2"/>
+    </dgm:linClrLst>
+    <dgm:effectClrLst/>
+    <dgm:txLinClrLst/>
+    <dgm:txFillClrLst/>
+    <dgm:txEffectClrLst/>
+  </dgm:styleLbl>
+  <dgm:styleLbl name="fgImgPlace1">
+    <dgm:fillClrLst meth="repeat">
+      <a:schemeClr val="dk2">
+        <a:tint val="50000"/>
+      </a:schemeClr>
+    </dgm:fillClrLst>
+    <dgm:linClrLst meth="repeat">
+      <a:schemeClr val="lt2"/>
+    </dgm:linClrLst>
+    <dgm:effectClrLst/>
+    <dgm:txLinClrLst/>
+    <dgm:txFillClrLst meth="repeat">
+      <a:schemeClr val="lt2"/>
+    </dgm:txFillClrLst>
+    <dgm:txEffectClrLst/>
+  </dgm:styleLbl>
+  <dgm:styleLbl name="alignImgPlace1">
+    <dgm:fillClrLst meth="repeat">
+      <a:schemeClr val="dk2">
+        <a:tint val="50000"/>
+      </a:schemeClr>
+    </dgm:fillClrLst>
+    <dgm:linClrLst meth="repeat">
+      <a:schemeClr val="dk2">
+        <a:shade val="80000"/>
+      </a:schemeClr>
+    </dgm:linClrLst>
+    <dgm:effectClrLst/>
+    <dgm:txLinClrLst/>
+    <dgm:txFillClrLst meth="repeat">
+      <a:schemeClr val="lt2"/>
+    </dgm:txFillClrLst>
+    <dgm:txEffectClrLst/>
+  </dgm:styleLbl>
+  <dgm:styleLbl name="bgImgPlace1">
+    <dgm:fillClrLst meth="repeat">
+      <a:schemeClr val="dk2">
+        <a:tint val="50000"/>
+      </a:schemeClr>
+    </dgm:fillClrLst>
+    <dgm:linClrLst meth="repeat">
+      <a:schemeClr val="dk2">
+        <a:shade val="80000"/>
+      </a:schemeClr>
+    </dgm:linClrLst>
+    <dgm:effectClrLst/>
+    <dgm:txLinClrLst/>
+    <dgm:txFillClrLst meth="repeat">
+      <a:schemeClr val="lt2"/>
+    </dgm:txFillClrLst>
+    <dgm:txEffectClrLst/>
+  </dgm:styleLbl>
+  <dgm:styleLbl name="sibTrans2D1">
+    <dgm:fillClrLst meth="repeat">
+      <a:schemeClr val="dk2">
+        <a:tint val="60000"/>
+      </a:schemeClr>
+    </dgm:fillClrLst>
+    <dgm:linClrLst meth="repeat">
+      <a:schemeClr val="dk2">
+        <a:tint val="60000"/>
+      </a:schemeClr>
+    </dgm:linClrLst>
+    <dgm:effectClrLst/>
+    <dgm:txLinClrLst/>
+    <dgm:txFillClrLst/>
+    <dgm:txEffectClrLst/>
+  </dgm:styleLbl>
+  <dgm:styleLbl name="fgSibTrans2D1">
+    <dgm:fillClrLst meth="repeat">
+      <a:schemeClr val="dk2">
+        <a:tint val="60000"/>
+      </a:schemeClr>
+    </dgm:fillClrLst>
+    <dgm:linClrLst meth="repeat">
+      <a:schemeClr val="dk2">
+        <a:tint val="60000"/>
+      </a:schemeClr>
+    </dgm:linClrLst>
+    <dgm:effectClrLst/>
+    <dgm:txLinClrLst/>
+    <dgm:txFillClrLst/>
+    <dgm:txEffectClrLst/>
+  </dgm:styleLbl>
+  <dgm:styleLbl name="bgSibTrans2D1">
+    <dgm:fillClrLst meth="repeat">
+      <a:schemeClr val="dk2">
+        <a:tint val="60000"/>
+      </a:schemeClr>
+    </dgm:fillClrLst>
+    <dgm:linClrLst meth="repeat">
+      <a:schemeClr val="dk2">
+        <a:tint val="60000"/>
+      </a:schemeClr>
+    </dgm:linClrLst>
+    <dgm:effectClrLst/>
+    <dgm:txLinClrLst/>
+    <dgm:txFillClrLst/>
+    <dgm:txEffectClrLst/>
+  </dgm:styleLbl>
+  <dgm:styleLbl name="sibTrans1D1">
+    <dgm:fillClrLst meth="repeat">
+      <a:schemeClr val="dk2"/>
+    </dgm:fillClrLst>
+    <dgm:linClrLst meth="repeat">
+      <a:schemeClr val="dk2"/>
+    </dgm:linClrLst>
+    <dgm:effectClrLst/>
+    <dgm:txLinClrLst/>
+    <dgm:txFillClrLst meth="repeat">
+      <a:schemeClr val="lt2"/>
+    </dgm:txFillClrLst>
+    <dgm:txEffectClrLst/>
+  </dgm:styleLbl>
+  <dgm:styleLbl name="callout">
+    <dgm:fillClrLst meth="repeat">
+      <a:schemeClr val="dk2"/>
+    </dgm:fillClrLst>
+    <dgm:linClrLst meth="repeat">
+      <a:schemeClr val="dk2">
+        <a:tint val="50000"/>
+      </a:schemeClr>
+    </dgm:linClrLst>
+    <dgm:effectClrLst/>
+    <dgm:txLinClrLst/>
+    <dgm:txFillClrLst meth="repeat">
+      <a:schemeClr val="lt2"/>
+    </dgm:txFillClrLst>
+    <dgm:txEffectClrLst/>
+  </dgm:styleLbl>
+  <dgm:styleLbl name="asst0">
+    <dgm:fillClrLst meth="repeat">
+      <a:schemeClr val="dk2"/>
+    </dgm:fillClrLst>
+    <dgm:linClrLst meth="repeat">
+      <a:schemeClr val="lt2"/>
+    </dgm:linClrLst>
+    <dgm:effectClrLst/>
+    <dgm:txLinClrLst/>
+    <dgm:txFillClrLst/>
+    <dgm:txEffectClrLst/>
+  </dgm:styleLbl>
+  <dgm:styleLbl name="asst1">
+    <dgm:fillClrLst meth="repeat">
+      <a:schemeClr val="dk2"/>
+    </dgm:fillClrLst>
+    <dgm:linClrLst meth="repeat">
+      <a:schemeClr val="lt2"/>
+    </dgm:linClrLst>
+    <dgm:effectClrLst/>
+    <dgm:txLinClrLst/>
+    <dgm:txFillClrLst/>
+    <dgm:txEffectClrLst/>
+  </dgm:styleLbl>
+  <dgm:styleLbl name="asst2">
+    <dgm:fillClrLst meth="repeat">
+      <a:schemeClr val="dk2"/>
+    </dgm:fillClrLst>
+    <dgm:linClrLst meth="repeat">
+      <a:schemeClr val="lt2"/>
+    </dgm:linClrLst>
+    <dgm:effectClrLst/>
+    <dgm:txLinClrLst/>
+    <dgm:txFillClrLst/>
+    <dgm:txEffectClrLst/>
+  </dgm:styleLbl>
+  <dgm:styleLbl name="asst3">
+    <dgm:fillClrLst meth="repeat">
+      <a:schemeClr val="dk2"/>
+    </dgm:fillClrLst>
+    <dgm:linClrLst meth="repeat">
+      <a:schemeClr val="lt2"/>
+    </dgm:linClrLst>
+    <dgm:effectClrLst/>
+    <dgm:txLinClrLst/>
+    <dgm:txFillClrLst/>
+    <dgm:txEffectClrLst/>
+  </dgm:styleLbl>
+  <dgm:styleLbl name="asst4">
+    <dgm:fillClrLst meth="repeat">
+      <a:schemeClr val="dk2"/>
+    </dgm:fillClrLst>
+    <dgm:linClrLst meth="repeat">
+      <a:schemeClr val="lt2"/>
+    </dgm:linClrLst>
+    <dgm:effectClrLst/>
+    <dgm:txLinClrLst/>
+    <dgm:txFillClrLst/>
+    <dgm:txEffectClrLst/>
+  </dgm:styleLbl>
+  <dgm:styleLbl name="parChTrans2D1">
+    <dgm:fillClrLst meth="repeat">
+      <a:schemeClr val="dk2">
+        <a:tint val="60000"/>
+      </a:schemeClr>
+    </dgm:fillClrLst>
+    <dgm:linClrLst meth="repeat">
+      <a:schemeClr val="dk2">
+        <a:tint val="60000"/>
+      </a:schemeClr>
+    </dgm:linClrLst>
+    <dgm:effectClrLst/>
+    <dgm:txLinClrLst/>
+    <dgm:txFillClrLst meth="repeat">
+      <a:schemeClr val="lt2"/>
+    </dgm:txFillClrLst>
+    <dgm:txEffectClrLst/>
+  </dgm:styleLbl>
+  <dgm:styleLbl name="parChTrans2D2">
+    <dgm:fillClrLst meth="repeat">
+      <a:schemeClr val="dk2"/>
+    </dgm:fillClrLst>
+    <dgm:linClrLst meth="repeat">
+      <a:schemeClr val="dk2"/>
+    </dgm:linClrLst>
+    <dgm:effectClrLst/>
+    <dgm:txLinClrLst/>
+    <dgm:txFillClrLst meth="repeat">
+      <a:schemeClr val="lt2"/>
+    </dgm:txFillClrLst>
+    <dgm:txEffectClrLst/>
+  </dgm:styleLbl>
+  <dgm:styleLbl name="parChTrans2D3">
+    <dgm:fillClrLst meth="repeat">
+      <a:schemeClr val="dk2"/>
+    </dgm:fillClrLst>
+    <dgm:linClrLst meth="repeat">
+      <a:schemeClr val="dk2"/>
+    </dgm:linClrLst>
+    <dgm:effectClrLst/>
+    <dgm:txLinClrLst/>
+    <dgm:txFillClrLst meth="repeat">
+      <a:schemeClr val="lt2"/>
+    </dgm:txFillClrLst>
+    <dgm:txEffectClrLst/>
+  </dgm:styleLbl>
+  <dgm:styleLbl name="parChTrans2D4">
+    <dgm:fillClrLst meth="repeat">
+      <a:schemeClr val="dk2"/>
+    </dgm:fillClrLst>
+    <dgm:linClrLst meth="repeat">
+      <a:schemeClr val="dk2"/>
+    </dgm:linClrLst>
+    <dgm:effectClrLst/>
+    <dgm:txLinClrLst/>
+    <dgm:txFillClrLst meth="repeat">
+      <a:schemeClr val="lt2"/>
+    </dgm:txFillClrLst>
+    <dgm:txEffectClrLst/>
+  </dgm:styleLbl>
+  <dgm:styleLbl name="parChTrans1D1">
+    <dgm:fillClrLst meth="repeat">
+      <a:schemeClr val="dk2"/>
+    </dgm:fillClrLst>
+    <dgm:linClrLst meth="repeat">
+      <a:schemeClr val="dk2">
+        <a:shade val="60000"/>
+      </a:schemeClr>
+    </dgm:linClrLst>
+    <dgm:effectClrLst/>
+    <dgm:txLinClrLst/>
+    <dgm:txFillClrLst meth="repeat">
+      <a:schemeClr val="tx1"/>
+    </dgm:txFillClrLst>
+    <dgm:txEffectClrLst/>
+  </dgm:styleLbl>
+  <dgm:styleLbl name="parChTrans1D2">
+    <dgm:fillClrLst meth="repeat">
+      <a:schemeClr val="dk2"/>
+    </dgm:fillClrLst>
+    <dgm:linClrLst meth="repeat">
+      <a:schemeClr val="dk2">
+        <a:shade val="60000"/>
+      </a:schemeClr>
+    </dgm:linClrLst>
+    <dgm:effectClrLst/>
+    <dgm:txLinClrLst/>
+    <dgm:txFillClrLst meth="repeat">
+      <a:schemeClr val="tx1"/>
+    </dgm:txFillClrLst>
+    <dgm:txEffectClrLst/>
+  </dgm:styleLbl>
+  <dgm:styleLbl name="parChTrans1D3">
+    <dgm:fillClrLst meth="repeat">
+      <a:schemeClr val="dk2"/>
+    </dgm:fillClrLst>
+    <dgm:linClrLst meth="repeat">
+      <a:schemeClr val="dk2">
+        <a:shade val="80000"/>
+      </a:schemeClr>
+    </dgm:linClrLst>
+    <dgm:effectClrLst/>
+    <dgm:txLinClrLst/>
+    <dgm:txFillClrLst meth="repeat">
+      <a:schemeClr val="tx1"/>
+    </dgm:txFillClrLst>
+    <dgm:txEffectClrLst/>
+  </dgm:styleLbl>
+  <dgm:styleLbl name="parChTrans1D4">
+    <dgm:fillClrLst meth="repeat">
+      <a:schemeClr val="dk2"/>
+    </dgm:fillClrLst>
+    <dgm:linClrLst meth="repeat">
+      <a:schemeClr val="dk2">
+        <a:shade val="80000"/>
+      </a:schemeClr>
+    </dgm:linClrLst>
+    <dgm:effectClrLst/>
+    <dgm:txLinClrLst/>
+    <dgm:txFillClrLst meth="repeat">
+      <a:schemeClr val="tx1"/>
+    </dgm:txFillClrLst>
+    <dgm:txEffectClrLst/>
+  </dgm:styleLbl>
+  <dgm:styleLbl name="fgAcc1">
+    <dgm:fillClrLst meth="repeat">
+      <a:schemeClr val="lt2">
+        <a:alpha val="90000"/>
+      </a:schemeClr>
+    </dgm:fillClrLst>
+    <dgm:linClrLst meth="repeat">
+      <a:schemeClr val="dk2"/>
+    </dgm:linClrLst>
+    <dgm:effectClrLst/>
+    <dgm:txLinClrLst/>
+    <dgm:txFillClrLst meth="repeat">
+      <a:schemeClr val="dk1"/>
+    </dgm:txFillClrLst>
+    <dgm:txEffectClrLst/>
+  </dgm:styleLbl>
+  <dgm:styleLbl name="conFgAcc1">
+    <dgm:fillClrLst meth="repeat">
+      <a:schemeClr val="lt2">
+        <a:alpha val="90000"/>
+      </a:schemeClr>
+    </dgm:fillClrLst>
+    <dgm:linClrLst meth="repeat">
+      <a:schemeClr val="dk2"/>
+    </dgm:linClrLst>
+    <dgm:effectClrLst/>
+    <dgm:txLinClrLst/>
+    <dgm:txFillClrLst meth="repeat">
+      <a:schemeClr val="dk1"/>
+    </dgm:txFillClrLst>
+    <dgm:txEffectClrLst/>
+  </dgm:styleLbl>
+  <dgm:styleLbl name="alignAcc1">
+    <dgm:fillClrLst meth="repeat">
+      <a:schemeClr val="lt2">
+        <a:alpha val="90000"/>
+      </a:schemeClr>
+    </dgm:fillClrLst>
+    <dgm:linClrLst meth="repeat">
+      <a:schemeClr val="dk2"/>
+    </dgm:linClrLst>
+    <dgm:effectClrLst/>
+    <dgm:txLinClrLst/>
+    <dgm:txFillClrLst meth="repeat">
+      <a:schemeClr val="dk1"/>
+    </dgm:txFillClrLst>
+    <dgm:txEffectClrLst/>
+  </dgm:styleLbl>
+  <dgm:styleLbl name="trAlignAcc1">
+    <dgm:fillClrLst meth="repeat">
+      <a:schemeClr val="lt2">
+        <a:alpha val="40000"/>
+      </a:schemeClr>
+    </dgm:fillClrLst>
+    <dgm:linClrLst meth="repeat">
+      <a:schemeClr val="dk2"/>
+    </dgm:linClrLst>
+    <dgm:effectClrLst/>
+    <dgm:txLinClrLst/>
+    <dgm:txFillClrLst meth="repeat">
+      <a:schemeClr val="dk1"/>
+    </dgm:txFillClrLst>
+    <dgm:txEffectClrLst/>
+  </dgm:styleLbl>
+  <dgm:styleLbl name="bgAcc1">
+    <dgm:fillClrLst meth="repeat">
+      <a:schemeClr val="lt2">
+        <a:alpha val="90000"/>
+      </a:schemeClr>
+    </dgm:fillClrLst>
+    <dgm:linClrLst meth="repeat">
+      <a:schemeClr val="dk2"/>
+    </dgm:linClrLst>
+    <dgm:effectClrLst/>
+    <dgm:txLinClrLst/>
+    <dgm:txFillClrLst meth="repeat">
+      <a:schemeClr val="dk1"/>
+    </dgm:txFillClrLst>
+    <dgm:txEffectClrLst/>
+  </dgm:styleLbl>
+  <dgm:styleLbl name="solidFgAcc1">
+    <dgm:fillClrLst meth="repeat">
+      <a:schemeClr val="lt2"/>
+    </dgm:fillClrLst>
+    <dgm:linClrLst meth="repeat">
+      <a:schemeClr val="dk2"/>
+    </dgm:linClrLst>
+    <dgm:effectClrLst/>
+    <dgm:txLinClrLst/>
+    <dgm:txFillClrLst meth="repeat">
+      <a:schemeClr val="dk1"/>
+    </dgm:txFillClrLst>
+    <dgm:txEffectClrLst/>
+  </dgm:styleLbl>
+  <dgm:styleLbl name="solidAlignAcc1">
+    <dgm:fillClrLst meth="repeat">
+      <a:schemeClr val="lt2"/>
+    </dgm:fillClrLst>
+    <dgm:linClrLst meth="repeat">
+      <a:schemeClr val="dk2"/>
+    </dgm:linClrLst>
+    <dgm:effectClrLst/>
+    <dgm:txLinClrLst/>
+    <dgm:txFillClrLst meth="repeat">
+      <a:schemeClr val="dk1"/>
+    </dgm:txFillClrLst>
+    <dgm:txEffectClrLst/>
+  </dgm:styleLbl>
+  <dgm:styleLbl name="solidBgAcc1">
+    <dgm:fillClrLst meth="repeat">
+      <a:schemeClr val="lt2"/>
+    </dgm:fillClrLst>
+    <dgm:linClrLst meth="repeat">
+      <a:schemeClr val="dk2"/>
+    </dgm:linClrLst>
+    <dgm:effectClrLst/>
+    <dgm:txLinClrLst/>
+    <dgm:txFillClrLst meth="repeat">
+      <a:schemeClr val="dk1"/>
+    </dgm:txFillClrLst>
+    <dgm:txEffectClrLst/>
+  </dgm:styleLbl>
+  <dgm:styleLbl name="fgAccFollowNode1">
+    <dgm:fillClrLst meth="repeat">
+      <a:schemeClr val="dk2">
+        <a:alpha val="90000"/>
+        <a:tint val="40000"/>
+      </a:schemeClr>
+    </dgm:fillClrLst>
+    <dgm:linClrLst meth="repeat">
+      <a:schemeClr val="dk2">
+        <a:alpha val="90000"/>
+        <a:tint val="40000"/>
+      </a:schemeClr>
+    </dgm:linClrLst>
+    <dgm:effectClrLst/>
+    <dgm:txLinClrLst/>
+    <dgm:txFillClrLst meth="repeat">
+      <a:schemeClr val="dk1"/>
+    </dgm:txFillClrLst>
+    <dgm:txEffectClrLst/>
+  </dgm:styleLbl>
+  <dgm:styleLbl name="alignAccFollowNode1">
+    <dgm:fillClrLst meth="repeat">
+      <a:schemeClr val="dk2">
+        <a:alpha val="90000"/>
+        <a:tint val="40000"/>
+      </a:schemeClr>
+    </dgm:fillClrLst>
+    <dgm:linClrLst meth="repeat">
+      <a:schemeClr val="dk2">
+        <a:alpha val="90000"/>
+        <a:tint val="40000"/>
+      </a:schemeClr>
+    </dgm:linClrLst>
+    <dgm:effectClrLst/>
+    <dgm:txLinClrLst/>
+    <dgm:txFillClrLst meth="repeat">
+      <a:schemeClr val="dk1"/>
+    </dgm:txFillClrLst>
+    <dgm:txEffectClrLst/>
+  </dgm:styleLbl>
+  <dgm:styleLbl name="bgAccFollowNode1">
+    <dgm:fillClrLst meth="repeat">
+      <a:schemeClr val="dk2">
+        <a:alpha val="90000"/>
+        <a:tint val="40000"/>
+      </a:schemeClr>
+    </dgm:fillClrLst>
+    <dgm:linClrLst meth="repeat">
+      <a:schemeClr val="dk2">
+        <a:alpha val="90000"/>
+        <a:tint val="40000"/>
+      </a:schemeClr>
+    </dgm:linClrLst>
+    <dgm:effectClrLst/>
+    <dgm:txLinClrLst/>
+    <dgm:txFillClrLst meth="repeat">
+      <a:schemeClr val="dk1"/>
+    </dgm:txFillClrLst>
+    <dgm:txEffectClrLst/>
+  </dgm:styleLbl>
+  <dgm:styleLbl name="fgAcc0">
+    <dgm:fillClrLst meth="repeat">
+      <a:schemeClr val="lt2">
+        <a:alpha val="90000"/>
+      </a:schemeClr>
+    </dgm:fillClrLst>
+    <dgm:linClrLst meth="repeat">
+      <a:schemeClr val="dk2"/>
+    </dgm:linClrLst>
+    <dgm:effectClrLst/>
+    <dgm:txLinClrLst/>
+    <dgm:txFillClrLst meth="repeat">
+      <a:schemeClr val="dk1"/>
+    </dgm:txFillClrLst>
+    <dgm:txEffectClrLst/>
+  </dgm:styleLbl>
+  <dgm:styleLbl name="fgAcc2">
+    <dgm:fillClrLst meth="repeat">
+      <a:schemeClr val="lt2">
+        <a:alpha val="90000"/>
+      </a:schemeClr>
+    </dgm:fillClrLst>
+    <dgm:linClrLst meth="repeat">
+      <a:schemeClr val="dk2"/>
+    </dgm:linClrLst>
+    <dgm:effectClrLst/>
+    <dgm:txLinClrLst/>
+    <dgm:txFillClrLst meth="repeat">
+      <a:schemeClr val="dk1"/>
+    </dgm:txFillClrLst>
+    <dgm:txEffectClrLst/>
+  </dgm:styleLbl>
+  <dgm:styleLbl name="fgAcc3">
+    <dgm:fillClrLst meth="repeat">
+      <a:schemeClr val="lt2">
+        <a:alpha val="90000"/>
+      </a:schemeClr>
+    </dgm:fillClrLst>
+    <dgm:linClrLst meth="repeat">
+      <a:schemeClr val="dk2"/>
+    </dgm:linClrLst>
+    <dgm:effectClrLst/>
+    <dgm:txLinClrLst/>
+    <dgm:txFillClrLst meth="repeat">
+      <a:schemeClr val="dk1"/>
+    </dgm:txFillClrLst>
+    <dgm:txEffectClrLst/>
+  </dgm:styleLbl>
+  <dgm:styleLbl name="fgAcc4">
+    <dgm:fillClrLst meth="repeat">
+      <a:schemeClr val="lt2">
+        <a:alpha val="90000"/>
+      </a:schemeClr>
+    </dgm:fillClrLst>
+    <dgm:linClrLst meth="repeat">
+      <a:schemeClr val="dk2"/>
+    </dgm:linClrLst>
+    <dgm:effectClrLst/>
+    <dgm:txLinClrLst/>
+    <dgm:txFillClrLst meth="repeat">
+      <a:schemeClr val="dk1"/>
+    </dgm:txFillClrLst>
+    <dgm:txEffectClrLst/>
+  </dgm:styleLbl>
+  <dgm:styleLbl name="bgShp">
+    <dgm:fillClrLst meth="repeat">
+      <a:schemeClr val="dk2">
+        <a:tint val="40000"/>
+      </a:schemeClr>
+    </dgm:fillClrLst>
+    <dgm:linClrLst meth="repeat">
+      <a:schemeClr val="dk2"/>
+    </dgm:linClrLst>
+    <dgm:effectClrLst/>
+    <dgm:txLinClrLst/>
+    <dgm:txFillClrLst meth="repeat">
+      <a:schemeClr val="dk1"/>
+    </dgm:txFillClrLst>
+    <dgm:txEffectClrLst/>
+  </dgm:styleLbl>
+  <dgm:styleLbl name="dkBgShp">
+    <dgm:fillClrLst meth="repeat">
+      <a:schemeClr val="dk2">
+        <a:shade val="80000"/>
+      </a:schemeClr>
+    </dgm:fillClrLst>
+    <dgm:linClrLst meth="repeat">
+      <a:schemeClr val="dk2"/>
+    </dgm:linClrLst>
+    <dgm:effectClrLst/>
+    <dgm:txLinClrLst/>
+    <dgm:txFillClrLst meth="repeat">
+      <a:schemeClr val="lt1"/>
+    </dgm:txFillClrLst>
+    <dgm:txEffectClrLst/>
+  </dgm:styleLbl>
+  <dgm:styleLbl name="trBgShp">
+    <dgm:fillClrLst meth="repeat">
+      <a:schemeClr val="dk2">
+        <a:tint val="50000"/>
+        <a:alpha val="40000"/>
+      </a:schemeClr>
+    </dgm:fillClrLst>
+    <dgm:linClrLst meth="repeat">
+      <a:schemeClr val="dk2"/>
+    </dgm:linClrLst>
+    <dgm:effectClrLst/>
+    <dgm:txLinClrLst/>
+    <dgm:txFillClrLst meth="repeat">
+      <a:schemeClr val="lt1"/>
+    </dgm:txFillClrLst>
+    <dgm:txEffectClrLst/>
+  </dgm:styleLbl>
+  <dgm:styleLbl name="fgShp">
+    <dgm:fillClrLst meth="repeat">
+      <a:schemeClr val="dk2">
+        <a:tint val="60000"/>
+      </a:schemeClr>
+    </dgm:fillClrLst>
+    <dgm:linClrLst meth="repeat">
+      <a:schemeClr val="lt2"/>
+    </dgm:linClrLst>
+    <dgm:effectClrLst/>
+    <dgm:txLinClrLst/>
+    <dgm:txFillClrLst meth="repeat">
+      <a:schemeClr val="dk1"/>
+    </dgm:txFillClrLst>
+    <dgm:txEffectClrLst/>
+  </dgm:styleLbl>
+  <dgm:styleLbl name="revTx">
+    <dgm:fillClrLst meth="repeat">
+      <a:schemeClr val="lt2">
+        <a:alpha val="0"/>
+      </a:schemeClr>
+    </dgm:fillClrLst>
+    <dgm:linClrLst meth="repeat">
+      <a:schemeClr val="dk1">
+        <a:alpha val="0"/>
+      </a:schemeClr>
+    </dgm:linClrLst>
+    <dgm:effectClrLst/>
+    <dgm:txLinClrLst/>
+    <dgm:txFillClrLst meth="repeat">
+      <a:schemeClr val="tx1"/>
+    </dgm:txFillClrLst>
+    <dgm:txEffectClrLst/>
+  </dgm:styleLbl>
+</dgm:colorsDef>
+</file>
+
+<file path=ppt/diagrams/data1.xml><?xml version="1.0" encoding="utf-8"?>
+<dgm:dataModel xmlns:dgm="http://schemas.openxmlformats.org/drawingml/2006/diagram" xmlns:a="http://schemas.openxmlformats.org/drawingml/2006/main">
+  <dgm:ptLst>
+    <dgm:pt modelId="{9E3BF636-4D16-3C40-835D-D1836CDEE15A}" type="doc">
+      <dgm:prSet loTypeId="urn:microsoft.com/office/officeart/2005/8/layout/vProcess5" loCatId="" qsTypeId="urn:microsoft.com/office/officeart/2005/8/quickstyle/simple4" qsCatId="simple" csTypeId="urn:microsoft.com/office/officeart/2005/8/colors/accent0_3" csCatId="mainScheme" phldr="1"/>
+      <dgm:spPr/>
+      <dgm:t>
+        <a:bodyPr/>
+        <a:lstStyle/>
+        <a:p>
+          <a:endParaRPr lang="en-US"/>
+        </a:p>
+      </dgm:t>
+    </dgm:pt>
+    <dgm:pt modelId="{8BA774D2-8759-AF43-BA46-DFD78A81D3CD}">
+      <dgm:prSet phldrT="[Text]"/>
+      <dgm:spPr/>
+      <dgm:t>
+        <a:bodyPr/>
+        <a:lstStyle/>
+        <a:p>
+          <a:r>
+            <a:rPr lang="en-US" smtClean="0"/>
+            <a:t>Pull Raw Twitter Data</a:t>
+          </a:r>
+          <a:endParaRPr lang="en-US" dirty="0"/>
+        </a:p>
+      </dgm:t>
+    </dgm:pt>
+    <dgm:pt modelId="{4060463F-6EA8-6041-A8DE-B5A4C7C566C1}" type="parTrans" cxnId="{EC27D071-6976-954C-A3C1-D653B4E8ECBB}">
+      <dgm:prSet/>
+      <dgm:spPr/>
+      <dgm:t>
+        <a:bodyPr/>
+        <a:lstStyle/>
+        <a:p>
+          <a:endParaRPr lang="en-US"/>
+        </a:p>
+      </dgm:t>
+    </dgm:pt>
+    <dgm:pt modelId="{52FF50CD-5B24-7E48-B038-D147D2E49837}" type="sibTrans" cxnId="{EC27D071-6976-954C-A3C1-D653B4E8ECBB}">
+      <dgm:prSet/>
+      <dgm:spPr/>
+      <dgm:t>
+        <a:bodyPr/>
+        <a:lstStyle/>
+        <a:p>
+          <a:endParaRPr lang="en-US"/>
+        </a:p>
+      </dgm:t>
+    </dgm:pt>
+    <dgm:pt modelId="{7BF4565B-F9A0-A841-9561-B11A5DB84077}">
+      <dgm:prSet phldrT="[Text]"/>
+      <dgm:spPr/>
+      <dgm:t>
+        <a:bodyPr/>
+        <a:lstStyle/>
+        <a:p>
+          <a:r>
+            <a:rPr lang="en-US" dirty="0" smtClean="0"/>
+            <a:t>Subset to Original Tweets with Images</a:t>
+          </a:r>
+          <a:endParaRPr lang="en-US" dirty="0"/>
+        </a:p>
+      </dgm:t>
+    </dgm:pt>
+    <dgm:pt modelId="{F5D446E1-7BC4-FD43-9B1E-F3BD86017A63}" type="parTrans" cxnId="{528E7F7B-0799-644E-BE5F-19DEAD75F199}">
+      <dgm:prSet/>
+      <dgm:spPr/>
+      <dgm:t>
+        <a:bodyPr/>
+        <a:lstStyle/>
+        <a:p>
+          <a:endParaRPr lang="en-US"/>
+        </a:p>
+      </dgm:t>
+    </dgm:pt>
+    <dgm:pt modelId="{EB4443E6-3AB2-A340-AD0E-C3E703D61527}" type="sibTrans" cxnId="{528E7F7B-0799-644E-BE5F-19DEAD75F199}">
+      <dgm:prSet/>
+      <dgm:spPr/>
+      <dgm:t>
+        <a:bodyPr/>
+        <a:lstStyle/>
+        <a:p>
+          <a:endParaRPr lang="en-US"/>
+        </a:p>
+      </dgm:t>
+    </dgm:pt>
+    <dgm:pt modelId="{8D7100A2-B2F3-544F-A12C-4276B2532479}">
+      <dgm:prSet phldrT="[Text]"/>
+      <dgm:spPr/>
+      <dgm:t>
+        <a:bodyPr/>
+        <a:lstStyle/>
+        <a:p>
+          <a:r>
+            <a:rPr lang="en-US" dirty="0" smtClean="0"/>
+            <a:t>Ascribe Sentiment to Tweets Based on Text</a:t>
+          </a:r>
+          <a:endParaRPr lang="en-US" dirty="0"/>
+        </a:p>
+      </dgm:t>
+    </dgm:pt>
+    <dgm:pt modelId="{F36ADE15-048C-4C4D-BCF8-8379517A1C89}" type="parTrans" cxnId="{8A100763-B993-2748-A138-8F8BB9266716}">
+      <dgm:prSet/>
+      <dgm:spPr/>
+      <dgm:t>
+        <a:bodyPr/>
+        <a:lstStyle/>
+        <a:p>
+          <a:endParaRPr lang="en-US"/>
+        </a:p>
+      </dgm:t>
+    </dgm:pt>
+    <dgm:pt modelId="{2715E5DA-1712-8D4A-B616-B6DC5E8C7C28}" type="sibTrans" cxnId="{8A100763-B993-2748-A138-8F8BB9266716}">
+      <dgm:prSet/>
+      <dgm:spPr/>
+      <dgm:t>
+        <a:bodyPr/>
+        <a:lstStyle/>
+        <a:p>
+          <a:endParaRPr lang="en-US"/>
+        </a:p>
+      </dgm:t>
+    </dgm:pt>
+    <dgm:pt modelId="{2AB701DF-8980-0141-9842-59183E3B2815}">
+      <dgm:prSet/>
+      <dgm:spPr/>
+      <dgm:t>
+        <a:bodyPr/>
+        <a:lstStyle/>
+        <a:p>
+          <a:r>
+            <a:rPr lang="en-US" dirty="0" smtClean="0"/>
+            <a:t>Use Tweet Sentiment to build a predictor for Image Sentiment</a:t>
+          </a:r>
+          <a:endParaRPr lang="en-US" dirty="0"/>
+        </a:p>
+      </dgm:t>
+    </dgm:pt>
+    <dgm:pt modelId="{D1587182-5DC7-6C4F-A206-C93C1D021675}" type="parTrans" cxnId="{682D7EDF-7FBF-1340-81B0-F128A7F9FA5B}">
+      <dgm:prSet/>
+      <dgm:spPr/>
+      <dgm:t>
+        <a:bodyPr/>
+        <a:lstStyle/>
+        <a:p>
+          <a:endParaRPr lang="en-US"/>
+        </a:p>
+      </dgm:t>
+    </dgm:pt>
+    <dgm:pt modelId="{856B6F6A-E2F0-284D-A9F8-8CC37EC00D37}" type="sibTrans" cxnId="{682D7EDF-7FBF-1340-81B0-F128A7F9FA5B}">
+      <dgm:prSet/>
+      <dgm:spPr/>
+      <dgm:t>
+        <a:bodyPr/>
+        <a:lstStyle/>
+        <a:p>
+          <a:endParaRPr lang="en-US"/>
+        </a:p>
+      </dgm:t>
+    </dgm:pt>
+    <dgm:pt modelId="{F5A6F1D5-0BB1-FE41-8746-418DF574EC07}">
+      <dgm:prSet/>
+      <dgm:spPr/>
+      <dgm:t>
+        <a:bodyPr/>
+        <a:lstStyle/>
+        <a:p>
+          <a:r>
+            <a:rPr lang="en-US" dirty="0" smtClean="0"/>
+            <a:t>Test Classifier against Twitter and </a:t>
+          </a:r>
+          <a:r>
+            <a:rPr lang="en-US" dirty="0" err="1" smtClean="0"/>
+            <a:t>Crowdflower</a:t>
+          </a:r>
+          <a:r>
+            <a:rPr lang="en-US" dirty="0" smtClean="0"/>
+            <a:t> Images</a:t>
+          </a:r>
+          <a:endParaRPr lang="en-US" dirty="0"/>
+        </a:p>
+      </dgm:t>
+    </dgm:pt>
+    <dgm:pt modelId="{6B5E67C4-D8C9-2F41-855F-5191EA154F58}" type="parTrans" cxnId="{9F6FE731-93D2-F24D-8DAA-1799C01C3CF8}">
+      <dgm:prSet/>
+      <dgm:spPr/>
+      <dgm:t>
+        <a:bodyPr/>
+        <a:lstStyle/>
+        <a:p>
+          <a:endParaRPr lang="en-US"/>
+        </a:p>
+      </dgm:t>
+    </dgm:pt>
+    <dgm:pt modelId="{E0942A6A-BD26-6948-A031-422B8A19B79D}" type="sibTrans" cxnId="{9F6FE731-93D2-F24D-8DAA-1799C01C3CF8}">
+      <dgm:prSet/>
+      <dgm:spPr/>
+      <dgm:t>
+        <a:bodyPr/>
+        <a:lstStyle/>
+        <a:p>
+          <a:endParaRPr lang="en-US"/>
+        </a:p>
+      </dgm:t>
+    </dgm:pt>
+    <dgm:pt modelId="{16C83020-CA20-C54A-A81E-2FAE4D5C138F}" type="pres">
+      <dgm:prSet presAssocID="{9E3BF636-4D16-3C40-835D-D1836CDEE15A}" presName="outerComposite" presStyleCnt="0">
+        <dgm:presLayoutVars>
+          <dgm:chMax val="5"/>
+          <dgm:dir/>
+          <dgm:resizeHandles val="exact"/>
+        </dgm:presLayoutVars>
+      </dgm:prSet>
+      <dgm:spPr/>
+    </dgm:pt>
+    <dgm:pt modelId="{D363A769-DC85-4E40-B436-7363A38CFD16}" type="pres">
+      <dgm:prSet presAssocID="{9E3BF636-4D16-3C40-835D-D1836CDEE15A}" presName="dummyMaxCanvas" presStyleCnt="0">
+        <dgm:presLayoutVars/>
+      </dgm:prSet>
+      <dgm:spPr/>
+    </dgm:pt>
+    <dgm:pt modelId="{B463894A-E665-F64F-9935-46A073DAAC0D}" type="pres">
+      <dgm:prSet presAssocID="{9E3BF636-4D16-3C40-835D-D1836CDEE15A}" presName="FiveNodes_1" presStyleLbl="node1" presStyleIdx="0" presStyleCnt="5">
+        <dgm:presLayoutVars>
+          <dgm:bulletEnabled val="1"/>
+        </dgm:presLayoutVars>
+      </dgm:prSet>
+      <dgm:spPr/>
+      <dgm:t>
+        <a:bodyPr/>
+        <a:lstStyle/>
+        <a:p>
+          <a:endParaRPr lang="en-US"/>
+        </a:p>
+      </dgm:t>
+    </dgm:pt>
+    <dgm:pt modelId="{4101A08F-3022-9A4B-B439-66A9F204A941}" type="pres">
+      <dgm:prSet presAssocID="{9E3BF636-4D16-3C40-835D-D1836CDEE15A}" presName="FiveNodes_2" presStyleLbl="node1" presStyleIdx="1" presStyleCnt="5">
+        <dgm:presLayoutVars>
+          <dgm:bulletEnabled val="1"/>
+        </dgm:presLayoutVars>
+      </dgm:prSet>
+      <dgm:spPr/>
+      <dgm:t>
+        <a:bodyPr/>
+        <a:lstStyle/>
+        <a:p>
+          <a:endParaRPr lang="en-US"/>
+        </a:p>
+      </dgm:t>
+    </dgm:pt>
+    <dgm:pt modelId="{2870774E-A3A4-544F-884A-333EE83C9593}" type="pres">
+      <dgm:prSet presAssocID="{9E3BF636-4D16-3C40-835D-D1836CDEE15A}" presName="FiveNodes_3" presStyleLbl="node1" presStyleIdx="2" presStyleCnt="5">
+        <dgm:presLayoutVars>
+          <dgm:bulletEnabled val="1"/>
+        </dgm:presLayoutVars>
+      </dgm:prSet>
+      <dgm:spPr/>
+      <dgm:t>
+        <a:bodyPr/>
+        <a:lstStyle/>
+        <a:p>
+          <a:endParaRPr lang="en-US"/>
+        </a:p>
+      </dgm:t>
+    </dgm:pt>
+    <dgm:pt modelId="{C47D9BAF-9FF3-9449-80B0-8C8C23604445}" type="pres">
+      <dgm:prSet presAssocID="{9E3BF636-4D16-3C40-835D-D1836CDEE15A}" presName="FiveNodes_4" presStyleLbl="node1" presStyleIdx="3" presStyleCnt="5">
+        <dgm:presLayoutVars>
+          <dgm:bulletEnabled val="1"/>
+        </dgm:presLayoutVars>
+      </dgm:prSet>
+      <dgm:spPr/>
+      <dgm:t>
+        <a:bodyPr/>
+        <a:lstStyle/>
+        <a:p>
+          <a:endParaRPr lang="en-US"/>
+        </a:p>
+      </dgm:t>
+    </dgm:pt>
+    <dgm:pt modelId="{4880F54D-9832-0842-92E1-87F336B7CC9F}" type="pres">
+      <dgm:prSet presAssocID="{9E3BF636-4D16-3C40-835D-D1836CDEE15A}" presName="FiveNodes_5" presStyleLbl="node1" presStyleIdx="4" presStyleCnt="5">
+        <dgm:presLayoutVars>
+          <dgm:bulletEnabled val="1"/>
+        </dgm:presLayoutVars>
+      </dgm:prSet>
+      <dgm:spPr/>
+      <dgm:t>
+        <a:bodyPr/>
+        <a:lstStyle/>
+        <a:p>
+          <a:endParaRPr lang="en-US"/>
+        </a:p>
+      </dgm:t>
+    </dgm:pt>
+    <dgm:pt modelId="{581FBB15-C32F-B14E-85A9-ACE2C48A2F64}" type="pres">
+      <dgm:prSet presAssocID="{9E3BF636-4D16-3C40-835D-D1836CDEE15A}" presName="FiveConn_1-2" presStyleLbl="fgAccFollowNode1" presStyleIdx="0" presStyleCnt="4">
+        <dgm:presLayoutVars>
+          <dgm:bulletEnabled val="1"/>
+        </dgm:presLayoutVars>
+      </dgm:prSet>
+      <dgm:spPr/>
+    </dgm:pt>
+    <dgm:pt modelId="{B5AF37B4-CA54-AC47-8852-A7EF813859D8}" type="pres">
+      <dgm:prSet presAssocID="{9E3BF636-4D16-3C40-835D-D1836CDEE15A}" presName="FiveConn_2-3" presStyleLbl="fgAccFollowNode1" presStyleIdx="1" presStyleCnt="4">
+        <dgm:presLayoutVars>
+          <dgm:bulletEnabled val="1"/>
+        </dgm:presLayoutVars>
+      </dgm:prSet>
+      <dgm:spPr/>
+    </dgm:pt>
+    <dgm:pt modelId="{1B382A9A-9CA6-0243-ACDD-D118A0DBF182}" type="pres">
+      <dgm:prSet presAssocID="{9E3BF636-4D16-3C40-835D-D1836CDEE15A}" presName="FiveConn_3-4" presStyleLbl="fgAccFollowNode1" presStyleIdx="2" presStyleCnt="4">
+        <dgm:presLayoutVars>
+          <dgm:bulletEnabled val="1"/>
+        </dgm:presLayoutVars>
+      </dgm:prSet>
+      <dgm:spPr/>
+    </dgm:pt>
+    <dgm:pt modelId="{B38A962C-4EFB-9E40-9700-0B7376C827FD}" type="pres">
+      <dgm:prSet presAssocID="{9E3BF636-4D16-3C40-835D-D1836CDEE15A}" presName="FiveConn_4-5" presStyleLbl="fgAccFollowNode1" presStyleIdx="3" presStyleCnt="4">
+        <dgm:presLayoutVars>
+          <dgm:bulletEnabled val="1"/>
+        </dgm:presLayoutVars>
+      </dgm:prSet>
+      <dgm:spPr/>
+    </dgm:pt>
+    <dgm:pt modelId="{3D5C356F-E2F8-D24B-A90F-E8846003005C}" type="pres">
+      <dgm:prSet presAssocID="{9E3BF636-4D16-3C40-835D-D1836CDEE15A}" presName="FiveNodes_1_text" presStyleLbl="node1" presStyleIdx="4" presStyleCnt="5">
+        <dgm:presLayoutVars>
+          <dgm:bulletEnabled val="1"/>
+        </dgm:presLayoutVars>
+      </dgm:prSet>
+      <dgm:spPr/>
+      <dgm:t>
+        <a:bodyPr/>
+        <a:lstStyle/>
+        <a:p>
+          <a:endParaRPr lang="en-US"/>
+        </a:p>
+      </dgm:t>
+    </dgm:pt>
+    <dgm:pt modelId="{A0A88EBD-E435-334B-AEDA-45A5ADCD2488}" type="pres">
+      <dgm:prSet presAssocID="{9E3BF636-4D16-3C40-835D-D1836CDEE15A}" presName="FiveNodes_2_text" presStyleLbl="node1" presStyleIdx="4" presStyleCnt="5">
+        <dgm:presLayoutVars>
+          <dgm:bulletEnabled val="1"/>
+        </dgm:presLayoutVars>
+      </dgm:prSet>
+      <dgm:spPr/>
+      <dgm:t>
+        <a:bodyPr/>
+        <a:lstStyle/>
+        <a:p>
+          <a:endParaRPr lang="en-US"/>
+        </a:p>
+      </dgm:t>
+    </dgm:pt>
+    <dgm:pt modelId="{54EF87E4-FE59-554F-BB01-92C620C45575}" type="pres">
+      <dgm:prSet presAssocID="{9E3BF636-4D16-3C40-835D-D1836CDEE15A}" presName="FiveNodes_3_text" presStyleLbl="node1" presStyleIdx="4" presStyleCnt="5">
+        <dgm:presLayoutVars>
+          <dgm:bulletEnabled val="1"/>
+        </dgm:presLayoutVars>
+      </dgm:prSet>
+      <dgm:spPr/>
+      <dgm:t>
+        <a:bodyPr/>
+        <a:lstStyle/>
+        <a:p>
+          <a:endParaRPr lang="en-US"/>
+        </a:p>
+      </dgm:t>
+    </dgm:pt>
+    <dgm:pt modelId="{4D5D51F2-4742-2D49-9FC8-5CF4505A7D8E}" type="pres">
+      <dgm:prSet presAssocID="{9E3BF636-4D16-3C40-835D-D1836CDEE15A}" presName="FiveNodes_4_text" presStyleLbl="node1" presStyleIdx="4" presStyleCnt="5">
+        <dgm:presLayoutVars>
+          <dgm:bulletEnabled val="1"/>
+        </dgm:presLayoutVars>
+      </dgm:prSet>
+      <dgm:spPr/>
+      <dgm:t>
+        <a:bodyPr/>
+        <a:lstStyle/>
+        <a:p>
+          <a:endParaRPr lang="en-US"/>
+        </a:p>
+      </dgm:t>
+    </dgm:pt>
+    <dgm:pt modelId="{A5A9E853-9DF6-1F42-B9D3-04E9D60CD84B}" type="pres">
+      <dgm:prSet presAssocID="{9E3BF636-4D16-3C40-835D-D1836CDEE15A}" presName="FiveNodes_5_text" presStyleLbl="node1" presStyleIdx="4" presStyleCnt="5">
+        <dgm:presLayoutVars>
+          <dgm:bulletEnabled val="1"/>
+        </dgm:presLayoutVars>
+      </dgm:prSet>
+      <dgm:spPr/>
+      <dgm:t>
+        <a:bodyPr/>
+        <a:lstStyle/>
+        <a:p>
+          <a:endParaRPr lang="en-US"/>
+        </a:p>
+      </dgm:t>
+    </dgm:pt>
+  </dgm:ptLst>
+  <dgm:cxnLst>
+    <dgm:cxn modelId="{8A100763-B993-2748-A138-8F8BB9266716}" srcId="{9E3BF636-4D16-3C40-835D-D1836CDEE15A}" destId="{8D7100A2-B2F3-544F-A12C-4276B2532479}" srcOrd="2" destOrd="0" parTransId="{F36ADE15-048C-4C4D-BCF8-8379517A1C89}" sibTransId="{2715E5DA-1712-8D4A-B616-B6DC5E8C7C28}"/>
+    <dgm:cxn modelId="{228B6FB1-50E9-D743-87AD-1F3C85BB9971}" type="presOf" srcId="{F5A6F1D5-0BB1-FE41-8746-418DF574EC07}" destId="{A5A9E853-9DF6-1F42-B9D3-04E9D60CD84B}" srcOrd="1" destOrd="0" presId="urn:microsoft.com/office/officeart/2005/8/layout/vProcess5"/>
+    <dgm:cxn modelId="{528E7F7B-0799-644E-BE5F-19DEAD75F199}" srcId="{9E3BF636-4D16-3C40-835D-D1836CDEE15A}" destId="{7BF4565B-F9A0-A841-9561-B11A5DB84077}" srcOrd="1" destOrd="0" parTransId="{F5D446E1-7BC4-FD43-9B1E-F3BD86017A63}" sibTransId="{EB4443E6-3AB2-A340-AD0E-C3E703D61527}"/>
+    <dgm:cxn modelId="{EC27D071-6976-954C-A3C1-D653B4E8ECBB}" srcId="{9E3BF636-4D16-3C40-835D-D1836CDEE15A}" destId="{8BA774D2-8759-AF43-BA46-DFD78A81D3CD}" srcOrd="0" destOrd="0" parTransId="{4060463F-6EA8-6041-A8DE-B5A4C7C566C1}" sibTransId="{52FF50CD-5B24-7E48-B038-D147D2E49837}"/>
+    <dgm:cxn modelId="{C421A340-8ABF-244B-B79B-FCA178D54E75}" type="presOf" srcId="{2AB701DF-8980-0141-9842-59183E3B2815}" destId="{4D5D51F2-4742-2D49-9FC8-5CF4505A7D8E}" srcOrd="1" destOrd="0" presId="urn:microsoft.com/office/officeart/2005/8/layout/vProcess5"/>
+    <dgm:cxn modelId="{CE4B4A0A-0DED-1645-B2A5-47B7FA8432CF}" type="presOf" srcId="{856B6F6A-E2F0-284D-A9F8-8CC37EC00D37}" destId="{B38A962C-4EFB-9E40-9700-0B7376C827FD}" srcOrd="0" destOrd="0" presId="urn:microsoft.com/office/officeart/2005/8/layout/vProcess5"/>
+    <dgm:cxn modelId="{EB59262B-FDBC-434F-8797-80F39A146DB8}" type="presOf" srcId="{7BF4565B-F9A0-A841-9561-B11A5DB84077}" destId="{4101A08F-3022-9A4B-B439-66A9F204A941}" srcOrd="0" destOrd="0" presId="urn:microsoft.com/office/officeart/2005/8/layout/vProcess5"/>
+    <dgm:cxn modelId="{FA8732B1-344A-5448-B219-97C30A021574}" type="presOf" srcId="{EB4443E6-3AB2-A340-AD0E-C3E703D61527}" destId="{B5AF37B4-CA54-AC47-8852-A7EF813859D8}" srcOrd="0" destOrd="0" presId="urn:microsoft.com/office/officeart/2005/8/layout/vProcess5"/>
+    <dgm:cxn modelId="{9F6FE731-93D2-F24D-8DAA-1799C01C3CF8}" srcId="{9E3BF636-4D16-3C40-835D-D1836CDEE15A}" destId="{F5A6F1D5-0BB1-FE41-8746-418DF574EC07}" srcOrd="4" destOrd="0" parTransId="{6B5E67C4-D8C9-2F41-855F-5191EA154F58}" sibTransId="{E0942A6A-BD26-6948-A031-422B8A19B79D}"/>
+    <dgm:cxn modelId="{C55699E6-E0D7-EC4F-B575-170AF27E8778}" type="presOf" srcId="{8BA774D2-8759-AF43-BA46-DFD78A81D3CD}" destId="{3D5C356F-E2F8-D24B-A90F-E8846003005C}" srcOrd="1" destOrd="0" presId="urn:microsoft.com/office/officeart/2005/8/layout/vProcess5"/>
+    <dgm:cxn modelId="{52FEBB0F-0DA1-5049-91B3-514A170426EF}" type="presOf" srcId="{8D7100A2-B2F3-544F-A12C-4276B2532479}" destId="{2870774E-A3A4-544F-884A-333EE83C9593}" srcOrd="0" destOrd="0" presId="urn:microsoft.com/office/officeart/2005/8/layout/vProcess5"/>
+    <dgm:cxn modelId="{78C6A1BE-409F-1F4A-A7F4-BF8C9FEC7A59}" type="presOf" srcId="{2715E5DA-1712-8D4A-B616-B6DC5E8C7C28}" destId="{1B382A9A-9CA6-0243-ACDD-D118A0DBF182}" srcOrd="0" destOrd="0" presId="urn:microsoft.com/office/officeart/2005/8/layout/vProcess5"/>
+    <dgm:cxn modelId="{6D5CA2E9-8A52-9949-B091-CD6677CF316B}" type="presOf" srcId="{52FF50CD-5B24-7E48-B038-D147D2E49837}" destId="{581FBB15-C32F-B14E-85A9-ACE2C48A2F64}" srcOrd="0" destOrd="0" presId="urn:microsoft.com/office/officeart/2005/8/layout/vProcess5"/>
+    <dgm:cxn modelId="{0FB1FB24-5DC9-3048-80B9-1604235B9996}" type="presOf" srcId="{8D7100A2-B2F3-544F-A12C-4276B2532479}" destId="{54EF87E4-FE59-554F-BB01-92C620C45575}" srcOrd="1" destOrd="0" presId="urn:microsoft.com/office/officeart/2005/8/layout/vProcess5"/>
+    <dgm:cxn modelId="{6E34193D-7950-DE4E-823D-3CFCDAC35661}" type="presOf" srcId="{9E3BF636-4D16-3C40-835D-D1836CDEE15A}" destId="{16C83020-CA20-C54A-A81E-2FAE4D5C138F}" srcOrd="0" destOrd="0" presId="urn:microsoft.com/office/officeart/2005/8/layout/vProcess5"/>
+    <dgm:cxn modelId="{92C8AFCA-57E3-604C-82B6-57B67E031C3A}" type="presOf" srcId="{2AB701DF-8980-0141-9842-59183E3B2815}" destId="{C47D9BAF-9FF3-9449-80B0-8C8C23604445}" srcOrd="0" destOrd="0" presId="urn:microsoft.com/office/officeart/2005/8/layout/vProcess5"/>
+    <dgm:cxn modelId="{682D7EDF-7FBF-1340-81B0-F128A7F9FA5B}" srcId="{9E3BF636-4D16-3C40-835D-D1836CDEE15A}" destId="{2AB701DF-8980-0141-9842-59183E3B2815}" srcOrd="3" destOrd="0" parTransId="{D1587182-5DC7-6C4F-A206-C93C1D021675}" sibTransId="{856B6F6A-E2F0-284D-A9F8-8CC37EC00D37}"/>
+    <dgm:cxn modelId="{C48AA422-8C16-EE41-91C1-449CDE2CE207}" type="presOf" srcId="{F5A6F1D5-0BB1-FE41-8746-418DF574EC07}" destId="{4880F54D-9832-0842-92E1-87F336B7CC9F}" srcOrd="0" destOrd="0" presId="urn:microsoft.com/office/officeart/2005/8/layout/vProcess5"/>
+    <dgm:cxn modelId="{551E80B8-05AE-1B49-B4B4-AF4631DCE788}" type="presOf" srcId="{7BF4565B-F9A0-A841-9561-B11A5DB84077}" destId="{A0A88EBD-E435-334B-AEDA-45A5ADCD2488}" srcOrd="1" destOrd="0" presId="urn:microsoft.com/office/officeart/2005/8/layout/vProcess5"/>
+    <dgm:cxn modelId="{A5B0A314-0C3D-FD48-B9CA-202D7DB93853}" type="presOf" srcId="{8BA774D2-8759-AF43-BA46-DFD78A81D3CD}" destId="{B463894A-E665-F64F-9935-46A073DAAC0D}" srcOrd="0" destOrd="0" presId="urn:microsoft.com/office/officeart/2005/8/layout/vProcess5"/>
+    <dgm:cxn modelId="{4CBB65D5-C5EC-AB4F-9155-E32C99B8F391}" type="presParOf" srcId="{16C83020-CA20-C54A-A81E-2FAE4D5C138F}" destId="{D363A769-DC85-4E40-B436-7363A38CFD16}" srcOrd="0" destOrd="0" presId="urn:microsoft.com/office/officeart/2005/8/layout/vProcess5"/>
+    <dgm:cxn modelId="{D9401DFF-A72C-1247-898C-5EDE76E7E74F}" type="presParOf" srcId="{16C83020-CA20-C54A-A81E-2FAE4D5C138F}" destId="{B463894A-E665-F64F-9935-46A073DAAC0D}" srcOrd="1" destOrd="0" presId="urn:microsoft.com/office/officeart/2005/8/layout/vProcess5"/>
+    <dgm:cxn modelId="{94EC771D-A4A4-B54D-91CA-43C6631AFCD8}" type="presParOf" srcId="{16C83020-CA20-C54A-A81E-2FAE4D5C138F}" destId="{4101A08F-3022-9A4B-B439-66A9F204A941}" srcOrd="2" destOrd="0" presId="urn:microsoft.com/office/officeart/2005/8/layout/vProcess5"/>
+    <dgm:cxn modelId="{57930F7A-E46B-8044-B0D9-291D378C7B98}" type="presParOf" srcId="{16C83020-CA20-C54A-A81E-2FAE4D5C138F}" destId="{2870774E-A3A4-544F-884A-333EE83C9593}" srcOrd="3" destOrd="0" presId="urn:microsoft.com/office/officeart/2005/8/layout/vProcess5"/>
+    <dgm:cxn modelId="{8DB98757-92D4-B143-81C0-0DFCD41A6BD3}" type="presParOf" srcId="{16C83020-CA20-C54A-A81E-2FAE4D5C138F}" destId="{C47D9BAF-9FF3-9449-80B0-8C8C23604445}" srcOrd="4" destOrd="0" presId="urn:microsoft.com/office/officeart/2005/8/layout/vProcess5"/>
+    <dgm:cxn modelId="{CCC7A6D1-3162-0F47-A088-7F3FF0F861C5}" type="presParOf" srcId="{16C83020-CA20-C54A-A81E-2FAE4D5C138F}" destId="{4880F54D-9832-0842-92E1-87F336B7CC9F}" srcOrd="5" destOrd="0" presId="urn:microsoft.com/office/officeart/2005/8/layout/vProcess5"/>
+    <dgm:cxn modelId="{8CCD0986-AB9A-6F4C-B9B1-96A5313B4D22}" type="presParOf" srcId="{16C83020-CA20-C54A-A81E-2FAE4D5C138F}" destId="{581FBB15-C32F-B14E-85A9-ACE2C48A2F64}" srcOrd="6" destOrd="0" presId="urn:microsoft.com/office/officeart/2005/8/layout/vProcess5"/>
+    <dgm:cxn modelId="{6ED9FCBD-87A1-3546-BAA8-4E404D167926}" type="presParOf" srcId="{16C83020-CA20-C54A-A81E-2FAE4D5C138F}" destId="{B5AF37B4-CA54-AC47-8852-A7EF813859D8}" srcOrd="7" destOrd="0" presId="urn:microsoft.com/office/officeart/2005/8/layout/vProcess5"/>
+    <dgm:cxn modelId="{0205D292-BBC5-3345-B79B-35371A140D0B}" type="presParOf" srcId="{16C83020-CA20-C54A-A81E-2FAE4D5C138F}" destId="{1B382A9A-9CA6-0243-ACDD-D118A0DBF182}" srcOrd="8" destOrd="0" presId="urn:microsoft.com/office/officeart/2005/8/layout/vProcess5"/>
+    <dgm:cxn modelId="{7131FD7F-6574-D54A-BA70-501A334E9669}" type="presParOf" srcId="{16C83020-CA20-C54A-A81E-2FAE4D5C138F}" destId="{B38A962C-4EFB-9E40-9700-0B7376C827FD}" srcOrd="9" destOrd="0" presId="urn:microsoft.com/office/officeart/2005/8/layout/vProcess5"/>
+    <dgm:cxn modelId="{4941D499-CF9F-8742-966D-140C1013E7A6}" type="presParOf" srcId="{16C83020-CA20-C54A-A81E-2FAE4D5C138F}" destId="{3D5C356F-E2F8-D24B-A90F-E8846003005C}" srcOrd="10" destOrd="0" presId="urn:microsoft.com/office/officeart/2005/8/layout/vProcess5"/>
+    <dgm:cxn modelId="{96F4CE1E-2414-3748-9871-01418A254C6B}" type="presParOf" srcId="{16C83020-CA20-C54A-A81E-2FAE4D5C138F}" destId="{A0A88EBD-E435-334B-AEDA-45A5ADCD2488}" srcOrd="11" destOrd="0" presId="urn:microsoft.com/office/officeart/2005/8/layout/vProcess5"/>
+    <dgm:cxn modelId="{D20150F4-E020-684E-99E1-1FD6328A5D10}" type="presParOf" srcId="{16C83020-CA20-C54A-A81E-2FAE4D5C138F}" destId="{54EF87E4-FE59-554F-BB01-92C620C45575}" srcOrd="12" destOrd="0" presId="urn:microsoft.com/office/officeart/2005/8/layout/vProcess5"/>
+    <dgm:cxn modelId="{A7AFDBA7-C92A-8849-A1D4-0633E2247DAD}" type="presParOf" srcId="{16C83020-CA20-C54A-A81E-2FAE4D5C138F}" destId="{4D5D51F2-4742-2D49-9FC8-5CF4505A7D8E}" srcOrd="13" destOrd="0" presId="urn:microsoft.com/office/officeart/2005/8/layout/vProcess5"/>
+    <dgm:cxn modelId="{0BF7D5FA-E7D2-4142-9AD7-CFD753B4AE00}" type="presParOf" srcId="{16C83020-CA20-C54A-A81E-2FAE4D5C138F}" destId="{A5A9E853-9DF6-1F42-B9D3-04E9D60CD84B}" srcOrd="14" destOrd="0" presId="urn:microsoft.com/office/officeart/2005/8/layout/vProcess5"/>
+  </dgm:cxnLst>
+  <dgm:bg/>
+  <dgm:whole/>
+  <dgm:extLst>
+    <a:ext uri="http://schemas.microsoft.com/office/drawing/2008/diagram">
+      <dsp:dataModelExt xmlns:dsp="http://schemas.microsoft.com/office/drawing/2008/diagram" relId="rId6" minVer="http://schemas.openxmlformats.org/drawingml/2006/diagram"/>
+    </a:ext>
+  </dgm:extLst>
+</dgm:dataModel>
+</file>
+
+<file path=ppt/diagrams/drawing1.xml><?xml version="1.0" encoding="utf-8"?>
+<dsp:drawing xmlns:dgm="http://schemas.openxmlformats.org/drawingml/2006/diagram" xmlns:dsp="http://schemas.microsoft.com/office/drawing/2008/diagram" xmlns:a="http://schemas.openxmlformats.org/drawingml/2006/main">
+  <dsp:spTree>
+    <dsp:nvGrpSpPr>
+      <dsp:cNvPr id="0" name=""/>
+      <dsp:cNvGrpSpPr/>
+    </dsp:nvGrpSpPr>
+    <dsp:grpSpPr/>
+    <dsp:sp modelId="{B463894A-E665-F64F-9935-46A073DAAC0D}">
+      <dsp:nvSpPr>
+        <dsp:cNvPr id="0" name=""/>
+        <dsp:cNvSpPr/>
+      </dsp:nvSpPr>
+      <dsp:spPr>
+        <a:xfrm>
+          <a:off x="0" y="0"/>
+          <a:ext cx="6336792" cy="832609"/>
+        </a:xfrm>
+        <a:prstGeom prst="roundRect">
+          <a:avLst>
+            <a:gd name="adj" fmla="val 10000"/>
+          </a:avLst>
+        </a:prstGeom>
+        <a:gradFill rotWithShape="0">
+          <a:gsLst>
+            <a:gs pos="0">
+              <a:schemeClr val="dk2">
+                <a:hueOff val="0"/>
+                <a:satOff val="0"/>
+                <a:lumOff val="0"/>
+                <a:alphaOff val="0"/>
+                <a:shade val="47500"/>
+                <a:satMod val="137000"/>
+              </a:schemeClr>
+            </a:gs>
+            <a:gs pos="55000">
+              <a:schemeClr val="dk2">
+                <a:hueOff val="0"/>
+                <a:satOff val="0"/>
+                <a:lumOff val="0"/>
+                <a:alphaOff val="0"/>
+                <a:shade val="69000"/>
+                <a:satMod val="137000"/>
+              </a:schemeClr>
+            </a:gs>
+            <a:gs pos="100000">
+              <a:schemeClr val="dk2">
+                <a:hueOff val="0"/>
+                <a:satOff val="0"/>
+                <a:lumOff val="0"/>
+                <a:alphaOff val="0"/>
+                <a:shade val="98000"/>
+                <a:satMod val="137000"/>
+              </a:schemeClr>
+            </a:gs>
+          </a:gsLst>
+          <a:lin ang="16200000" scaled="0"/>
+        </a:gradFill>
+        <a:ln>
+          <a:noFill/>
+        </a:ln>
+        <a:effectLst>
+          <a:outerShdw blurRad="39000" dist="25400" dir="5400000" rotWithShape="0">
+            <a:srgbClr val="000000">
+              <a:alpha val="38000"/>
+            </a:srgbClr>
+          </a:outerShdw>
+        </a:effectLst>
+      </dsp:spPr>
+      <dsp:style>
+        <a:lnRef idx="0">
+          <a:scrgbClr r="0" g="0" b="0"/>
+        </a:lnRef>
+        <a:fillRef idx="3">
+          <a:scrgbClr r="0" g="0" b="0"/>
+        </a:fillRef>
+        <a:effectRef idx="2">
+          <a:scrgbClr r="0" g="0" b="0"/>
+        </a:effectRef>
+        <a:fontRef idx="minor">
+          <a:schemeClr val="lt1"/>
+        </a:fontRef>
+      </dsp:style>
+      <dsp:txBody>
+        <a:bodyPr spcFirstLastPara="0" vert="horz" wrap="square" lIns="83820" tIns="83820" rIns="83820" bIns="83820" numCol="1" spcCol="1270" anchor="ctr" anchorCtr="0">
+          <a:noAutofit/>
+        </a:bodyPr>
+        <a:lstStyle/>
+        <a:p>
+          <a:pPr lvl="0" algn="l" defTabSz="977900">
+            <a:lnSpc>
+              <a:spcPct val="90000"/>
+            </a:lnSpc>
+            <a:spcBef>
+              <a:spcPct val="0"/>
+            </a:spcBef>
+            <a:spcAft>
+              <a:spcPct val="35000"/>
+            </a:spcAft>
+          </a:pPr>
+          <a:r>
+            <a:rPr lang="en-US" sz="2200" kern="1200" smtClean="0"/>
+            <a:t>Pull Raw Twitter Data</a:t>
+          </a:r>
+          <a:endParaRPr lang="en-US" sz="2200" kern="1200" dirty="0"/>
+        </a:p>
+      </dsp:txBody>
+      <dsp:txXfrm>
+        <a:off x="24386" y="24386"/>
+        <a:ext cx="5340926" cy="783837"/>
+      </dsp:txXfrm>
+    </dsp:sp>
+    <dsp:sp modelId="{4101A08F-3022-9A4B-B439-66A9F204A941}">
+      <dsp:nvSpPr>
+        <dsp:cNvPr id="0" name=""/>
+        <dsp:cNvSpPr/>
+      </dsp:nvSpPr>
+      <dsp:spPr>
+        <a:xfrm>
+          <a:off x="473202" y="948249"/>
+          <a:ext cx="6336792" cy="832609"/>
+        </a:xfrm>
+        <a:prstGeom prst="roundRect">
+          <a:avLst>
+            <a:gd name="adj" fmla="val 10000"/>
+          </a:avLst>
+        </a:prstGeom>
+        <a:gradFill rotWithShape="0">
+          <a:gsLst>
+            <a:gs pos="0">
+              <a:schemeClr val="dk2">
+                <a:hueOff val="0"/>
+                <a:satOff val="0"/>
+                <a:lumOff val="0"/>
+                <a:alphaOff val="0"/>
+                <a:shade val="47500"/>
+                <a:satMod val="137000"/>
+              </a:schemeClr>
+            </a:gs>
+            <a:gs pos="55000">
+              <a:schemeClr val="dk2">
+                <a:hueOff val="0"/>
+                <a:satOff val="0"/>
+                <a:lumOff val="0"/>
+                <a:alphaOff val="0"/>
+                <a:shade val="69000"/>
+                <a:satMod val="137000"/>
+              </a:schemeClr>
+            </a:gs>
+            <a:gs pos="100000">
+              <a:schemeClr val="dk2">
+                <a:hueOff val="0"/>
+                <a:satOff val="0"/>
+                <a:lumOff val="0"/>
+                <a:alphaOff val="0"/>
+                <a:shade val="98000"/>
+                <a:satMod val="137000"/>
+              </a:schemeClr>
+            </a:gs>
+          </a:gsLst>
+          <a:lin ang="16200000" scaled="0"/>
+        </a:gradFill>
+        <a:ln>
+          <a:noFill/>
+        </a:ln>
+        <a:effectLst>
+          <a:outerShdw blurRad="39000" dist="25400" dir="5400000" rotWithShape="0">
+            <a:srgbClr val="000000">
+              <a:alpha val="38000"/>
+            </a:srgbClr>
+          </a:outerShdw>
+        </a:effectLst>
+      </dsp:spPr>
+      <dsp:style>
+        <a:lnRef idx="0">
+          <a:scrgbClr r="0" g="0" b="0"/>
+        </a:lnRef>
+        <a:fillRef idx="3">
+          <a:scrgbClr r="0" g="0" b="0"/>
+        </a:fillRef>
+        <a:effectRef idx="2">
+          <a:scrgbClr r="0" g="0" b="0"/>
+        </a:effectRef>
+        <a:fontRef idx="minor">
+          <a:schemeClr val="lt1"/>
+        </a:fontRef>
+      </dsp:style>
+      <dsp:txBody>
+        <a:bodyPr spcFirstLastPara="0" vert="horz" wrap="square" lIns="83820" tIns="83820" rIns="83820" bIns="83820" numCol="1" spcCol="1270" anchor="ctr" anchorCtr="0">
+          <a:noAutofit/>
+        </a:bodyPr>
+        <a:lstStyle/>
+        <a:p>
+          <a:pPr lvl="0" algn="l" defTabSz="977900">
+            <a:lnSpc>
+              <a:spcPct val="90000"/>
+            </a:lnSpc>
+            <a:spcBef>
+              <a:spcPct val="0"/>
+            </a:spcBef>
+            <a:spcAft>
+              <a:spcPct val="35000"/>
+            </a:spcAft>
+          </a:pPr>
+          <a:r>
+            <a:rPr lang="en-US" sz="2200" kern="1200" dirty="0" smtClean="0"/>
+            <a:t>Subset to Original Tweets with Images</a:t>
+          </a:r>
+          <a:endParaRPr lang="en-US" sz="2200" kern="1200" dirty="0"/>
+        </a:p>
+      </dsp:txBody>
+      <dsp:txXfrm>
+        <a:off x="497588" y="972635"/>
+        <a:ext cx="5273621" cy="783837"/>
+      </dsp:txXfrm>
+    </dsp:sp>
+    <dsp:sp modelId="{2870774E-A3A4-544F-884A-333EE83C9593}">
+      <dsp:nvSpPr>
+        <dsp:cNvPr id="0" name=""/>
+        <dsp:cNvSpPr/>
+      </dsp:nvSpPr>
+      <dsp:spPr>
+        <a:xfrm>
+          <a:off x="946404" y="1896499"/>
+          <a:ext cx="6336792" cy="832609"/>
+        </a:xfrm>
+        <a:prstGeom prst="roundRect">
+          <a:avLst>
+            <a:gd name="adj" fmla="val 10000"/>
+          </a:avLst>
+        </a:prstGeom>
+        <a:gradFill rotWithShape="0">
+          <a:gsLst>
+            <a:gs pos="0">
+              <a:schemeClr val="dk2">
+                <a:hueOff val="0"/>
+                <a:satOff val="0"/>
+                <a:lumOff val="0"/>
+                <a:alphaOff val="0"/>
+                <a:shade val="47500"/>
+                <a:satMod val="137000"/>
+              </a:schemeClr>
+            </a:gs>
+            <a:gs pos="55000">
+              <a:schemeClr val="dk2">
+                <a:hueOff val="0"/>
+                <a:satOff val="0"/>
+                <a:lumOff val="0"/>
+                <a:alphaOff val="0"/>
+                <a:shade val="69000"/>
+                <a:satMod val="137000"/>
+              </a:schemeClr>
+            </a:gs>
+            <a:gs pos="100000">
+              <a:schemeClr val="dk2">
+                <a:hueOff val="0"/>
+                <a:satOff val="0"/>
+                <a:lumOff val="0"/>
+                <a:alphaOff val="0"/>
+                <a:shade val="98000"/>
+                <a:satMod val="137000"/>
+              </a:schemeClr>
+            </a:gs>
+          </a:gsLst>
+          <a:lin ang="16200000" scaled="0"/>
+        </a:gradFill>
+        <a:ln>
+          <a:noFill/>
+        </a:ln>
+        <a:effectLst>
+          <a:outerShdw blurRad="39000" dist="25400" dir="5400000" rotWithShape="0">
+            <a:srgbClr val="000000">
+              <a:alpha val="38000"/>
+            </a:srgbClr>
+          </a:outerShdw>
+        </a:effectLst>
+      </dsp:spPr>
+      <dsp:style>
+        <a:lnRef idx="0">
+          <a:scrgbClr r="0" g="0" b="0"/>
+        </a:lnRef>
+        <a:fillRef idx="3">
+          <a:scrgbClr r="0" g="0" b="0"/>
+        </a:fillRef>
+        <a:effectRef idx="2">
+          <a:scrgbClr r="0" g="0" b="0"/>
+        </a:effectRef>
+        <a:fontRef idx="minor">
+          <a:schemeClr val="lt1"/>
+        </a:fontRef>
+      </dsp:style>
+      <dsp:txBody>
+        <a:bodyPr spcFirstLastPara="0" vert="horz" wrap="square" lIns="83820" tIns="83820" rIns="83820" bIns="83820" numCol="1" spcCol="1270" anchor="ctr" anchorCtr="0">
+          <a:noAutofit/>
+        </a:bodyPr>
+        <a:lstStyle/>
+        <a:p>
+          <a:pPr lvl="0" algn="l" defTabSz="977900">
+            <a:lnSpc>
+              <a:spcPct val="90000"/>
+            </a:lnSpc>
+            <a:spcBef>
+              <a:spcPct val="0"/>
+            </a:spcBef>
+            <a:spcAft>
+              <a:spcPct val="35000"/>
+            </a:spcAft>
+          </a:pPr>
+          <a:r>
+            <a:rPr lang="en-US" sz="2200" kern="1200" dirty="0" smtClean="0"/>
+            <a:t>Ascribe Sentiment to Tweets Based on Text</a:t>
+          </a:r>
+          <a:endParaRPr lang="en-US" sz="2200" kern="1200" dirty="0"/>
+        </a:p>
+      </dsp:txBody>
+      <dsp:txXfrm>
+        <a:off x="970790" y="1920885"/>
+        <a:ext cx="5273621" cy="783837"/>
+      </dsp:txXfrm>
+    </dsp:sp>
+    <dsp:sp modelId="{C47D9BAF-9FF3-9449-80B0-8C8C23604445}">
+      <dsp:nvSpPr>
+        <dsp:cNvPr id="0" name=""/>
+        <dsp:cNvSpPr/>
+      </dsp:nvSpPr>
+      <dsp:spPr>
+        <a:xfrm>
+          <a:off x="1419605" y="2844749"/>
+          <a:ext cx="6336792" cy="832609"/>
+        </a:xfrm>
+        <a:prstGeom prst="roundRect">
+          <a:avLst>
+            <a:gd name="adj" fmla="val 10000"/>
+          </a:avLst>
+        </a:prstGeom>
+        <a:gradFill rotWithShape="0">
+          <a:gsLst>
+            <a:gs pos="0">
+              <a:schemeClr val="dk2">
+                <a:hueOff val="0"/>
+                <a:satOff val="0"/>
+                <a:lumOff val="0"/>
+                <a:alphaOff val="0"/>
+                <a:shade val="47500"/>
+                <a:satMod val="137000"/>
+              </a:schemeClr>
+            </a:gs>
+            <a:gs pos="55000">
+              <a:schemeClr val="dk2">
+                <a:hueOff val="0"/>
+                <a:satOff val="0"/>
+                <a:lumOff val="0"/>
+                <a:alphaOff val="0"/>
+                <a:shade val="69000"/>
+                <a:satMod val="137000"/>
+              </a:schemeClr>
+            </a:gs>
+            <a:gs pos="100000">
+              <a:schemeClr val="dk2">
+                <a:hueOff val="0"/>
+                <a:satOff val="0"/>
+                <a:lumOff val="0"/>
+                <a:alphaOff val="0"/>
+                <a:shade val="98000"/>
+                <a:satMod val="137000"/>
+              </a:schemeClr>
+            </a:gs>
+          </a:gsLst>
+          <a:lin ang="16200000" scaled="0"/>
+        </a:gradFill>
+        <a:ln>
+          <a:noFill/>
+        </a:ln>
+        <a:effectLst>
+          <a:outerShdw blurRad="39000" dist="25400" dir="5400000" rotWithShape="0">
+            <a:srgbClr val="000000">
+              <a:alpha val="38000"/>
+            </a:srgbClr>
+          </a:outerShdw>
+        </a:effectLst>
+      </dsp:spPr>
+      <dsp:style>
+        <a:lnRef idx="0">
+          <a:scrgbClr r="0" g="0" b="0"/>
+        </a:lnRef>
+        <a:fillRef idx="3">
+          <a:scrgbClr r="0" g="0" b="0"/>
+        </a:fillRef>
+        <a:effectRef idx="2">
+          <a:scrgbClr r="0" g="0" b="0"/>
+        </a:effectRef>
+        <a:fontRef idx="minor">
+          <a:schemeClr val="lt1"/>
+        </a:fontRef>
+      </dsp:style>
+      <dsp:txBody>
+        <a:bodyPr spcFirstLastPara="0" vert="horz" wrap="square" lIns="83820" tIns="83820" rIns="83820" bIns="83820" numCol="1" spcCol="1270" anchor="ctr" anchorCtr="0">
+          <a:noAutofit/>
+        </a:bodyPr>
+        <a:lstStyle/>
+        <a:p>
+          <a:pPr lvl="0" algn="l" defTabSz="977900">
+            <a:lnSpc>
+              <a:spcPct val="90000"/>
+            </a:lnSpc>
+            <a:spcBef>
+              <a:spcPct val="0"/>
+            </a:spcBef>
+            <a:spcAft>
+              <a:spcPct val="35000"/>
+            </a:spcAft>
+          </a:pPr>
+          <a:r>
+            <a:rPr lang="en-US" sz="2200" kern="1200" dirty="0" smtClean="0"/>
+            <a:t>Use Tweet Sentiment to build a predictor for Image Sentiment</a:t>
+          </a:r>
+          <a:endParaRPr lang="en-US" sz="2200" kern="1200" dirty="0"/>
+        </a:p>
+      </dsp:txBody>
+      <dsp:txXfrm>
+        <a:off x="1443991" y="2869135"/>
+        <a:ext cx="5273621" cy="783837"/>
+      </dsp:txXfrm>
+    </dsp:sp>
+    <dsp:sp modelId="{4880F54D-9832-0842-92E1-87F336B7CC9F}">
+      <dsp:nvSpPr>
+        <dsp:cNvPr id="0" name=""/>
+        <dsp:cNvSpPr/>
+      </dsp:nvSpPr>
+      <dsp:spPr>
+        <a:xfrm>
+          <a:off x="1892808" y="3792999"/>
+          <a:ext cx="6336792" cy="832609"/>
+        </a:xfrm>
+        <a:prstGeom prst="roundRect">
+          <a:avLst>
+            <a:gd name="adj" fmla="val 10000"/>
+          </a:avLst>
+        </a:prstGeom>
+        <a:gradFill rotWithShape="0">
+          <a:gsLst>
+            <a:gs pos="0">
+              <a:schemeClr val="dk2">
+                <a:hueOff val="0"/>
+                <a:satOff val="0"/>
+                <a:lumOff val="0"/>
+                <a:alphaOff val="0"/>
+                <a:shade val="47500"/>
+                <a:satMod val="137000"/>
+              </a:schemeClr>
+            </a:gs>
+            <a:gs pos="55000">
+              <a:schemeClr val="dk2">
+                <a:hueOff val="0"/>
+                <a:satOff val="0"/>
+                <a:lumOff val="0"/>
+                <a:alphaOff val="0"/>
+                <a:shade val="69000"/>
+                <a:satMod val="137000"/>
+              </a:schemeClr>
+            </a:gs>
+            <a:gs pos="100000">
+              <a:schemeClr val="dk2">
+                <a:hueOff val="0"/>
+                <a:satOff val="0"/>
+                <a:lumOff val="0"/>
+                <a:alphaOff val="0"/>
+                <a:shade val="98000"/>
+                <a:satMod val="137000"/>
+              </a:schemeClr>
+            </a:gs>
+          </a:gsLst>
+          <a:lin ang="16200000" scaled="0"/>
+        </a:gradFill>
+        <a:ln>
+          <a:noFill/>
+        </a:ln>
+        <a:effectLst>
+          <a:outerShdw blurRad="39000" dist="25400" dir="5400000" rotWithShape="0">
+            <a:srgbClr val="000000">
+              <a:alpha val="38000"/>
+            </a:srgbClr>
+          </a:outerShdw>
+        </a:effectLst>
+      </dsp:spPr>
+      <dsp:style>
+        <a:lnRef idx="0">
+          <a:scrgbClr r="0" g="0" b="0"/>
+        </a:lnRef>
+        <a:fillRef idx="3">
+          <a:scrgbClr r="0" g="0" b="0"/>
+        </a:fillRef>
+        <a:effectRef idx="2">
+          <a:scrgbClr r="0" g="0" b="0"/>
+        </a:effectRef>
+        <a:fontRef idx="minor">
+          <a:schemeClr val="lt1"/>
+        </a:fontRef>
+      </dsp:style>
+      <dsp:txBody>
+        <a:bodyPr spcFirstLastPara="0" vert="horz" wrap="square" lIns="83820" tIns="83820" rIns="83820" bIns="83820" numCol="1" spcCol="1270" anchor="ctr" anchorCtr="0">
+          <a:noAutofit/>
+        </a:bodyPr>
+        <a:lstStyle/>
+        <a:p>
+          <a:pPr lvl="0" algn="l" defTabSz="977900">
+            <a:lnSpc>
+              <a:spcPct val="90000"/>
+            </a:lnSpc>
+            <a:spcBef>
+              <a:spcPct val="0"/>
+            </a:spcBef>
+            <a:spcAft>
+              <a:spcPct val="35000"/>
+            </a:spcAft>
+          </a:pPr>
+          <a:r>
+            <a:rPr lang="en-US" sz="2200" kern="1200" dirty="0" smtClean="0"/>
+            <a:t>Test Classifier against Twitter and </a:t>
+          </a:r>
+          <a:r>
+            <a:rPr lang="en-US" sz="2200" kern="1200" dirty="0" err="1" smtClean="0"/>
+            <a:t>Crowdflower</a:t>
+          </a:r>
+          <a:r>
+            <a:rPr lang="en-US" sz="2200" kern="1200" dirty="0" smtClean="0"/>
+            <a:t> Images</a:t>
+          </a:r>
+          <a:endParaRPr lang="en-US" sz="2200" kern="1200" dirty="0"/>
+        </a:p>
+      </dsp:txBody>
+      <dsp:txXfrm>
+        <a:off x="1917194" y="3817385"/>
+        <a:ext cx="5273621" cy="783837"/>
+      </dsp:txXfrm>
+    </dsp:sp>
+    <dsp:sp modelId="{581FBB15-C32F-B14E-85A9-ACE2C48A2F64}">
+      <dsp:nvSpPr>
+        <dsp:cNvPr id="0" name=""/>
+        <dsp:cNvSpPr/>
+      </dsp:nvSpPr>
+      <dsp:spPr>
+        <a:xfrm>
+          <a:off x="5795595" y="608267"/>
+          <a:ext cx="541196" cy="541196"/>
+        </a:xfrm>
+        <a:prstGeom prst="downArrow">
+          <a:avLst>
+            <a:gd name="adj1" fmla="val 55000"/>
+            <a:gd name="adj2" fmla="val 45000"/>
+          </a:avLst>
+        </a:prstGeom>
+        <a:solidFill>
+          <a:schemeClr val="dk2">
+            <a:alpha val="90000"/>
+            <a:tint val="40000"/>
+            <a:hueOff val="0"/>
+            <a:satOff val="0"/>
+            <a:lumOff val="0"/>
+            <a:alphaOff val="0"/>
+          </a:schemeClr>
+        </a:solidFill>
+        <a:ln w="6350" cap="rnd" cmpd="sng" algn="ctr">
+          <a:solidFill>
+            <a:schemeClr val="dk2">
+              <a:alpha val="90000"/>
+              <a:tint val="40000"/>
+              <a:hueOff val="0"/>
+              <a:satOff val="0"/>
+              <a:lumOff val="0"/>
+              <a:alphaOff val="0"/>
+            </a:schemeClr>
+          </a:solidFill>
+          <a:prstDash val="solid"/>
+        </a:ln>
+        <a:effectLst/>
+      </dsp:spPr>
+      <dsp:style>
+        <a:lnRef idx="1">
+          <a:scrgbClr r="0" g="0" b="0"/>
+        </a:lnRef>
+        <a:fillRef idx="1">
+          <a:scrgbClr r="0" g="0" b="0"/>
+        </a:fillRef>
+        <a:effectRef idx="0">
+          <a:scrgbClr r="0" g="0" b="0"/>
+        </a:effectRef>
+        <a:fontRef idx="minor"/>
+      </dsp:style>
+      <dsp:txBody>
+        <a:bodyPr spcFirstLastPara="0" vert="horz" wrap="square" lIns="30480" tIns="30480" rIns="30480" bIns="30480" numCol="1" spcCol="1270" anchor="ctr" anchorCtr="0">
+          <a:noAutofit/>
+        </a:bodyPr>
+        <a:lstStyle/>
+        <a:p>
+          <a:pPr lvl="0" algn="ctr" defTabSz="1066800">
+            <a:lnSpc>
+              <a:spcPct val="90000"/>
+            </a:lnSpc>
+            <a:spcBef>
+              <a:spcPct val="0"/>
+            </a:spcBef>
+            <a:spcAft>
+              <a:spcPct val="35000"/>
+            </a:spcAft>
+          </a:pPr>
+          <a:endParaRPr lang="en-US" sz="2400" kern="1200"/>
+        </a:p>
+      </dsp:txBody>
+      <dsp:txXfrm>
+        <a:off x="5917364" y="608267"/>
+        <a:ext cx="297658" cy="407250"/>
+      </dsp:txXfrm>
+    </dsp:sp>
+    <dsp:sp modelId="{B5AF37B4-CA54-AC47-8852-A7EF813859D8}">
+      <dsp:nvSpPr>
+        <dsp:cNvPr id="0" name=""/>
+        <dsp:cNvSpPr/>
+      </dsp:nvSpPr>
+      <dsp:spPr>
+        <a:xfrm>
+          <a:off x="6268797" y="1556517"/>
+          <a:ext cx="541196" cy="541196"/>
+        </a:xfrm>
+        <a:prstGeom prst="downArrow">
+          <a:avLst>
+            <a:gd name="adj1" fmla="val 55000"/>
+            <a:gd name="adj2" fmla="val 45000"/>
+          </a:avLst>
+        </a:prstGeom>
+        <a:solidFill>
+          <a:schemeClr val="dk2">
+            <a:alpha val="90000"/>
+            <a:tint val="40000"/>
+            <a:hueOff val="0"/>
+            <a:satOff val="0"/>
+            <a:lumOff val="0"/>
+            <a:alphaOff val="0"/>
+          </a:schemeClr>
+        </a:solidFill>
+        <a:ln w="6350" cap="rnd" cmpd="sng" algn="ctr">
+          <a:solidFill>
+            <a:schemeClr val="dk2">
+              <a:alpha val="90000"/>
+              <a:tint val="40000"/>
+              <a:hueOff val="0"/>
+              <a:satOff val="0"/>
+              <a:lumOff val="0"/>
+              <a:alphaOff val="0"/>
+            </a:schemeClr>
+          </a:solidFill>
+          <a:prstDash val="solid"/>
+        </a:ln>
+        <a:effectLst/>
+      </dsp:spPr>
+      <dsp:style>
+        <a:lnRef idx="1">
+          <a:scrgbClr r="0" g="0" b="0"/>
+        </a:lnRef>
+        <a:fillRef idx="1">
+          <a:scrgbClr r="0" g="0" b="0"/>
+        </a:fillRef>
+        <a:effectRef idx="0">
+          <a:scrgbClr r="0" g="0" b="0"/>
+        </a:effectRef>
+        <a:fontRef idx="minor"/>
+      </dsp:style>
+      <dsp:txBody>
+        <a:bodyPr spcFirstLastPara="0" vert="horz" wrap="square" lIns="30480" tIns="30480" rIns="30480" bIns="30480" numCol="1" spcCol="1270" anchor="ctr" anchorCtr="0">
+          <a:noAutofit/>
+        </a:bodyPr>
+        <a:lstStyle/>
+        <a:p>
+          <a:pPr lvl="0" algn="ctr" defTabSz="1066800">
+            <a:lnSpc>
+              <a:spcPct val="90000"/>
+            </a:lnSpc>
+            <a:spcBef>
+              <a:spcPct val="0"/>
+            </a:spcBef>
+            <a:spcAft>
+              <a:spcPct val="35000"/>
+            </a:spcAft>
+          </a:pPr>
+          <a:endParaRPr lang="en-US" sz="2400" kern="1200"/>
+        </a:p>
+      </dsp:txBody>
+      <dsp:txXfrm>
+        <a:off x="6390566" y="1556517"/>
+        <a:ext cx="297658" cy="407250"/>
+      </dsp:txXfrm>
+    </dsp:sp>
+    <dsp:sp modelId="{1B382A9A-9CA6-0243-ACDD-D118A0DBF182}">
+      <dsp:nvSpPr>
+        <dsp:cNvPr id="0" name=""/>
+        <dsp:cNvSpPr/>
+      </dsp:nvSpPr>
+      <dsp:spPr>
+        <a:xfrm>
+          <a:off x="6741999" y="2490890"/>
+          <a:ext cx="541196" cy="541196"/>
+        </a:xfrm>
+        <a:prstGeom prst="downArrow">
+          <a:avLst>
+            <a:gd name="adj1" fmla="val 55000"/>
+            <a:gd name="adj2" fmla="val 45000"/>
+          </a:avLst>
+        </a:prstGeom>
+        <a:solidFill>
+          <a:schemeClr val="dk2">
+            <a:alpha val="90000"/>
+            <a:tint val="40000"/>
+            <a:hueOff val="0"/>
+            <a:satOff val="0"/>
+            <a:lumOff val="0"/>
+            <a:alphaOff val="0"/>
+          </a:schemeClr>
+        </a:solidFill>
+        <a:ln w="6350" cap="rnd" cmpd="sng" algn="ctr">
+          <a:solidFill>
+            <a:schemeClr val="dk2">
+              <a:alpha val="90000"/>
+              <a:tint val="40000"/>
+              <a:hueOff val="0"/>
+              <a:satOff val="0"/>
+              <a:lumOff val="0"/>
+              <a:alphaOff val="0"/>
+            </a:schemeClr>
+          </a:solidFill>
+          <a:prstDash val="solid"/>
+        </a:ln>
+        <a:effectLst/>
+      </dsp:spPr>
+      <dsp:style>
+        <a:lnRef idx="1">
+          <a:scrgbClr r="0" g="0" b="0"/>
+        </a:lnRef>
+        <a:fillRef idx="1">
+          <a:scrgbClr r="0" g="0" b="0"/>
+        </a:fillRef>
+        <a:effectRef idx="0">
+          <a:scrgbClr r="0" g="0" b="0"/>
+        </a:effectRef>
+        <a:fontRef idx="minor"/>
+      </dsp:style>
+      <dsp:txBody>
+        <a:bodyPr spcFirstLastPara="0" vert="horz" wrap="square" lIns="30480" tIns="30480" rIns="30480" bIns="30480" numCol="1" spcCol="1270" anchor="ctr" anchorCtr="0">
+          <a:noAutofit/>
+        </a:bodyPr>
+        <a:lstStyle/>
+        <a:p>
+          <a:pPr lvl="0" algn="ctr" defTabSz="1066800">
+            <a:lnSpc>
+              <a:spcPct val="90000"/>
+            </a:lnSpc>
+            <a:spcBef>
+              <a:spcPct val="0"/>
+            </a:spcBef>
+            <a:spcAft>
+              <a:spcPct val="35000"/>
+            </a:spcAft>
+          </a:pPr>
+          <a:endParaRPr lang="en-US" sz="2400" kern="1200"/>
+        </a:p>
+      </dsp:txBody>
+      <dsp:txXfrm>
+        <a:off x="6863768" y="2490890"/>
+        <a:ext cx="297658" cy="407250"/>
+      </dsp:txXfrm>
+    </dsp:sp>
+    <dsp:sp modelId="{B38A962C-4EFB-9E40-9700-0B7376C827FD}">
+      <dsp:nvSpPr>
+        <dsp:cNvPr id="0" name=""/>
+        <dsp:cNvSpPr/>
+      </dsp:nvSpPr>
+      <dsp:spPr>
+        <a:xfrm>
+          <a:off x="7215201" y="3448391"/>
+          <a:ext cx="541196" cy="541196"/>
+        </a:xfrm>
+        <a:prstGeom prst="downArrow">
+          <a:avLst>
+            <a:gd name="adj1" fmla="val 55000"/>
+            <a:gd name="adj2" fmla="val 45000"/>
+          </a:avLst>
+        </a:prstGeom>
+        <a:solidFill>
+          <a:schemeClr val="dk2">
+            <a:alpha val="90000"/>
+            <a:tint val="40000"/>
+            <a:hueOff val="0"/>
+            <a:satOff val="0"/>
+            <a:lumOff val="0"/>
+            <a:alphaOff val="0"/>
+          </a:schemeClr>
+        </a:solidFill>
+        <a:ln w="6350" cap="rnd" cmpd="sng" algn="ctr">
+          <a:solidFill>
+            <a:schemeClr val="dk2">
+              <a:alpha val="90000"/>
+              <a:tint val="40000"/>
+              <a:hueOff val="0"/>
+              <a:satOff val="0"/>
+              <a:lumOff val="0"/>
+              <a:alphaOff val="0"/>
+            </a:schemeClr>
+          </a:solidFill>
+          <a:prstDash val="solid"/>
+        </a:ln>
+        <a:effectLst/>
+      </dsp:spPr>
+      <dsp:style>
+        <a:lnRef idx="1">
+          <a:scrgbClr r="0" g="0" b="0"/>
+        </a:lnRef>
+        <a:fillRef idx="1">
+          <a:scrgbClr r="0" g="0" b="0"/>
+        </a:fillRef>
+        <a:effectRef idx="0">
+          <a:scrgbClr r="0" g="0" b="0"/>
+        </a:effectRef>
+        <a:fontRef idx="minor"/>
+      </dsp:style>
+      <dsp:txBody>
+        <a:bodyPr spcFirstLastPara="0" vert="horz" wrap="square" lIns="30480" tIns="30480" rIns="30480" bIns="30480" numCol="1" spcCol="1270" anchor="ctr" anchorCtr="0">
+          <a:noAutofit/>
+        </a:bodyPr>
+        <a:lstStyle/>
+        <a:p>
+          <a:pPr lvl="0" algn="ctr" defTabSz="1066800">
+            <a:lnSpc>
+              <a:spcPct val="90000"/>
+            </a:lnSpc>
+            <a:spcBef>
+              <a:spcPct val="0"/>
+            </a:spcBef>
+            <a:spcAft>
+              <a:spcPct val="35000"/>
+            </a:spcAft>
+          </a:pPr>
+          <a:endParaRPr lang="en-US" sz="2400" kern="1200"/>
+        </a:p>
+      </dsp:txBody>
+      <dsp:txXfrm>
+        <a:off x="7336970" y="3448391"/>
+        <a:ext cx="297658" cy="407250"/>
+      </dsp:txXfrm>
+    </dsp:sp>
+  </dsp:spTree>
+</dsp:drawing>
+</file>
+
+<file path=ppt/diagrams/layout1.xml><?xml version="1.0" encoding="utf-8"?>
+<dgm:layoutDef xmlns:dgm="http://schemas.openxmlformats.org/drawingml/2006/diagram" xmlns:a="http://schemas.openxmlformats.org/drawingml/2006/main" uniqueId="urn:microsoft.com/office/officeart/2005/8/layout/vProcess5">
+  <dgm:title val=""/>
+  <dgm:desc val=""/>
+  <dgm:catLst>
+    <dgm:cat type="process" pri="14000"/>
+  </dgm:catLst>
+  <dgm:sampData>
+    <dgm:dataModel>
+      <dgm:ptLst>
+        <dgm:pt modelId="0" type="doc"/>
+        <dgm:pt modelId="1">
+          <dgm:prSet phldr="1"/>
+        </dgm:pt>
+        <dgm:pt modelId="2">
+          <dgm:prSet phldr="1"/>
+        </dgm:pt>
+        <dgm:pt modelId="3">
+          <dgm:prSet phldr="1"/>
+        </dgm:pt>
+      </dgm:ptLst>
+      <dgm:cxnLst>
+        <dgm:cxn modelId="5" srcId="0" destId="1" srcOrd="0" destOrd="0"/>
+        <dgm:cxn modelId="6" srcId="0" destId="2" srcOrd="1" destOrd="0"/>
+        <dgm:cxn modelId="7" srcId="0" destId="3" srcOrd="2" destOrd="0"/>
+      </dgm:cxnLst>
+      <dgm:bg/>
+      <dgm:whole/>
+    </dgm:dataModel>
+  </dgm:sampData>
+  <dgm:styleData>
+    <dgm:dataModel>
+      <dgm:ptLst>
+        <dgm:pt modelId="0" type="doc"/>
+        <dgm:pt modelId="1"/>
+        <dgm:pt modelId="2"/>
+      </dgm:ptLst>
+      <dgm:cxnLst>
+        <dgm:cxn modelId="3" srcId="0" destId="1" srcOrd="0" destOrd="0"/>
+        <dgm:cxn modelId="4" srcId="0" destId="2" srcOrd="1" destOrd="0"/>
+      </dgm:cxnLst>
+      <dgm:bg/>
+      <dgm:whole/>
+    </dgm:dataModel>
+  </dgm:styleData>
+  <dgm:clrData>
+    <dgm:dataModel>
+      <dgm:ptLst>
+        <dgm:pt modelId="0" type="doc"/>
+        <dgm:pt modelId="1"/>
+        <dgm:pt modelId="2"/>
+        <dgm:pt modelId="3"/>
+        <dgm:pt modelId="4"/>
+      </dgm:ptLst>
+      <dgm:cxnLst>
+        <dgm:cxn modelId="6" srcId="0" destId="1" srcOrd="0" destOrd="0"/>
+        <dgm:cxn modelId="7" srcId="0" destId="2" srcOrd="1" destOrd="0"/>
+        <dgm:cxn modelId="8" srcId="0" destId="3" srcOrd="2" destOrd="0"/>
+        <dgm:cxn modelId="9" srcId="0" destId="4" srcOrd="3" destOrd="0"/>
+      </dgm:cxnLst>
+      <dgm:bg/>
+      <dgm:whole/>
+    </dgm:dataModel>
+  </dgm:clrData>
+  <dgm:layoutNode name="outerComposite">
+    <dgm:varLst>
+      <dgm:chMax val="5"/>
+      <dgm:dir/>
+      <dgm:resizeHandles val="exact"/>
+    </dgm:varLst>
+    <dgm:alg type="composite"/>
+    <dgm:shape xmlns:r="http://schemas.openxmlformats.org/officeDocument/2006/relationships" r:blip="">
+      <dgm:adjLst/>
+    </dgm:shape>
+    <dgm:presOf/>
+    <dgm:choose name="Name0">
+      <dgm:if name="Name1" func="var" arg="dir" op="equ" val="norm">
+        <dgm:constrLst>
+          <dgm:constr type="primFontSz" for="ch" ptType="node" op="equ" val="65"/>
+          <dgm:constr type="w" for="ch" forName="dummyMaxCanvas" refType="w"/>
+          <dgm:constr type="h" for="ch" forName="dummyMaxCanvas" refType="h"/>
+          <dgm:constr type="w" for="ch" forName="OneNode_1" refType="w"/>
+          <dgm:constr type="h" for="ch" forName="OneNode_1" refType="h" fact="0.5"/>
+          <dgm:constr type="ctrY" for="ch" forName="OneNode_1" refType="h" fact="0.5"/>
+          <dgm:constr type="w" for="ch" forName="TwoNodes_1" refType="w" fact="0.85"/>
+          <dgm:constr type="h" for="ch" forName="TwoNodes_1" refType="h" fact="0.45"/>
+          <dgm:constr type="t" for="ch" forName="TwoNodes_1"/>
+          <dgm:constr type="l" for="ch" forName="TwoNodes_1"/>
+          <dgm:constr type="w" for="ch" forName="TwoNodes_2" refType="w" fact="0.85"/>
+          <dgm:constr type="h" for="ch" forName="TwoNodes_2" refType="h" fact="0.45"/>
+          <dgm:constr type="b" for="ch" forName="TwoNodes_2" refType="h"/>
+          <dgm:constr type="r" for="ch" forName="TwoNodes_2" refType="w"/>
+          <dgm:constr type="w" for="ch" forName="TwoConn_1-2" refType="h" refFor="ch" refForName="TwoNodes_1" fact="0.65"/>
+          <dgm:constr type="h" for="ch" forName="TwoConn_1-2" refType="h" refFor="ch" refForName="TwoNodes_1" fact="0.65"/>
+          <dgm:constr type="ctrY" for="ch" forName="TwoConn_1-2" refType="h" fact="0.5"/>
+          <dgm:constr type="r" for="ch" forName="TwoConn_1-2" refType="r" refFor="ch" refForName="TwoNodes_1"/>
+          <dgm:constr type="r" for="ch" forName="TwoNodes_1_text" refType="l" refFor="ch" refForName="TwoConn_1-2"/>
+          <dgm:constr type="rOff" for="ch" forName="TwoNodes_1_text" refType="w" refFor="ch" refForName="TwoConn_1-2" fact="-0.5"/>
+          <dgm:constr type="t" for="ch" forName="TwoNodes_1_text" refType="t" refFor="ch" refForName="TwoNodes_1"/>
+          <dgm:constr type="b" for="ch" forName="TwoNodes_1_text" refType="b" refFor="ch" refForName="TwoNodes_1"/>
+          <dgm:constr type="l" for="ch" forName="TwoNodes_1_text" refType="l" refFor="ch" refForName="TwoNodes_1"/>
+          <dgm:constr type="r" for="ch" forName="TwoNodes_2_text" refType="l" refFor="ch" refForName="TwoConn_1-2"/>
+          <dgm:constr type="t" for="ch" forName="TwoNodes_2_text" refType="t" refFor="ch" refForName="TwoNodes_2"/>
+          <dgm:constr type="b" for="ch" forName="TwoNodes_2_text" refType="b" refFor="ch" refForName="TwoNodes_2"/>
+          <dgm:constr type="l" for="ch" forName="TwoNodes_2_text" refType="l" refFor="ch" refForName="TwoNodes_2"/>
+          <dgm:constr type="w" for="ch" forName="ThreeNodes_1" refType="w" fact="0.85"/>
+          <dgm:constr type="h" for="ch" forName="ThreeNodes_1" refType="h" fact="0.3"/>
+          <dgm:constr type="t" for="ch" forName="ThreeNodes_1"/>
+          <dgm:constr type="l" for="ch" forName="ThreeNodes_1"/>
+          <dgm:constr type="w" for="ch" forName="ThreeNodes_2" refType="w" fact="0.85"/>
+          <dgm:constr type="h" for="ch" forName="ThreeNodes_2" refType="h" fact="0.3"/>
+          <dgm:constr type="ctrY" for="ch" forName="ThreeNodes_2" refType="h" fact="0.5"/>
+          <dgm:constr type="ctrX" for="ch" forName="ThreeNodes_2" refType="w" fact="0.5"/>
+          <dgm:constr type="w" for="ch" forName="ThreeNodes_3" refType="w" fact="0.85"/>
+          <dgm:constr type="h" for="ch" forName="ThreeNodes_3" refType="h" fact="0.3"/>
+          <dgm:constr type="b" for="ch" forName="ThreeNodes_3" refType="h"/>
+          <dgm:constr type="r" for="ch" forName="ThreeNodes_3" refType="w"/>
+          <dgm:constr type="w" for="ch" forName="ThreeConn_1-2" refType="h" refFor="ch" refForName="ThreeNodes_1" fact="0.65"/>
+          <dgm:constr type="h" for="ch" forName="ThreeConn_1-2" refType="h" refFor="ch" refForName="ThreeNodes_1" fact="0.65"/>
+          <dgm:constr type="ctrY" for="ch" forName="ThreeConn_1-2" refType="h" fact="0.325"/>
+          <dgm:constr type="r" for="ch" forName="ThreeConn_1-2" refType="r" refFor="ch" refForName="ThreeNodes_1"/>
+          <dgm:constr type="w" for="ch" forName="ThreeConn_2-3" refType="h" refFor="ch" refForName="ThreeNodes_2" fact="0.65"/>
+          <dgm:constr type="h" for="ch" forName="ThreeConn_2-3" refType="h" refFor="ch" refForName="ThreeNodes_2" fact="0.65"/>
+          <dgm:constr type="ctrY" for="ch" forName="ThreeConn_2-3" refType="h" fact="0.673"/>
+          <dgm:constr type="r" for="ch" forName="ThreeConn_2-3" refType="r" refFor="ch" refForName="ThreeNodes_2"/>
+          <dgm:constr type="r" for="ch" forName="ThreeNodes_1_text" refType="l" refFor="ch" refForName="ThreeConn_1-2"/>
+          <dgm:constr type="rOff" for="ch" forName="ThreeNodes_1_text" refType="w" refFor="ch" refForName="ThreeConn_1-2" fact="-0.57"/>
+          <dgm:constr type="t" for="ch" forName="ThreeNodes_1_text" refType="t" refFor="ch" refForName="ThreeNodes_1"/>
+          <dgm:constr type="b" for="ch" forName="ThreeNodes_1_text" refType="b" refFor="ch" refForName="ThreeNodes_1"/>
+          <dgm:constr type="l" for="ch" forName="ThreeNodes_1_text" refType="l" refFor="ch" refForName="ThreeNodes_1"/>
+          <dgm:constr type="r" for="ch" forName="ThreeNodes_2_text" refType="l" refFor="ch" refForName="ThreeConn_1-2"/>
+          <dgm:constr type="t" for="ch" forName="ThreeNodes_2_text" refType="t" refFor="ch" refForName="ThreeNodes_2"/>
+          <dgm:constr type="b" for="ch" forName="ThreeNodes_2_text" refType="b" refFor="ch" refForName="ThreeNodes_2"/>
+          <dgm:constr type="l" for="ch" forName="ThreeNodes_2_text" refType="l" refFor="ch" refForName="ThreeNodes_2"/>
+          <dgm:constr type="r" for="ch" forName="ThreeNodes_3_text" refType="l" refFor="ch" refForName="ThreeConn_2-3"/>
+          <dgm:constr type="t" for="ch" forName="ThreeNodes_3_text" refType="t" refFor="ch" refForName="ThreeNodes_3"/>
+          <dgm:constr type="b" for="ch" forName="ThreeNodes_3_text" refType="b" refFor="ch" refForName="ThreeNodes_3"/>
+          <dgm:constr type="l" for="ch" forName="ThreeNodes_3_text" refType="l" refFor="ch" refForName="ThreeNodes_3"/>
+          <dgm:constr type="w" for="ch" forName="FourNodes_1" refType="w" fact="0.8"/>
+          <dgm:constr type="h" for="ch" forName="FourNodes_1" refType="h" fact="0.22"/>
+          <dgm:constr type="t" for="ch" forName="FourNodes_1"/>
+          <dgm:constr type="l" for="ch" forName="FourNodes_1"/>
+          <dgm:constr type="w" for="ch" forName="FourNodes_2" refType="w" fact="0.8"/>
+          <dgm:constr type="h" for="ch" forName="FourNodes_2" refType="h" fact="0.22"/>
+          <dgm:constr type="ctrY" for="ch" forName="FourNodes_2" refType="h" fact="0.37"/>
+          <dgm:constr type="ctrX" for="ch" forName="FourNodes_2" refType="w" fact="0.467"/>
+          <dgm:constr type="w" for="ch" forName="FourNodes_3" refType="w" fact="0.8"/>
+          <dgm:constr type="h" for="ch" forName="FourNodes_3" refType="h" fact="0.22"/>
+          <dgm:constr type="ctrY" for="ch" forName="FourNodes_3" refType="h" fact="0.63"/>
+          <dgm:constr type="ctrX" for="ch" forName="FourNodes_3" refType="w" fact="0.533"/>
+          <dgm:constr type="w" for="ch" forName="FourNodes_4" refType="w" fact="0.8"/>
+          <dgm:constr type="h" for="ch" forName="FourNodes_4" refType="h" fact="0.22"/>
+          <dgm:constr type="b" for="ch" forName="FourNodes_4" refType="h"/>
+          <dgm:constr type="r" for="ch" forName="FourNodes_4" refType="w"/>
+          <dgm:constr type="w" for="ch" forName="FourConn_1-2" refType="h" refFor="ch" refForName="FourNodes_1" fact="0.65"/>
+          <dgm:constr type="h" for="ch" forName="FourConn_1-2" refType="h" refFor="ch" refForName="FourNodes_1" fact="0.65"/>
+          <dgm:constr type="ctrY" for="ch" forName="FourConn_1-2" refType="h" fact="0.24"/>
+          <dgm:constr type="r" for="ch" forName="FourConn_1-2" refType="r" refFor="ch" refForName="FourNodes_1"/>
+          <dgm:constr type="w" for="ch" forName="FourConn_2-3" refType="h" refFor="ch" refForName="FourNodes_2" fact="0.65"/>
+          <dgm:constr type="h" for="ch" forName="FourConn_2-3" refType="h" refFor="ch" refForName="FourNodes_2" fact="0.65"/>
+          <dgm:constr type="ctrY" for="ch" forName="FourConn_2-3" refType="h" fact="0.5"/>
+          <dgm:constr type="r" for="ch" forName="FourConn_2-3" refType="r" refFor="ch" refForName="FourNodes_2"/>
+          <dgm:constr type="w" for="ch" forName="FourConn_3-4" refType="h" refFor="ch" refForName="FourNodes_3" fact="0.65"/>
+          <dgm:constr type="h" for="ch" forName="FourConn_3-4" refType="h" refFor="ch" refForName="FourNodes_3" fact="0.65"/>
+          <dgm:constr type="ctrY" for="ch" forName="FourConn_3-4" refType="h" fact="0.76"/>
+          <dgm:constr type="r" for="ch" forName="FourConn_3-4" refType="r" refFor="ch" refForName="FourNodes_3"/>
+          <dgm:constr type="r" for="ch" forName="FourNodes_1_text" refType="l" refFor="ch" refForName="FourConn_1-2"/>
+          <dgm:constr type="rOff" for="ch" forName="FourNodes_1_text" refType="w" refFor="ch" refForName="FourConn_1-2" fact="-0.7"/>
+          <dgm:constr type="t" for="ch" forName="FourNodes_1_text" refType="t" refFor="ch" refForName="FourNodes_1"/>
+          <dgm:constr type="b" for="ch" forName="FourNodes_1_text" refType="b" refFor="ch" refForName="FourNodes_1"/>
+          <dgm:constr type="l" for="ch" forName="FourNodes_1_text" refType="l" refFor="ch" refForName="FourNodes_1"/>
+          <dgm:constr type="r" for="ch" forName="FourNodes_2_text" refType="l" refFor="ch" refForName="FourConn_1-2"/>
+          <dgm:constr type="t" for="ch" forName="FourNodes_2_text" refType="t" refFor="ch" refForName="FourNodes_2"/>
+          <dgm:constr type="b" for="ch" forName="FourNodes_2_text" refType="b" refFor="ch" refForName="FourNodes_2"/>
+          <dgm:constr type="l" for="ch" forName="FourNodes_2_text" refType="l" refFor="ch" refForName="FourNodes_2"/>
+          <dgm:constr type="r" for="ch" forName="FourNodes_3_text" refType="l" refFor="ch" refForName="FourConn_2-3"/>
+          <dgm:constr type="t" for="ch" forName="FourNodes_3_text" refType="t" refFor="ch" refForName="FourNodes_3"/>
+          <dgm:constr type="b" for="ch" forName="FourNodes_3_text" refType="b" refFor="ch" refForName="FourNodes_3"/>
+          <dgm:constr type="l" for="ch" forName="FourNodes_3_text" refType="l" refFor="ch" refForName="FourNodes_3"/>
+          <dgm:constr type="r" for="ch" forName="FourNodes_4_text" refType="l" refFor="ch" refForName="FourConn_3-4"/>
+          <dgm:constr type="t" for="ch" forName="FourNodes_4_text" refType="t" refFor="ch" refForName="FourNodes_4"/>
+          <dgm:constr type="b" for="ch" forName="FourNodes_4_text" refType="b" refFor="ch" refForName="FourNodes_4"/>
+          <dgm:constr type="l" for="ch" forName="FourNodes_4_text" refType="l" refFor="ch" refForName="FourNodes_4"/>
+          <dgm:constr type="w" for="ch" forName="FiveNodes_1" refType="w" fact="0.77"/>
+          <dgm:constr type="h" for="ch" forName="FiveNodes_1" refType="h" fact="0.18"/>
+          <dgm:constr type="t" for="ch" forName="FiveNodes_1"/>
+          <dgm:constr type="l" for="ch" forName="FiveNodes_1"/>
+          <dgm:constr type="w" for="ch" forName="FiveNodes_2" refType="w" fact="0.77"/>
+          <dgm:constr type="h" for="ch" forName="FiveNodes_2" refType="h" fact="0.18"/>
+          <dgm:constr type="ctrY" for="ch" forName="FiveNodes_2" refType="h" fact="0.295"/>
+          <dgm:constr type="ctrX" for="ch" forName="FiveNodes_2" refType="w" fact="0.4425"/>
+          <dgm:constr type="w" for="ch" forName="FiveNodes_3" refType="w" fact="0.77"/>
+          <dgm:constr type="h" for="ch" forName="FiveNodes_3" refType="h" fact="0.18"/>
+          <dgm:constr type="ctrY" for="ch" forName="FiveNodes_3" refType="h" fact="0.5"/>
+          <dgm:constr type="ctrX" for="ch" forName="FiveNodes_3" refType="w" fact="0.5"/>
+          <dgm:constr type="w" for="ch" forName="FiveNodes_4" refType="w" fact="0.77"/>
+          <dgm:constr type="h" for="ch" forName="FiveNodes_4" refType="h" fact="0.18"/>
+          <dgm:constr type="ctrY" for="ch" forName="FiveNodes_4" refType="h" fact="0.705"/>
+          <dgm:constr type="ctrX" for="ch" forName="FiveNodes_4" refType="w" fact="0.5575"/>
+          <dgm:constr type="w" for="ch" forName="FiveNodes_5" refType="w" fact="0.77"/>
+          <dgm:constr type="h" for="ch" forName="FiveNodes_5" refType="h" fact="0.18"/>
+          <dgm:constr type="b" for="ch" forName="FiveNodes_5" refType="h"/>
+          <dgm:constr type="r" for="ch" forName="FiveNodes_5" refType="w"/>
+          <dgm:constr type="w" for="ch" forName="FiveConn_1-2" refType="h" refFor="ch" refForName="FiveNodes_1" fact="0.65"/>
+          <dgm:constr type="h" for="ch" forName="FiveConn_1-2" refType="h" refFor="ch" refForName="FiveNodes_1" fact="0.65"/>
+          <dgm:constr type="ctrY" for="ch" forName="FiveConn_1-2" refType="h" fact="0.19"/>
+          <dgm:constr type="r" for="ch" forName="FiveConn_1-2" refType="r" refFor="ch" refForName="FiveNodes_1"/>
+          <dgm:constr type="w" for="ch" forName="FiveConn_2-3" refType="h" refFor="ch" refForName="FiveNodes_2" fact="0.65"/>
+          <dgm:constr type="h" for="ch" forName="FiveConn_2-3" refType="h" refFor="ch" refForName="FiveNodes_2" fact="0.65"/>
+          <dgm:constr type="ctrY" for="ch" forName="FiveConn_2-3" refType="h" fact="0.395"/>
+          <dgm:constr type="r" for="ch" forName="FiveConn_2-3" refType="r" refFor="ch" refForName="FiveNodes_2"/>
+          <dgm:constr type="w" for="ch" forName="FiveConn_3-4" refType="h" refFor="ch" refForName="FiveNodes_3" fact="0.65"/>
+          <dgm:constr type="h" for="ch" forName="FiveConn_3-4" refType="h" refFor="ch" refForName="FiveNodes_3" fact="0.65"/>
+          <dgm:constr type="ctrY" for="ch" forName="FiveConn_3-4" refType="h" fact="0.597"/>
+          <dgm:constr type="r" for="ch" forName="FiveConn_3-4" refType="r" refFor="ch" refForName="FiveNodes_3"/>
+          <dgm:constr type="w" for="ch" forName="FiveConn_4-5" refType="h" refFor="ch" refForName="FiveNodes_4" fact="0.65"/>
+          <dgm:constr type="h" for="ch" forName="FiveConn_4-5" refType="h" refFor="ch" refForName="FiveNodes_4" fact="0.65"/>
+          <dgm:constr type="ctrY" for="ch" forName="FiveConn_4-5" refType="h" fact="0.804"/>
+          <dgm:constr type="r" for="ch" forName="FiveConn_4-5" refType="r" refFor="ch" refForName="FiveNodes_4"/>
+          <dgm:constr type="r" for="ch" forName="FiveNodes_1_text" refType="l" refFor="ch" refForName="FiveConn_1-2"/>
+          <dgm:constr type="rOff" for="ch" forName="FiveNodes_1_text" refType="w" refFor="ch" refForName="FiveConn_1-2" fact="-0.75"/>
+          <dgm:constr type="t" for="ch" forName="FiveNodes_1_text" refType="t" refFor="ch" refForName="FiveNodes_1"/>
+          <dgm:constr type="b" for="ch" forName="FiveNodes_1_text" refType="b" refFor="ch" refForName="FiveNodes_1"/>
+          <dgm:constr type="l" for="ch" forName="FiveNodes_1_text" refType="l" refFor="ch" refForName="FiveNodes_1"/>
+          <dgm:constr type="r" for="ch" forName="FiveNodes_2_text" refType="l" refFor="ch" refForName="FiveConn_1-2"/>
+          <dgm:constr type="t" for="ch" forName="FiveNodes_2_text" refType="t" refFor="ch" refForName="FiveNodes_2"/>
+          <dgm:constr type="b" for="ch" forName="FiveNodes_2_text" refType="b" refFor="ch" refForName="FiveNodes_2"/>
+          <dgm:constr type="l" for="ch" forName="FiveNodes_2_text" refType="l" refFor="ch" refForName="FiveNodes_2"/>
+          <dgm:constr type="r" for="ch" forName="FiveNodes_3_text" refType="l" refFor="ch" refForName="FiveConn_2-3"/>
+          <dgm:constr type="t" for="ch" forName="FiveNodes_3_text" refType="t" refFor="ch" refForName="FiveNodes_3"/>
+          <dgm:constr type="b" for="ch" forName="FiveNodes_3_text" refType="b" refFor="ch" refForName="FiveNodes_3"/>
+          <dgm:constr type="l" for="ch" forName="FiveNodes_3_text" refType="l" refFor="ch" refForName="FiveNodes_3"/>
+          <dgm:constr type="r" for="ch" forName="FiveNodes_4_text" refType="l" refFor="ch" refForName="FiveConn_3-4"/>
+          <dgm:constr type="t" for="ch" forName="FiveNodes_4_text" refType="t" refFor="ch" refForName="FiveNodes_4"/>
+          <dgm:constr type="b" for="ch" forName="FiveNodes_4_text" refType="b" refFor="ch" refForName="FiveNodes_4"/>
+          <dgm:constr type="l" for="ch" forName="FiveNodes_4_text" refType="l" refFor="ch" refForName="FiveNodes_4"/>
+          <dgm:constr type="r" for="ch" forName="FiveNodes_5_text" refType="l" refFor="ch" refForName="FiveConn_4-5"/>
+          <dgm:constr type="t" for="ch" forName="FiveNodes_5_text" refType="t" refFor="ch" refForName="FiveNodes_5"/>
+          <dgm:constr type="b" for="ch" forName="FiveNodes_5_text" refType="b" refFor="ch" refForName="FiveNodes_5"/>
+          <dgm:constr type="l" for="ch" forName="FiveNodes_5_text" refType="l" refFor="ch" refForName="FiveNodes_5"/>
+        </dgm:constrLst>
+      </dgm:if>
+      <dgm:else name="Name2">
+        <dgm:constrLst>
+          <dgm:constr type="primFontSz" for="ch" ptType="node" op="equ" val="65"/>
+          <dgm:constr type="w" for="ch" forName="dummyMaxCanvas" refType="w"/>
+          <dgm:constr type="h" for="ch" forName="dummyMaxCanvas" refType="h"/>
+          <dgm:constr type="w" for="ch" forName="OneNode_1" refType="w"/>
+          <dgm:constr type="h" for="ch" forName="OneNode_1" refType="h" fact="0.5"/>
+          <dgm:constr type="ctrY" for="ch" forName="OneNode_1" refType="h" fact="0.5"/>
+          <dgm:constr type="w" for="ch" forName="TwoNodes_1" refType="w" fact="0.85"/>
+          <dgm:constr type="h" for="ch" forName="TwoNodes_1" refType="h" fact="0.45"/>
+          <dgm:constr type="t" for="ch" forName="TwoNodes_1"/>
+          <dgm:constr type="r" for="ch" forName="TwoNodes_1" refType="w"/>
+          <dgm:constr type="w" for="ch" forName="TwoNodes_2" refType="w" fact="0.85"/>
+          <dgm:constr type="h" for="ch" forName="TwoNodes_2" refType="h" fact="0.45"/>
+          <dgm:constr type="b" for="ch" forName="TwoNodes_2" refType="h"/>
+          <dgm:constr type="l" for="ch" forName="TwoNodes_2"/>
+          <dgm:constr type="w" for="ch" forName="TwoConn_1-2" refType="h" refFor="ch" refForName="TwoNodes_1" fact="0.65"/>
+          <dgm:constr type="h" for="ch" forName="TwoConn_1-2" refType="h" refFor="ch" refForName="TwoNodes_1" fact="0.65"/>
+          <dgm:constr type="ctrY" for="ch" forName="TwoConn_1-2" refType="h" fact="0.5"/>
+          <dgm:constr type="l" for="ch" forName="TwoConn_1-2" refType="l" refFor="ch" refForName="TwoNodes_1"/>
+          <dgm:constr type="l" for="ch" forName="TwoNodes_1_text" refType="r" refFor="ch" refForName="TwoConn_1-2"/>
+          <dgm:constr type="lOff" for="ch" forName="TwoNodes_1_text" refType="w" refFor="ch" refForName="TwoConn_1-2" fact="0.5"/>
+          <dgm:constr type="t" for="ch" forName="TwoNodes_1_text" refType="t" refFor="ch" refForName="TwoNodes_1"/>
+          <dgm:constr type="b" for="ch" forName="TwoNodes_1_text" refType="b" refFor="ch" refForName="TwoNodes_1"/>
+          <dgm:constr type="r" for="ch" forName="TwoNodes_1_text" refType="r" refFor="ch" refForName="TwoNodes_1"/>
+          <dgm:constr type="l" for="ch" forName="TwoNodes_2_text" refType="r" refFor="ch" refForName="TwoConn_1-2"/>
+          <dgm:constr type="t" for="ch" forName="TwoNodes_2_text" refType="t" refFor="ch" refForName="TwoNodes_2"/>
+          <dgm:constr type="b" for="ch" forName="TwoNodes_2_text" refType="b" refFor="ch" refForName="TwoNodes_2"/>
+          <dgm:constr type="r" for="ch" forName="TwoNodes_2_text" refType="r" refFor="ch" refForName="TwoNodes_2"/>
+          <dgm:constr type="w" for="ch" forName="ThreeNodes_1" refType="w" fact="0.85"/>
+          <dgm:constr type="h" for="ch" forName="ThreeNodes_1" refType="h" fact="0.3"/>
+          <dgm:constr type="t" for="ch" forName="ThreeNodes_1"/>
+          <dgm:constr type="r" for="ch" forName="ThreeNodes_1" refType="w"/>
+          <dgm:constr type="w" for="ch" forName="ThreeNodes_2" refType="w" fact="0.85"/>
+          <dgm:constr type="h" for="ch" forName="ThreeNodes_2" refType="h" fact="0.3"/>
+          <dgm:constr type="ctrY" for="ch" forName="ThreeNodes_2" refType="h" fact="0.5"/>
+          <dgm:constr type="ctrX" for="ch" forName="ThreeNodes_2" refType="w" fact="0.5"/>
+          <dgm:constr type="w" for="ch" forName="ThreeNodes_3" refType="w" fact="0.85"/>
+          <dgm:constr type="h" for="ch" forName="ThreeNodes_3" refType="h" fact="0.3"/>
+          <dgm:constr type="b" for="ch" forName="ThreeNodes_3" refType="h"/>
+          <dgm:constr type="l" for="ch" forName="ThreeNodes_3"/>
+          <dgm:constr type="w" for="ch" forName="ThreeConn_1-2" refType="h" refFor="ch" refForName="ThreeNodes_1" fact="0.65"/>
+          <dgm:constr type="h" for="ch" forName="ThreeConn_1-2" refType="h" refFor="ch" refForName="ThreeNodes_1" fact="0.65"/>
+          <dgm:constr type="ctrY" for="ch" forName="ThreeConn_1-2" refType="h" fact="0.325"/>
+          <dgm:constr type="l" for="ch" forName="ThreeConn_1-2" refType="l" refFor="ch" refForName="ThreeNodes_1"/>
+          <dgm:constr type="w" for="ch" forName="ThreeConn_2-3" refType="h" refFor="ch" refForName="ThreeNodes_2" fact="0.65"/>
+          <dgm:constr type="h" for="ch" forName="ThreeConn_2-3" refType="h" refFor="ch" refForName="ThreeNodes_2" fact="0.65"/>
+          <dgm:constr type="ctrY" for="ch" forName="ThreeConn_2-3" refType="h" fact="0.673"/>
+          <dgm:constr type="l" for="ch" forName="ThreeConn_2-3" refType="l" refFor="ch" refForName="ThreeNodes_2"/>
+          <dgm:constr type="l" for="ch" forName="ThreeNodes_1_text" refType="r" refFor="ch" refForName="ThreeConn_1-2"/>
+          <dgm:constr type="lOff" for="ch" forName="ThreeNodes_1_text" refType="w" refFor="ch" refForName="ThreeConn_1-2" fact="0.55"/>
+          <dgm:constr type="t" for="ch" forName="ThreeNodes_1_text" refType="t" refFor="ch" refForName="ThreeNodes_1"/>
+          <dgm:constr type="b" for="ch" forName="ThreeNodes_1_text" refType="b" refFor="ch" refForName="ThreeNodes_1"/>
+          <dgm:constr type="r" for="ch" forName="ThreeNodes_1_text" refType="r" refFor="ch" refForName="ThreeNodes_1"/>
+          <dgm:constr type="l" for="ch" forName="ThreeNodes_2_text" refType="r" refFor="ch" refForName="ThreeConn_1-2"/>
+          <dgm:constr type="t" for="ch" forName="ThreeNodes_2_text" refType="t" refFor="ch" refForName="ThreeNodes_2"/>
+          <dgm:constr type="b" for="ch" forName="ThreeNodes_2_text" refType="b" refFor="ch" refForName="ThreeNodes_2"/>
+          <dgm:constr type="r" for="ch" forName="ThreeNodes_2_text" refType="r" refFor="ch" refForName="ThreeNodes_2"/>
+          <dgm:constr type="l" for="ch" forName="ThreeNodes_3_text" refType="r" refFor="ch" refForName="ThreeConn_2-3"/>
+          <dgm:constr type="t" for="ch" forName="ThreeNodes_3_text" refType="t" refFor="ch" refForName="ThreeNodes_3"/>
+          <dgm:constr type="b" for="ch" forName="ThreeNodes_3_text" refType="b" refFor="ch" refForName="ThreeNodes_3"/>
+          <dgm:constr type="r" for="ch" forName="ThreeNodes_3_text" refType="r" refFor="ch" refForName="ThreeNodes_3"/>
+          <dgm:constr type="w" for="ch" forName="FourNodes_1" refType="w" fact="0.8"/>
+          <dgm:constr type="h" for="ch" forName="FourNodes_1" refType="h" fact="0.22"/>
+          <dgm:constr type="t" for="ch" forName="FourNodes_1"/>
+          <dgm:constr type="r" for="ch" forName="FourNodes_1" refType="w"/>
+          <dgm:constr type="w" for="ch" forName="FourNodes_2" refType="w" fact="0.8"/>
+          <dgm:constr type="h" for="ch" forName="FourNodes_2" refType="h" fact="0.22"/>
+          <dgm:constr type="ctrY" for="ch" forName="FourNodes_2" refType="h" fact="0.37"/>
+          <dgm:constr type="ctrX" for="ch" forName="FourNodes_2" refType="w" fact="0.533"/>
+          <dgm:constr type="w" for="ch" forName="FourNodes_3" refType="w" fact="0.8"/>
+          <dgm:constr type="h" for="ch" forName="FourNodes_3" refType="h" fact="0.22"/>
+          <dgm:constr type="ctrY" for="ch" forName="FourNodes_3" refType="h" fact="0.63"/>
+          <dgm:constr type="ctrX" for="ch" forName="FourNodes_3" refType="w" fact="0.467"/>
+          <dgm:constr type="w" for="ch" forName="FourNodes_4" refType="w" fact="0.8"/>
+          <dgm:constr type="h" for="ch" forName="FourNodes_4" refType="h" fact="0.22"/>
+          <dgm:constr type="b" for="ch" forName="FourNodes_4" refType="h"/>
+          <dgm:constr type="l" for="ch" forName="FourNodes_4"/>
+          <dgm:constr type="w" for="ch" forName="FourConn_1-2" refType="h" refFor="ch" refForName="FourNodes_1" fact="0.65"/>
+          <dgm:constr type="h" for="ch" forName="FourConn_1-2" refType="h" refFor="ch" refForName="FourNodes_1" fact="0.65"/>
+          <dgm:constr type="ctrY" for="ch" forName="FourConn_1-2" refType="h" fact="0.24"/>
+          <dgm:constr type="l" for="ch" forName="FourConn_1-2" refType="l" refFor="ch" refForName="FourNodes_1"/>
+          <dgm:constr type="w" for="ch" forName="FourConn_2-3" refType="h" refFor="ch" refForName="FourNodes_2" fact="0.65"/>
+          <dgm:constr type="h" for="ch" forName="FourConn_2-3" refType="h" refFor="ch" refForName="FourNodes_2" fact="0.65"/>
+          <dgm:constr type="ctrY" for="ch" forName="FourConn_2-3" refType="h" fact="0.5"/>
+          <dgm:constr type="l" for="ch" forName="FourConn_2-3" refType="l" refFor="ch" refForName="FourNodes_2"/>
+          <dgm:constr type="w" for="ch" forName="FourConn_3-4" refType="h" refFor="ch" refForName="FourNodes_3" fact="0.65"/>
+          <dgm:constr type="h" for="ch" forName="FourConn_3-4" refType="h" refFor="ch" refForName="FourNodes_3" fact="0.65"/>
+          <dgm:constr type="ctrY" for="ch" forName="FourConn_3-4" refType="h" fact="0.76"/>
+          <dgm:constr type="l" for="ch" forName="FourConn_3-4" refType="l" refFor="ch" refForName="FourNodes_3"/>
+          <dgm:constr type="l" for="ch" forName="FourNodes_1_text" refType="r" refFor="ch" refForName="FourConn_1-2"/>
+          <dgm:constr type="lOff" for="ch" forName="FourNodes_1_text" refType="w" refFor="ch" refForName="FourConn_1-2" fact="0.69"/>
+          <dgm:constr type="t" for="ch" forName="FourNodes_1_text" refType="t" refFor="ch" refForName="FourNodes_1"/>
+          <dgm:constr type="b" for="ch" forName="FourNodes_1_text" refType="b" refFor="ch" refForName="FourNodes_1"/>
+          <dgm:constr type="r" for="ch" forName="FourNodes_1_text" refType="r" refFor="ch" refForName="FourNodes_1"/>
+          <dgm:constr type="l" for="ch" forName="FourNodes_2_text" refType="r" refFor="ch" refForName="FourConn_1-2"/>
+          <dgm:constr type="t" for="ch" forName="FourNodes_2_text" refType="t" refFor="ch" refForName="FourNodes_2"/>
+          <dgm:constr type="b" for="ch" forName="FourNodes_2_text" refType="b" refFor="ch" refForName="FourNodes_2"/>
+          <dgm:constr type="r" for="ch" forName="FourNodes_2_text" refType="r" refFor="ch" refForName="FourNodes_2"/>
+          <dgm:constr type="l" for="ch" forName="FourNodes_3_text" refType="r" refFor="ch" refForName="FourConn_2-3"/>
+          <dgm:constr type="t" for="ch" forName="FourNodes_3_text" refType="t" refFor="ch" refForName="FourNodes_3"/>
+          <dgm:constr type="b" for="ch" forName="FourNodes_3_text" refType="b" refFor="ch" refForName="FourNodes_3"/>
+          <dgm:constr type="r" for="ch" forName="FourNodes_3_text" refType="r" refFor="ch" refForName="FourNodes_3"/>
+          <dgm:constr type="l" for="ch" forName="FourNodes_4_text" refType="r" refFor="ch" refForName="FourConn_3-4"/>
+          <dgm:constr type="t" for="ch" forName="FourNodes_4_text" refType="t" refFor="ch" refForName="FourNodes_4"/>
+          <dgm:constr type="b" for="ch" forName="FourNodes_4_text" refType="b" refFor="ch" refForName="FourNodes_4"/>
+          <dgm:constr type="r" for="ch" forName="FourNodes_4_text" refType="r" refFor="ch" refForName="FourNodes_4"/>
+          <dgm:constr type="w" for="ch" forName="FiveNodes_1" refType="w" fact="0.77"/>
+          <dgm:constr type="h" for="ch" forName="FiveNodes_1" refType="h" fact="0.18"/>
+          <dgm:constr type="t" for="ch" forName="FiveNodes_1"/>
+          <dgm:constr type="r" for="ch" forName="FiveNodes_1" refType="w"/>
+          <dgm:constr type="w" for="ch" forName="FiveNodes_2" refType="w" fact="0.77"/>
+          <dgm:constr type="h" for="ch" forName="FiveNodes_2" refType="h" fact="0.18"/>
+          <dgm:constr type="ctrY" for="ch" forName="FiveNodes_2" refType="h" fact="0.295"/>
+          <dgm:constr type="ctrX" for="ch" forName="FiveNodes_2" refType="w" fact="0.5575"/>
+          <dgm:constr type="w" for="ch" forName="FiveNodes_3" refType="w" fact="0.77"/>
+          <dgm:constr type="h" for="ch" forName="FiveNodes_3" refType="h" fact="0.18"/>
+          <dgm:constr type="ctrY" for="ch" forName="FiveNodes_3" refType="h" fact="0.5"/>
+          <dgm:constr type="ctrX" for="ch" forName="FiveNodes_3" refType="w" fact="0.5"/>
+          <dgm:constr type="w" for="ch" forName="FiveNodes_4" refType="w" fact="0.77"/>
+          <dgm:constr type="h" for="ch" forName="FiveNodes_4" refType="h" fact="0.18"/>
+          <dgm:constr type="ctrY" for="ch" forName="FiveNodes_4" refType="h" fact="0.705"/>
+          <dgm:constr type="ctrX" for="ch" forName="FiveNodes_4" refType="w" fact="0.4425"/>
+          <dgm:constr type="w" for="ch" forName="FiveNodes_5" refType="w" fact="0.77"/>
+          <dgm:constr type="h" for="ch" forName="FiveNodes_5" refType="h" fact="0.18"/>
+          <dgm:constr type="b" for="ch" forName="FiveNodes_5" refType="h"/>
+          <dgm:constr type="l" for="ch" forName="FiveNodes_5"/>
+          <dgm:constr type="w" for="ch" forName="FiveConn_1-2" refType="h" refFor="ch" refForName="FiveNodes_1" fact="0.65"/>
+          <dgm:constr type="h" for="ch" forName="FiveConn_1-2" refType="h" refFor="ch" refForName="FiveNodes_1" fact="0.65"/>
+          <dgm:constr type="ctrY" for="ch" forName="FiveConn_1-2" refType="h" fact="0.19"/>
+          <dgm:constr type="l" for="ch" forName="FiveConn_1-2" refType="l" refFor="ch" refForName="FiveNodes_1"/>
+          <dgm:constr type="w" for="ch" forName="FiveConn_2-3" refType="h" refFor="ch" refForName="FiveNodes_2" fact="0.65"/>
+          <dgm:constr type="h" for="ch" forName="FiveConn_2-3" refType="h" refFor="ch" refForName="FiveNodes_2" fact="0.65"/>
+          <dgm:constr type="ctrY" for="ch" forName="FiveConn_2-3" refType="h" fact="0.395"/>
+          <dgm:constr type="l" for="ch" forName="FiveConn_2-3" refType="l" refFor="ch" refForName="FiveNodes_2"/>
+          <dgm:constr type="w" for="ch" forName="FiveConn_3-4" refType="h" refFor="ch" refForName="FiveNodes_3" fact="0.65"/>
+          <dgm:constr type="h" for="ch" forName="FiveConn_3-4" refType="h" refFor="ch" refForName="FiveNodes_3" fact="0.65"/>
+          <dgm:constr type="ctrY" for="ch" forName="FiveConn_3-4" refType="h" fact="0.597"/>
+          <dgm:constr type="l" for="ch" forName="FiveConn_3-4" refType="l" refFor="ch" refForName="FiveNodes_3"/>
+          <dgm:constr type="w" for="ch" forName="FiveConn_4-5" refType="h" refFor="ch" refForName="FiveNodes_4" fact="0.65"/>
+          <dgm:constr type="h" for="ch" forName="FiveConn_4-5" refType="h" refFor="ch" refForName="FiveNodes_4" fact="0.65"/>
+          <dgm:constr type="ctrY" for="ch" forName="FiveConn_4-5" refType="h" fact="0.804"/>
+          <dgm:constr type="l" for="ch" forName="FiveConn_4-5" refType="l" refFor="ch" refForName="FiveNodes_4"/>
+          <dgm:constr type="l" for="ch" forName="FiveNodes_1_text" refType="r" refFor="ch" refForName="FiveConn_1-2"/>
+          <dgm:constr type="lOff" for="ch" forName="FiveNodes_1_text" refType="w" refFor="ch" refForName="FiveConn_1-2" fact="0.73"/>
+          <dgm:constr type="t" for="ch" forName="FiveNodes_1_text" refType="t" refFor="ch" refForName="FiveNodes_1"/>
+          <dgm:constr type="b" for="ch" forName="FiveNodes_1_text" refType="b" refFor="ch" refForName="FiveNodes_1"/>
+          <dgm:constr type="r" for="ch" forName="FiveNodes_1_text" refType="r" refFor="ch" refForName="FiveNodes_1"/>
+          <dgm:constr type="l" for="ch" forName="FiveNodes_2_text" refType="r" refFor="ch" refForName="FiveConn_1-2"/>
+          <dgm:constr type="t" for="ch" forName="FiveNodes_2_text" refType="t" refFor="ch" refForName="FiveNodes_2"/>
+          <dgm:constr type="b" for="ch" forName="FiveNodes_2_text" refType="b" refFor="ch" refForName="FiveNodes_2"/>
+          <dgm:constr type="r" for="ch" forName="FiveNodes_2_text" refType="r" refFor="ch" refForName="FiveNodes_2"/>
+          <dgm:constr type="l" for="ch" forName="FiveNodes_3_text" refType="r" refFor="ch" refForName="FiveConn_2-3"/>
+          <dgm:constr type="t" for="ch" forName="FiveNodes_3_text" refType="t" refFor="ch" refForName="FiveNodes_3"/>
+          <dgm:constr type="b" for="ch" forName="FiveNodes_3_text" refType="b" refFor="ch" refForName="FiveNodes_3"/>
+          <dgm:constr type="r" for="ch" forName="FiveNodes_3_text" refType="r" refFor="ch" refForName="FiveNodes_3"/>
+          <dgm:constr type="l" for="ch" forName="FiveNodes_4_text" refType="r" refFor="ch" refForName="FiveConn_3-4"/>
+          <dgm:constr type="t" for="ch" forName="FiveNodes_4_text" refType="t" refFor="ch" refForName="FiveNodes_4"/>
+          <dgm:constr type="b" for="ch" forName="FiveNodes_4_text" refType="b" refFor="ch" refForName="FiveNodes_4"/>
+          <dgm:constr type="r" for="ch" forName="FiveNodes_4_text" refType="r" refFor="ch" refForName="FiveNodes_4"/>
+          <dgm:constr type="l" for="ch" forName="FiveNodes_5_text" refType="r" refFor="ch" refForName="FiveConn_4-5"/>
+          <dgm:constr type="t" for="ch" forName="FiveNodes_5_text" refType="t" refFor="ch" refForName="FiveNodes_5"/>
+          <dgm:constr type="b" for="ch" forName="FiveNodes_5_text" refType="b" refFor="ch" refForName="FiveNodes_5"/>
+          <dgm:constr type="r" for="ch" forName="FiveNodes_5_text" refType="r" refFor="ch" refForName="FiveNodes_5"/>
+        </dgm:constrLst>
+      </dgm:else>
+    </dgm:choose>
+    <dgm:ruleLst/>
+    <dgm:layoutNode name="dummyMaxCanvas">
+      <dgm:varLst/>
+      <dgm:alg type="sp"/>
+      <dgm:shape xmlns:r="http://schemas.openxmlformats.org/officeDocument/2006/relationships" r:blip="">
+        <dgm:adjLst/>
+      </dgm:shape>
+      <dgm:presOf/>
+      <dgm:constrLst/>
+      <dgm:ruleLst/>
+    </dgm:layoutNode>
+    <dgm:choose name="Name3">
+      <dgm:if name="Name4" axis="ch" ptType="node" func="cnt" op="equ" val="1">
+        <dgm:layoutNode name="OneNode_1">
+          <dgm:varLst>
+            <dgm:bulletEnabled val="1"/>
+          </dgm:varLst>
+          <dgm:alg type="tx"/>
+          <dgm:shape xmlns:r="http://schemas.openxmlformats.org/officeDocument/2006/relationships" type="roundRect" r:blip="">
+            <dgm:adjLst>
+              <dgm:adj idx="1" val="0.1"/>
+            </dgm:adjLst>
+          </dgm:shape>
+          <dgm:presOf axis="ch desOrSelf" ptType="node node" st="1 1" cnt="1 0"/>
+          <dgm:constrLst>
+            <dgm:constr type="lMarg" refType="primFontSz" fact="0.3"/>
+            <dgm:constr type="rMarg" refType="primFontSz" fact="0.3"/>
+            <dgm:constr type="tMarg" refType="primFontSz" fact="0.3"/>
+            <dgm:constr type="bMarg" refType="primFontSz" fact="0.3"/>
+          </dgm:constrLst>
+          <dgm:ruleLst>
+            <dgm:rule type="primFontSz" val="5" fact="NaN" max="NaN"/>
+          </dgm:ruleLst>
+        </dgm:layoutNode>
+      </dgm:if>
+      <dgm:else name="Name5">
+        <dgm:choose name="Name6">
+          <dgm:if name="Name7" axis="ch" ptType="node" func="cnt" op="equ" val="2">
+            <dgm:layoutNode name="TwoNodes_1">
+              <dgm:varLst>
+                <dgm:bulletEnabled val="1"/>
+              </dgm:varLst>
+              <dgm:alg type="sp"/>
+              <dgm:shape xmlns:r="http://schemas.openxmlformats.org/officeDocument/2006/relationships" type="roundRect" r:blip="">
+                <dgm:adjLst>
+                  <dgm:adj idx="1" val="0.1"/>
+                </dgm:adjLst>
+              </dgm:shape>
+              <dgm:presOf axis="ch desOrSelf" ptType="node node" st="1 1" cnt="1 0"/>
+              <dgm:constrLst/>
+              <dgm:ruleLst/>
+            </dgm:layoutNode>
+            <dgm:layoutNode name="TwoNodes_2">
+              <dgm:varLst>
+                <dgm:bulletEnabled val="1"/>
+              </dgm:varLst>
+              <dgm:alg type="sp"/>
+              <dgm:shape xmlns:r="http://schemas.openxmlformats.org/officeDocument/2006/relationships" type="roundRect" r:blip="">
+                <dgm:adjLst>
+                  <dgm:adj idx="1" val="0.1"/>
+                </dgm:adjLst>
+              </dgm:shape>
+              <dgm:presOf axis="ch desOrSelf" ptType="node node" st="2 1" cnt="1 0"/>
+              <dgm:constrLst/>
+              <dgm:ruleLst/>
+            </dgm:layoutNode>
+            <dgm:layoutNode name="TwoConn_1-2" styleLbl="fgAccFollowNode1">
+              <dgm:varLst>
+                <dgm:bulletEnabled val="1"/>
+              </dgm:varLst>
+              <dgm:alg type="tx"/>
+              <dgm:shape xmlns:r="http://schemas.openxmlformats.org/officeDocument/2006/relationships" type="downArrow" r:blip="">
+                <dgm:adjLst>
+                  <dgm:adj idx="1" val="0.55"/>
+                  <dgm:adj idx="2" val="0.45"/>
+                </dgm:adjLst>
+              </dgm:shape>
+              <dgm:presOf axis="ch" ptType="sibTrans" cnt="1"/>
+              <dgm:constrLst>
+                <dgm:constr type="lMarg" refType="primFontSz" fact="0.1"/>
+                <dgm:constr type="rMarg" refType="primFontSz" fact="0.1"/>
+                <dgm:constr type="tMarg" refType="primFontSz" fact="0.1"/>
+                <dgm:constr type="bMarg" refType="primFontSz" fact="0.1"/>
+              </dgm:constrLst>
+              <dgm:ruleLst>
+                <dgm:rule type="primFontSz" val="5" fact="NaN" max="NaN"/>
+              </dgm:ruleLst>
+            </dgm:layoutNode>
+            <dgm:layoutNode name="TwoNodes_1_text">
+              <dgm:varLst>
+                <dgm:bulletEnabled val="1"/>
+              </dgm:varLst>
+              <dgm:alg type="tx">
+                <dgm:param type="parTxLTRAlign" val="l"/>
+                <dgm:param type="txAnchorVertCh" val="mid"/>
+              </dgm:alg>
+              <dgm:shape xmlns:r="http://schemas.openxmlformats.org/officeDocument/2006/relationships" type="roundRect" r:blip="" hideGeom="1">
+                <dgm:adjLst>
+                  <dgm:adj idx="1" val="0.1"/>
+                </dgm:adjLst>
+              </dgm:shape>
+              <dgm:presOf axis="ch desOrSelf" ptType="node node" st="1 1" cnt="1 0"/>
+              <dgm:constrLst>
+                <dgm:constr type="lMarg" refType="primFontSz" fact="0.3"/>
+                <dgm:constr type="rMarg" refType="primFontSz" fact="0.3"/>
+                <dgm:constr type="tMarg" refType="primFontSz" fact="0.3"/>
+                <dgm:constr type="bMarg" refType="primFontSz" fact="0.3"/>
+              </dgm:constrLst>
+              <dgm:ruleLst>
+                <dgm:rule type="primFontSz" val="5" fact="NaN" max="NaN"/>
+              </dgm:ruleLst>
+            </dgm:layoutNode>
+            <dgm:layoutNode name="TwoNodes_2_text">
+              <dgm:varLst>
+                <dgm:bulletEnabled val="1"/>
+              </dgm:varLst>
+              <dgm:alg type="tx">
+                <dgm:param type="parTxLTRAlign" val="l"/>
+                <dgm:param type="txAnchorVertCh" val="mid"/>
+              </dgm:alg>
+              <dgm:shape xmlns:r="http://schemas.openxmlformats.org/officeDocument/2006/relationships" type="roundRect" r:blip="" hideGeom="1">
+                <dgm:adjLst>
+                  <dgm:adj idx="1" val="0.1"/>
+                </dgm:adjLst>
+              </dgm:shape>
+              <dgm:presOf axis="ch desOrSelf" ptType="node node" st="2 1" cnt="1 0"/>
+              <dgm:constrLst>
+                <dgm:constr type="lMarg" refType="primFontSz" fact="0.3"/>
+                <dgm:constr type="rMarg" refType="primFontSz" fact="0.3"/>
+                <dgm:constr type="tMarg" refType="primFontSz" fact="0.3"/>
+                <dgm:constr type="bMarg" refType="primFontSz" fact="0.3"/>
+              </dgm:constrLst>
+              <dgm:ruleLst>
+                <dgm:rule type="primFontSz" val="5" fact="NaN" max="NaN"/>
+              </dgm:ruleLst>
+            </dgm:layoutNode>
+          </dgm:if>
+          <dgm:else name="Name8">
+            <dgm:choose name="Name9">
+              <dgm:if name="Name10" axis="ch" ptType="node" func="cnt" op="equ" val="3">
+                <dgm:layoutNode name="ThreeNodes_1">
+                  <dgm:varLst>
+                    <dgm:bulletEnabled val="1"/>
+                  </dgm:varLst>
+                  <dgm:alg type="sp"/>
+                  <dgm:shape xmlns:r="http://schemas.openxmlformats.org/officeDocument/2006/relationships" type="roundRect" r:blip="">
+                    <dgm:adjLst>
+                      <dgm:adj idx="1" val="0.1"/>
+                    </dgm:adjLst>
+                  </dgm:shape>
+                  <dgm:presOf axis="ch desOrSelf" ptType="node node" st="1 1" cnt="1 0"/>
+                  <dgm:constrLst/>
+                  <dgm:ruleLst/>
+                </dgm:layoutNode>
+                <dgm:layoutNode name="ThreeNodes_2">
+                  <dgm:varLst>
+                    <dgm:bulletEnabled val="1"/>
+                  </dgm:varLst>
+                  <dgm:alg type="sp"/>
+                  <dgm:shape xmlns:r="http://schemas.openxmlformats.org/officeDocument/2006/relationships" type="roundRect" r:blip="">
+                    <dgm:adjLst>
+                      <dgm:adj idx="1" val="0.1"/>
+                    </dgm:adjLst>
+                  </dgm:shape>
+                  <dgm:presOf axis="ch desOrSelf" ptType="node node" st="2 1" cnt="1 0"/>
+                  <dgm:constrLst/>
+                  <dgm:ruleLst/>
+                </dgm:layoutNode>
+                <dgm:layoutNode name="ThreeNodes_3">
+                  <dgm:varLst>
+                    <dgm:bulletEnabled val="1"/>
+                  </dgm:varLst>
+                  <dgm:alg type="sp"/>
+                  <dgm:shape xmlns:r="http://schemas.openxmlformats.org/officeDocument/2006/relationships" type="roundRect" r:blip="">
+                    <dgm:adjLst>
+                      <dgm:adj idx="1" val="0.1"/>
+                    </dgm:adjLst>
+                  </dgm:shape>
+                  <dgm:presOf axis="ch desOrSelf" ptType="node node" st="3 1" cnt="1 0"/>
+                  <dgm:constrLst/>
+                  <dgm:ruleLst/>
+                </dgm:layoutNode>
+                <dgm:layoutNode name="ThreeConn_1-2" styleLbl="fgAccFollowNode1">
+                  <dgm:varLst>
+                    <dgm:bulletEnabled val="1"/>
+                  </dgm:varLst>
+                  <dgm:alg type="tx"/>
+                  <dgm:shape xmlns:r="http://schemas.openxmlformats.org/officeDocument/2006/relationships" type="downArrow" r:blip="">
+                    <dgm:adjLst>
+                      <dgm:adj idx="1" val="0.55"/>
+                      <dgm:adj idx="2" val="0.45"/>
+                    </dgm:adjLst>
+                  </dgm:shape>
+                  <dgm:presOf axis="ch" ptType="sibTrans" cnt="1"/>
+                  <dgm:constrLst>
+                    <dgm:constr type="lMarg" refType="primFontSz" fact="0.1"/>
+                    <dgm:constr type="rMarg" refType="primFontSz" fact="0.1"/>
+                    <dgm:constr type="tMarg" refType="primFontSz" fact="0.1"/>
+                    <dgm:constr type="bMarg" refType="primFontSz" fact="0.1"/>
+                  </dgm:constrLst>
+                  <dgm:ruleLst>
+                    <dgm:rule type="primFontSz" val="5" fact="NaN" max="NaN"/>
+                  </dgm:ruleLst>
+                </dgm:layoutNode>
+                <dgm:layoutNode name="ThreeConn_2-3" styleLbl="fgAccFollowNode1">
+                  <dgm:varLst>
+                    <dgm:bulletEnabled val="1"/>
+                  </dgm:varLst>
+                  <dgm:alg type="tx"/>
+                  <dgm:shape xmlns:r="http://schemas.openxmlformats.org/officeDocument/2006/relationships" type="downArrow" r:blip="">
+                    <dgm:adjLst>
+                      <dgm:adj idx="1" val="0.55"/>
+                      <dgm:adj idx="2" val="0.45"/>
+                    </dgm:adjLst>
+                  </dgm:shape>
+                  <dgm:presOf axis="ch" ptType="sibTrans" st="2" cnt="1"/>
+                  <dgm:constrLst>
+                    <dgm:constr type="lMarg" refType="primFontSz" fact="0.1"/>
+                    <dgm:constr type="rMarg" refType="primFontSz" fact="0.1"/>
+                    <dgm:constr type="tMarg" refType="primFontSz" fact="0.1"/>
+                    <dgm:constr type="bMarg" refType="primFontSz" fact="0.1"/>
+                  </dgm:constrLst>
+                  <dgm:ruleLst>
+                    <dgm:rule type="primFontSz" val="5" fact="NaN" max="NaN"/>
+                  </dgm:ruleLst>
+                </dgm:layoutNode>
+                <dgm:layoutNode name="ThreeNodes_1_text">
+                  <dgm:varLst>
+                    <dgm:bulletEnabled val="1"/>
+                  </dgm:varLst>
+                  <dgm:alg type="tx">
+                    <dgm:param type="parTxLTRAlign" val="l"/>
+                    <dgm:param type="txAnchorVertCh" val="mid"/>
+                  </dgm:alg>
+                  <dgm:shape xmlns:r="http://schemas.openxmlformats.org/officeDocument/2006/relationships" type="roundRect" r:blip="" hideGeom="1">
+                    <dgm:adjLst>
+                      <dgm:adj idx="1" val="0.1"/>
+                    </dgm:adjLst>
+                  </dgm:shape>
+                  <dgm:presOf axis="ch desOrSelf" ptType="node node" st="1 1" cnt="1 0"/>
+                  <dgm:constrLst>
+                    <dgm:constr type="lMarg" refType="primFontSz" fact="0.3"/>
+                    <dgm:constr type="rMarg" refType="primFontSz" fact="0.3"/>
+                    <dgm:constr type="tMarg" refType="primFontSz" fact="0.3"/>
+                    <dgm:constr type="bMarg" refType="primFontSz" fact="0.3"/>
+                  </dgm:constrLst>
+                  <dgm:ruleLst>
+                    <dgm:rule type="primFontSz" val="5" fact="NaN" max="NaN"/>
+                  </dgm:ruleLst>
+                </dgm:layoutNode>
+                <dgm:layoutNode name="ThreeNodes_2_text">
+                  <dgm:varLst>
+                    <dgm:bulletEnabled val="1"/>
+                  </dgm:varLst>
+                  <dgm:alg type="tx">
+                    <dgm:param type="parTxLTRAlign" val="l"/>
+                    <dgm:param type="txAnchorVertCh" val="mid"/>
+                  </dgm:alg>
+                  <dgm:shape xmlns:r="http://schemas.openxmlformats.org/officeDocument/2006/relationships" type="roundRect" r:blip="" hideGeom="1">
+                    <dgm:adjLst>
+                      <dgm:adj idx="1" val="0.1"/>
+                    </dgm:adjLst>
+                  </dgm:shape>
+                  <dgm:presOf axis="ch desOrSelf" ptType="node node" st="2 1" cnt="1 0"/>
+                  <dgm:constrLst>
+                    <dgm:constr type="lMarg" refType="primFontSz" fact="0.3"/>
+                    <dgm:constr type="rMarg" refType="primFontSz" fact="0.3"/>
+                    <dgm:constr type="tMarg" refType="primFontSz" fact="0.3"/>
+                    <dgm:constr type="bMarg" refType="primFontSz" fact="0.3"/>
+                  </dgm:constrLst>
+                  <dgm:ruleLst>
+                    <dgm:rule type="primFontSz" val="5" fact="NaN" max="NaN"/>
+                  </dgm:ruleLst>
+                </dgm:layoutNode>
+                <dgm:layoutNode name="ThreeNodes_3_text">
+                  <dgm:varLst>
+                    <dgm:bulletEnabled val="1"/>
+                  </dgm:varLst>
+                  <dgm:alg type="tx">
+                    <dgm:param type="parTxLTRAlign" val="l"/>
+                    <dgm:param type="txAnchorVertCh" val="mid"/>
+                  </dgm:alg>
+                  <dgm:shape xmlns:r="http://schemas.openxmlformats.org/officeDocument/2006/relationships" type="roundRect" r:blip="" hideGeom="1">
+                    <dgm:adjLst>
+                      <dgm:adj idx="1" val="0.1"/>
+                    </dgm:adjLst>
+                  </dgm:shape>
+                  <dgm:presOf axis="ch desOrSelf" ptType="node node" st="3 1" cnt="1 0"/>
+                  <dgm:constrLst>
+                    <dgm:constr type="lMarg" refType="primFontSz" fact="0.3"/>
+                    <dgm:constr type="rMarg" refType="primFontSz" fact="0.3"/>
+                    <dgm:constr type="tMarg" refType="primFontSz" fact="0.3"/>
+                    <dgm:constr type="bMarg" refType="primFontSz" fact="0.3"/>
+                  </dgm:constrLst>
+                  <dgm:ruleLst>
+                    <dgm:rule type="primFontSz" val="5" fact="NaN" max="NaN"/>
+                  </dgm:ruleLst>
+                </dgm:layoutNode>
+              </dgm:if>
+              <dgm:else name="Name11">
+                <dgm:choose name="Name12">
+                  <dgm:if name="Name13" axis="ch" ptType="node" func="cnt" op="equ" val="4">
+                    <dgm:layoutNode name="FourNodes_1">
+                      <dgm:varLst>
+                        <dgm:bulletEnabled val="1"/>
+                      </dgm:varLst>
+                      <dgm:alg type="sp"/>
+                      <dgm:shape xmlns:r="http://schemas.openxmlformats.org/officeDocument/2006/relationships" type="roundRect" r:blip="">
+                        <dgm:adjLst>
+                          <dgm:adj idx="1" val="0.1"/>
+                        </dgm:adjLst>
+                      </dgm:shape>
+                      <dgm:presOf axis="ch desOrSelf" ptType="node node" st="1 1" cnt="1 0"/>
+                      <dgm:constrLst/>
+                      <dgm:ruleLst/>
+                    </dgm:layoutNode>
+                    <dgm:layoutNode name="FourNodes_2">
+                      <dgm:varLst>
+                        <dgm:bulletEnabled val="1"/>
+                      </dgm:varLst>
+                      <dgm:alg type="sp"/>
+                      <dgm:shape xmlns:r="http://schemas.openxmlformats.org/officeDocument/2006/relationships" type="roundRect" r:blip="">
+                        <dgm:adjLst>
+                          <dgm:adj idx="1" val="0.1"/>
+                        </dgm:adjLst>
+                      </dgm:shape>
+                      <dgm:presOf axis="ch desOrSelf" ptType="node node" st="2 1" cnt="1 0"/>
+                      <dgm:constrLst/>
+                      <dgm:ruleLst/>
+                    </dgm:layoutNode>
+                    <dgm:layoutNode name="FourNodes_3">
+                      <dgm:varLst>
+                        <dgm:bulletEnabled val="1"/>
+                      </dgm:varLst>
+                      <dgm:alg type="sp"/>
+                      <dgm:shape xmlns:r="http://schemas.openxmlformats.org/officeDocument/2006/relationships" type="roundRect" r:blip="">
+                        <dgm:adjLst>
+                          <dgm:adj idx="1" val="0.1"/>
+                        </dgm:adjLst>
+                      </dgm:shape>
+                      <dgm:presOf axis="ch desOrSelf" ptType="node node" st="3 1" cnt="1 0"/>
+                      <dgm:constrLst/>
+                      <dgm:ruleLst/>
+                    </dgm:layoutNode>
+                    <dgm:layoutNode name="FourNodes_4">
+                      <dgm:varLst>
+                        <dgm:bulletEnabled val="1"/>
+                      </dgm:varLst>
+                      <dgm:alg type="sp"/>
+                      <dgm:shape xmlns:r="http://schemas.openxmlformats.org/officeDocument/2006/relationships" type="roundRect" r:blip="">
+                        <dgm:adjLst>
+                          <dgm:adj idx="1" val="0.1"/>
+                        </dgm:adjLst>
+                      </dgm:shape>
+                      <dgm:presOf axis="ch desOrSelf" ptType="node node" st="4 1" cnt="1 0"/>
+                      <dgm:constrLst/>
+                      <dgm:ruleLst/>
+                    </dgm:layoutNode>
+                    <dgm:layoutNode name="FourConn_1-2" styleLbl="fgAccFollowNode1">
+                      <dgm:varLst>
+                        <dgm:bulletEnabled val="1"/>
+                      </dgm:varLst>
+                      <dgm:alg type="tx"/>
+                      <dgm:shape xmlns:r="http://schemas.openxmlformats.org/officeDocument/2006/relationships" type="downArrow" r:blip="">
+                        <dgm:adjLst>
+                          <dgm:adj idx="1" val="0.55"/>
+                          <dgm:adj idx="2" val="0.45"/>
+                        </dgm:adjLst>
+                      </dgm:shape>
+                      <dgm:presOf axis="ch" ptType="sibTrans" cnt="1"/>
+                      <dgm:constrLst>
+                        <dgm:constr type="lMarg" refType="primFontSz" fact="0.1"/>
+                        <dgm:constr type="rMarg" refType="primFontSz" fact="0.1"/>
+                        <dgm:constr type="tMarg" refType="primFontSz" fact="0.1"/>
+                        <dgm:constr type="bMarg" refType="primFontSz" fact="0.1"/>
+                      </dgm:constrLst>
+                      <dgm:ruleLst>
+                        <dgm:rule type="primFontSz" val="5" fact="NaN" max="NaN"/>
+                      </dgm:ruleLst>
+                    </dgm:layoutNode>
+                    <dgm:layoutNode name="FourConn_2-3" styleLbl="fgAccFollowNode1">
+                      <dgm:varLst>
+                        <dgm:bulletEnabled val="1"/>
+                      </dgm:varLst>
+                      <dgm:alg type="tx"/>
+                      <dgm:shape xmlns:r="http://schemas.openxmlformats.org/officeDocument/2006/relationships" type="downArrow" r:blip="">
+                        <dgm:adjLst>
+                          <dgm:adj idx="1" val="0.55"/>
+                          <dgm:adj idx="2" val="0.45"/>
+                        </dgm:adjLst>
+                      </dgm:shape>
+                      <dgm:presOf axis="ch" ptType="sibTrans" st="2" cnt="1"/>
+                      <dgm:constrLst>
+                        <dgm:constr type="lMarg" refType="primFontSz" fact="0.1"/>
+                        <dgm:constr type="rMarg" refType="primFontSz" fact="0.1"/>
+                        <dgm:constr type="tMarg" refType="primFontSz" fact="0.1"/>
+                        <dgm:constr type="bMarg" refType="primFontSz" fact="0.1"/>
+                      </dgm:constrLst>
+                      <dgm:ruleLst>
+                        <dgm:rule type="primFontSz" val="5" fact="NaN" max="NaN"/>
+                      </dgm:ruleLst>
+                    </dgm:layoutNode>
+                    <dgm:layoutNode name="FourConn_3-4" styleLbl="fgAccFollowNode1">
+                      <dgm:varLst>
+                        <dgm:bulletEnabled val="1"/>
+                      </dgm:varLst>
+                      <dgm:alg type="tx"/>
+                      <dgm:shape xmlns:r="http://schemas.openxmlformats.org/officeDocument/2006/relationships" type="downArrow" r:blip="">
+                        <dgm:adjLst>
+                          <dgm:adj idx="1" val="0.55"/>
+                          <dgm:adj idx="2" val="0.45"/>
+                        </dgm:adjLst>
+                      </dgm:shape>
+                      <dgm:presOf axis="ch" ptType="sibTrans" st="3" cnt="1"/>
+                      <dgm:constrLst>
+                        <dgm:constr type="lMarg" refType="primFontSz" fact="0.1"/>
+                        <dgm:constr type="rMarg" refType="primFontSz" fact="0.1"/>
+                        <dgm:constr type="tMarg" refType="primFontSz" fact="0.1"/>
+                        <dgm:constr type="bMarg" refType="primFontSz" fact="0.1"/>
+                      </dgm:constrLst>
+                      <dgm:ruleLst>
+                        <dgm:rule type="primFontSz" val="5" fact="NaN" max="NaN"/>
+                      </dgm:ruleLst>
+                    </dgm:layoutNode>
+                    <dgm:layoutNode name="FourNodes_1_text">
+                      <dgm:varLst>
+                        <dgm:bulletEnabled val="1"/>
+                      </dgm:varLst>
+                      <dgm:alg type="tx">
+                        <dgm:param type="parTxLTRAlign" val="l"/>
+                        <dgm:param type="txAnchorVertCh" val="mid"/>
+                      </dgm:alg>
+                      <dgm:shape xmlns:r="http://schemas.openxmlformats.org/officeDocument/2006/relationships" type="roundRect" r:blip="" hideGeom="1">
+                        <dgm:adjLst>
+                          <dgm:adj idx="1" val="0.1"/>
+                        </dgm:adjLst>
+                      </dgm:shape>
+                      <dgm:presOf axis="ch desOrSelf" ptType="node node" st="1 1" cnt="1 0"/>
+                      <dgm:constrLst>
+                        <dgm:constr type="lMarg" refType="primFontSz" fact="0.3"/>
+                        <dgm:constr type="rMarg" refType="primFontSz" fact="0.3"/>
+                        <dgm:constr type="tMarg" refType="primFontSz" fact="0.3"/>
+                        <dgm:constr type="bMarg" refType="primFontSz" fact="0.3"/>
+                      </dgm:constrLst>
+                      <dgm:ruleLst>
+                        <dgm:rule type="primFontSz" val="5" fact="NaN" max="NaN"/>
+                      </dgm:ruleLst>
+                    </dgm:layoutNode>
+                    <dgm:layoutNode name="FourNodes_2_text">
+                      <dgm:varLst>
+                        <dgm:bulletEnabled val="1"/>
+                      </dgm:varLst>
+                      <dgm:alg type="tx">
+                        <dgm:param type="parTxLTRAlign" val="l"/>
+                        <dgm:param type="txAnchorVertCh" val="mid"/>
+                      </dgm:alg>
+                      <dgm:shape xmlns:r="http://schemas.openxmlformats.org/officeDocument/2006/relationships" type="roundRect" r:blip="" hideGeom="1">
+                        <dgm:adjLst>
+                          <dgm:adj idx="1" val="0.1"/>
+                        </dgm:adjLst>
+                      </dgm:shape>
+                      <dgm:presOf axis="ch desOrSelf" ptType="node node" st="2 1" cnt="1 0"/>
+                      <dgm:constrLst>
+                        <dgm:constr type="lMarg" refType="primFontSz" fact="0.3"/>
+                        <dgm:constr type="rMarg" refType="primFontSz" fact="0.3"/>
+                        <dgm:constr type="tMarg" refType="primFontSz" fact="0.3"/>
+                        <dgm:constr type="bMarg" refType="primFontSz" fact="0.3"/>
+                      </dgm:constrLst>
+                      <dgm:ruleLst>
+                        <dgm:rule type="primFontSz" val="5" fact="NaN" max="NaN"/>
+                      </dgm:ruleLst>
+                    </dgm:layoutNode>
+                    <dgm:layoutNode name="FourNodes_3_text">
+                      <dgm:varLst>
+                        <dgm:bulletEnabled val="1"/>
+                      </dgm:varLst>
+                      <dgm:alg type="tx">
+                        <dgm:param type="parTxLTRAlign" val="l"/>
+                        <dgm:param type="txAnchorVertCh" val="mid"/>
+                      </dgm:alg>
+                      <dgm:shape xmlns:r="http://schemas.openxmlformats.org/officeDocument/2006/relationships" type="roundRect" r:blip="" hideGeom="1">
+                        <dgm:adjLst>
+                          <dgm:adj idx="1" val="0.1"/>
+                        </dgm:adjLst>
+                      </dgm:shape>
+                      <dgm:presOf axis="ch desOrSelf" ptType="node node" st="3 1" cnt="1 0"/>
+                      <dgm:constrLst>
+                        <dgm:constr type="lMarg" refType="primFontSz" fact="0.3"/>
+                        <dgm:constr type="rMarg" refType="primFontSz" fact="0.3"/>
+                        <dgm:constr type="tMarg" refType="primFontSz" fact="0.3"/>
+                        <dgm:constr type="bMarg" refType="primFontSz" fact="0.3"/>
+                      </dgm:constrLst>
+                      <dgm:ruleLst>
+                        <dgm:rule type="primFontSz" val="5" fact="NaN" max="NaN"/>
+                      </dgm:ruleLst>
+                    </dgm:layoutNode>
+                    <dgm:layoutNode name="FourNodes_4_text">
+                      <dgm:varLst>
+                        <dgm:bulletEnabled val="1"/>
+                      </dgm:varLst>
+                      <dgm:alg type="tx">
+                        <dgm:param type="parTxLTRAlign" val="l"/>
+                        <dgm:param type="txAnchorVertCh" val="mid"/>
+                      </dgm:alg>
+                      <dgm:shape xmlns:r="http://schemas.openxmlformats.org/officeDocument/2006/relationships" type="roundRect" r:blip="" hideGeom="1">
+                        <dgm:adjLst>
+                          <dgm:adj idx="1" val="0.1"/>
+                        </dgm:adjLst>
+                      </dgm:shape>
+                      <dgm:presOf axis="ch desOrSelf" ptType="node node" st="4 1" cnt="1 0"/>
+                      <dgm:constrLst>
+                        <dgm:constr type="lMarg" refType="primFontSz" fact="0.3"/>
+                        <dgm:constr type="rMarg" refType="primFontSz" fact="0.3"/>
+                        <dgm:constr type="tMarg" refType="primFontSz" fact="0.3"/>
+                        <dgm:constr type="bMarg" refType="primFontSz" fact="0.3"/>
+                      </dgm:constrLst>
+                      <dgm:ruleLst>
+                        <dgm:rule type="primFontSz" val="5" fact="NaN" max="NaN"/>
+                      </dgm:ruleLst>
+                    </dgm:layoutNode>
+                  </dgm:if>
+                  <dgm:else name="Name14">
+                    <dgm:choose name="Name15">
+                      <dgm:if name="Name16" axis="ch" ptType="node" func="cnt" op="gte" val="5">
+                        <dgm:layoutNode name="FiveNodes_1">
+                          <dgm:varLst>
+                            <dgm:bulletEnabled val="1"/>
+                          </dgm:varLst>
+                          <dgm:alg type="sp"/>
+                          <dgm:shape xmlns:r="http://schemas.openxmlformats.org/officeDocument/2006/relationships" type="roundRect" r:blip="">
+                            <dgm:adjLst>
+                              <dgm:adj idx="1" val="0.1"/>
+                            </dgm:adjLst>
+                          </dgm:shape>
+                          <dgm:presOf axis="ch desOrSelf" ptType="node node" st="1 1" cnt="1 0"/>
+                          <dgm:constrLst/>
+                          <dgm:ruleLst/>
+                        </dgm:layoutNode>
+                        <dgm:layoutNode name="FiveNodes_2">
+                          <dgm:varLst>
+                            <dgm:bulletEnabled val="1"/>
+                          </dgm:varLst>
+                          <dgm:alg type="sp"/>
+                          <dgm:shape xmlns:r="http://schemas.openxmlformats.org/officeDocument/2006/relationships" type="roundRect" r:blip="">
+                            <dgm:adjLst>
+                              <dgm:adj idx="1" val="0.1"/>
+                            </dgm:adjLst>
+                          </dgm:shape>
+                          <dgm:presOf axis="ch desOrSelf" ptType="node node" st="2 1" cnt="1 0"/>
+                          <dgm:constrLst/>
+                          <dgm:ruleLst/>
+                        </dgm:layoutNode>
+                        <dgm:layoutNode name="FiveNodes_3">
+                          <dgm:varLst>
+                            <dgm:bulletEnabled val="1"/>
+                          </dgm:varLst>
+                          <dgm:alg type="sp"/>
+                          <dgm:shape xmlns:r="http://schemas.openxmlformats.org/officeDocument/2006/relationships" type="roundRect" r:blip="">
+                            <dgm:adjLst>
+                              <dgm:adj idx="1" val="0.1"/>
+                            </dgm:adjLst>
+                          </dgm:shape>
+                          <dgm:presOf axis="ch desOrSelf" ptType="node node" st="3 1" cnt="1 0"/>
+                          <dgm:constrLst/>
+                          <dgm:ruleLst/>
+                        </dgm:layoutNode>
+                        <dgm:layoutNode name="FiveNodes_4">
+                          <dgm:varLst>
+                            <dgm:bulletEnabled val="1"/>
+                          </dgm:varLst>
+                          <dgm:alg type="sp"/>
+                          <dgm:shape xmlns:r="http://schemas.openxmlformats.org/officeDocument/2006/relationships" type="roundRect" r:blip="">
+                            <dgm:adjLst>
+                              <dgm:adj idx="1" val="0.1"/>
+                            </dgm:adjLst>
+                          </dgm:shape>
+                          <dgm:presOf axis="ch desOrSelf" ptType="node node" st="4 1" cnt="1 0"/>
+                          <dgm:constrLst/>
+                          <dgm:ruleLst/>
+                        </dgm:layoutNode>
+                        <dgm:layoutNode name="FiveNodes_5">
+                          <dgm:varLst>
+                            <dgm:bulletEnabled val="1"/>
+                          </dgm:varLst>
+                          <dgm:alg type="sp"/>
+                          <dgm:shape xmlns:r="http://schemas.openxmlformats.org/officeDocument/2006/relationships" type="roundRect" r:blip="">
+                            <dgm:adjLst>
+                              <dgm:adj idx="1" val="0.1"/>
+                            </dgm:adjLst>
+                          </dgm:shape>
+                          <dgm:presOf axis="ch desOrSelf" ptType="node node" st="5 1" cnt="1 0"/>
+                          <dgm:constrLst/>
+                          <dgm:ruleLst/>
+                        </dgm:layoutNode>
+                        <dgm:layoutNode name="FiveConn_1-2" styleLbl="fgAccFollowNode1">
+                          <dgm:varLst>
+                            <dgm:bulletEnabled val="1"/>
+                          </dgm:varLst>
+                          <dgm:alg type="tx"/>
+                          <dgm:shape xmlns:r="http://schemas.openxmlformats.org/officeDocument/2006/relationships" type="downArrow" r:blip="">
+                            <dgm:adjLst>
+                              <dgm:adj idx="1" val="0.55"/>
+                              <dgm:adj idx="2" val="0.45"/>
+                            </dgm:adjLst>
+                          </dgm:shape>
+                          <dgm:presOf axis="ch" ptType="sibTrans" cnt="1"/>
+                          <dgm:constrLst>
+                            <dgm:constr type="lMarg" refType="primFontSz" fact="0.1"/>
+                            <dgm:constr type="rMarg" refType="primFontSz" fact="0.1"/>
+                            <dgm:constr type="tMarg" refType="primFontSz" fact="0.1"/>
+                            <dgm:constr type="bMarg" refType="primFontSz" fact="0.1"/>
+                          </dgm:constrLst>
+                          <dgm:ruleLst>
+                            <dgm:rule type="primFontSz" val="5" fact="NaN" max="NaN"/>
+                          </dgm:ruleLst>
+                        </dgm:layoutNode>
+                        <dgm:layoutNode name="FiveConn_2-3" styleLbl="fgAccFollowNode1">
+                          <dgm:varLst>
+                            <dgm:bulletEnabled val="1"/>
+                          </dgm:varLst>
+                          <dgm:alg type="tx"/>
+                          <dgm:shape xmlns:r="http://schemas.openxmlformats.org/officeDocument/2006/relationships" type="downArrow" r:blip="">
+                            <dgm:adjLst>
+                              <dgm:adj idx="1" val="0.55"/>
+                              <dgm:adj idx="2" val="0.45"/>
+                            </dgm:adjLst>
+                          </dgm:shape>
+                          <dgm:presOf axis="ch" ptType="sibTrans" st="2" cnt="1"/>
+                          <dgm:constrLst>
+                            <dgm:constr type="lMarg" refType="primFontSz" fact="0.1"/>
+                            <dgm:constr type="rMarg" refType="primFontSz" fact="0.1"/>
+                            <dgm:constr type="tMarg" refType="primFontSz" fact="0.1"/>
+                            <dgm:constr type="bMarg" refType="primFontSz" fact="0.1"/>
+                          </dgm:constrLst>
+                          <dgm:ruleLst>
+                            <dgm:rule type="primFontSz" val="5" fact="NaN" max="NaN"/>
+                          </dgm:ruleLst>
+                        </dgm:layoutNode>
+                        <dgm:layoutNode name="FiveConn_3-4" styleLbl="fgAccFollowNode1">
+                          <dgm:varLst>
+                            <dgm:bulletEnabled val="1"/>
+                          </dgm:varLst>
+                          <dgm:alg type="tx"/>
+                          <dgm:shape xmlns:r="http://schemas.openxmlformats.org/officeDocument/2006/relationships" type="downArrow" r:blip="">
+                            <dgm:adjLst>
+                              <dgm:adj idx="1" val="0.55"/>
+                              <dgm:adj idx="2" val="0.45"/>
+                            </dgm:adjLst>
+                          </dgm:shape>
+                          <dgm:presOf axis="ch" ptType="sibTrans" st="3" cnt="1"/>
+                          <dgm:constrLst>
+                            <dgm:constr type="lMarg" refType="primFontSz" fact="0.1"/>
+                            <dgm:constr type="rMarg" refType="primFontSz" fact="0.1"/>
+                            <dgm:constr type="tMarg" refType="primFontSz" fact="0.1"/>
+                            <dgm:constr type="bMarg" refType="primFontSz" fact="0.1"/>
+                          </dgm:constrLst>
+                          <dgm:ruleLst>
+                            <dgm:rule type="primFontSz" val="5" fact="NaN" max="NaN"/>
+                          </dgm:ruleLst>
+                        </dgm:layoutNode>
+                        <dgm:layoutNode name="FiveConn_4-5" styleLbl="fgAccFollowNode1">
+                          <dgm:varLst>
+                            <dgm:bulletEnabled val="1"/>
+                          </dgm:varLst>
+                          <dgm:alg type="tx"/>
+                          <dgm:shape xmlns:r="http://schemas.openxmlformats.org/officeDocument/2006/relationships" type="downArrow" r:blip="">
+                            <dgm:adjLst>
+                              <dgm:adj idx="1" val="0.55"/>
+                              <dgm:adj idx="2" val="0.45"/>
+                            </dgm:adjLst>
+                          </dgm:shape>
+                          <dgm:presOf axis="ch" ptType="sibTrans" st="4" cnt="1"/>
+                          <dgm:constrLst>
+                            <dgm:constr type="lMarg" refType="primFontSz" fact="0.1"/>
+                            <dgm:constr type="rMarg" refType="primFontSz" fact="0.1"/>
+                            <dgm:constr type="tMarg" refType="primFontSz" fact="0.1"/>
+                            <dgm:constr type="bMarg" refType="primFontSz" fact="0.1"/>
+                          </dgm:constrLst>
+                          <dgm:ruleLst>
+                            <dgm:rule type="primFontSz" val="5" fact="NaN" max="NaN"/>
+                          </dgm:ruleLst>
+                        </dgm:layoutNode>
+                        <dgm:layoutNode name="FiveNodes_1_text">
+                          <dgm:varLst>
+                            <dgm:bulletEnabled val="1"/>
+                          </dgm:varLst>
+                          <dgm:alg type="tx">
+                            <dgm:param type="parTxLTRAlign" val="l"/>
+                            <dgm:param type="txAnchorVertCh" val="mid"/>
+                          </dgm:alg>
+                          <dgm:shape xmlns:r="http://schemas.openxmlformats.org/officeDocument/2006/relationships" type="roundRect" r:blip="" hideGeom="1">
+                            <dgm:adjLst>
+                              <dgm:adj idx="1" val="0.1"/>
+                            </dgm:adjLst>
+                          </dgm:shape>
+                          <dgm:presOf axis="ch desOrSelf" ptType="node node" st="1 1" cnt="1 0"/>
+                          <dgm:constrLst>
+                            <dgm:constr type="lMarg" refType="primFontSz" fact="0.3"/>
+                            <dgm:constr type="rMarg" refType="primFontSz" fact="0.3"/>
+                            <dgm:constr type="tMarg" refType="primFontSz" fact="0.3"/>
+                            <dgm:constr type="bMarg" refType="primFontSz" fact="0.3"/>
+                          </dgm:constrLst>
+                          <dgm:ruleLst>
+                            <dgm:rule type="primFontSz" val="5" fact="NaN" max="NaN"/>
+                          </dgm:ruleLst>
+                        </dgm:layoutNode>
+                        <dgm:layoutNode name="FiveNodes_2_text">
+                          <dgm:varLst>
+                            <dgm:bulletEnabled val="1"/>
+                          </dgm:varLst>
+                          <dgm:alg type="tx">
+                            <dgm:param type="parTxLTRAlign" val="l"/>
+                            <dgm:param type="txAnchorVertCh" val="mid"/>
+                          </dgm:alg>
+                          <dgm:shape xmlns:r="http://schemas.openxmlformats.org/officeDocument/2006/relationships" type="roundRect" r:blip="" hideGeom="1">
+                            <dgm:adjLst>
+                              <dgm:adj idx="1" val="0.1"/>
+                            </dgm:adjLst>
+                          </dgm:shape>
+                          <dgm:presOf axis="ch desOrSelf" ptType="node node" st="2 1" cnt="1 0"/>
+                          <dgm:constrLst>
+                            <dgm:constr type="lMarg" refType="primFontSz" fact="0.3"/>
+                            <dgm:constr type="rMarg" refType="primFontSz" fact="0.3"/>
+                            <dgm:constr type="tMarg" refType="primFontSz" fact="0.3"/>
+                            <dgm:constr type="bMarg" refType="primFontSz" fact="0.3"/>
+                          </dgm:constrLst>
+                          <dgm:ruleLst>
+                            <dgm:rule type="primFontSz" val="5" fact="NaN" max="NaN"/>
+                          </dgm:ruleLst>
+                        </dgm:layoutNode>
+                        <dgm:layoutNode name="FiveNodes_3_text">
+                          <dgm:varLst>
+                            <dgm:bulletEnabled val="1"/>
+                          </dgm:varLst>
+                          <dgm:alg type="tx">
+                            <dgm:param type="parTxLTRAlign" val="l"/>
+                            <dgm:param type="txAnchorVertCh" val="mid"/>
+                          </dgm:alg>
+                          <dgm:shape xmlns:r="http://schemas.openxmlformats.org/officeDocument/2006/relationships" type="roundRect" r:blip="" hideGeom="1">
+                            <dgm:adjLst>
+                              <dgm:adj idx="1" val="0.1"/>
+                            </dgm:adjLst>
+                          </dgm:shape>
+                          <dgm:presOf axis="ch desOrSelf" ptType="node node" st="3 1" cnt="1 0"/>
+                          <dgm:constrLst>
+                            <dgm:constr type="lMarg" refType="primFontSz" fact="0.3"/>
+                            <dgm:constr type="rMarg" refType="primFontSz" fact="0.3"/>
+                            <dgm:constr type="tMarg" refType="primFontSz" fact="0.3"/>
+                            <dgm:constr type="bMarg" refType="primFontSz" fact="0.3"/>
+                          </dgm:constrLst>
+                          <dgm:ruleLst>
+                            <dgm:rule type="primFontSz" val="5" fact="NaN" max="NaN"/>
+                          </dgm:ruleLst>
+                        </dgm:layoutNode>
+                        <dgm:layoutNode name="FiveNodes_4_text">
+                          <dgm:varLst>
+                            <dgm:bulletEnabled val="1"/>
+                          </dgm:varLst>
+                          <dgm:alg type="tx">
+                            <dgm:param type="parTxLTRAlign" val="l"/>
+                            <dgm:param type="txAnchorVertCh" val="mid"/>
+                          </dgm:alg>
+                          <dgm:shape xmlns:r="http://schemas.openxmlformats.org/officeDocument/2006/relationships" type="roundRect" r:blip="" hideGeom="1">
+                            <dgm:adjLst>
+                              <dgm:adj idx="1" val="0.1"/>
+                            </dgm:adjLst>
+                          </dgm:shape>
+                          <dgm:presOf axis="ch desOrSelf" ptType="node node" st="4 1" cnt="1 0"/>
+                          <dgm:constrLst>
+                            <dgm:constr type="lMarg" refType="primFontSz" fact="0.3"/>
+                            <dgm:constr type="rMarg" refType="primFontSz" fact="0.3"/>
+                            <dgm:constr type="tMarg" refType="primFontSz" fact="0.3"/>
+                            <dgm:constr type="bMarg" refType="primFontSz" fact="0.3"/>
+                          </dgm:constrLst>
+                          <dgm:ruleLst>
+                            <dgm:rule type="primFontSz" val="5" fact="NaN" max="NaN"/>
+                          </dgm:ruleLst>
+                        </dgm:layoutNode>
+                        <dgm:layoutNode name="FiveNodes_5_text">
+                          <dgm:varLst>
+                            <dgm:bulletEnabled val="1"/>
+                          </dgm:varLst>
+                          <dgm:alg type="tx">
+                            <dgm:param type="parTxLTRAlign" val="l"/>
+                            <dgm:param type="txAnchorVertCh" val="mid"/>
+                          </dgm:alg>
+                          <dgm:shape xmlns:r="http://schemas.openxmlformats.org/officeDocument/2006/relationships" type="roundRect" r:blip="" hideGeom="1">
+                            <dgm:adjLst>
+                              <dgm:adj idx="1" val="0.1"/>
+                            </dgm:adjLst>
+                          </dgm:shape>
+                          <dgm:presOf axis="ch desOrSelf" ptType="node node" st="5 1" cnt="1 0"/>
+                          <dgm:constrLst>
+                            <dgm:constr type="lMarg" refType="primFontSz" fact="0.3"/>
+                            <dgm:constr type="rMarg" refType="primFontSz" fact="0.3"/>
+                            <dgm:constr type="tMarg" refType="primFontSz" fact="0.3"/>
+                            <dgm:constr type="bMarg" refType="primFontSz" fact="0.3"/>
+                          </dgm:constrLst>
+                          <dgm:ruleLst>
+                            <dgm:rule type="primFontSz" val="5" fact="NaN" max="NaN"/>
+                          </dgm:ruleLst>
+                        </dgm:layoutNode>
+                      </dgm:if>
+                      <dgm:else name="Name17"/>
+                    </dgm:choose>
+                  </dgm:else>
+                </dgm:choose>
+              </dgm:else>
+            </dgm:choose>
+          </dgm:else>
+        </dgm:choose>
+      </dgm:else>
+    </dgm:choose>
+  </dgm:layoutNode>
+</dgm:layoutDef>
+</file>
+
+<file path=ppt/diagrams/quickStyle1.xml><?xml version="1.0" encoding="utf-8"?>
+<dgm:styleDef xmlns:dgm="http://schemas.openxmlformats.org/drawingml/2006/diagram" xmlns:a="http://schemas.openxmlformats.org/drawingml/2006/main" uniqueId="urn:microsoft.com/office/officeart/2005/8/quickstyle/simple4">
+  <dgm:title val=""/>
+  <dgm:desc val=""/>
+  <dgm:catLst>
+    <dgm:cat type="simple" pri="10400"/>
+  </dgm:catLst>
+  <dgm:scene3d>
+    <a:camera prst="orthographicFront"/>
+    <a:lightRig rig="threePt" dir="t"/>
+  </dgm:scene3d>
+  <dgm:styleLbl name="node0">
+    <dgm:scene3d>
+      <a:camera prst="orthographicFront"/>
+      <a:lightRig rig="threePt" dir="t"/>
+    </dgm:scene3d>
+    <dgm:sp3d/>
+    <dgm:txPr/>
+    <dgm:style>
+      <a:lnRef idx="0">
+        <a:scrgbClr r="0" g="0" b="0"/>
+      </a:lnRef>
+      <a:fillRef idx="3">
+        <a:scrgbClr r="0" g="0" b="0"/>
+      </a:fillRef>
+      <a:effectRef idx="2">
+        <a:scrgbClr r="0" g="0" b="0"/>
+      </a:effectRef>
+      <a:fontRef idx="minor">
+        <a:schemeClr val="lt1"/>
+      </a:fontRef>
+    </dgm:style>
+  </dgm:styleLbl>
+  <dgm:styleLbl name="lnNode1">
+    <dgm:scene3d>
+      <a:camera prst="orthographicFront"/>
+      <a:lightRig rig="threePt" dir="t"/>
+    </dgm:scene3d>
+    <dgm:sp3d/>
+    <dgm:txPr/>
+    <dgm:style>
+      <a:lnRef idx="1">
+        <a:scrgbClr r="0" g="0" b="0"/>
+      </a:lnRef>
+      <a:fillRef idx="3">
+        <a:scrgbClr r="0" g="0" b="0"/>
+      </a:fillRef>
+      <a:effectRef idx="2">
+        <a:scrgbClr r="0" g="0" b="0"/>
+      </a:effectRef>
+      <a:fontRef idx="minor">
+        <a:schemeClr val="lt1"/>
+      </a:fontRef>
+    </dgm:style>
+  </dgm:styleLbl>
+  <dgm:styleLbl name="vennNode1">
+    <dgm:scene3d>
+      <a:camera prst="orthographicFront"/>
+      <a:lightRig rig="threePt" dir="t"/>
+    </dgm:scene3d>
+    <dgm:sp3d/>
+    <dgm:txPr/>
+    <dgm:style>
+      <a:lnRef idx="0">
+        <a:scrgbClr r="0" g="0" b="0"/>
+      </a:lnRef>
+      <a:fillRef idx="3">
+        <a:scrgbClr r="0" g="0" b="0"/>
+      </a:fillRef>
+      <a:effectRef idx="0">
+        <a:scrgbClr r="0" g="0" b="0"/>
+      </a:effectRef>
+      <a:fontRef idx="minor">
+        <a:schemeClr val="tx1"/>
+      </a:fontRef>
+    </dgm:style>
+  </dgm:styleLbl>
+  <dgm:styleLbl name="alignNode1">
+    <dgm:scene3d>
+      <a:camera prst="orthographicFront"/>
+      <a:lightRig rig="threePt" dir="t"/>
+    </dgm:scene3d>
+    <dgm:sp3d/>
+    <dgm:txPr/>
+    <dgm:style>
+      <a:lnRef idx="1">
+        <a:scrgbClr r="0" g="0" b="0"/>
+      </a:lnRef>
+      <a:fillRef idx="3">
+        <a:scrgbClr r="0" g="0" b="0"/>
+      </a:fillRef>
+      <a:effectRef idx="2">
+        <a:scrgbClr r="0" g="0" b="0"/>
+      </a:effectRef>
+      <a:fontRef idx="minor">
+        <a:schemeClr val="lt1"/>
+      </a:fontRef>
+    </dgm:style>
+  </dgm:styleLbl>
+  <dgm:styleLbl name="node1">
+    <dgm:scene3d>
+      <a:camera prst="orthographicFront"/>
+      <a:lightRig rig="threePt" dir="t"/>
+    </dgm:scene3d>
+    <dgm:sp3d/>
+    <dgm:txPr/>
+    <dgm:style>
+      <a:lnRef idx="0">
+        <a:scrgbClr r="0" g="0" b="0"/>
+      </a:lnRef>
+      <a:fillRef idx="3">
+        <a:scrgbClr r="0" g="0" b="0"/>
+      </a:fillRef>
+      <a:effectRef idx="2">
+        <a:scrgbClr r="0" g="0" b="0"/>
+      </a:effectRef>
+      <a:fontRef idx="minor">
+        <a:schemeClr val="lt1"/>
+      </a:fontRef>
+    </dgm:style>
+  </dgm:styleLbl>
+  <dgm:styleLbl name="node2">
+    <dgm:scene3d>
+      <a:camera prst="orthographicFront"/>
+      <a:lightRig rig="threePt" dir="t"/>
+    </dgm:scene3d>
+    <dgm:sp3d/>
+    <dgm:txPr/>
+    <dgm:style>
+      <a:lnRef idx="0">
+        <a:scrgbClr r="0" g="0" b="0"/>
+      </a:lnRef>
+      <a:fillRef idx="3">
+        <a:scrgbClr r="0" g="0" b="0"/>
+      </a:fillRef>
+      <a:effectRef idx="2">
+        <a:scrgbClr r="0" g="0" b="0"/>
+      </a:effectRef>
+      <a:fontRef idx="minor">
+        <a:schemeClr val="lt1"/>
+      </a:fontRef>
+    </dgm:style>
+  </dgm:styleLbl>
+  <dgm:styleLbl name="node3">
+    <dgm:scene3d>
+      <a:camera prst="orthographicFront"/>
+      <a:lightRig rig="threePt" dir="t"/>
+    </dgm:scene3d>
+    <dgm:sp3d/>
+    <dgm:txPr/>
+    <dgm:style>
+      <a:lnRef idx="0">
+        <a:scrgbClr r="0" g="0" b="0"/>
+      </a:lnRef>
+      <a:fillRef idx="3">
+        <a:scrgbClr r="0" g="0" b="0"/>
+      </a:fillRef>
+      <a:effectRef idx="2">
+        <a:scrgbClr r="0" g="0" b="0"/>
+      </a:effectRef>
+      <a:fontRef idx="minor">
+        <a:schemeClr val="lt1"/>
+      </a:fontRef>
+    </dgm:style>
+  </dgm:styleLbl>
+  <dgm:styleLbl name="node4">
+    <dgm:scene3d>
+      <a:camera prst="orthographicFront"/>
+      <a:lightRig rig="threePt" dir="t"/>
+    </dgm:scene3d>
+    <dgm:sp3d/>
+    <dgm:txPr/>
+    <dgm:style>
+      <a:lnRef idx="0">
+        <a:scrgbClr r="0" g="0" b="0"/>
+      </a:lnRef>
+      <a:fillRef idx="3">
+        <a:scrgbClr r="0" g="0" b="0"/>
+      </a:fillRef>
+      <a:effectRef idx="2">
+        <a:scrgbClr r="0" g="0" b="0"/>
+      </a:effectRef>
+      <a:fontRef idx="minor">
+        <a:schemeClr val="lt1"/>
+      </a:fontRef>
+    </dgm:style>
+  </dgm:styleLbl>
+  <dgm:styleLbl name="fgImgPlace1">
+    <dgm:scene3d>
+      <a:camera prst="orthographicFront"/>
+      <a:lightRig rig="threePt" dir="t"/>
+    </dgm:scene3d>
+    <dgm:sp3d/>
+    <dgm:txPr/>
+    <dgm:style>
+      <a:lnRef idx="0">
+        <a:scrgbClr r="0" g="0" b="0"/>
+      </a:lnRef>
+      <a:fillRef idx="1">
+        <a:scrgbClr r="0" g="0" b="0"/>
+      </a:fillRef>
+      <a:effectRef idx="2">
+        <a:scrgbClr r="0" g="0" b="0"/>
+      </a:effectRef>
+      <a:fontRef idx="minor"/>
+    </dgm:style>
+  </dgm:styleLbl>
+  <dgm:styleLbl name="alignImgPlace1">
+    <dgm:scene3d>
+      <a:camera prst="orthographicFront"/>
+      <a:lightRig rig="threePt" dir="t"/>
+    </dgm:scene3d>
+    <dgm:sp3d/>
+    <dgm:txPr/>
+    <dgm:style>
+      <a:lnRef idx="0">
+        <a:scrgbClr r="0" g="0" b="0"/>
+      </a:lnRef>
+      <a:fillRef idx="1">
+        <a:scrgbClr r="0" g="0" b="0"/>
+      </a:fillRef>
+      <a:effectRef idx="2">
+        <a:scrgbClr r="0" g="0" b="0"/>
+      </a:effectRef>
+      <a:fontRef idx="minor"/>
+    </dgm:style>
+  </dgm:styleLbl>
+  <dgm:styleLbl name="bgImgPlace1">
+    <dgm:scene3d>
+      <a:camera prst="orthographicFront"/>
+      <a:lightRig rig="threePt" dir="t"/>
+    </dgm:scene3d>
+    <dgm:sp3d/>
+    <dgm:txPr/>
+    <dgm:style>
+      <a:lnRef idx="0">
+        <a:scrgbClr r="0" g="0" b="0"/>
+      </a:lnRef>
+      <a:fillRef idx="1">
+        <a:scrgbClr r="0" g="0" b="0"/>
+      </a:fillRef>
+      <a:effectRef idx="2">
+        <a:scrgbClr r="0" g="0" b="0"/>
+      </a:effectRef>
+      <a:fontRef idx="minor"/>
+    </dgm:style>
+  </dgm:styleLbl>
+  <dgm:styleLbl name="sibTrans2D1">
+    <dgm:scene3d>
+      <a:camera prst="orthographicFront"/>
+      <a:lightRig rig="threePt" dir="t"/>
+    </dgm:scene3d>
+    <dgm:sp3d/>
+    <dgm:txPr/>
+    <dgm:style>
+      <a:lnRef idx="0">
+        <a:scrgbClr r="0" g="0" b="0"/>
+      </a:lnRef>
+      <a:fillRef idx="3">
+        <a:scrgbClr r="0" g="0" b="0"/>
+      </a:fillRef>
+      <a:effectRef idx="2">
+        <a:scrgbClr r="0" g="0" b="0"/>
+      </a:effectRef>
+      <a:fontRef idx="minor">
+        <a:schemeClr val="lt1"/>
+      </a:fontRef>
+    </dgm:style>
+  </dgm:styleLbl>
+  <dgm:styleLbl name="fgSibTrans2D1">
+    <dgm:scene3d>
+      <a:camera prst="orthographicFront"/>
+      <a:lightRig rig="threePt" dir="t"/>
+    </dgm:scene3d>
+    <dgm:sp3d/>
+    <dgm:txPr/>
+    <dgm:style>
+      <a:lnRef idx="0">
+        <a:scrgbClr r="0" g="0" b="0"/>
+      </a:lnRef>
+      <a:fillRef idx="3">
+        <a:scrgbClr r="0" g="0" b="0"/>
+      </a:fillRef>
+      <a:effectRef idx="2">
+        <a:scrgbClr r="0" g="0" b="0"/>
+      </a:effectRef>
+      <a:fontRef idx="minor">
+        <a:schemeClr val="lt1"/>
+      </a:fontRef>
+    </dgm:style>
+  </dgm:styleLbl>
+  <dgm:styleLbl name="bgSibTrans2D1">
+    <dgm:scene3d>
+      <a:camera prst="orthographicFront"/>
+      <a:lightRig rig="threePt" dir="t"/>
+    </dgm:scene3d>
+    <dgm:sp3d/>
+    <dgm:txPr/>
+    <dgm:style>
+      <a:lnRef idx="0">
+        <a:scrgbClr r="0" g="0" b="0"/>
+      </a:lnRef>
+      <a:fillRef idx="3">
+        <a:scrgbClr r="0" g="0" b="0"/>
+      </a:fillRef>
+      <a:effectRef idx="2">
+        <a:scrgbClr r="0" g="0" b="0"/>
+      </a:effectRef>
+      <a:fontRef idx="minor">
+        <a:schemeClr val="lt1"/>
+      </a:fontRef>
+    </dgm:style>
+  </dgm:styleLbl>
+  <dgm:styleLbl name="sibTrans1D1">
+    <dgm:scene3d>
+      <a:camera prst="orthographicFront"/>
+      <a:lightRig rig="threePt" dir="t"/>
+    </dgm:scene3d>
+    <dgm:sp3d/>
+    <dgm:txPr/>
+    <dgm:style>
+      <a:lnRef idx="1">
+        <a:scrgbClr r="0" g="0" b="0"/>
+      </a:lnRef>
+      <a:fillRef idx="0">
+        <a:scrgbClr r="0" g="0" b="0"/>
+      </a:fillRef>
+      <a:effectRef idx="0">
+        <a:scrgbClr r="0" g="0" b="0"/>
+      </a:effectRef>
+      <a:fontRef idx="minor"/>
+    </dgm:style>
+  </dgm:styleLbl>
+  <dgm:styleLbl name="callout">
+    <dgm:scene3d>
+      <a:camera prst="orthographicFront"/>
+      <a:lightRig rig="threePt" dir="t"/>
+    </dgm:scene3d>
+    <dgm:sp3d/>
+    <dgm:txPr/>
+    <dgm:style>
+      <a:lnRef idx="2">
+        <a:scrgbClr r="0" g="0" b="0"/>
+      </a:lnRef>
+      <a:fillRef idx="1">
+        <a:scrgbClr r="0" g="0" b="0"/>
+      </a:fillRef>
+      <a:effectRef idx="1">
+        <a:scrgbClr r="0" g="0" b="0"/>
+      </a:effectRef>
+      <a:fontRef idx="minor"/>
+    </dgm:style>
+  </dgm:styleLbl>
+  <dgm:styleLbl name="asst0">
+    <dgm:scene3d>
+      <a:camera prst="orthographicFront"/>
+      <a:lightRig rig="threePt" dir="t"/>
+    </dgm:scene3d>
+    <dgm:sp3d/>
+    <dgm:txPr/>
+    <dgm:style>
+      <a:lnRef idx="0">
+        <a:scrgbClr r="0" g="0" b="0"/>
+      </a:lnRef>
+      <a:fillRef idx="3">
+        <a:scrgbClr r="0" g="0" b="0"/>
+      </a:fillRef>
+      <a:effectRef idx="2">
+        <a:scrgbClr r="0" g="0" b="0"/>
+      </a:effectRef>
+      <a:fontRef idx="minor">
+        <a:schemeClr val="lt1"/>
+      </a:fontRef>
+    </dgm:style>
+  </dgm:styleLbl>
+  <dgm:styleLbl name="asst1">
+    <dgm:scene3d>
+      <a:camera prst="orthographicFront"/>
+      <a:lightRig rig="threePt" dir="t"/>
+    </dgm:scene3d>
+    <dgm:sp3d/>
+    <dgm:txPr/>
+    <dgm:style>
+      <a:lnRef idx="0">
+        <a:scrgbClr r="0" g="0" b="0"/>
+      </a:lnRef>
+      <a:fillRef idx="3">
+        <a:scrgbClr r="0" g="0" b="0"/>
+      </a:fillRef>
+      <a:effectRef idx="2">
+        <a:scrgbClr r="0" g="0" b="0"/>
+      </a:effectRef>
+      <a:fontRef idx="minor">
+        <a:schemeClr val="lt1"/>
+      </a:fontRef>
+    </dgm:style>
+  </dgm:styleLbl>
+  <dgm:styleLbl name="asst2">
+    <dgm:scene3d>
+      <a:camera prst="orthographicFront"/>
+      <a:lightRig rig="threePt" dir="t"/>
+    </dgm:scene3d>
+    <dgm:sp3d/>
+    <dgm:txPr/>
+    <dgm:style>
+      <a:lnRef idx="0">
+        <a:scrgbClr r="0" g="0" b="0"/>
+      </a:lnRef>
+      <a:fillRef idx="3">
+        <a:scrgbClr r="0" g="0" b="0"/>
+      </a:fillRef>
+      <a:effectRef idx="2">
+        <a:scrgbClr r="0" g="0" b="0"/>
+      </a:effectRef>
+      <a:fontRef idx="minor">
+        <a:schemeClr val="lt1"/>
+      </a:fontRef>
+    </dgm:style>
+  </dgm:styleLbl>
+  <dgm:styleLbl name="asst3">
+    <dgm:scene3d>
+      <a:camera prst="orthographicFront"/>
+      <a:lightRig rig="threePt" dir="t"/>
+    </dgm:scene3d>
+    <dgm:sp3d/>
+    <dgm:txPr/>
+    <dgm:style>
+      <a:lnRef idx="0">
+        <a:scrgbClr r="0" g="0" b="0"/>
+      </a:lnRef>
+      <a:fillRef idx="3">
+        <a:scrgbClr r="0" g="0" b="0"/>
+      </a:fillRef>
+      <a:effectRef idx="2">
+        <a:scrgbClr r="0" g="0" b="0"/>
+      </a:effectRef>
+      <a:fontRef idx="minor">
+        <a:schemeClr val="lt1"/>
+      </a:fontRef>
+    </dgm:style>
+  </dgm:styleLbl>
+  <dgm:styleLbl name="asst4">
+    <dgm:scene3d>
+      <a:camera prst="orthographicFront"/>
+      <a:lightRig rig="threePt" dir="t"/>
+    </dgm:scene3d>
+    <dgm:sp3d/>
+    <dgm:txPr/>
+    <dgm:style>
+      <a:lnRef idx="0">
+        <a:scrgbClr r="0" g="0" b="0"/>
+      </a:lnRef>
+      <a:fillRef idx="3">
+        <a:scrgbClr r="0" g="0" b="0"/>
+      </a:fillRef>
+      <a:effectRef idx="2">
+        <a:scrgbClr r="0" g="0" b="0"/>
+      </a:effectRef>
+      <a:fontRef idx="minor">
+        <a:schemeClr val="lt1"/>
+      </a:fontRef>
+    </dgm:style>
+  </dgm:styleLbl>
+  <dgm:styleLbl name="parChTrans2D1">
+    <dgm:scene3d>
+      <a:camera prst="orthographicFront"/>
+      <a:lightRig rig="threePt" dir="t"/>
+    </dgm:scene3d>
+    <dgm:sp3d/>
+    <dgm:txPr/>
+    <dgm:style>
+      <a:lnRef idx="0">
+        <a:scrgbClr r="0" g="0" b="0"/>
+      </a:lnRef>
+      <a:fillRef idx="3">
+        <a:scrgbClr r="0" g="0" b="0"/>
+      </a:fillRef>
+      <a:effectRef idx="2">
+        <a:scrgbClr r="0" g="0" b="0"/>
+      </a:effectRef>
+      <a:fontRef idx="minor">
+        <a:schemeClr val="lt1"/>
+      </a:fontRef>
+    </dgm:style>
+  </dgm:styleLbl>
+  <dgm:styleLbl name="parChTrans2D2">
+    <dgm:scene3d>
+      <a:camera prst="orthographicFront"/>
+      <a:lightRig rig="threePt" dir="t"/>
+    </dgm:scene3d>
+    <dgm:sp3d/>
+    <dgm:txPr/>
+    <dgm:style>
+      <a:lnRef idx="0">
+        <a:scrgbClr r="0" g="0" b="0"/>
+      </a:lnRef>
+      <a:fillRef idx="3">
+        <a:scrgbClr r="0" g="0" b="0"/>
+      </a:fillRef>
+      <a:effectRef idx="2">
+        <a:scrgbClr r="0" g="0" b="0"/>
+      </a:effectRef>
+      <a:fontRef idx="minor">
+        <a:schemeClr val="lt1"/>
+      </a:fontRef>
+    </dgm:style>
+  </dgm:styleLbl>
+  <dgm:styleLbl name="parChTrans2D3">
+    <dgm:scene3d>
+      <a:camera prst="orthographicFront"/>
+      <a:lightRig rig="threePt" dir="t"/>
+    </dgm:scene3d>
+    <dgm:sp3d/>
+    <dgm:txPr/>
+    <dgm:style>
+      <a:lnRef idx="1">
+        <a:scrgbClr r="0" g="0" b="0"/>
+      </a:lnRef>
+      <a:fillRef idx="3">
+        <a:scrgbClr r="0" g="0" b="0"/>
+      </a:fillRef>
+      <a:effectRef idx="2">
+        <a:scrgbClr r="0" g="0" b="0"/>
+      </a:effectRef>
+      <a:fontRef idx="minor">
+        <a:schemeClr val="lt1"/>
+      </a:fontRef>
+    </dgm:style>
+  </dgm:styleLbl>
+  <dgm:styleLbl name="parChTrans2D4">
+    <dgm:scene3d>
+      <a:camera prst="orthographicFront"/>
+      <a:lightRig rig="threePt" dir="t"/>
+    </dgm:scene3d>
+    <dgm:sp3d/>
+    <dgm:txPr/>
+    <dgm:style>
+      <a:lnRef idx="1">
+        <a:scrgbClr r="0" g="0" b="0"/>
+      </a:lnRef>
+      <a:fillRef idx="3">
+        <a:scrgbClr r="0" g="0" b="0"/>
+      </a:fillRef>
+      <a:effectRef idx="2">
+        <a:scrgbClr r="0" g="0" b="0"/>
+      </a:effectRef>
+      <a:fontRef idx="minor">
+        <a:schemeClr val="lt1"/>
+      </a:fontRef>
+    </dgm:style>
+  </dgm:styleLbl>
+  <dgm:styleLbl name="parChTrans1D1">
+    <dgm:scene3d>
+      <a:camera prst="orthographicFront"/>
+      <a:lightRig rig="threePt" dir="t"/>
+    </dgm:scene3d>
+    <dgm:sp3d/>
+    <dgm:txPr/>
+    <dgm:style>
+      <a:lnRef idx="1">
+        <a:scrgbClr r="0" g="0" b="0"/>
+      </a:lnRef>
+      <a:fillRef idx="0">
+        <a:scrgbClr r="0" g="0" b="0"/>
+      </a:fillRef>
+      <a:effectRef idx="0">
+        <a:scrgbClr r="0" g="0" b="0"/>
+      </a:effectRef>
+      <a:fontRef idx="minor"/>
+    </dgm:style>
+  </dgm:styleLbl>
+  <dgm:styleLbl name="parChTrans1D2">
+    <dgm:scene3d>
+      <a:camera prst="orthographicFront"/>
+      <a:lightRig rig="threePt" dir="t"/>
+    </dgm:scene3d>
+    <dgm:sp3d/>
+    <dgm:txPr/>
+    <dgm:style>
+      <a:lnRef idx="1">
+        <a:scrgbClr r="0" g="0" b="0"/>
+      </a:lnRef>
+      <a:fillRef idx="0">
+        <a:scrgbClr r="0" g="0" b="0"/>
+      </a:fillRef>
+      <a:effectRef idx="0">
+        <a:scrgbClr r="0" g="0" b="0"/>
+      </a:effectRef>
+      <a:fontRef idx="minor"/>
+    </dgm:style>
+  </dgm:styleLbl>
+  <dgm:styleLbl name="parChTrans1D3">
+    <dgm:scene3d>
+      <a:camera prst="orthographicFront"/>
+      <a:lightRig rig="threePt" dir="t"/>
+    </dgm:scene3d>
+    <dgm:sp3d/>
+    <dgm:txPr/>
+    <dgm:style>
+      <a:lnRef idx="1">
+        <a:scrgbClr r="0" g="0" b="0"/>
+      </a:lnRef>
+      <a:fillRef idx="0">
+        <a:scrgbClr r="0" g="0" b="0"/>
+      </a:fillRef>
+      <a:effectRef idx="0">
+        <a:scrgbClr r="0" g="0" b="0"/>
+      </a:effectRef>
+      <a:fontRef idx="minor"/>
+    </dgm:style>
+  </dgm:styleLbl>
+  <dgm:styleLbl name="parChTrans1D4">
+    <dgm:scene3d>
+      <a:camera prst="orthographicFront"/>
+      <a:lightRig rig="threePt" dir="t"/>
+    </dgm:scene3d>
+    <dgm:sp3d/>
+    <dgm:txPr/>
+    <dgm:style>
+      <a:lnRef idx="1">
+        <a:scrgbClr r="0" g="0" b="0"/>
+      </a:lnRef>
+      <a:fillRef idx="0">
+        <a:scrgbClr r="0" g="0" b="0"/>
+      </a:fillRef>
+      <a:effectRef idx="0">
+        <a:scrgbClr r="0" g="0" b="0"/>
+      </a:effectRef>
+      <a:fontRef idx="minor"/>
+    </dgm:style>
+  </dgm:styleLbl>
+  <dgm:styleLbl name="fgAcc1">
+    <dgm:scene3d>
+      <a:camera prst="orthographicFront"/>
+      <a:lightRig rig="threePt" dir="t"/>
+    </dgm:scene3d>
+    <dgm:sp3d/>
+    <dgm:txPr/>
+    <dgm:style>
+      <a:lnRef idx="1">
+        <a:scrgbClr r="0" g="0" b="0"/>
+      </a:lnRef>
+      <a:fillRef idx="1">
+        <a:scrgbClr r="0" g="0" b="0"/>
+      </a:fillRef>
+      <a:effectRef idx="0">
+        <a:scrgbClr r="0" g="0" b="0"/>
+      </a:effectRef>
+      <a:fontRef idx="minor"/>
+    </dgm:style>
+  </dgm:styleLbl>
+  <dgm:styleLbl name="conFgAcc1">
+    <dgm:scene3d>
+      <a:camera prst="orthographicFront"/>
+      <a:lightRig rig="threePt" dir="t"/>
+    </dgm:scene3d>
+    <dgm:sp3d/>
+    <dgm:txPr/>
+    <dgm:style>
+      <a:lnRef idx="1">
+        <a:scrgbClr r="0" g="0" b="0"/>
+      </a:lnRef>
+      <a:fillRef idx="1">
+        <a:scrgbClr r="0" g="0" b="0"/>
+      </a:fillRef>
+      <a:effectRef idx="0">
+        <a:scrgbClr r="0" g="0" b="0"/>
+      </a:effectRef>
+      <a:fontRef idx="minor"/>
+    </dgm:style>
+  </dgm:styleLbl>
+  <dgm:styleLbl name="alignAcc1">
+    <dgm:scene3d>
+      <a:camera prst="orthographicFront"/>
+      <a:lightRig rig="threePt" dir="t"/>
+    </dgm:scene3d>
+    <dgm:sp3d/>
+    <dgm:txPr/>
+    <dgm:style>
+      <a:lnRef idx="1">
+        <a:scrgbClr r="0" g="0" b="0"/>
+      </a:lnRef>
+      <a:fillRef idx="1">
+        <a:scrgbClr r="0" g="0" b="0"/>
+      </a:fillRef>
+      <a:effectRef idx="0">
+        <a:scrgbClr r="0" g="0" b="0"/>
+      </a:effectRef>
+      <a:fontRef idx="minor"/>
+    </dgm:style>
+  </dgm:styleLbl>
+  <dgm:styleLbl name="trAlignAcc1">
+    <dgm:scene3d>
+      <a:camera prst="orthographicFront"/>
+      <a:lightRig rig="threePt" dir="t"/>
+    </dgm:scene3d>
+    <dgm:sp3d/>
+    <dgm:txPr/>
+    <dgm:style>
+      <a:lnRef idx="1">
+        <a:scrgbClr r="0" g="0" b="0"/>
+      </a:lnRef>
+      <a:fillRef idx="1">
+        <a:scrgbClr r="0" g="0" b="0"/>
+      </a:fillRef>
+      <a:effectRef idx="0">
+        <a:scrgbClr r="0" g="0" b="0"/>
+      </a:effectRef>
+      <a:fontRef idx="minor"/>
+    </dgm:style>
+  </dgm:styleLbl>
+  <dgm:styleLbl name="bgAcc1">
+    <dgm:scene3d>
+      <a:camera prst="orthographicFront"/>
+      <a:lightRig rig="threePt" dir="t"/>
+    </dgm:scene3d>
+    <dgm:sp3d/>
+    <dgm:txPr/>
+    <dgm:style>
+      <a:lnRef idx="1">
+        <a:scrgbClr r="0" g="0" b="0"/>
+      </a:lnRef>
+      <a:fillRef idx="1">
+        <a:scrgbClr r="0" g="0" b="0"/>
+      </a:fillRef>
+      <a:effectRef idx="0">
+        <a:scrgbClr r="0" g="0" b="0"/>
+      </a:effectRef>
+      <a:fontRef idx="minor"/>
+    </dgm:style>
+  </dgm:styleLbl>
+  <dgm:styleLbl name="solidFgAcc1">
+    <dgm:scene3d>
+      <a:camera prst="orthographicFront"/>
+      <a:lightRig rig="threePt" dir="t"/>
+    </dgm:scene3d>
+    <dgm:sp3d/>
+    <dgm:txPr/>
+    <dgm:style>
+      <a:lnRef idx="1">
+        <a:scrgbClr r="0" g="0" b="0"/>
+      </a:lnRef>
+      <a:fillRef idx="1">
+        <a:scrgbClr r="0" g="0" b="0"/>
+      </a:fillRef>
+      <a:effectRef idx="0">
+        <a:scrgbClr r="0" g="0" b="0"/>
+      </a:effectRef>
+      <a:fontRef idx="minor"/>
+    </dgm:style>
+  </dgm:styleLbl>
+  <dgm:styleLbl name="solidAlignAcc1">
+    <dgm:scene3d>
+      <a:camera prst="orthographicFront"/>
+      <a:lightRig rig="threePt" dir="t"/>
+    </dgm:scene3d>
+    <dgm:sp3d/>
+    <dgm:txPr/>
+    <dgm:style>
+      <a:lnRef idx="1">
+        <a:scrgbClr r="0" g="0" b="0"/>
+      </a:lnRef>
+      <a:fillRef idx="1">
+        <a:scrgbClr r="0" g="0" b="0"/>
+      </a:fillRef>
+      <a:effectRef idx="0">
+        <a:scrgbClr r="0" g="0" b="0"/>
+      </a:effectRef>
+      <a:fontRef idx="minor"/>
+    </dgm:style>
+  </dgm:styleLbl>
+  <dgm:styleLbl name="solidBgAcc1">
+    <dgm:scene3d>
+      <a:camera prst="orthographicFront"/>
+      <a:lightRig rig="threePt" dir="t"/>
+    </dgm:scene3d>
+    <dgm:sp3d/>
+    <dgm:txPr/>
+    <dgm:style>
+      <a:lnRef idx="1">
+        <a:scrgbClr r="0" g="0" b="0"/>
+      </a:lnRef>
+      <a:fillRef idx="1">
+        <a:scrgbClr r="0" g="0" b="0"/>
+      </a:fillRef>
+      <a:effectRef idx="0">
+        <a:scrgbClr r="0" g="0" b="0"/>
+      </a:effectRef>
+      <a:fontRef idx="minor"/>
+    </dgm:style>
+  </dgm:styleLbl>
+  <dgm:styleLbl name="fgAccFollowNode1">
+    <dgm:scene3d>
+      <a:camera prst="orthographicFront"/>
+      <a:lightRig rig="threePt" dir="t"/>
+    </dgm:scene3d>
+    <dgm:sp3d/>
+    <dgm:txPr/>
+    <dgm:style>
+      <a:lnRef idx="1">
+        <a:scrgbClr r="0" g="0" b="0"/>
+      </a:lnRef>
+      <a:fillRef idx="1">
+        <a:scrgbClr r="0" g="0" b="0"/>
+      </a:fillRef>
+      <a:effectRef idx="0">
+        <a:scrgbClr r="0" g="0" b="0"/>
+      </a:effectRef>
+      <a:fontRef idx="minor"/>
+    </dgm:style>
+  </dgm:styleLbl>
+  <dgm:styleLbl name="alignAccFollowNode1">
+    <dgm:scene3d>
+      <a:camera prst="orthographicFront"/>
+      <a:lightRig rig="threePt" dir="t"/>
+    </dgm:scene3d>
+    <dgm:sp3d/>
+    <dgm:txPr/>
+    <dgm:style>
+      <a:lnRef idx="1">
+        <a:scrgbClr r="0" g="0" b="0"/>
+      </a:lnRef>
+      <a:fillRef idx="1">
+        <a:scrgbClr r="0" g="0" b="0"/>
+      </a:fillRef>
+      <a:effectRef idx="0">
+        <a:scrgbClr r="0" g="0" b="0"/>
+      </a:effectRef>
+      <a:fontRef idx="minor"/>
+    </dgm:style>
+  </dgm:styleLbl>
+  <dgm:styleLbl name="bgAccFollowNode1">
+    <dgm:scene3d>
+      <a:camera prst="orthographicFront"/>
+      <a:lightRig rig="threePt" dir="t"/>
+    </dgm:scene3d>
+    <dgm:sp3d/>
+    <dgm:txPr/>
+    <dgm:style>
+      <a:lnRef idx="1">
+        <a:scrgbClr r="0" g="0" b="0"/>
+      </a:lnRef>
+      <a:fillRef idx="1">
+        <a:scrgbClr r="0" g="0" b="0"/>
+      </a:fillRef>
+      <a:effectRef idx="0">
+        <a:scrgbClr r="0" g="0" b="0"/>
+      </a:effectRef>
+      <a:fontRef idx="minor"/>
+    </dgm:style>
+  </dgm:styleLbl>
+  <dgm:styleLbl name="fgAcc0">
+    <dgm:scene3d>
+      <a:camera prst="orthographicFront"/>
+      <a:lightRig rig="threePt" dir="t"/>
+    </dgm:scene3d>
+    <dgm:sp3d/>
+    <dgm:txPr/>
+    <dgm:style>
+      <a:lnRef idx="1">
+        <a:scrgbClr r="0" g="0" b="0"/>
+      </a:lnRef>
+      <a:fillRef idx="1">
+        <a:scrgbClr r="0" g="0" b="0"/>
+      </a:fillRef>
+      <a:effectRef idx="0">
+        <a:scrgbClr r="0" g="0" b="0"/>
+      </a:effectRef>
+      <a:fontRef idx="minor"/>
+    </dgm:style>
+  </dgm:styleLbl>
+  <dgm:styleLbl name="fgAcc2">
+    <dgm:scene3d>
+      <a:camera prst="orthographicFront"/>
+      <a:lightRig rig="threePt" dir="t"/>
+    </dgm:scene3d>
+    <dgm:sp3d/>
+    <dgm:txPr/>
+    <dgm:style>
+      <a:lnRef idx="1">
+        <a:scrgbClr r="0" g="0" b="0"/>
+      </a:lnRef>
+      <a:fillRef idx="1">
+        <a:scrgbClr r="0" g="0" b="0"/>
+      </a:fillRef>
+      <a:effectRef idx="0">
+        <a:scrgbClr r="0" g="0" b="0"/>
+      </a:effectRef>
+      <a:fontRef idx="minor"/>
+    </dgm:style>
+  </dgm:styleLbl>
+  <dgm:styleLbl name="fgAcc3">
+    <dgm:scene3d>
+      <a:camera prst="orthographicFront"/>
+      <a:lightRig rig="threePt" dir="t"/>
+    </dgm:scene3d>
+    <dgm:sp3d/>
+    <dgm:txPr/>
+    <dgm:style>
+      <a:lnRef idx="1">
+        <a:scrgbClr r="0" g="0" b="0"/>
+      </a:lnRef>
+      <a:fillRef idx="1">
+        <a:scrgbClr r="0" g="0" b="0"/>
+      </a:fillRef>
+      <a:effectRef idx="0">
+        <a:scrgbClr r="0" g="0" b="0"/>
+      </a:effectRef>
+      <a:fontRef idx="minor"/>
+    </dgm:style>
+  </dgm:styleLbl>
+  <dgm:styleLbl name="fgAcc4">
+    <dgm:scene3d>
+      <a:camera prst="orthographicFront"/>
+      <a:lightRig rig="threePt" dir="t"/>
+    </dgm:scene3d>
+    <dgm:sp3d/>
+    <dgm:txPr/>
+    <dgm:style>
+      <a:lnRef idx="1">
+        <a:scrgbClr r="0" g="0" b="0"/>
+      </a:lnRef>
+      <a:fillRef idx="1">
+        <a:scrgbClr r="0" g="0" b="0"/>
+      </a:fillRef>
+      <a:effectRef idx="0">
+        <a:scrgbClr r="0" g="0" b="0"/>
+      </a:effectRef>
+      <a:fontRef idx="minor"/>
+    </dgm:style>
+  </dgm:styleLbl>
+  <dgm:styleLbl name="bgShp">
+    <dgm:scene3d>
+      <a:camera prst="orthographicFront"/>
+      <a:lightRig rig="threePt" dir="t"/>
+    </dgm:scene3d>
+    <dgm:sp3d/>
+    <dgm:txPr/>
+    <dgm:style>
+      <a:lnRef idx="0">
+        <a:scrgbClr r="0" g="0" b="0"/>
+      </a:lnRef>
+      <a:fillRef idx="1">
+        <a:scrgbClr r="0" g="0" b="0"/>
+      </a:fillRef>
+      <a:effectRef idx="2">
+        <a:scrgbClr r="0" g="0" b="0"/>
+      </a:effectRef>
+      <a:fontRef idx="minor"/>
+    </dgm:style>
+  </dgm:styleLbl>
+  <dgm:styleLbl name="dkBgShp">
+    <dgm:scene3d>
+      <a:camera prst="orthographicFront"/>
+      <a:lightRig rig="threePt" dir="t"/>
+    </dgm:scene3d>
+    <dgm:sp3d/>
+    <dgm:txPr/>
+    <dgm:style>
+      <a:lnRef idx="0">
+        <a:scrgbClr r="0" g="0" b="0"/>
+      </a:lnRef>
+      <a:fillRef idx="1">
+        <a:scrgbClr r="0" g="0" b="0"/>
+      </a:fillRef>
+      <a:effectRef idx="2">
+        <a:scrgbClr r="0" g="0" b="0"/>
+      </a:effectRef>
+      <a:fontRef idx="minor"/>
+    </dgm:style>
+  </dgm:styleLbl>
+  <dgm:styleLbl name="trBgShp">
+    <dgm:scene3d>
+      <a:camera prst="orthographicFront"/>
+      <a:lightRig rig="threePt" dir="t"/>
+    </dgm:scene3d>
+    <dgm:sp3d/>
+    <dgm:txPr/>
+    <dgm:style>
+      <a:lnRef idx="0">
+        <a:scrgbClr r="0" g="0" b="0"/>
+      </a:lnRef>
+      <a:fillRef idx="1">
+        <a:scrgbClr r="0" g="0" b="0"/>
+      </a:fillRef>
+      <a:effectRef idx="0">
+        <a:scrgbClr r="0" g="0" b="0"/>
+      </a:effectRef>
+      <a:fontRef idx="minor"/>
+    </dgm:style>
+  </dgm:styleLbl>
+  <dgm:styleLbl name="fgShp">
+    <dgm:scene3d>
+      <a:camera prst="orthographicFront"/>
+      <a:lightRig rig="threePt" dir="t"/>
+    </dgm:scene3d>
+    <dgm:sp3d/>
+    <dgm:txPr/>
+    <dgm:style>
+      <a:lnRef idx="0">
+        <a:scrgbClr r="0" g="0" b="0"/>
+      </a:lnRef>
+      <a:fillRef idx="3">
+        <a:scrgbClr r="0" g="0" b="0"/>
+      </a:fillRef>
+      <a:effectRef idx="2">
+        <a:scrgbClr r="0" g="0" b="0"/>
+      </a:effectRef>
+      <a:fontRef idx="minor"/>
+    </dgm:style>
+  </dgm:styleLbl>
+  <dgm:styleLbl name="revTx">
+    <dgm:scene3d>
+      <a:camera prst="orthographicFront"/>
+      <a:lightRig rig="threePt" dir="t"/>
+    </dgm:scene3d>
+    <dgm:sp3d/>
+    <dgm:txPr/>
+    <dgm:style>
+      <a:lnRef idx="0">
+        <a:scrgbClr r="0" g="0" b="0"/>
+      </a:lnRef>
+      <a:fillRef idx="0">
+        <a:scrgbClr r="0" g="0" b="0"/>
+      </a:fillRef>
+      <a:effectRef idx="0">
+        <a:scrgbClr r="0" g="0" b="0"/>
+      </a:effectRef>
+      <a:fontRef idx="minor"/>
+    </dgm:style>
+  </dgm:styleLbl>
+</dgm:styleDef>
+</file>
+
 <file path=ppt/slideLayouts/slideLayout1.xml><?xml version="1.0" encoding="utf-8"?>
 <p:sldLayout xmlns:a="http://schemas.openxmlformats.org/drawingml/2006/main" xmlns:r="http://schemas.openxmlformats.org/officeDocument/2006/relationships" xmlns:p="http://schemas.openxmlformats.org/presentationml/2006/main" showMasterSp="0" type="title" preserve="1">
   <p:cSld name="Title Slide">
@@ -356,7 +4678,7 @@
           <a:p>
             <a:fld id="{D7C3A134-F1C3-464B-BF47-54DC2DE08F52}" type="datetimeFigureOut">
               <a:rPr lang="en-US" smtClean="0"/>
-              <a:t>16-02-19</a:t>
+              <a:t>16-04-02</a:t>
             </a:fld>
             <a:endParaRPr lang="en-US"/>
           </a:p>
@@ -579,7 +4901,7 @@
           <a:p>
             <a:fld id="{D7C3A134-F1C3-464B-BF47-54DC2DE08F52}" type="datetimeFigureOut">
               <a:rPr lang="en-US" smtClean="0"/>
-              <a:t>16-02-19</a:t>
+              <a:t>16-04-02</a:t>
             </a:fld>
             <a:endParaRPr lang="en-US"/>
           </a:p>
@@ -859,7 +5181,7 @@
           <a:p>
             <a:fld id="{D7C3A134-F1C3-464B-BF47-54DC2DE08F52}" type="datetimeFigureOut">
               <a:rPr lang="en-US" smtClean="0"/>
-              <a:t>16-02-19</a:t>
+              <a:t>16-04-02</a:t>
             </a:fld>
             <a:endParaRPr lang="en-US"/>
           </a:p>
@@ -1038,7 +5360,7 @@
           <a:p>
             <a:fld id="{D7C3A134-F1C3-464B-BF47-54DC2DE08F52}" type="datetimeFigureOut">
               <a:rPr lang="en-US" smtClean="0"/>
-              <a:t>16-02-19</a:t>
+              <a:t>16-04-02</a:t>
             </a:fld>
             <a:endParaRPr lang="en-US"/>
           </a:p>
@@ -1396,7 +5718,7 @@
           <a:p>
             <a:fld id="{D7C3A134-F1C3-464B-BF47-54DC2DE08F52}" type="datetimeFigureOut">
               <a:rPr lang="en-US" smtClean="0"/>
-              <a:t>16-02-19</a:t>
+              <a:t>16-04-02</a:t>
             </a:fld>
             <a:endParaRPr lang="en-US"/>
           </a:p>
@@ -1683,7 +6005,7 @@
           <a:p>
             <a:fld id="{D7C3A134-F1C3-464B-BF47-54DC2DE08F52}" type="datetimeFigureOut">
               <a:rPr lang="en-US" smtClean="0"/>
-              <a:t>16-02-19</a:t>
+              <a:t>16-04-02</a:t>
             </a:fld>
             <a:endParaRPr lang="en-US"/>
           </a:p>
@@ -2105,7 +6427,7 @@
           <a:p>
             <a:fld id="{D7C3A134-F1C3-464B-BF47-54DC2DE08F52}" type="datetimeFigureOut">
               <a:rPr lang="en-US" smtClean="0"/>
-              <a:t>16-02-19</a:t>
+              <a:t>16-04-02</a:t>
             </a:fld>
             <a:endParaRPr lang="en-US"/>
           </a:p>
@@ -2220,7 +6542,7 @@
           <a:p>
             <a:fld id="{D7C3A134-F1C3-464B-BF47-54DC2DE08F52}" type="datetimeFigureOut">
               <a:rPr lang="en-US" smtClean="0"/>
-              <a:t>16-02-19</a:t>
+              <a:t>16-04-02</a:t>
             </a:fld>
             <a:endParaRPr lang="en-US"/>
           </a:p>
@@ -2310,7 +6632,7 @@
           <a:p>
             <a:fld id="{D7C3A134-F1C3-464B-BF47-54DC2DE08F52}" type="datetimeFigureOut">
               <a:rPr lang="en-US" smtClean="0"/>
-              <a:t>16-02-19</a:t>
+              <a:t>16-04-02</a:t>
             </a:fld>
             <a:endParaRPr lang="en-US"/>
           </a:p>
@@ -2588,7 +6910,7 @@
           <a:p>
             <a:fld id="{D7C3A134-F1C3-464B-BF47-54DC2DE08F52}" type="datetimeFigureOut">
               <a:rPr lang="en-US" smtClean="0"/>
-              <a:t>16-02-19</a:t>
+              <a:t>16-04-02</a:t>
             </a:fld>
             <a:endParaRPr lang="en-US"/>
           </a:p>
@@ -2954,7 +7276,7 @@
           <a:p>
             <a:fld id="{D7C3A134-F1C3-464B-BF47-54DC2DE08F52}" type="datetimeFigureOut">
               <a:rPr lang="en-US" smtClean="0"/>
-              <a:t>16-02-19</a:t>
+              <a:t>16-04-02</a:t>
             </a:fld>
             <a:endParaRPr lang="en-US" dirty="0"/>
           </a:p>
@@ -3391,7 +7713,7 @@
           <a:p>
             <a:fld id="{D7C3A134-F1C3-464B-BF47-54DC2DE08F52}" type="datetimeFigureOut">
               <a:rPr lang="en-US" smtClean="0"/>
-              <a:t>16-02-19</a:t>
+              <a:t>16-04-02</a:t>
             </a:fld>
             <a:endParaRPr lang="en-US" dirty="0"/>
           </a:p>
@@ -3814,28 +8136,13 @@
           <a:p>
             <a:r>
               <a:rPr lang="en-US" dirty="0" smtClean="0"/>
-              <a:t>Image Sentiment</a:t>
+              <a:t>Image </a:t>
+            </a:r>
+            <a:r>
+              <a:rPr lang="en-US" dirty="0" smtClean="0"/>
+              <a:t>Sentiment Analysis</a:t>
             </a:r>
             <a:endParaRPr lang="en-US" dirty="0"/>
-          </a:p>
-        </p:txBody>
-      </p:sp>
-      <p:sp>
-        <p:nvSpPr>
-          <p:cNvPr id="3" name="Subtitle 2"/>
-          <p:cNvSpPr>
-            <a:spLocks noGrp="1"/>
-          </p:cNvSpPr>
-          <p:nvPr>
-            <p:ph type="subTitle" idx="1"/>
-          </p:nvPr>
-        </p:nvSpPr>
-        <p:spPr/>
-        <p:txBody>
-          <a:bodyPr/>
-          <a:lstStyle/>
-          <a:p>
-            <a:endParaRPr lang="en-US"/>
           </a:p>
         </p:txBody>
       </p:sp>
@@ -3894,9 +8201,56 @@
           </a:p>
         </p:txBody>
       </p:sp>
+      <p:sp>
+        <p:nvSpPr>
+          <p:cNvPr id="7" name="Content Placeholder 6"/>
+          <p:cNvSpPr>
+            <a:spLocks noGrp="1"/>
+          </p:cNvSpPr>
+          <p:nvPr>
+            <p:ph sz="half" idx="2"/>
+          </p:nvPr>
+        </p:nvSpPr>
+        <p:spPr/>
+        <p:txBody>
+          <a:bodyPr/>
+          <a:lstStyle/>
+          <a:p>
+            <a:r>
+              <a:rPr lang="en-US" b="1" dirty="0" smtClean="0"/>
+              <a:t>Goal</a:t>
+            </a:r>
+            <a:r>
+              <a:rPr lang="en-US" dirty="0" smtClean="0"/>
+              <a:t>: To better understand tweet sentiment</a:t>
+            </a:r>
+          </a:p>
+          <a:p>
+            <a:r>
+              <a:rPr lang="en-US" b="1" dirty="0" smtClean="0"/>
+              <a:t>Issue:</a:t>
+            </a:r>
+            <a:r>
+              <a:rPr lang="en-US" dirty="0" smtClean="0"/>
+              <a:t> Tweets are not just text</a:t>
+            </a:r>
+          </a:p>
+          <a:p>
+            <a:r>
+              <a:rPr lang="en-US" b="1" dirty="0" smtClean="0"/>
+              <a:t>Problem</a:t>
+            </a:r>
+            <a:r>
+              <a:rPr lang="en-US" dirty="0" smtClean="0"/>
+              <a:t>: can we build an image sentiment classifier based on tweet data?</a:t>
+            </a:r>
+            <a:endParaRPr lang="en-US" b="1" dirty="0"/>
+          </a:p>
+        </p:txBody>
+      </p:sp>
       <p:pic>
         <p:nvPicPr>
-          <p:cNvPr id="8" name="Content Placeholder 7" descr="ambiguous_tweet1.png"/>
+          <p:cNvPr id="3" name="Content Placeholder 2" descr="Eric Kim on Twitter: &quot;How Do Your Photos Make You Feel? https:t.co:jXmEE798CV https:t.co:cVSrZfX.pdf"/>
           <p:cNvPicPr>
             <a:picLocks noGrp="1" noChangeAspect="1"/>
           </p:cNvPicPr>
@@ -3905,20 +8259,96 @@
           </p:nvPr>
         </p:nvPicPr>
         <p:blipFill>
-          <a:blip r:embed="rId2" cstate="print">
+          <a:blip r:embed="rId2">
             <a:extLst>
               <a:ext uri="{28A0092B-C50C-407E-A947-70E740481C1C}">
                 <a14:useLocalDpi xmlns:a14="http://schemas.microsoft.com/office/drawing/2010/main" val="0"/>
               </a:ext>
             </a:extLst>
           </a:blip>
-          <a:srcRect l="4435" r="4435"/>
+          <a:srcRect t="5047" b="5047"/>
           <a:stretch>
             <a:fillRect/>
           </a:stretch>
         </p:blipFill>
         <p:spPr/>
       </p:pic>
+    </p:spTree>
+    <p:extLst>
+      <p:ext uri="{BB962C8B-B14F-4D97-AF65-F5344CB8AC3E}">
+        <p14:creationId xmlns:p14="http://schemas.microsoft.com/office/powerpoint/2010/main" val="2729487695"/>
+      </p:ext>
+    </p:extLst>
+  </p:cSld>
+  <p:clrMapOvr>
+    <a:masterClrMapping/>
+  </p:clrMapOvr>
+</p:sld>
+</file>
+
+<file path=ppt/slides/slide3.xml><?xml version="1.0" encoding="utf-8"?>
+<p:sld xmlns:a="http://schemas.openxmlformats.org/drawingml/2006/main" xmlns:r="http://schemas.openxmlformats.org/officeDocument/2006/relationships" xmlns:p="http://schemas.openxmlformats.org/presentationml/2006/main">
+  <p:cSld>
+    <p:spTree>
+      <p:nvGrpSpPr>
+        <p:cNvPr id="1" name=""/>
+        <p:cNvGrpSpPr/>
+        <p:nvPr/>
+      </p:nvGrpSpPr>
+      <p:grpSpPr>
+        <a:xfrm>
+          <a:off x="0" y="0"/>
+          <a:ext cx="0" cy="0"/>
+          <a:chOff x="0" y="0"/>
+          <a:chExt cx="0" cy="0"/>
+        </a:xfrm>
+      </p:grpSpPr>
+      <p:sp>
+        <p:nvSpPr>
+          <p:cNvPr id="2" name="Title 1"/>
+          <p:cNvSpPr>
+            <a:spLocks noGrp="1"/>
+          </p:cNvSpPr>
+          <p:nvPr>
+            <p:ph type="title"/>
+          </p:nvPr>
+        </p:nvSpPr>
+        <p:spPr/>
+        <p:txBody>
+          <a:bodyPr/>
+          <a:lstStyle/>
+          <a:p>
+            <a:r>
+              <a:rPr lang="en-US" dirty="0" smtClean="0"/>
+              <a:t>Literature Review</a:t>
+            </a:r>
+            <a:endParaRPr lang="en-US" dirty="0"/>
+          </a:p>
+        </p:txBody>
+      </p:sp>
+      <p:sp>
+        <p:nvSpPr>
+          <p:cNvPr id="6" name="Text Placeholder 5"/>
+          <p:cNvSpPr>
+            <a:spLocks noGrp="1"/>
+          </p:cNvSpPr>
+          <p:nvPr>
+            <p:ph type="body" idx="1"/>
+          </p:nvPr>
+        </p:nvSpPr>
+        <p:spPr/>
+        <p:txBody>
+          <a:bodyPr/>
+          <a:lstStyle/>
+          <a:p>
+            <a:r>
+              <a:rPr lang="en-US" dirty="0" smtClean="0"/>
+              <a:t>Twitter Text Sentiment</a:t>
+            </a:r>
+            <a:endParaRPr lang="en-US" dirty="0"/>
+          </a:p>
+        </p:txBody>
+      </p:sp>
       <p:sp>
         <p:nvSpPr>
           <p:cNvPr id="7" name="Content Placeholder 6"/>
@@ -3931,17 +8361,647 @@
         </p:nvSpPr>
         <p:spPr/>
         <p:txBody>
-          <a:bodyPr/>
+          <a:bodyPr>
+            <a:normAutofit/>
+          </a:bodyPr>
           <a:lstStyle/>
           <a:p>
-            <a:endParaRPr lang="en-US"/>
+            <a:r>
+              <a:rPr lang="en-US" dirty="0" smtClean="0"/>
+              <a:t>Attributing sentiment is tricky</a:t>
+            </a:r>
+          </a:p>
+          <a:p>
+            <a:pPr lvl="1"/>
+            <a:r>
+              <a:rPr lang="en-US" dirty="0" smtClean="0"/>
+              <a:t>Short messages</a:t>
+            </a:r>
+          </a:p>
+          <a:p>
+            <a:pPr lvl="1"/>
+            <a:r>
+              <a:rPr lang="en-US" dirty="0" smtClean="0"/>
+              <a:t>Use of unconventional grammar &amp; slang</a:t>
+            </a:r>
+          </a:p>
+          <a:p>
+            <a:r>
+              <a:rPr lang="en-US" dirty="0" smtClean="0"/>
+              <a:t>Approaches tend to be lexicon-based</a:t>
+            </a:r>
+          </a:p>
+          <a:p>
+            <a:pPr marL="118872" indent="0">
+              <a:buNone/>
+            </a:pPr>
+            <a:endParaRPr lang="en-US" dirty="0"/>
+          </a:p>
+          <a:p>
+            <a:pPr marL="118872" indent="0" algn="r">
+              <a:buNone/>
+            </a:pPr>
+            <a:r>
+              <a:rPr lang="en-US" sz="1500" i="1" dirty="0" smtClean="0"/>
+              <a:t>-C.J. </a:t>
+            </a:r>
+            <a:r>
+              <a:rPr lang="en-US" sz="1500" i="1" dirty="0" err="1" smtClean="0"/>
+              <a:t>Hutto</a:t>
+            </a:r>
+            <a:r>
+              <a:rPr lang="en-US" sz="1500" i="1" dirty="0" smtClean="0"/>
+              <a:t> and Eric Gilbert, VADER: A Parsimonious Rule-based Model for Sentiment Analysis of Social Media Text, Association for the Advancement of Artificial Intelligence, 2014</a:t>
+            </a:r>
+          </a:p>
+        </p:txBody>
+      </p:sp>
+      <p:sp>
+        <p:nvSpPr>
+          <p:cNvPr id="8" name="Text Placeholder 7"/>
+          <p:cNvSpPr>
+            <a:spLocks noGrp="1"/>
+          </p:cNvSpPr>
+          <p:nvPr>
+            <p:ph type="body" sz="quarter" idx="3"/>
+          </p:nvPr>
+        </p:nvSpPr>
+        <p:spPr/>
+        <p:txBody>
+          <a:bodyPr>
+            <a:normAutofit fontScale="92500" lnSpcReduction="10000"/>
+          </a:bodyPr>
+          <a:lstStyle/>
+          <a:p>
+            <a:r>
+              <a:rPr lang="en-US" dirty="0" smtClean="0"/>
+              <a:t>Social Media image sentiment</a:t>
+            </a:r>
+            <a:endParaRPr lang="en-US" dirty="0"/>
+          </a:p>
+        </p:txBody>
+      </p:sp>
+      <p:sp>
+        <p:nvSpPr>
+          <p:cNvPr id="9" name="Content Placeholder 8"/>
+          <p:cNvSpPr>
+            <a:spLocks noGrp="1"/>
+          </p:cNvSpPr>
+          <p:nvPr>
+            <p:ph sz="quarter" idx="4"/>
+          </p:nvPr>
+        </p:nvSpPr>
+        <p:spPr/>
+        <p:txBody>
+          <a:bodyPr>
+            <a:normAutofit/>
+          </a:bodyPr>
+          <a:lstStyle/>
+          <a:p>
+            <a:r>
+              <a:rPr lang="en-US" dirty="0" smtClean="0"/>
+              <a:t>Associated text can be used to determine image sentiment</a:t>
+            </a:r>
+          </a:p>
+          <a:p>
+            <a:r>
+              <a:rPr lang="en-US" dirty="0" smtClean="0"/>
+              <a:t>Neural Networks seem to perform better than other approaches</a:t>
+            </a:r>
+          </a:p>
+          <a:p>
+            <a:endParaRPr lang="en-US" dirty="0" smtClean="0"/>
+          </a:p>
+          <a:p>
+            <a:pPr marL="118872" indent="0" algn="r">
+              <a:buNone/>
+            </a:pPr>
+            <a:r>
+              <a:rPr lang="en-US" sz="1500" i="1" dirty="0" smtClean="0"/>
+              <a:t>- </a:t>
+            </a:r>
+            <a:r>
+              <a:rPr lang="en-US" sz="1500" i="1" dirty="0" err="1"/>
+              <a:t>Yilin</a:t>
+            </a:r>
+            <a:r>
+              <a:rPr lang="en-US" sz="1500" i="1" dirty="0"/>
+              <a:t> Wang, </a:t>
+            </a:r>
+            <a:r>
+              <a:rPr lang="en-US" sz="1500" i="1" dirty="0" err="1"/>
+              <a:t>Suhang</a:t>
+            </a:r>
+            <a:r>
+              <a:rPr lang="en-US" sz="1500" i="1" dirty="0"/>
+              <a:t> Wang, </a:t>
+            </a:r>
+            <a:r>
+              <a:rPr lang="en-US" sz="1500" i="1" dirty="0" err="1"/>
+              <a:t>Jiliang</a:t>
+            </a:r>
+            <a:r>
+              <a:rPr lang="en-US" sz="1500" i="1" dirty="0"/>
+              <a:t> Tang, </a:t>
+            </a:r>
+            <a:r>
+              <a:rPr lang="en-US" sz="1500" i="1" dirty="0" err="1"/>
+              <a:t>Huan</a:t>
+            </a:r>
+            <a:r>
+              <a:rPr lang="en-US" sz="1500" i="1" dirty="0"/>
+              <a:t> Liu and </a:t>
+            </a:r>
+            <a:r>
+              <a:rPr lang="en-US" sz="1500" i="1" dirty="0" err="1"/>
+              <a:t>Baoxin</a:t>
+            </a:r>
+            <a:r>
+              <a:rPr lang="en-US" sz="1500" i="1" dirty="0"/>
+              <a:t> Li, Unsupervised Sentiment Analysis for Social Media Images, International Joint Conference on Artificial Intelligence, 2015</a:t>
+            </a:r>
+            <a:r>
+              <a:rPr lang="en-CA" sz="1500" i="1" dirty="0"/>
+              <a:t> </a:t>
+            </a:r>
+            <a:endParaRPr lang="en-US" sz="1500" i="1" dirty="0" smtClean="0"/>
           </a:p>
         </p:txBody>
       </p:sp>
     </p:spTree>
     <p:extLst>
       <p:ext uri="{BB962C8B-B14F-4D97-AF65-F5344CB8AC3E}">
-        <p14:creationId xmlns:p14="http://schemas.microsoft.com/office/powerpoint/2010/main" val="2729487695"/>
+        <p14:creationId xmlns:p14="http://schemas.microsoft.com/office/powerpoint/2010/main" val="1432866351"/>
+      </p:ext>
+    </p:extLst>
+  </p:cSld>
+  <p:clrMapOvr>
+    <a:masterClrMapping/>
+  </p:clrMapOvr>
+</p:sld>
+</file>
+
+<file path=ppt/slides/slide4.xml><?xml version="1.0" encoding="utf-8"?>
+<p:sld xmlns:a="http://schemas.openxmlformats.org/drawingml/2006/main" xmlns:r="http://schemas.openxmlformats.org/officeDocument/2006/relationships" xmlns:p="http://schemas.openxmlformats.org/presentationml/2006/main">
+  <p:cSld>
+    <p:spTree>
+      <p:nvGrpSpPr>
+        <p:cNvPr id="1" name=""/>
+        <p:cNvGrpSpPr/>
+        <p:nvPr/>
+      </p:nvGrpSpPr>
+      <p:grpSpPr>
+        <a:xfrm>
+          <a:off x="0" y="0"/>
+          <a:ext cx="0" cy="0"/>
+          <a:chOff x="0" y="0"/>
+          <a:chExt cx="0" cy="0"/>
+        </a:xfrm>
+      </p:grpSpPr>
+      <p:sp>
+        <p:nvSpPr>
+          <p:cNvPr id="2" name="Title 1"/>
+          <p:cNvSpPr>
+            <a:spLocks noGrp="1"/>
+          </p:cNvSpPr>
+          <p:nvPr>
+            <p:ph type="title"/>
+          </p:nvPr>
+        </p:nvSpPr>
+        <p:spPr/>
+        <p:txBody>
+          <a:bodyPr/>
+          <a:lstStyle/>
+          <a:p>
+            <a:r>
+              <a:rPr lang="en-US" dirty="0" smtClean="0"/>
+              <a:t>Dataset</a:t>
+            </a:r>
+            <a:endParaRPr lang="en-US" dirty="0"/>
+          </a:p>
+        </p:txBody>
+      </p:sp>
+      <p:sp>
+        <p:nvSpPr>
+          <p:cNvPr id="7" name="Text Placeholder 6"/>
+          <p:cNvSpPr>
+            <a:spLocks noGrp="1"/>
+          </p:cNvSpPr>
+          <p:nvPr>
+            <p:ph idx="1"/>
+          </p:nvPr>
+        </p:nvSpPr>
+        <p:spPr/>
+        <p:txBody>
+          <a:bodyPr>
+            <a:normAutofit/>
+          </a:bodyPr>
+          <a:lstStyle/>
+          <a:p>
+            <a:r>
+              <a:rPr lang="en-US" dirty="0" smtClean="0"/>
+              <a:t>Primary data: Downloaded tweet &amp; images</a:t>
+            </a:r>
+          </a:p>
+          <a:p>
+            <a:pPr lvl="1"/>
+            <a:r>
+              <a:rPr lang="en-US" dirty="0" smtClean="0"/>
+              <a:t>tweet text (and id)</a:t>
+            </a:r>
+          </a:p>
+          <a:p>
+            <a:pPr lvl="1"/>
+            <a:r>
+              <a:rPr lang="en-US" dirty="0" smtClean="0"/>
+              <a:t>image as 400px x 400px RGB jpeg</a:t>
+            </a:r>
+          </a:p>
+          <a:p>
+            <a:r>
+              <a:rPr lang="en-US" dirty="0" smtClean="0"/>
+              <a:t>Validation set: Human-scored images from </a:t>
+            </a:r>
+            <a:r>
+              <a:rPr lang="en-US" dirty="0" err="1" smtClean="0"/>
+              <a:t>www.crowdflower.com</a:t>
+            </a:r>
+            <a:r>
+              <a:rPr lang="en-US" dirty="0" smtClean="0"/>
+              <a:t> </a:t>
+            </a:r>
+          </a:p>
+          <a:p>
+            <a:pPr lvl="1"/>
+            <a:r>
+              <a:rPr lang="en-US" dirty="0" smtClean="0"/>
+              <a:t>image sentiment score</a:t>
+            </a:r>
+          </a:p>
+          <a:p>
+            <a:pPr lvl="1"/>
+            <a:r>
+              <a:rPr lang="en-US" dirty="0" smtClean="0"/>
+              <a:t>image as  400px x 400px RGB jpeg</a:t>
+            </a:r>
+          </a:p>
+        </p:txBody>
+      </p:sp>
+    </p:spTree>
+    <p:extLst>
+      <p:ext uri="{BB962C8B-B14F-4D97-AF65-F5344CB8AC3E}">
+        <p14:creationId xmlns:p14="http://schemas.microsoft.com/office/powerpoint/2010/main" val="1213690835"/>
+      </p:ext>
+    </p:extLst>
+  </p:cSld>
+  <p:clrMapOvr>
+    <a:masterClrMapping/>
+  </p:clrMapOvr>
+</p:sld>
+</file>
+
+<file path=ppt/slides/slide5.xml><?xml version="1.0" encoding="utf-8"?>
+<p:sld xmlns:a="http://schemas.openxmlformats.org/drawingml/2006/main" xmlns:r="http://schemas.openxmlformats.org/officeDocument/2006/relationships" xmlns:p="http://schemas.openxmlformats.org/presentationml/2006/main">
+  <p:cSld>
+    <p:spTree>
+      <p:nvGrpSpPr>
+        <p:cNvPr id="1" name=""/>
+        <p:cNvGrpSpPr/>
+        <p:nvPr/>
+      </p:nvGrpSpPr>
+      <p:grpSpPr>
+        <a:xfrm>
+          <a:off x="0" y="0"/>
+          <a:ext cx="0" cy="0"/>
+          <a:chOff x="0" y="0"/>
+          <a:chExt cx="0" cy="0"/>
+        </a:xfrm>
+      </p:grpSpPr>
+      <p:sp>
+        <p:nvSpPr>
+          <p:cNvPr id="2" name="Title 1"/>
+          <p:cNvSpPr>
+            <a:spLocks noGrp="1"/>
+          </p:cNvSpPr>
+          <p:nvPr>
+            <p:ph type="title"/>
+          </p:nvPr>
+        </p:nvSpPr>
+        <p:spPr/>
+        <p:txBody>
+          <a:bodyPr/>
+          <a:lstStyle/>
+          <a:p>
+            <a:r>
+              <a:rPr lang="en-US" dirty="0" smtClean="0"/>
+              <a:t>Approach (block diagram)</a:t>
+            </a:r>
+            <a:endParaRPr lang="en-US" dirty="0"/>
+          </a:p>
+        </p:txBody>
+      </p:sp>
+      <p:graphicFrame>
+        <p:nvGraphicFramePr>
+          <p:cNvPr id="9" name="Content Placeholder 8"/>
+          <p:cNvGraphicFramePr>
+            <a:graphicFrameLocks noGrp="1"/>
+          </p:cNvGraphicFramePr>
+          <p:nvPr>
+            <p:ph idx="1"/>
+            <p:extLst>
+              <p:ext uri="{D42A27DB-BD31-4B8C-83A1-F6EECF244321}">
+                <p14:modId xmlns:p14="http://schemas.microsoft.com/office/powerpoint/2010/main" val="2856842478"/>
+              </p:ext>
+            </p:extLst>
+          </p:nvPr>
+        </p:nvGraphicFramePr>
+        <p:xfrm>
+          <a:off x="457200" y="1775191"/>
+          <a:ext cx="8229600" cy="4625609"/>
+        </p:xfrm>
+        <a:graphic>
+          <a:graphicData uri="http://schemas.openxmlformats.org/drawingml/2006/diagram">
+            <dgm:relIds xmlns:dgm="http://schemas.openxmlformats.org/drawingml/2006/diagram" xmlns:r="http://schemas.openxmlformats.org/officeDocument/2006/relationships" r:dm="rId2" r:lo="rId3" r:qs="rId4" r:cs="rId5"/>
+          </a:graphicData>
+        </a:graphic>
+      </p:graphicFrame>
+    </p:spTree>
+    <p:extLst>
+      <p:ext uri="{BB962C8B-B14F-4D97-AF65-F5344CB8AC3E}">
+        <p14:creationId xmlns:p14="http://schemas.microsoft.com/office/powerpoint/2010/main" val="1613992822"/>
+      </p:ext>
+    </p:extLst>
+  </p:cSld>
+  <p:clrMapOvr>
+    <a:masterClrMapping/>
+  </p:clrMapOvr>
+</p:sld>
+</file>
+
+<file path=ppt/slides/slide6.xml><?xml version="1.0" encoding="utf-8"?>
+<p:sld xmlns:a="http://schemas.openxmlformats.org/drawingml/2006/main" xmlns:r="http://schemas.openxmlformats.org/officeDocument/2006/relationships" xmlns:p="http://schemas.openxmlformats.org/presentationml/2006/main">
+  <p:cSld>
+    <p:spTree>
+      <p:nvGrpSpPr>
+        <p:cNvPr id="1" name=""/>
+        <p:cNvGrpSpPr/>
+        <p:nvPr/>
+      </p:nvGrpSpPr>
+      <p:grpSpPr>
+        <a:xfrm>
+          <a:off x="0" y="0"/>
+          <a:ext cx="0" cy="0"/>
+          <a:chOff x="0" y="0"/>
+          <a:chExt cx="0" cy="0"/>
+        </a:xfrm>
+      </p:grpSpPr>
+      <p:sp>
+        <p:nvSpPr>
+          <p:cNvPr id="2" name="Title 1"/>
+          <p:cNvSpPr>
+            <a:spLocks noGrp="1"/>
+          </p:cNvSpPr>
+          <p:nvPr>
+            <p:ph type="title"/>
+          </p:nvPr>
+        </p:nvSpPr>
+        <p:spPr/>
+        <p:txBody>
+          <a:bodyPr/>
+          <a:lstStyle/>
+          <a:p>
+            <a:r>
+              <a:rPr lang="en-US" dirty="0" smtClean="0"/>
+              <a:t>Approach (cont’d)</a:t>
+            </a:r>
+            <a:endParaRPr lang="en-US" dirty="0"/>
+          </a:p>
+        </p:txBody>
+      </p:sp>
+      <p:sp>
+        <p:nvSpPr>
+          <p:cNvPr id="3" name="Content Placeholder 2"/>
+          <p:cNvSpPr>
+            <a:spLocks noGrp="1"/>
+          </p:cNvSpPr>
+          <p:nvPr>
+            <p:ph sz="half" idx="1"/>
+          </p:nvPr>
+        </p:nvSpPr>
+        <p:spPr/>
+        <p:txBody>
+          <a:bodyPr/>
+          <a:lstStyle/>
+          <a:p>
+            <a:endParaRPr lang="en-US"/>
+          </a:p>
+        </p:txBody>
+      </p:sp>
+      <p:sp>
+        <p:nvSpPr>
+          <p:cNvPr id="4" name="Content Placeholder 3"/>
+          <p:cNvSpPr>
+            <a:spLocks noGrp="1"/>
+          </p:cNvSpPr>
+          <p:nvPr>
+            <p:ph sz="half" idx="2"/>
+          </p:nvPr>
+        </p:nvSpPr>
+        <p:spPr/>
+        <p:txBody>
+          <a:bodyPr/>
+          <a:lstStyle/>
+          <a:p>
+            <a:endParaRPr lang="en-US"/>
+          </a:p>
+        </p:txBody>
+      </p:sp>
+    </p:spTree>
+    <p:extLst>
+      <p:ext uri="{BB962C8B-B14F-4D97-AF65-F5344CB8AC3E}">
+        <p14:creationId xmlns:p14="http://schemas.microsoft.com/office/powerpoint/2010/main" val="3261944530"/>
+      </p:ext>
+    </p:extLst>
+  </p:cSld>
+  <p:clrMapOvr>
+    <a:masterClrMapping/>
+  </p:clrMapOvr>
+</p:sld>
+</file>
+
+<file path=ppt/slides/slide7.xml><?xml version="1.0" encoding="utf-8"?>
+<p:sld xmlns:a="http://schemas.openxmlformats.org/drawingml/2006/main" xmlns:r="http://schemas.openxmlformats.org/officeDocument/2006/relationships" xmlns:p="http://schemas.openxmlformats.org/presentationml/2006/main">
+  <p:cSld>
+    <p:spTree>
+      <p:nvGrpSpPr>
+        <p:cNvPr id="1" name=""/>
+        <p:cNvGrpSpPr/>
+        <p:nvPr/>
+      </p:nvGrpSpPr>
+      <p:grpSpPr>
+        <a:xfrm>
+          <a:off x="0" y="0"/>
+          <a:ext cx="0" cy="0"/>
+          <a:chOff x="0" y="0"/>
+          <a:chExt cx="0" cy="0"/>
+        </a:xfrm>
+      </p:grpSpPr>
+      <p:sp>
+        <p:nvSpPr>
+          <p:cNvPr id="2" name="Title 1"/>
+          <p:cNvSpPr>
+            <a:spLocks noGrp="1"/>
+          </p:cNvSpPr>
+          <p:nvPr>
+            <p:ph type="title"/>
+          </p:nvPr>
+        </p:nvSpPr>
+        <p:spPr/>
+        <p:txBody>
+          <a:bodyPr/>
+          <a:lstStyle/>
+          <a:p>
+            <a:r>
+              <a:rPr lang="en-US" dirty="0" smtClean="0"/>
+              <a:t>Results</a:t>
+            </a:r>
+            <a:endParaRPr lang="en-US" dirty="0"/>
+          </a:p>
+        </p:txBody>
+      </p:sp>
+      <p:sp>
+        <p:nvSpPr>
+          <p:cNvPr id="3" name="Content Placeholder 2"/>
+          <p:cNvSpPr>
+            <a:spLocks noGrp="1"/>
+          </p:cNvSpPr>
+          <p:nvPr>
+            <p:ph sz="half" idx="1"/>
+          </p:nvPr>
+        </p:nvSpPr>
+        <p:spPr/>
+        <p:txBody>
+          <a:bodyPr/>
+          <a:lstStyle/>
+          <a:p>
+            <a:endParaRPr lang="en-US" dirty="0"/>
+          </a:p>
+        </p:txBody>
+      </p:sp>
+      <p:sp>
+        <p:nvSpPr>
+          <p:cNvPr id="4" name="Content Placeholder 3"/>
+          <p:cNvSpPr>
+            <a:spLocks noGrp="1"/>
+          </p:cNvSpPr>
+          <p:nvPr>
+            <p:ph sz="half" idx="2"/>
+          </p:nvPr>
+        </p:nvSpPr>
+        <p:spPr/>
+        <p:txBody>
+          <a:bodyPr/>
+          <a:lstStyle/>
+          <a:p>
+            <a:endParaRPr lang="en-US"/>
+          </a:p>
+        </p:txBody>
+      </p:sp>
+    </p:spTree>
+    <p:extLst>
+      <p:ext uri="{BB962C8B-B14F-4D97-AF65-F5344CB8AC3E}">
+        <p14:creationId xmlns:p14="http://schemas.microsoft.com/office/powerpoint/2010/main" val="3743681227"/>
+      </p:ext>
+    </p:extLst>
+  </p:cSld>
+  <p:clrMapOvr>
+    <a:masterClrMapping/>
+  </p:clrMapOvr>
+</p:sld>
+</file>
+
+<file path=ppt/slides/slide8.xml><?xml version="1.0" encoding="utf-8"?>
+<p:sld xmlns:a="http://schemas.openxmlformats.org/drawingml/2006/main" xmlns:r="http://schemas.openxmlformats.org/officeDocument/2006/relationships" xmlns:p="http://schemas.openxmlformats.org/presentationml/2006/main">
+  <p:cSld>
+    <p:spTree>
+      <p:nvGrpSpPr>
+        <p:cNvPr id="1" name=""/>
+        <p:cNvGrpSpPr/>
+        <p:nvPr/>
+      </p:nvGrpSpPr>
+      <p:grpSpPr>
+        <a:xfrm>
+          <a:off x="0" y="0"/>
+          <a:ext cx="0" cy="0"/>
+          <a:chOff x="0" y="0"/>
+          <a:chExt cx="0" cy="0"/>
+        </a:xfrm>
+      </p:grpSpPr>
+      <p:sp>
+        <p:nvSpPr>
+          <p:cNvPr id="2" name="Title 1"/>
+          <p:cNvSpPr>
+            <a:spLocks noGrp="1"/>
+          </p:cNvSpPr>
+          <p:nvPr>
+            <p:ph type="title"/>
+          </p:nvPr>
+        </p:nvSpPr>
+        <p:spPr/>
+        <p:txBody>
+          <a:bodyPr/>
+          <a:lstStyle/>
+          <a:p>
+            <a:r>
+              <a:rPr lang="en-US" dirty="0" smtClean="0"/>
+              <a:t>Conclusion/Discussion</a:t>
+            </a:r>
+            <a:endParaRPr lang="en-US" dirty="0"/>
+          </a:p>
+        </p:txBody>
+      </p:sp>
+      <p:sp>
+        <p:nvSpPr>
+          <p:cNvPr id="3" name="Content Placeholder 2"/>
+          <p:cNvSpPr>
+            <a:spLocks noGrp="1"/>
+          </p:cNvSpPr>
+          <p:nvPr>
+            <p:ph sz="half" idx="1"/>
+          </p:nvPr>
+        </p:nvSpPr>
+        <p:spPr/>
+        <p:txBody>
+          <a:bodyPr/>
+          <a:lstStyle/>
+          <a:p>
+            <a:endParaRPr lang="en-US"/>
+          </a:p>
+        </p:txBody>
+      </p:sp>
+      <p:sp>
+        <p:nvSpPr>
+          <p:cNvPr id="4" name="Content Placeholder 3"/>
+          <p:cNvSpPr>
+            <a:spLocks noGrp="1"/>
+          </p:cNvSpPr>
+          <p:nvPr>
+            <p:ph sz="half" idx="2"/>
+          </p:nvPr>
+        </p:nvSpPr>
+        <p:spPr/>
+        <p:txBody>
+          <a:bodyPr/>
+          <a:lstStyle/>
+          <a:p>
+            <a:endParaRPr lang="en-US"/>
+          </a:p>
+        </p:txBody>
+      </p:sp>
+    </p:spTree>
+    <p:extLst>
+      <p:ext uri="{BB962C8B-B14F-4D97-AF65-F5344CB8AC3E}">
+        <p14:creationId xmlns:p14="http://schemas.microsoft.com/office/powerpoint/2010/main" val="2767258400"/>
       </p:ext>
     </p:extLst>
   </p:cSld>

--- a/Submissions/C_Graham_Capstone.pptx
+++ b/Submissions/C_Graham_Capstone.pptx
@@ -4,6 +4,9 @@
   <p:sldMasterIdLst>
     <p:sldMasterId id="2147483660" r:id="rId1"/>
   </p:sldMasterIdLst>
+  <p:notesMasterIdLst>
+    <p:notesMasterId r:id="rId10"/>
+  </p:notesMasterIdLst>
   <p:sldIdLst>
     <p:sldId id="256" r:id="rId2"/>
     <p:sldId id="257" r:id="rId3"/>
@@ -1312,7 +1315,7 @@
   <dgm:whole/>
   <dgm:extLst>
     <a:ext uri="http://schemas.microsoft.com/office/drawing/2008/diagram">
-      <dsp:dataModelExt xmlns:dsp="http://schemas.microsoft.com/office/drawing/2008/diagram" relId="rId6" minVer="http://schemas.openxmlformats.org/drawingml/2006/diagram"/>
+      <dsp:dataModelExt xmlns:dsp="http://schemas.microsoft.com/office/drawing/2008/diagram" relId="rId7" minVer="http://schemas.openxmlformats.org/drawingml/2006/diagram"/>
     </a:ext>
   </dgm:extLst>
 </dgm:dataModel>
@@ -4430,6 +4433,1624 @@
 </dgm:styleDef>
 </file>
 
+<file path=ppt/notesMasters/notesMaster1.xml><?xml version="1.0" encoding="utf-8"?>
+<p:notesMaster xmlns:a="http://schemas.openxmlformats.org/drawingml/2006/main" xmlns:r="http://schemas.openxmlformats.org/officeDocument/2006/relationships" xmlns:p="http://schemas.openxmlformats.org/presentationml/2006/main">
+  <p:cSld>
+    <p:bg>
+      <p:bgRef idx="1001">
+        <a:schemeClr val="bg1"/>
+      </p:bgRef>
+    </p:bg>
+    <p:spTree>
+      <p:nvGrpSpPr>
+        <p:cNvPr id="1" name=""/>
+        <p:cNvGrpSpPr/>
+        <p:nvPr/>
+      </p:nvGrpSpPr>
+      <p:grpSpPr>
+        <a:xfrm>
+          <a:off x="0" y="0"/>
+          <a:ext cx="0" cy="0"/>
+          <a:chOff x="0" y="0"/>
+          <a:chExt cx="0" cy="0"/>
+        </a:xfrm>
+      </p:grpSpPr>
+      <p:sp>
+        <p:nvSpPr>
+          <p:cNvPr id="2" name="Header Placeholder 1"/>
+          <p:cNvSpPr>
+            <a:spLocks noGrp="1"/>
+          </p:cNvSpPr>
+          <p:nvPr>
+            <p:ph type="hdr" sz="quarter"/>
+          </p:nvPr>
+        </p:nvSpPr>
+        <p:spPr>
+          <a:xfrm>
+            <a:off x="0" y="0"/>
+            <a:ext cx="2971800" cy="457200"/>
+          </a:xfrm>
+          <a:prstGeom prst="rect">
+            <a:avLst/>
+          </a:prstGeom>
+        </p:spPr>
+        <p:txBody>
+          <a:bodyPr vert="horz" lIns="91440" tIns="45720" rIns="91440" bIns="45720" rtlCol="0"/>
+          <a:lstStyle>
+            <a:lvl1pPr algn="l">
+              <a:defRPr sz="1200"/>
+            </a:lvl1pPr>
+          </a:lstStyle>
+          <a:p>
+            <a:endParaRPr lang="en-US"/>
+          </a:p>
+        </p:txBody>
+      </p:sp>
+      <p:sp>
+        <p:nvSpPr>
+          <p:cNvPr id="3" name="Date Placeholder 2"/>
+          <p:cNvSpPr>
+            <a:spLocks noGrp="1"/>
+          </p:cNvSpPr>
+          <p:nvPr>
+            <p:ph type="dt" idx="1"/>
+          </p:nvPr>
+        </p:nvSpPr>
+        <p:spPr>
+          <a:xfrm>
+            <a:off x="3884613" y="0"/>
+            <a:ext cx="2971800" cy="457200"/>
+          </a:xfrm>
+          <a:prstGeom prst="rect">
+            <a:avLst/>
+          </a:prstGeom>
+        </p:spPr>
+        <p:txBody>
+          <a:bodyPr vert="horz" lIns="91440" tIns="45720" rIns="91440" bIns="45720" rtlCol="0"/>
+          <a:lstStyle>
+            <a:lvl1pPr algn="r">
+              <a:defRPr sz="1200"/>
+            </a:lvl1pPr>
+          </a:lstStyle>
+          <a:p>
+            <a:fld id="{0E647103-170D-1244-B1BF-EFBE6A8508FA}" type="datetimeFigureOut">
+              <a:rPr lang="en-US" smtClean="0"/>
+              <a:t>16-04-02</a:t>
+            </a:fld>
+            <a:endParaRPr lang="en-US"/>
+          </a:p>
+        </p:txBody>
+      </p:sp>
+      <p:sp>
+        <p:nvSpPr>
+          <p:cNvPr id="4" name="Slide Image Placeholder 3"/>
+          <p:cNvSpPr>
+            <a:spLocks noGrp="1" noRot="1" noChangeAspect="1"/>
+          </p:cNvSpPr>
+          <p:nvPr>
+            <p:ph type="sldImg" idx="2"/>
+          </p:nvPr>
+        </p:nvSpPr>
+        <p:spPr>
+          <a:xfrm>
+            <a:off x="1143000" y="685800"/>
+            <a:ext cx="4572000" cy="3429000"/>
+          </a:xfrm>
+          <a:prstGeom prst="rect">
+            <a:avLst/>
+          </a:prstGeom>
+          <a:noFill/>
+          <a:ln w="12700">
+            <a:solidFill>
+              <a:prstClr val="black"/>
+            </a:solidFill>
+          </a:ln>
+        </p:spPr>
+        <p:txBody>
+          <a:bodyPr vert="horz" lIns="91440" tIns="45720" rIns="91440" bIns="45720" rtlCol="0" anchor="ctr"/>
+          <a:lstStyle/>
+          <a:p>
+            <a:endParaRPr lang="en-US"/>
+          </a:p>
+        </p:txBody>
+      </p:sp>
+      <p:sp>
+        <p:nvSpPr>
+          <p:cNvPr id="5" name="Notes Placeholder 4"/>
+          <p:cNvSpPr>
+            <a:spLocks noGrp="1"/>
+          </p:cNvSpPr>
+          <p:nvPr>
+            <p:ph type="body" sz="quarter" idx="3"/>
+          </p:nvPr>
+        </p:nvSpPr>
+        <p:spPr>
+          <a:xfrm>
+            <a:off x="685800" y="4343400"/>
+            <a:ext cx="5486400" cy="4114800"/>
+          </a:xfrm>
+          <a:prstGeom prst="rect">
+            <a:avLst/>
+          </a:prstGeom>
+        </p:spPr>
+        <p:txBody>
+          <a:bodyPr vert="horz" lIns="91440" tIns="45720" rIns="91440" bIns="45720" rtlCol="0"/>
+          <a:lstStyle/>
+          <a:p>
+            <a:pPr lvl="0"/>
+            <a:r>
+              <a:rPr lang="en-US" smtClean="0"/>
+              <a:t>Click to edit Master text styles</a:t>
+            </a:r>
+          </a:p>
+          <a:p>
+            <a:pPr lvl="1"/>
+            <a:r>
+              <a:rPr lang="en-US" smtClean="0"/>
+              <a:t>Second level</a:t>
+            </a:r>
+          </a:p>
+          <a:p>
+            <a:pPr lvl="2"/>
+            <a:r>
+              <a:rPr lang="en-US" smtClean="0"/>
+              <a:t>Third level</a:t>
+            </a:r>
+          </a:p>
+          <a:p>
+            <a:pPr lvl="3"/>
+            <a:r>
+              <a:rPr lang="en-US" smtClean="0"/>
+              <a:t>Fourth level</a:t>
+            </a:r>
+          </a:p>
+          <a:p>
+            <a:pPr lvl="4"/>
+            <a:r>
+              <a:rPr lang="en-US" smtClean="0"/>
+              <a:t>Fifth level</a:t>
+            </a:r>
+            <a:endParaRPr lang="en-US"/>
+          </a:p>
+        </p:txBody>
+      </p:sp>
+      <p:sp>
+        <p:nvSpPr>
+          <p:cNvPr id="6" name="Footer Placeholder 5"/>
+          <p:cNvSpPr>
+            <a:spLocks noGrp="1"/>
+          </p:cNvSpPr>
+          <p:nvPr>
+            <p:ph type="ftr" sz="quarter" idx="4"/>
+          </p:nvPr>
+        </p:nvSpPr>
+        <p:spPr>
+          <a:xfrm>
+            <a:off x="0" y="8685213"/>
+            <a:ext cx="2971800" cy="457200"/>
+          </a:xfrm>
+          <a:prstGeom prst="rect">
+            <a:avLst/>
+          </a:prstGeom>
+        </p:spPr>
+        <p:txBody>
+          <a:bodyPr vert="horz" lIns="91440" tIns="45720" rIns="91440" bIns="45720" rtlCol="0" anchor="b"/>
+          <a:lstStyle>
+            <a:lvl1pPr algn="l">
+              <a:defRPr sz="1200"/>
+            </a:lvl1pPr>
+          </a:lstStyle>
+          <a:p>
+            <a:endParaRPr lang="en-US"/>
+          </a:p>
+        </p:txBody>
+      </p:sp>
+      <p:sp>
+        <p:nvSpPr>
+          <p:cNvPr id="7" name="Slide Number Placeholder 6"/>
+          <p:cNvSpPr>
+            <a:spLocks noGrp="1"/>
+          </p:cNvSpPr>
+          <p:nvPr>
+            <p:ph type="sldNum" sz="quarter" idx="5"/>
+          </p:nvPr>
+        </p:nvSpPr>
+        <p:spPr>
+          <a:xfrm>
+            <a:off x="3884613" y="8685213"/>
+            <a:ext cx="2971800" cy="457200"/>
+          </a:xfrm>
+          <a:prstGeom prst="rect">
+            <a:avLst/>
+          </a:prstGeom>
+        </p:spPr>
+        <p:txBody>
+          <a:bodyPr vert="horz" lIns="91440" tIns="45720" rIns="91440" bIns="45720" rtlCol="0" anchor="b"/>
+          <a:lstStyle>
+            <a:lvl1pPr algn="r">
+              <a:defRPr sz="1200"/>
+            </a:lvl1pPr>
+          </a:lstStyle>
+          <a:p>
+            <a:fld id="{0F4944E9-F7AB-A543-8B3B-2D79C3BE1877}" type="slidenum">
+              <a:rPr lang="en-US" smtClean="0"/>
+              <a:t>‹#›</a:t>
+            </a:fld>
+            <a:endParaRPr lang="en-US"/>
+          </a:p>
+        </p:txBody>
+      </p:sp>
+    </p:spTree>
+    <p:extLst>
+      <p:ext uri="{BB962C8B-B14F-4D97-AF65-F5344CB8AC3E}">
+        <p14:creationId xmlns:p14="http://schemas.microsoft.com/office/powerpoint/2010/main" val="480649539"/>
+      </p:ext>
+    </p:extLst>
+  </p:cSld>
+  <p:clrMap bg1="lt1" tx1="dk1" bg2="lt2" tx2="dk2" accent1="accent1" accent2="accent2" accent3="accent3" accent4="accent4" accent5="accent5" accent6="accent6" hlink="hlink" folHlink="folHlink"/>
+  <p:notesStyle>
+    <a:lvl1pPr marL="0" algn="l" defTabSz="457200" rtl="0" eaLnBrk="1" latinLnBrk="0" hangingPunct="1">
+      <a:defRPr sz="1200" kern="1200">
+        <a:solidFill>
+          <a:schemeClr val="tx1"/>
+        </a:solidFill>
+        <a:latin typeface="+mn-lt"/>
+        <a:ea typeface="+mn-ea"/>
+        <a:cs typeface="+mn-cs"/>
+      </a:defRPr>
+    </a:lvl1pPr>
+    <a:lvl2pPr marL="457200" algn="l" defTabSz="457200" rtl="0" eaLnBrk="1" latinLnBrk="0" hangingPunct="1">
+      <a:defRPr sz="1200" kern="1200">
+        <a:solidFill>
+          <a:schemeClr val="tx1"/>
+        </a:solidFill>
+        <a:latin typeface="+mn-lt"/>
+        <a:ea typeface="+mn-ea"/>
+        <a:cs typeface="+mn-cs"/>
+      </a:defRPr>
+    </a:lvl2pPr>
+    <a:lvl3pPr marL="914400" algn="l" defTabSz="457200" rtl="0" eaLnBrk="1" latinLnBrk="0" hangingPunct="1">
+      <a:defRPr sz="1200" kern="1200">
+        <a:solidFill>
+          <a:schemeClr val="tx1"/>
+        </a:solidFill>
+        <a:latin typeface="+mn-lt"/>
+        <a:ea typeface="+mn-ea"/>
+        <a:cs typeface="+mn-cs"/>
+      </a:defRPr>
+    </a:lvl3pPr>
+    <a:lvl4pPr marL="1371600" algn="l" defTabSz="457200" rtl="0" eaLnBrk="1" latinLnBrk="0" hangingPunct="1">
+      <a:defRPr sz="1200" kern="1200">
+        <a:solidFill>
+          <a:schemeClr val="tx1"/>
+        </a:solidFill>
+        <a:latin typeface="+mn-lt"/>
+        <a:ea typeface="+mn-ea"/>
+        <a:cs typeface="+mn-cs"/>
+      </a:defRPr>
+    </a:lvl4pPr>
+    <a:lvl5pPr marL="1828800" algn="l" defTabSz="457200" rtl="0" eaLnBrk="1" latinLnBrk="0" hangingPunct="1">
+      <a:defRPr sz="1200" kern="1200">
+        <a:solidFill>
+          <a:schemeClr val="tx1"/>
+        </a:solidFill>
+        <a:latin typeface="+mn-lt"/>
+        <a:ea typeface="+mn-ea"/>
+        <a:cs typeface="+mn-cs"/>
+      </a:defRPr>
+    </a:lvl5pPr>
+    <a:lvl6pPr marL="2286000" algn="l" defTabSz="457200" rtl="0" eaLnBrk="1" latinLnBrk="0" hangingPunct="1">
+      <a:defRPr sz="1200" kern="1200">
+        <a:solidFill>
+          <a:schemeClr val="tx1"/>
+        </a:solidFill>
+        <a:latin typeface="+mn-lt"/>
+        <a:ea typeface="+mn-ea"/>
+        <a:cs typeface="+mn-cs"/>
+      </a:defRPr>
+    </a:lvl6pPr>
+    <a:lvl7pPr marL="2743200" algn="l" defTabSz="457200" rtl="0" eaLnBrk="1" latinLnBrk="0" hangingPunct="1">
+      <a:defRPr sz="1200" kern="1200">
+        <a:solidFill>
+          <a:schemeClr val="tx1"/>
+        </a:solidFill>
+        <a:latin typeface="+mn-lt"/>
+        <a:ea typeface="+mn-ea"/>
+        <a:cs typeface="+mn-cs"/>
+      </a:defRPr>
+    </a:lvl7pPr>
+    <a:lvl8pPr marL="3200400" algn="l" defTabSz="457200" rtl="0" eaLnBrk="1" latinLnBrk="0" hangingPunct="1">
+      <a:defRPr sz="1200" kern="1200">
+        <a:solidFill>
+          <a:schemeClr val="tx1"/>
+        </a:solidFill>
+        <a:latin typeface="+mn-lt"/>
+        <a:ea typeface="+mn-ea"/>
+        <a:cs typeface="+mn-cs"/>
+      </a:defRPr>
+    </a:lvl8pPr>
+    <a:lvl9pPr marL="3657600" algn="l" defTabSz="457200" rtl="0" eaLnBrk="1" latinLnBrk="0" hangingPunct="1">
+      <a:defRPr sz="1200" kern="1200">
+        <a:solidFill>
+          <a:schemeClr val="tx1"/>
+        </a:solidFill>
+        <a:latin typeface="+mn-lt"/>
+        <a:ea typeface="+mn-ea"/>
+        <a:cs typeface="+mn-cs"/>
+      </a:defRPr>
+    </a:lvl9pPr>
+  </p:notesStyle>
+</p:notesMaster>
+</file>
+
+<file path=ppt/notesSlides/notesSlide1.xml><?xml version="1.0" encoding="utf-8"?>
+<p:notes xmlns:a="http://schemas.openxmlformats.org/drawingml/2006/main" xmlns:r="http://schemas.openxmlformats.org/officeDocument/2006/relationships" xmlns:p="http://schemas.openxmlformats.org/presentationml/2006/main">
+  <p:cSld>
+    <p:spTree>
+      <p:nvGrpSpPr>
+        <p:cNvPr id="1" name=""/>
+        <p:cNvGrpSpPr/>
+        <p:nvPr/>
+      </p:nvGrpSpPr>
+      <p:grpSpPr>
+        <a:xfrm>
+          <a:off x="0" y="0"/>
+          <a:ext cx="0" cy="0"/>
+          <a:chOff x="0" y="0"/>
+          <a:chExt cx="0" cy="0"/>
+        </a:xfrm>
+      </p:grpSpPr>
+      <p:sp>
+        <p:nvSpPr>
+          <p:cNvPr id="2" name="Slide Image Placeholder 1"/>
+          <p:cNvSpPr>
+            <a:spLocks noGrp="1" noRot="1" noChangeAspect="1"/>
+          </p:cNvSpPr>
+          <p:nvPr>
+            <p:ph type="sldImg"/>
+          </p:nvPr>
+        </p:nvSpPr>
+        <p:spPr/>
+      </p:sp>
+      <p:sp>
+        <p:nvSpPr>
+          <p:cNvPr id="3" name="Notes Placeholder 2"/>
+          <p:cNvSpPr>
+            <a:spLocks noGrp="1"/>
+          </p:cNvSpPr>
+          <p:nvPr>
+            <p:ph type="body" idx="1"/>
+          </p:nvPr>
+        </p:nvSpPr>
+        <p:spPr/>
+        <p:txBody>
+          <a:bodyPr/>
+          <a:lstStyle/>
+          <a:p>
+            <a:pPr marL="171450" indent="-171450">
+              <a:buFont typeface="Arial"/>
+              <a:buChar char="•"/>
+            </a:pPr>
+            <a:r>
+              <a:rPr lang="en-US" dirty="0" smtClean="0"/>
+              <a:t>Social media is increasingly</a:t>
+            </a:r>
+            <a:r>
+              <a:rPr lang="en-US" baseline="0" dirty="0" smtClean="0"/>
+              <a:t> important for brands, politicians, </a:t>
+            </a:r>
+            <a:r>
+              <a:rPr lang="en-US" baseline="0" dirty="0" err="1" smtClean="0"/>
+              <a:t>etc</a:t>
+            </a:r>
+            <a:endParaRPr lang="en-US" baseline="0" dirty="0" smtClean="0"/>
+          </a:p>
+          <a:p>
+            <a:pPr marL="171450" indent="-171450">
+              <a:buFont typeface="Arial"/>
+              <a:buChar char="•"/>
+            </a:pPr>
+            <a:r>
+              <a:rPr lang="en-US" baseline="0" dirty="0" smtClean="0"/>
+              <a:t>Much work is on text, but social media is increasingly image-centric</a:t>
+            </a:r>
+          </a:p>
+          <a:p>
+            <a:pPr marL="171450" indent="-171450">
+              <a:buFont typeface="Arial"/>
+              <a:buChar char="•"/>
+            </a:pPr>
+            <a:r>
+              <a:rPr lang="en-US" baseline="0" dirty="0" smtClean="0"/>
+              <a:t>Not lots of work done in terms of determining image sentiment – more in object identification</a:t>
+            </a:r>
+          </a:p>
+          <a:p>
+            <a:pPr marL="171450" indent="-171450">
+              <a:buFont typeface="Arial"/>
+              <a:buChar char="•"/>
+            </a:pPr>
+            <a:r>
+              <a:rPr lang="en-US" baseline="0" dirty="0" smtClean="0"/>
+              <a:t>Hard to build datasets – sentiment is more subjective than object identification</a:t>
+            </a:r>
+          </a:p>
+          <a:p>
+            <a:pPr marL="171450" indent="-171450">
+              <a:buFont typeface="Arial"/>
+              <a:buChar char="•"/>
+            </a:pPr>
+            <a:r>
+              <a:rPr lang="en-US" baseline="0" dirty="0" smtClean="0"/>
+              <a:t>Try to see if can build an unsupervised classifier using Twitter data</a:t>
+            </a:r>
+            <a:endParaRPr lang="en-US" dirty="0"/>
+          </a:p>
+        </p:txBody>
+      </p:sp>
+      <p:sp>
+        <p:nvSpPr>
+          <p:cNvPr id="4" name="Slide Number Placeholder 3"/>
+          <p:cNvSpPr>
+            <a:spLocks noGrp="1"/>
+          </p:cNvSpPr>
+          <p:nvPr>
+            <p:ph type="sldNum" sz="quarter" idx="10"/>
+          </p:nvPr>
+        </p:nvSpPr>
+        <p:spPr/>
+        <p:txBody>
+          <a:bodyPr/>
+          <a:lstStyle/>
+          <a:p>
+            <a:fld id="{0F4944E9-F7AB-A543-8B3B-2D79C3BE1877}" type="slidenum">
+              <a:rPr lang="en-US" smtClean="0"/>
+              <a:t>2</a:t>
+            </a:fld>
+            <a:endParaRPr lang="en-US"/>
+          </a:p>
+        </p:txBody>
+      </p:sp>
+    </p:spTree>
+    <p:extLst>
+      <p:ext uri="{BB962C8B-B14F-4D97-AF65-F5344CB8AC3E}">
+        <p14:creationId xmlns:p14="http://schemas.microsoft.com/office/powerpoint/2010/main" val="2821109160"/>
+      </p:ext>
+    </p:extLst>
+  </p:cSld>
+  <p:clrMapOvr>
+    <a:masterClrMapping/>
+  </p:clrMapOvr>
+</p:notes>
+</file>
+
+<file path=ppt/notesSlides/notesSlide2.xml><?xml version="1.0" encoding="utf-8"?>
+<p:notes xmlns:a="http://schemas.openxmlformats.org/drawingml/2006/main" xmlns:r="http://schemas.openxmlformats.org/officeDocument/2006/relationships" xmlns:p="http://schemas.openxmlformats.org/presentationml/2006/main">
+  <p:cSld>
+    <p:spTree>
+      <p:nvGrpSpPr>
+        <p:cNvPr id="1" name=""/>
+        <p:cNvGrpSpPr/>
+        <p:nvPr/>
+      </p:nvGrpSpPr>
+      <p:grpSpPr>
+        <a:xfrm>
+          <a:off x="0" y="0"/>
+          <a:ext cx="0" cy="0"/>
+          <a:chOff x="0" y="0"/>
+          <a:chExt cx="0" cy="0"/>
+        </a:xfrm>
+      </p:grpSpPr>
+      <p:sp>
+        <p:nvSpPr>
+          <p:cNvPr id="2" name="Slide Image Placeholder 1"/>
+          <p:cNvSpPr>
+            <a:spLocks noGrp="1" noRot="1" noChangeAspect="1"/>
+          </p:cNvSpPr>
+          <p:nvPr>
+            <p:ph type="sldImg"/>
+          </p:nvPr>
+        </p:nvSpPr>
+        <p:spPr/>
+      </p:sp>
+      <p:sp>
+        <p:nvSpPr>
+          <p:cNvPr id="3" name="Notes Placeholder 2"/>
+          <p:cNvSpPr>
+            <a:spLocks noGrp="1"/>
+          </p:cNvSpPr>
+          <p:nvPr>
+            <p:ph type="body" idx="1"/>
+          </p:nvPr>
+        </p:nvSpPr>
+        <p:spPr/>
+        <p:txBody>
+          <a:bodyPr/>
+          <a:lstStyle/>
+          <a:p>
+            <a:pPr marL="171450" indent="-171450">
+              <a:buFont typeface="Arial"/>
+              <a:buChar char="•"/>
+            </a:pPr>
+            <a:r>
+              <a:rPr lang="en-US" dirty="0" smtClean="0"/>
+              <a:t>Number</a:t>
+            </a:r>
+            <a:r>
+              <a:rPr lang="en-US" baseline="0" dirty="0" smtClean="0"/>
+              <a:t> of different papers reviewed: 2 main categories</a:t>
+            </a:r>
+          </a:p>
+          <a:p>
+            <a:pPr marL="628650" lvl="1" indent="-171450">
+              <a:buFont typeface="Arial"/>
+              <a:buChar char="•"/>
+            </a:pPr>
+            <a:r>
+              <a:rPr lang="en-US" baseline="0" dirty="0" smtClean="0"/>
+              <a:t>Determining image sentiment</a:t>
+            </a:r>
+          </a:p>
+          <a:p>
+            <a:pPr marL="628650" lvl="1" indent="-171450">
+              <a:buFont typeface="Arial"/>
+              <a:buChar char="•"/>
+            </a:pPr>
+            <a:r>
+              <a:rPr lang="en-US" baseline="0" dirty="0" smtClean="0"/>
+              <a:t>Determining twitter text sentiment</a:t>
+            </a:r>
+          </a:p>
+          <a:p>
+            <a:pPr marL="171450" lvl="0" indent="-171450">
+              <a:buFont typeface="Arial"/>
+              <a:buChar char="•"/>
+            </a:pPr>
+            <a:r>
+              <a:rPr lang="en-US" dirty="0" smtClean="0"/>
+              <a:t>Image</a:t>
+            </a:r>
+            <a:r>
+              <a:rPr lang="en-US" baseline="0" dirty="0" smtClean="0"/>
+              <a:t> sentiment</a:t>
+            </a:r>
+          </a:p>
+          <a:p>
+            <a:pPr marL="628650" lvl="1" indent="-171450">
+              <a:buFont typeface="Arial"/>
+              <a:buChar char="•"/>
+            </a:pPr>
+            <a:r>
+              <a:rPr lang="en-US" baseline="0" dirty="0" smtClean="0"/>
+              <a:t>Some researchers have had good success determining image sentiment based on text or metadata with image</a:t>
+            </a:r>
+          </a:p>
+          <a:p>
+            <a:pPr marL="628650" lvl="1" indent="-171450">
+              <a:buFont typeface="Arial"/>
+              <a:buChar char="•"/>
+            </a:pPr>
+            <a:r>
+              <a:rPr lang="en-US" baseline="0" dirty="0" smtClean="0"/>
+              <a:t>Neural Networks seem to have better results than “bag of features”, or overall pixel comparisons</a:t>
+            </a:r>
+          </a:p>
+          <a:p>
+            <a:pPr marL="171450" lvl="0" indent="-171450">
+              <a:buFont typeface="Arial"/>
+              <a:buChar char="•"/>
+            </a:pPr>
+            <a:r>
+              <a:rPr lang="en-US" baseline="0" dirty="0" smtClean="0"/>
+              <a:t>Twitter text sentiment</a:t>
+            </a:r>
+          </a:p>
+          <a:p>
+            <a:pPr marL="628650" lvl="1" indent="-171450">
+              <a:buFont typeface="Arial"/>
+              <a:buChar char="•"/>
+            </a:pPr>
+            <a:r>
+              <a:rPr lang="en-US" baseline="0" dirty="0" smtClean="0"/>
+              <a:t>Harder than larger lexicons</a:t>
+            </a:r>
+          </a:p>
+          <a:p>
+            <a:pPr marL="628650" lvl="1" indent="-171450">
+              <a:buFont typeface="Arial"/>
+              <a:buChar char="•"/>
+            </a:pPr>
+            <a:r>
+              <a:rPr lang="en-US" baseline="0" dirty="0" smtClean="0"/>
+              <a:t>Short messages</a:t>
+            </a:r>
+          </a:p>
+          <a:p>
+            <a:pPr marL="628650" lvl="1" indent="-171450">
+              <a:buFont typeface="Arial"/>
+              <a:buChar char="•"/>
+            </a:pPr>
+            <a:r>
+              <a:rPr lang="en-US" baseline="0" dirty="0" smtClean="0"/>
+              <a:t>Slang, odd grammar, abbreviations, </a:t>
+            </a:r>
+            <a:r>
+              <a:rPr lang="en-US" baseline="0" dirty="0" err="1" smtClean="0"/>
+              <a:t>emoji</a:t>
+            </a:r>
+            <a:r>
+              <a:rPr lang="en-US" baseline="0" dirty="0" smtClean="0"/>
+              <a:t>, hashtags</a:t>
+            </a:r>
+          </a:p>
+          <a:p>
+            <a:pPr marL="628650" lvl="1" indent="-171450">
+              <a:buFont typeface="Arial"/>
+              <a:buChar char="•"/>
+            </a:pPr>
+            <a:r>
+              <a:rPr lang="en-US" baseline="0" dirty="0" smtClean="0"/>
+              <a:t>Tend to be lexicon based with various degrees of processing &amp; complexity</a:t>
+            </a:r>
+          </a:p>
+        </p:txBody>
+      </p:sp>
+      <p:sp>
+        <p:nvSpPr>
+          <p:cNvPr id="4" name="Slide Number Placeholder 3"/>
+          <p:cNvSpPr>
+            <a:spLocks noGrp="1"/>
+          </p:cNvSpPr>
+          <p:nvPr>
+            <p:ph type="sldNum" sz="quarter" idx="10"/>
+          </p:nvPr>
+        </p:nvSpPr>
+        <p:spPr/>
+        <p:txBody>
+          <a:bodyPr/>
+          <a:lstStyle/>
+          <a:p>
+            <a:fld id="{0F4944E9-F7AB-A543-8B3B-2D79C3BE1877}" type="slidenum">
+              <a:rPr lang="en-US" smtClean="0"/>
+              <a:t>3</a:t>
+            </a:fld>
+            <a:endParaRPr lang="en-US"/>
+          </a:p>
+        </p:txBody>
+      </p:sp>
+    </p:spTree>
+    <p:extLst>
+      <p:ext uri="{BB962C8B-B14F-4D97-AF65-F5344CB8AC3E}">
+        <p14:creationId xmlns:p14="http://schemas.microsoft.com/office/powerpoint/2010/main" val="3285330627"/>
+      </p:ext>
+    </p:extLst>
+  </p:cSld>
+  <p:clrMapOvr>
+    <a:masterClrMapping/>
+  </p:clrMapOvr>
+</p:notes>
+</file>
+
+<file path=ppt/notesSlides/notesSlide3.xml><?xml version="1.0" encoding="utf-8"?>
+<p:notes xmlns:a="http://schemas.openxmlformats.org/drawingml/2006/main" xmlns:r="http://schemas.openxmlformats.org/officeDocument/2006/relationships" xmlns:p="http://schemas.openxmlformats.org/presentationml/2006/main">
+  <p:cSld>
+    <p:spTree>
+      <p:nvGrpSpPr>
+        <p:cNvPr id="1" name=""/>
+        <p:cNvGrpSpPr/>
+        <p:nvPr/>
+      </p:nvGrpSpPr>
+      <p:grpSpPr>
+        <a:xfrm>
+          <a:off x="0" y="0"/>
+          <a:ext cx="0" cy="0"/>
+          <a:chOff x="0" y="0"/>
+          <a:chExt cx="0" cy="0"/>
+        </a:xfrm>
+      </p:grpSpPr>
+      <p:sp>
+        <p:nvSpPr>
+          <p:cNvPr id="2" name="Slide Image Placeholder 1"/>
+          <p:cNvSpPr>
+            <a:spLocks noGrp="1" noRot="1" noChangeAspect="1"/>
+          </p:cNvSpPr>
+          <p:nvPr>
+            <p:ph type="sldImg"/>
+          </p:nvPr>
+        </p:nvSpPr>
+        <p:spPr/>
+      </p:sp>
+      <p:sp>
+        <p:nvSpPr>
+          <p:cNvPr id="3" name="Notes Placeholder 2"/>
+          <p:cNvSpPr>
+            <a:spLocks noGrp="1"/>
+          </p:cNvSpPr>
+          <p:nvPr>
+            <p:ph type="body" idx="1"/>
+          </p:nvPr>
+        </p:nvSpPr>
+        <p:spPr/>
+        <p:txBody>
+          <a:bodyPr/>
+          <a:lstStyle/>
+          <a:p>
+            <a:pPr marL="171450" indent="-171450">
+              <a:buFont typeface="Arial"/>
+              <a:buChar char="•"/>
+            </a:pPr>
+            <a:r>
+              <a:rPr lang="en-US" dirty="0" smtClean="0"/>
+              <a:t>Twitter data doesn’t provide reliable</a:t>
+            </a:r>
+            <a:r>
+              <a:rPr lang="en-US" baseline="0" dirty="0" smtClean="0"/>
+              <a:t> ground truth</a:t>
+            </a:r>
+          </a:p>
+          <a:p>
+            <a:pPr marL="171450" indent="-171450">
+              <a:buFont typeface="Arial"/>
+              <a:buChar char="•"/>
+            </a:pPr>
+            <a:r>
+              <a:rPr lang="en-US" baseline="0" dirty="0" err="1" smtClean="0"/>
+              <a:t>Crowdflower</a:t>
+            </a:r>
+            <a:r>
+              <a:rPr lang="en-US" baseline="0" dirty="0" smtClean="0"/>
+              <a:t> has human-scored images</a:t>
+            </a:r>
+          </a:p>
+          <a:p>
+            <a:pPr marL="628650" lvl="1" indent="-171450">
+              <a:buFont typeface="Arial"/>
+              <a:buChar char="•"/>
+            </a:pPr>
+            <a:r>
+              <a:rPr lang="en-US" baseline="0" dirty="0" smtClean="0"/>
+              <a:t>Majority vote</a:t>
+            </a:r>
+          </a:p>
+          <a:p>
+            <a:pPr marL="628650" lvl="1" indent="-171450">
+              <a:buFont typeface="Arial"/>
+              <a:buChar char="•"/>
+            </a:pPr>
+            <a:r>
+              <a:rPr lang="en-US" baseline="0" dirty="0" smtClean="0"/>
+              <a:t>Only positive/negative sentiment (no neutral)</a:t>
+            </a:r>
+            <a:endParaRPr lang="en-US" dirty="0"/>
+          </a:p>
+        </p:txBody>
+      </p:sp>
+      <p:sp>
+        <p:nvSpPr>
+          <p:cNvPr id="4" name="Slide Number Placeholder 3"/>
+          <p:cNvSpPr>
+            <a:spLocks noGrp="1"/>
+          </p:cNvSpPr>
+          <p:nvPr>
+            <p:ph type="sldNum" sz="quarter" idx="10"/>
+          </p:nvPr>
+        </p:nvSpPr>
+        <p:spPr/>
+        <p:txBody>
+          <a:bodyPr/>
+          <a:lstStyle/>
+          <a:p>
+            <a:fld id="{0F4944E9-F7AB-A543-8B3B-2D79C3BE1877}" type="slidenum">
+              <a:rPr lang="en-US" smtClean="0"/>
+              <a:t>4</a:t>
+            </a:fld>
+            <a:endParaRPr lang="en-US"/>
+          </a:p>
+        </p:txBody>
+      </p:sp>
+    </p:spTree>
+    <p:extLst>
+      <p:ext uri="{BB962C8B-B14F-4D97-AF65-F5344CB8AC3E}">
+        <p14:creationId xmlns:p14="http://schemas.microsoft.com/office/powerpoint/2010/main" val="30986240"/>
+      </p:ext>
+    </p:extLst>
+  </p:cSld>
+  <p:clrMapOvr>
+    <a:masterClrMapping/>
+  </p:clrMapOvr>
+</p:notes>
+</file>
+
+<file path=ppt/notesSlides/notesSlide4.xml><?xml version="1.0" encoding="utf-8"?>
+<p:notes xmlns:a="http://schemas.openxmlformats.org/drawingml/2006/main" xmlns:r="http://schemas.openxmlformats.org/officeDocument/2006/relationships" xmlns:p="http://schemas.openxmlformats.org/presentationml/2006/main">
+  <p:cSld>
+    <p:spTree>
+      <p:nvGrpSpPr>
+        <p:cNvPr id="1" name=""/>
+        <p:cNvGrpSpPr/>
+        <p:nvPr/>
+      </p:nvGrpSpPr>
+      <p:grpSpPr>
+        <a:xfrm>
+          <a:off x="0" y="0"/>
+          <a:ext cx="0" cy="0"/>
+          <a:chOff x="0" y="0"/>
+          <a:chExt cx="0" cy="0"/>
+        </a:xfrm>
+      </p:grpSpPr>
+      <p:sp>
+        <p:nvSpPr>
+          <p:cNvPr id="2" name="Slide Image Placeholder 1"/>
+          <p:cNvSpPr>
+            <a:spLocks noGrp="1" noRot="1" noChangeAspect="1"/>
+          </p:cNvSpPr>
+          <p:nvPr>
+            <p:ph type="sldImg"/>
+          </p:nvPr>
+        </p:nvSpPr>
+        <p:spPr/>
+      </p:sp>
+      <p:sp>
+        <p:nvSpPr>
+          <p:cNvPr id="3" name="Notes Placeholder 2"/>
+          <p:cNvSpPr>
+            <a:spLocks noGrp="1"/>
+          </p:cNvSpPr>
+          <p:nvPr>
+            <p:ph type="body" idx="1"/>
+          </p:nvPr>
+        </p:nvSpPr>
+        <p:spPr/>
+        <p:txBody>
+          <a:bodyPr/>
+          <a:lstStyle/>
+          <a:p>
+            <a:pPr marL="228600" indent="-228600">
+              <a:buFont typeface="+mj-lt"/>
+              <a:buAutoNum type="arabicPeriod"/>
+            </a:pPr>
+            <a:r>
+              <a:rPr lang="en-US" dirty="0" smtClean="0"/>
+              <a:t>Pull Twitter Data: Pretty straightforward from Twitter</a:t>
+            </a:r>
+            <a:r>
+              <a:rPr lang="en-US" baseline="0" dirty="0" smtClean="0"/>
+              <a:t> API</a:t>
+            </a:r>
+          </a:p>
+          <a:p>
+            <a:pPr marL="685800" lvl="1" indent="-228600">
+              <a:buFont typeface="Arial"/>
+              <a:buChar char="•"/>
+            </a:pPr>
+            <a:r>
+              <a:rPr lang="en-US" baseline="0" dirty="0" smtClean="0"/>
+              <a:t>Downloaded </a:t>
+            </a:r>
+            <a:r>
+              <a:rPr lang="en-US" baseline="0" dirty="0" err="1" smtClean="0"/>
+              <a:t>appx</a:t>
+            </a:r>
+            <a:r>
+              <a:rPr lang="en-US" baseline="0" dirty="0" smtClean="0"/>
+              <a:t> 10,000,000 tweets</a:t>
+            </a:r>
+          </a:p>
+          <a:p>
+            <a:pPr marL="228600" indent="-228600">
+              <a:buFont typeface="+mj-lt"/>
+              <a:buAutoNum type="arabicPeriod"/>
+            </a:pPr>
+            <a:r>
+              <a:rPr lang="en-US" baseline="0" dirty="0" smtClean="0"/>
+              <a:t>Subset to tweets </a:t>
+            </a:r>
+          </a:p>
+          <a:p>
+            <a:pPr marL="685800" lvl="1" indent="-228600">
+              <a:buFont typeface="Arial"/>
+              <a:buChar char="•"/>
+            </a:pPr>
+            <a:r>
+              <a:rPr lang="en-US" baseline="0" dirty="0" smtClean="0"/>
+              <a:t>English</a:t>
+            </a:r>
+          </a:p>
+          <a:p>
+            <a:pPr marL="685800" lvl="1" indent="-228600">
+              <a:buFont typeface="Arial"/>
+              <a:buChar char="•"/>
+            </a:pPr>
+            <a:r>
+              <a:rPr lang="en-US" baseline="0" dirty="0" smtClean="0"/>
+              <a:t>Has an image</a:t>
+            </a:r>
+          </a:p>
+          <a:p>
+            <a:pPr marL="685800" lvl="1" indent="-228600">
+              <a:buFont typeface="Arial"/>
+              <a:buChar char="•"/>
+            </a:pPr>
+            <a:r>
+              <a:rPr lang="en-US" baseline="0" dirty="0" smtClean="0"/>
+              <a:t>Not a retweet</a:t>
+            </a:r>
+          </a:p>
+          <a:p>
+            <a:pPr marL="685800" lvl="1" indent="-228600">
+              <a:buFont typeface="Arial"/>
+              <a:buChar char="•"/>
+            </a:pPr>
+            <a:r>
+              <a:rPr lang="en-US" baseline="0" dirty="0" smtClean="0"/>
+              <a:t>Cut down to </a:t>
+            </a:r>
+            <a:r>
+              <a:rPr lang="en-US" baseline="0" dirty="0" err="1" smtClean="0"/>
+              <a:t>appx</a:t>
+            </a:r>
+            <a:r>
+              <a:rPr lang="en-US" baseline="0" dirty="0" smtClean="0"/>
+              <a:t> 125,000</a:t>
+            </a:r>
+          </a:p>
+          <a:p>
+            <a:pPr marL="228600" lvl="0" indent="-228600">
+              <a:buFont typeface="+mj-lt"/>
+              <a:buAutoNum type="arabicPeriod"/>
+            </a:pPr>
+            <a:r>
+              <a:rPr lang="en-US" baseline="0" dirty="0" smtClean="0"/>
+              <a:t>Ascribe sentiment</a:t>
+            </a:r>
+          </a:p>
+          <a:p>
+            <a:pPr marL="685800" lvl="1" indent="-228600">
+              <a:buFont typeface="Arial"/>
+              <a:buChar char="•"/>
+            </a:pPr>
+            <a:r>
+              <a:rPr lang="en-US" baseline="0" dirty="0" smtClean="0"/>
+              <a:t>Used lexicons and VADER tool (see paper)</a:t>
+            </a:r>
+          </a:p>
+          <a:p>
+            <a:pPr marL="685800" lvl="1" indent="-228600">
+              <a:buFont typeface="Arial"/>
+              <a:buChar char="•"/>
+            </a:pPr>
+            <a:r>
+              <a:rPr lang="en-US" baseline="0" dirty="0" smtClean="0"/>
+              <a:t>Split hashtags based on combined sentiment dictionary</a:t>
+            </a:r>
+          </a:p>
+          <a:p>
+            <a:pPr marL="685800" lvl="1" indent="-228600">
+              <a:buFont typeface="Arial"/>
+              <a:buChar char="•"/>
+            </a:pPr>
+            <a:r>
+              <a:rPr lang="en-US" baseline="0" dirty="0" smtClean="0"/>
+              <a:t>Ascribed as positive/neutral/negative</a:t>
+            </a:r>
+          </a:p>
+          <a:p>
+            <a:pPr marL="228600" lvl="0" indent="-228600">
+              <a:buFont typeface="+mj-lt"/>
+              <a:buAutoNum type="arabicPeriod"/>
+            </a:pPr>
+            <a:r>
+              <a:rPr lang="en-US" baseline="0" dirty="0" smtClean="0"/>
+              <a:t>Use sentiment to build predictor</a:t>
+            </a:r>
+          </a:p>
+          <a:p>
+            <a:pPr marL="685800" lvl="1" indent="-228600">
+              <a:buFont typeface="Arial"/>
+              <a:buChar char="•"/>
+            </a:pPr>
+            <a:r>
+              <a:rPr lang="en-US" baseline="0" dirty="0" smtClean="0"/>
+              <a:t>For fun, tried a few approaches</a:t>
+            </a:r>
+          </a:p>
+          <a:p>
+            <a:pPr marL="1143000" lvl="2" indent="-228600">
+              <a:buFont typeface="Arial"/>
+              <a:buChar char="•"/>
+            </a:pPr>
+            <a:r>
+              <a:rPr lang="en-US" baseline="0" dirty="0" smtClean="0"/>
+              <a:t>Random Forest</a:t>
+            </a:r>
+          </a:p>
+          <a:p>
+            <a:pPr marL="1143000" lvl="2" indent="-228600">
+              <a:buFont typeface="Arial"/>
+              <a:buChar char="•"/>
+            </a:pPr>
+            <a:r>
+              <a:rPr lang="en-US" baseline="0" dirty="0" smtClean="0"/>
+              <a:t>Support Vector Machines</a:t>
+            </a:r>
+          </a:p>
+          <a:p>
+            <a:pPr marL="1143000" lvl="2" indent="-228600">
+              <a:buFont typeface="Arial"/>
+              <a:buChar char="•"/>
+            </a:pPr>
+            <a:r>
+              <a:rPr lang="en-US" baseline="0" dirty="0" smtClean="0"/>
+              <a:t>Multi-Layer Perceptron</a:t>
+            </a:r>
+          </a:p>
+          <a:p>
+            <a:pPr marL="1143000" lvl="2" indent="-228600">
+              <a:buFont typeface="Arial"/>
+              <a:buChar char="•"/>
+            </a:pPr>
+            <a:r>
+              <a:rPr lang="en-US" baseline="0" dirty="0" smtClean="0"/>
+              <a:t>Neural Network</a:t>
+            </a:r>
+          </a:p>
+          <a:p>
+            <a:pPr marL="228600" lvl="0" indent="-228600">
+              <a:buFont typeface="+mj-lt"/>
+              <a:buAutoNum type="arabicPeriod"/>
+            </a:pPr>
+            <a:r>
+              <a:rPr lang="en-US" baseline="0" dirty="0" smtClean="0"/>
+              <a:t>Test model</a:t>
+            </a:r>
+          </a:p>
+          <a:p>
+            <a:pPr marL="685800" lvl="1" indent="-228600">
+              <a:buFont typeface="Arial"/>
+              <a:buChar char="•"/>
+            </a:pPr>
+            <a:r>
+              <a:rPr lang="en-US" baseline="0" dirty="0" smtClean="0"/>
+              <a:t>In most cases, just tested against a test panel</a:t>
+            </a:r>
+          </a:p>
+          <a:p>
+            <a:pPr marL="685800" lvl="1" indent="-228600">
+              <a:buFont typeface="Arial"/>
+              <a:buChar char="•"/>
+            </a:pPr>
+            <a:r>
+              <a:rPr lang="en-US" baseline="0" dirty="0" smtClean="0"/>
+              <a:t>For Neural Network, also tested against </a:t>
+            </a:r>
+            <a:r>
+              <a:rPr lang="en-US" baseline="0" dirty="0" err="1" smtClean="0"/>
+              <a:t>Crowdflower</a:t>
+            </a:r>
+            <a:r>
+              <a:rPr lang="en-US" baseline="0" dirty="0" smtClean="0"/>
+              <a:t> data</a:t>
+            </a:r>
+          </a:p>
+          <a:p>
+            <a:pPr marL="228600" lvl="0" indent="-228600">
+              <a:buFont typeface="+mj-lt"/>
+              <a:buAutoNum type="arabicPeriod"/>
+            </a:pPr>
+            <a:endParaRPr lang="en-US" baseline="0" dirty="0" smtClean="0"/>
+          </a:p>
+        </p:txBody>
+      </p:sp>
+      <p:sp>
+        <p:nvSpPr>
+          <p:cNvPr id="4" name="Slide Number Placeholder 3"/>
+          <p:cNvSpPr>
+            <a:spLocks noGrp="1"/>
+          </p:cNvSpPr>
+          <p:nvPr>
+            <p:ph type="sldNum" sz="quarter" idx="10"/>
+          </p:nvPr>
+        </p:nvSpPr>
+        <p:spPr/>
+        <p:txBody>
+          <a:bodyPr/>
+          <a:lstStyle/>
+          <a:p>
+            <a:fld id="{0F4944E9-F7AB-A543-8B3B-2D79C3BE1877}" type="slidenum">
+              <a:rPr lang="en-US" smtClean="0"/>
+              <a:t>5</a:t>
+            </a:fld>
+            <a:endParaRPr lang="en-US"/>
+          </a:p>
+        </p:txBody>
+      </p:sp>
+    </p:spTree>
+    <p:extLst>
+      <p:ext uri="{BB962C8B-B14F-4D97-AF65-F5344CB8AC3E}">
+        <p14:creationId xmlns:p14="http://schemas.microsoft.com/office/powerpoint/2010/main" val="884272106"/>
+      </p:ext>
+    </p:extLst>
+  </p:cSld>
+  <p:clrMapOvr>
+    <a:masterClrMapping/>
+  </p:clrMapOvr>
+</p:notes>
+</file>
+
+<file path=ppt/notesSlides/notesSlide5.xml><?xml version="1.0" encoding="utf-8"?>
+<p:notes xmlns:a="http://schemas.openxmlformats.org/drawingml/2006/main" xmlns:r="http://schemas.openxmlformats.org/officeDocument/2006/relationships" xmlns:p="http://schemas.openxmlformats.org/presentationml/2006/main">
+  <p:cSld>
+    <p:spTree>
+      <p:nvGrpSpPr>
+        <p:cNvPr id="1" name=""/>
+        <p:cNvGrpSpPr/>
+        <p:nvPr/>
+      </p:nvGrpSpPr>
+      <p:grpSpPr>
+        <a:xfrm>
+          <a:off x="0" y="0"/>
+          <a:ext cx="0" cy="0"/>
+          <a:chOff x="0" y="0"/>
+          <a:chExt cx="0" cy="0"/>
+        </a:xfrm>
+      </p:grpSpPr>
+      <p:sp>
+        <p:nvSpPr>
+          <p:cNvPr id="2" name="Slide Image Placeholder 1"/>
+          <p:cNvSpPr>
+            <a:spLocks noGrp="1" noRot="1" noChangeAspect="1"/>
+          </p:cNvSpPr>
+          <p:nvPr>
+            <p:ph type="sldImg"/>
+          </p:nvPr>
+        </p:nvSpPr>
+        <p:spPr/>
+      </p:sp>
+      <p:sp>
+        <p:nvSpPr>
+          <p:cNvPr id="3" name="Notes Placeholder 2"/>
+          <p:cNvSpPr>
+            <a:spLocks noGrp="1"/>
+          </p:cNvSpPr>
+          <p:nvPr>
+            <p:ph type="body" idx="1"/>
+          </p:nvPr>
+        </p:nvSpPr>
+        <p:spPr/>
+        <p:txBody>
+          <a:bodyPr/>
+          <a:lstStyle/>
+          <a:p>
+            <a:r>
+              <a:rPr lang="en-US" dirty="0" smtClean="0"/>
+              <a:t>Couple</a:t>
+            </a:r>
+            <a:r>
+              <a:rPr lang="en-US" baseline="0" dirty="0" smtClean="0"/>
+              <a:t> of key choices along the way</a:t>
+            </a:r>
+          </a:p>
+          <a:p>
+            <a:pPr marL="228600" indent="-228600">
+              <a:buFont typeface="+mj-lt"/>
+              <a:buAutoNum type="arabicPeriod"/>
+            </a:pPr>
+            <a:r>
+              <a:rPr lang="en-US" baseline="0" dirty="0" smtClean="0"/>
+              <a:t>Wanted to include responses; rate limits on Twitter API prevented this</a:t>
+            </a:r>
+          </a:p>
+          <a:p>
+            <a:pPr marL="228600" indent="-228600">
+              <a:buFont typeface="+mj-lt"/>
+              <a:buAutoNum type="arabicPeriod"/>
+            </a:pPr>
+            <a:r>
+              <a:rPr lang="en-US" baseline="0" dirty="0" smtClean="0"/>
+              <a:t>Because of tricky nature of sentiment ascription – used 3 </a:t>
+            </a:r>
+            <a:r>
+              <a:rPr lang="en-US" baseline="0" dirty="0" err="1" smtClean="0"/>
+              <a:t>approches</a:t>
+            </a:r>
+            <a:endParaRPr lang="en-US" baseline="0" dirty="0" smtClean="0"/>
+          </a:p>
+          <a:p>
+            <a:pPr marL="685800" lvl="1" indent="-228600">
+              <a:buFont typeface="Arial"/>
+              <a:buChar char="•"/>
+            </a:pPr>
+            <a:r>
+              <a:rPr lang="en-US" baseline="0" dirty="0" smtClean="0"/>
+              <a:t>Only rated sentiment where all 3 agreed.</a:t>
+            </a:r>
+          </a:p>
+          <a:p>
+            <a:pPr marL="685800" lvl="1" indent="-228600">
+              <a:buFont typeface="Arial"/>
+              <a:buChar char="•"/>
+            </a:pPr>
+            <a:r>
+              <a:rPr lang="en-US" baseline="0" dirty="0" smtClean="0"/>
+              <a:t>Cut down to 70,000 images (only 5,000 negative)</a:t>
+            </a:r>
+          </a:p>
+          <a:p>
+            <a:pPr marL="228600" lvl="0" indent="-228600">
+              <a:buFont typeface="+mj-lt"/>
+              <a:buAutoNum type="arabicPeriod"/>
+            </a:pPr>
+            <a:r>
+              <a:rPr lang="en-US" baseline="0" dirty="0" smtClean="0"/>
+              <a:t>Some images repeated – in some cases a lot</a:t>
+            </a:r>
+          </a:p>
+          <a:p>
+            <a:pPr marL="685800" lvl="1" indent="-228600">
+              <a:buFont typeface="Arial"/>
+              <a:buChar char="•"/>
+            </a:pPr>
+            <a:r>
+              <a:rPr lang="en-US" baseline="0" dirty="0" smtClean="0"/>
+              <a:t>De-duped</a:t>
+            </a:r>
+          </a:p>
+          <a:p>
+            <a:pPr marL="685800" lvl="1" indent="-228600">
+              <a:buFont typeface="Arial"/>
+              <a:buChar char="•"/>
+            </a:pPr>
+            <a:r>
+              <a:rPr lang="en-US" baseline="0" dirty="0" smtClean="0"/>
+              <a:t>If less than 80% agreement, discarded from usable image</a:t>
+            </a:r>
+          </a:p>
+          <a:p>
+            <a:pPr marL="228600" lvl="0" indent="-228600">
+              <a:buFont typeface="+mj-lt"/>
+              <a:buAutoNum type="arabicPeriod"/>
+            </a:pPr>
+            <a:r>
+              <a:rPr lang="en-US" baseline="0" dirty="0" smtClean="0"/>
+              <a:t>Actually building Neural Net</a:t>
+            </a:r>
+          </a:p>
+          <a:p>
+            <a:pPr marL="685800" lvl="1" indent="-228600">
+              <a:buFont typeface="+mj-lt"/>
+              <a:buAutoNum type="arabicPeriod"/>
+            </a:pPr>
+            <a:r>
+              <a:rPr lang="en-US" baseline="0" dirty="0" smtClean="0"/>
+              <a:t>Misery of </a:t>
+            </a:r>
+            <a:r>
+              <a:rPr lang="en-US" baseline="0" dirty="0" err="1" smtClean="0"/>
+              <a:t>Theano</a:t>
+            </a:r>
+            <a:endParaRPr lang="en-US" dirty="0"/>
+          </a:p>
+        </p:txBody>
+      </p:sp>
+      <p:sp>
+        <p:nvSpPr>
+          <p:cNvPr id="4" name="Slide Number Placeholder 3"/>
+          <p:cNvSpPr>
+            <a:spLocks noGrp="1"/>
+          </p:cNvSpPr>
+          <p:nvPr>
+            <p:ph type="sldNum" sz="quarter" idx="10"/>
+          </p:nvPr>
+        </p:nvSpPr>
+        <p:spPr/>
+        <p:txBody>
+          <a:bodyPr/>
+          <a:lstStyle/>
+          <a:p>
+            <a:fld id="{0F4944E9-F7AB-A543-8B3B-2D79C3BE1877}" type="slidenum">
+              <a:rPr lang="en-US" smtClean="0"/>
+              <a:t>6</a:t>
+            </a:fld>
+            <a:endParaRPr lang="en-US"/>
+          </a:p>
+        </p:txBody>
+      </p:sp>
+    </p:spTree>
+    <p:extLst>
+      <p:ext uri="{BB962C8B-B14F-4D97-AF65-F5344CB8AC3E}">
+        <p14:creationId xmlns:p14="http://schemas.microsoft.com/office/powerpoint/2010/main" val="630864137"/>
+      </p:ext>
+    </p:extLst>
+  </p:cSld>
+  <p:clrMapOvr>
+    <a:masterClrMapping/>
+  </p:clrMapOvr>
+</p:notes>
+</file>
+
+<file path=ppt/notesSlides/notesSlide6.xml><?xml version="1.0" encoding="utf-8"?>
+<p:notes xmlns:a="http://schemas.openxmlformats.org/drawingml/2006/main" xmlns:r="http://schemas.openxmlformats.org/officeDocument/2006/relationships" xmlns:p="http://schemas.openxmlformats.org/presentationml/2006/main">
+  <p:cSld>
+    <p:spTree>
+      <p:nvGrpSpPr>
+        <p:cNvPr id="1" name=""/>
+        <p:cNvGrpSpPr/>
+        <p:nvPr/>
+      </p:nvGrpSpPr>
+      <p:grpSpPr>
+        <a:xfrm>
+          <a:off x="0" y="0"/>
+          <a:ext cx="0" cy="0"/>
+          <a:chOff x="0" y="0"/>
+          <a:chExt cx="0" cy="0"/>
+        </a:xfrm>
+      </p:grpSpPr>
+      <p:sp>
+        <p:nvSpPr>
+          <p:cNvPr id="2" name="Slide Image Placeholder 1"/>
+          <p:cNvSpPr>
+            <a:spLocks noGrp="1" noRot="1" noChangeAspect="1"/>
+          </p:cNvSpPr>
+          <p:nvPr>
+            <p:ph type="sldImg"/>
+          </p:nvPr>
+        </p:nvSpPr>
+        <p:spPr/>
+      </p:sp>
+      <p:sp>
+        <p:nvSpPr>
+          <p:cNvPr id="3" name="Notes Placeholder 2"/>
+          <p:cNvSpPr>
+            <a:spLocks noGrp="1"/>
+          </p:cNvSpPr>
+          <p:nvPr>
+            <p:ph type="body" idx="1"/>
+          </p:nvPr>
+        </p:nvSpPr>
+        <p:spPr/>
+        <p:txBody>
+          <a:bodyPr/>
+          <a:lstStyle/>
+          <a:p>
+            <a:r>
+              <a:rPr lang="en-US" dirty="0" smtClean="0"/>
+              <a:t>Basically,</a:t>
+            </a:r>
+            <a:r>
+              <a:rPr lang="en-US" baseline="0" dirty="0" smtClean="0"/>
+              <a:t> no different from chance</a:t>
+            </a:r>
+          </a:p>
+          <a:p>
+            <a:endParaRPr lang="en-US" baseline="0" dirty="0" smtClean="0"/>
+          </a:p>
+          <a:p>
+            <a:r>
+              <a:rPr lang="en-US" baseline="0" dirty="0" smtClean="0"/>
+              <a:t>Neural Net was better @39 % but, really, at 39%, who cares?</a:t>
+            </a:r>
+            <a:endParaRPr lang="en-US" dirty="0"/>
+          </a:p>
+        </p:txBody>
+      </p:sp>
+      <p:sp>
+        <p:nvSpPr>
+          <p:cNvPr id="4" name="Slide Number Placeholder 3"/>
+          <p:cNvSpPr>
+            <a:spLocks noGrp="1"/>
+          </p:cNvSpPr>
+          <p:nvPr>
+            <p:ph type="sldNum" sz="quarter" idx="10"/>
+          </p:nvPr>
+        </p:nvSpPr>
+        <p:spPr/>
+        <p:txBody>
+          <a:bodyPr/>
+          <a:lstStyle/>
+          <a:p>
+            <a:fld id="{0F4944E9-F7AB-A543-8B3B-2D79C3BE1877}" type="slidenum">
+              <a:rPr lang="en-US" smtClean="0"/>
+              <a:t>7</a:t>
+            </a:fld>
+            <a:endParaRPr lang="en-US"/>
+          </a:p>
+        </p:txBody>
+      </p:sp>
+    </p:spTree>
+    <p:extLst>
+      <p:ext uri="{BB962C8B-B14F-4D97-AF65-F5344CB8AC3E}">
+        <p14:creationId xmlns:p14="http://schemas.microsoft.com/office/powerpoint/2010/main" val="1150997252"/>
+      </p:ext>
+    </p:extLst>
+  </p:cSld>
+  <p:clrMapOvr>
+    <a:masterClrMapping/>
+  </p:clrMapOvr>
+</p:notes>
+</file>
+
+<file path=ppt/notesSlides/notesSlide7.xml><?xml version="1.0" encoding="utf-8"?>
+<p:notes xmlns:a="http://schemas.openxmlformats.org/drawingml/2006/main" xmlns:r="http://schemas.openxmlformats.org/officeDocument/2006/relationships" xmlns:p="http://schemas.openxmlformats.org/presentationml/2006/main">
+  <p:cSld>
+    <p:spTree>
+      <p:nvGrpSpPr>
+        <p:cNvPr id="1" name=""/>
+        <p:cNvGrpSpPr/>
+        <p:nvPr/>
+      </p:nvGrpSpPr>
+      <p:grpSpPr>
+        <a:xfrm>
+          <a:off x="0" y="0"/>
+          <a:ext cx="0" cy="0"/>
+          <a:chOff x="0" y="0"/>
+          <a:chExt cx="0" cy="0"/>
+        </a:xfrm>
+      </p:grpSpPr>
+      <p:sp>
+        <p:nvSpPr>
+          <p:cNvPr id="2" name="Slide Image Placeholder 1"/>
+          <p:cNvSpPr>
+            <a:spLocks noGrp="1" noRot="1" noChangeAspect="1"/>
+          </p:cNvSpPr>
+          <p:nvPr>
+            <p:ph type="sldImg"/>
+          </p:nvPr>
+        </p:nvSpPr>
+        <p:spPr/>
+      </p:sp>
+      <p:sp>
+        <p:nvSpPr>
+          <p:cNvPr id="3" name="Notes Placeholder 2"/>
+          <p:cNvSpPr>
+            <a:spLocks noGrp="1"/>
+          </p:cNvSpPr>
+          <p:nvPr>
+            <p:ph type="body" idx="1"/>
+          </p:nvPr>
+        </p:nvSpPr>
+        <p:spPr/>
+        <p:txBody>
+          <a:bodyPr/>
+          <a:lstStyle/>
+          <a:p>
+            <a:r>
+              <a:rPr lang="en-US" dirty="0" smtClean="0"/>
+              <a:t>Interesting question is why</a:t>
+            </a:r>
+          </a:p>
+          <a:p>
+            <a:endParaRPr lang="en-US" dirty="0" smtClean="0"/>
+          </a:p>
+          <a:p>
+            <a:r>
+              <a:rPr lang="en-US" dirty="0" smtClean="0"/>
+              <a:t>Literature</a:t>
+            </a:r>
+            <a:r>
+              <a:rPr lang="en-US" baseline="0" dirty="0" smtClean="0"/>
+              <a:t> showed good results from similar approaches to mine, using Flicker or Instagram data</a:t>
+            </a:r>
+          </a:p>
+          <a:p>
+            <a:endParaRPr lang="en-US" baseline="0" dirty="0" smtClean="0"/>
+          </a:p>
+          <a:p>
+            <a:r>
+              <a:rPr lang="en-US" baseline="0" dirty="0" smtClean="0"/>
+              <a:t>Jury-rigged CNN still worked well on </a:t>
+            </a:r>
+            <a:r>
+              <a:rPr lang="en-US" baseline="0" dirty="0" err="1" smtClean="0"/>
+              <a:t>Crowdflower</a:t>
+            </a:r>
+            <a:r>
+              <a:rPr lang="en-US" baseline="0" dirty="0" smtClean="0"/>
+              <a:t> data</a:t>
+            </a:r>
+          </a:p>
+          <a:p>
+            <a:endParaRPr lang="en-US" baseline="0" dirty="0" smtClean="0"/>
+          </a:p>
+          <a:p>
+            <a:r>
+              <a:rPr lang="en-US" baseline="0" dirty="0" smtClean="0"/>
+              <a:t>Problem is likely with how nature of twitter messages:</a:t>
+            </a:r>
+          </a:p>
+          <a:p>
+            <a:r>
+              <a:rPr lang="en-US" baseline="0" dirty="0" smtClean="0"/>
+              <a:t>	- Text is not an image label</a:t>
+            </a:r>
+          </a:p>
+          <a:p>
+            <a:r>
+              <a:rPr lang="en-US" baseline="0" dirty="0" smtClean="0"/>
+              <a:t>	- Text interacts with image to create an effect</a:t>
+            </a:r>
+          </a:p>
+          <a:p>
+            <a:r>
+              <a:rPr lang="en-US" baseline="0" dirty="0" smtClean="0"/>
+              <a:t>	- Lots of advertising</a:t>
+            </a:r>
+          </a:p>
+          <a:p>
+            <a:endParaRPr lang="en-US" baseline="0" dirty="0" smtClean="0"/>
+          </a:p>
+          <a:p>
+            <a:r>
+              <a:rPr lang="en-US" baseline="0" dirty="0" smtClean="0"/>
+              <a:t>Solutions?</a:t>
+            </a:r>
+          </a:p>
+          <a:p>
+            <a:r>
+              <a:rPr lang="en-US" baseline="0" dirty="0" smtClean="0"/>
+              <a:t>	- Better pre-processing?</a:t>
+            </a:r>
+          </a:p>
+          <a:p>
+            <a:r>
+              <a:rPr lang="en-US" baseline="0" dirty="0" smtClean="0"/>
+              <a:t>		- Find a way to remove ads?</a:t>
+            </a:r>
+          </a:p>
+          <a:p>
+            <a:r>
+              <a:rPr lang="en-US" baseline="0" dirty="0" smtClean="0"/>
+              <a:t>	- Custom</a:t>
+            </a:r>
+            <a:r>
+              <a:rPr lang="en-US" baseline="0" smtClean="0"/>
+              <a:t>-trained CNN?</a:t>
+            </a:r>
+            <a:endParaRPr lang="en-US" baseline="0" dirty="0" smtClean="0"/>
+          </a:p>
+          <a:p>
+            <a:r>
+              <a:rPr lang="en-US" baseline="0" dirty="0" smtClean="0"/>
+              <a:t>		</a:t>
+            </a:r>
+          </a:p>
+        </p:txBody>
+      </p:sp>
+      <p:sp>
+        <p:nvSpPr>
+          <p:cNvPr id="4" name="Slide Number Placeholder 3"/>
+          <p:cNvSpPr>
+            <a:spLocks noGrp="1"/>
+          </p:cNvSpPr>
+          <p:nvPr>
+            <p:ph type="sldNum" sz="quarter" idx="10"/>
+          </p:nvPr>
+        </p:nvSpPr>
+        <p:spPr/>
+        <p:txBody>
+          <a:bodyPr/>
+          <a:lstStyle/>
+          <a:p>
+            <a:fld id="{0F4944E9-F7AB-A543-8B3B-2D79C3BE1877}" type="slidenum">
+              <a:rPr lang="en-US" smtClean="0"/>
+              <a:t>8</a:t>
+            </a:fld>
+            <a:endParaRPr lang="en-US"/>
+          </a:p>
+        </p:txBody>
+      </p:sp>
+    </p:spTree>
+    <p:extLst>
+      <p:ext uri="{BB962C8B-B14F-4D97-AF65-F5344CB8AC3E}">
+        <p14:creationId xmlns:p14="http://schemas.microsoft.com/office/powerpoint/2010/main" val="2450825463"/>
+      </p:ext>
+    </p:extLst>
+  </p:cSld>
+  <p:clrMapOvr>
+    <a:masterClrMapping/>
+  </p:clrMapOvr>
+</p:notes>
+</file>
+
 <file path=ppt/slideLayouts/slideLayout1.xml><?xml version="1.0" encoding="utf-8"?>
 <p:sldLayout xmlns:a="http://schemas.openxmlformats.org/drawingml/2006/main" xmlns:r="http://schemas.openxmlformats.org/officeDocument/2006/relationships" xmlns:p="http://schemas.openxmlformats.org/presentationml/2006/main" showMasterSp="0" type="title" preserve="1">
   <p:cSld name="Title Slide">
@@ -8136,8 +9757,11 @@
           <a:p>
             <a:r>
               <a:rPr lang="en-US" dirty="0" smtClean="0"/>
-              <a:t>Image </a:t>
-            </a:r>
+              <a:t>Twitter Image </a:t>
+            </a:r>
+            <a:br>
+              <a:rPr lang="en-US" dirty="0" smtClean="0"/>
+            </a:br>
             <a:r>
               <a:rPr lang="en-US" dirty="0" smtClean="0"/>
               <a:t>Sentiment Analysis</a:t>
@@ -8156,6 +9780,25 @@
   <p:clrMapOvr>
     <a:masterClrMapping/>
   </p:clrMapOvr>
+  <mc:AlternateContent xmlns:mc="http://schemas.openxmlformats.org/markup-compatibility/2006">
+    <mc:Choice xmlns:p14="http://schemas.microsoft.com/office/powerpoint/2010/main" Requires="p14">
+      <p:transition spd="med" p14:dur="700">
+        <p:fade/>
+      </p:transition>
+    </mc:Choice>
+    <mc:Fallback>
+      <p:transition xmlns:p14="http://schemas.microsoft.com/office/powerpoint/2010/main" spd="med">
+        <p:fade/>
+      </p:transition>
+    </mc:Fallback>
+  </mc:AlternateContent>
+  <p:timing>
+    <p:tnLst>
+      <p:par>
+        <p:cTn xmlns:p14="http://schemas.microsoft.com/office/powerpoint/2010/main" id="1" dur="indefinite" restart="never" nodeType="tmRoot"/>
+      </p:par>
+    </p:tnLst>
+  </p:timing>
 </p:sld>
 </file>
 
@@ -8195,7 +9838,7 @@
           <a:p>
             <a:r>
               <a:rPr lang="en-US" dirty="0" smtClean="0"/>
-              <a:t>Text Sentiment ≠ Tweet Sentiment</a:t>
+              <a:t>Using Images to Understand Tweets</a:t>
             </a:r>
             <a:endParaRPr lang="en-US" dirty="0"/>
           </a:p>
@@ -8218,11 +9861,11 @@
           <a:p>
             <a:r>
               <a:rPr lang="en-US" b="1" dirty="0" smtClean="0"/>
-              <a:t>Goal</a:t>
+              <a:t>Issue</a:t>
             </a:r>
             <a:r>
               <a:rPr lang="en-US" dirty="0" smtClean="0"/>
-              <a:t>: To better understand tweet sentiment</a:t>
+              <a:t>: Social media has become image-centric; can’t only rely on text</a:t>
             </a:r>
           </a:p>
           <a:p>
@@ -8232,7 +9875,7 @@
             </a:r>
             <a:r>
               <a:rPr lang="en-US" dirty="0" smtClean="0"/>
-              <a:t> Tweets are not just text</a:t>
+              <a:t> Hard to score image sentiment automatically</a:t>
             </a:r>
           </a:p>
           <a:p>
@@ -8242,7 +9885,7 @@
             </a:r>
             <a:r>
               <a:rPr lang="en-US" dirty="0" smtClean="0"/>
-              <a:t>: can we build an image sentiment classifier based on tweet data?</a:t>
+              <a:t>: can we build an image sentiment classifier relying on images in Twitter data?</a:t>
             </a:r>
             <a:endParaRPr lang="en-US" b="1" dirty="0"/>
           </a:p>
@@ -8259,7 +9902,7 @@
           </p:nvPr>
         </p:nvPicPr>
         <p:blipFill>
-          <a:blip r:embed="rId2">
+          <a:blip r:embed="rId3">
             <a:extLst>
               <a:ext uri="{28A0092B-C50C-407E-A947-70E740481C1C}">
                 <a14:useLocalDpi xmlns:a14="http://schemas.microsoft.com/office/drawing/2010/main" val="0"/>
@@ -8283,6 +9926,248 @@
   <p:clrMapOvr>
     <a:masterClrMapping/>
   </p:clrMapOvr>
+  <mc:AlternateContent xmlns:mc="http://schemas.openxmlformats.org/markup-compatibility/2006">
+    <mc:Choice xmlns:p14="http://schemas.microsoft.com/office/powerpoint/2010/main" Requires="p14">
+      <p:transition spd="med" p14:dur="700">
+        <p:fade/>
+      </p:transition>
+    </mc:Choice>
+    <mc:Fallback>
+      <p:transition xmlns:p14="http://schemas.microsoft.com/office/powerpoint/2010/main" spd="med">
+        <p:fade/>
+      </p:transition>
+    </mc:Fallback>
+  </mc:AlternateContent>
+  <p:timing>
+    <p:tnLst>
+      <p:par>
+        <p:cTn xmlns:p14="http://schemas.microsoft.com/office/powerpoint/2010/main" id="1" dur="indefinite" restart="never" nodeType="tmRoot">
+          <p:childTnLst>
+            <p:seq concurrent="1" nextAc="seek">
+              <p:cTn id="2" dur="indefinite" nodeType="mainSeq">
+                <p:childTnLst>
+                  <p:par>
+                    <p:cTn id="3" fill="hold">
+                      <p:stCondLst>
+                        <p:cond delay="indefinite"/>
+                      </p:stCondLst>
+                      <p:childTnLst>
+                        <p:par>
+                          <p:cTn id="4" fill="hold">
+                            <p:stCondLst>
+                              <p:cond delay="0"/>
+                            </p:stCondLst>
+                            <p:childTnLst>
+                              <p:par>
+                                <p:cTn id="5" presetID="1" presetClass="entr" presetSubtype="0" fill="hold" nodeType="clickEffect">
+                                  <p:stCondLst>
+                                    <p:cond delay="0"/>
+                                  </p:stCondLst>
+                                  <p:childTnLst>
+                                    <p:set>
+                                      <p:cBhvr>
+                                        <p:cTn id="6" dur="1" fill="hold">
+                                          <p:stCondLst>
+                                            <p:cond delay="0"/>
+                                          </p:stCondLst>
+                                        </p:cTn>
+                                        <p:tgtEl>
+                                          <p:spTgt spid="7">
+                                            <p:txEl>
+                                              <p:pRg st="0" end="0"/>
+                                            </p:txEl>
+                                          </p:spTgt>
+                                        </p:tgtEl>
+                                        <p:attrNameLst>
+                                          <p:attrName>style.visibility</p:attrName>
+                                        </p:attrNameLst>
+                                      </p:cBhvr>
+                                      <p:to>
+                                        <p:strVal val="visible"/>
+                                      </p:to>
+                                    </p:set>
+                                  </p:childTnLst>
+                                </p:cTn>
+                              </p:par>
+                            </p:childTnLst>
+                          </p:cTn>
+                        </p:par>
+                      </p:childTnLst>
+                    </p:cTn>
+                  </p:par>
+                  <p:par>
+                    <p:cTn id="7" fill="hold">
+                      <p:stCondLst>
+                        <p:cond delay="indefinite"/>
+                      </p:stCondLst>
+                      <p:childTnLst>
+                        <p:par>
+                          <p:cTn id="8" fill="hold">
+                            <p:stCondLst>
+                              <p:cond delay="0"/>
+                            </p:stCondLst>
+                            <p:childTnLst>
+                              <p:par>
+                                <p:cTn id="9" presetID="1" presetClass="entr" presetSubtype="0" fill="hold" nodeType="clickEffect">
+                                  <p:stCondLst>
+                                    <p:cond delay="0"/>
+                                  </p:stCondLst>
+                                  <p:childTnLst>
+                                    <p:set>
+                                      <p:cBhvr>
+                                        <p:cTn id="10" dur="1" fill="hold">
+                                          <p:stCondLst>
+                                            <p:cond delay="0"/>
+                                          </p:stCondLst>
+                                        </p:cTn>
+                                        <p:tgtEl>
+                                          <p:spTgt spid="7">
+                                            <p:txEl>
+                                              <p:pRg st="1" end="1"/>
+                                            </p:txEl>
+                                          </p:spTgt>
+                                        </p:tgtEl>
+                                        <p:attrNameLst>
+                                          <p:attrName>style.visibility</p:attrName>
+                                        </p:attrNameLst>
+                                      </p:cBhvr>
+                                      <p:to>
+                                        <p:strVal val="visible"/>
+                                      </p:to>
+                                    </p:set>
+                                  </p:childTnLst>
+                                </p:cTn>
+                              </p:par>
+                            </p:childTnLst>
+                          </p:cTn>
+                        </p:par>
+                      </p:childTnLst>
+                    </p:cTn>
+                  </p:par>
+                  <p:par>
+                    <p:cTn id="11" fill="hold">
+                      <p:stCondLst>
+                        <p:cond delay="indefinite"/>
+                      </p:stCondLst>
+                      <p:childTnLst>
+                        <p:par>
+                          <p:cTn id="12" fill="hold">
+                            <p:stCondLst>
+                              <p:cond delay="0"/>
+                            </p:stCondLst>
+                            <p:childTnLst>
+                              <p:par>
+                                <p:cTn id="13" presetID="9" presetClass="entr" presetSubtype="0" fill="hold" nodeType="clickEffect">
+                                  <p:stCondLst>
+                                    <p:cond delay="0"/>
+                                  </p:stCondLst>
+                                  <p:childTnLst>
+                                    <p:set>
+                                      <p:cBhvr>
+                                        <p:cTn id="14" dur="1" fill="hold">
+                                          <p:stCondLst>
+                                            <p:cond delay="0"/>
+                                          </p:stCondLst>
+                                        </p:cTn>
+                                        <p:tgtEl>
+                                          <p:spTgt spid="3"/>
+                                        </p:tgtEl>
+                                        <p:attrNameLst>
+                                          <p:attrName>style.visibility</p:attrName>
+                                        </p:attrNameLst>
+                                      </p:cBhvr>
+                                      <p:to>
+                                        <p:strVal val="visible"/>
+                                      </p:to>
+                                    </p:set>
+                                    <p:animEffect transition="in" filter="dissolve">
+                                      <p:cBhvr>
+                                        <p:cTn id="15" dur="500"/>
+                                        <p:tgtEl>
+                                          <p:spTgt spid="3"/>
+                                        </p:tgtEl>
+                                      </p:cBhvr>
+                                    </p:animEffect>
+                                  </p:childTnLst>
+                                </p:cTn>
+                              </p:par>
+                            </p:childTnLst>
+                          </p:cTn>
+                        </p:par>
+                      </p:childTnLst>
+                    </p:cTn>
+                  </p:par>
+                  <p:par>
+                    <p:cTn id="16" fill="hold">
+                      <p:stCondLst>
+                        <p:cond delay="indefinite"/>
+                      </p:stCondLst>
+                      <p:childTnLst>
+                        <p:par>
+                          <p:cTn id="17" fill="hold">
+                            <p:stCondLst>
+                              <p:cond delay="0"/>
+                            </p:stCondLst>
+                            <p:childTnLst>
+                              <p:par>
+                                <p:cTn id="18" presetID="1" presetClass="entr" presetSubtype="0" fill="hold" nodeType="clickEffect">
+                                  <p:stCondLst>
+                                    <p:cond delay="0"/>
+                                  </p:stCondLst>
+                                  <p:childTnLst>
+                                    <p:set>
+                                      <p:cBhvr>
+                                        <p:cTn id="19" dur="1" fill="hold">
+                                          <p:stCondLst>
+                                            <p:cond delay="0"/>
+                                          </p:stCondLst>
+                                        </p:cTn>
+                                        <p:tgtEl>
+                                          <p:spTgt spid="7">
+                                            <p:txEl>
+                                              <p:pRg st="2" end="2"/>
+                                            </p:txEl>
+                                          </p:spTgt>
+                                        </p:tgtEl>
+                                        <p:attrNameLst>
+                                          <p:attrName>style.visibility</p:attrName>
+                                        </p:attrNameLst>
+                                      </p:cBhvr>
+                                      <p:to>
+                                        <p:strVal val="visible"/>
+                                      </p:to>
+                                    </p:set>
+                                  </p:childTnLst>
+                                </p:cTn>
+                              </p:par>
+                            </p:childTnLst>
+                          </p:cTn>
+                        </p:par>
+                      </p:childTnLst>
+                    </p:cTn>
+                  </p:par>
+                </p:childTnLst>
+              </p:cTn>
+              <p:prevCondLst>
+                <p:cond evt="onPrev" delay="0">
+                  <p:tgtEl>
+                    <p:sldTgt/>
+                  </p:tgtEl>
+                </p:cond>
+              </p:prevCondLst>
+              <p:nextCondLst>
+                <p:cond evt="onNext" delay="0">
+                  <p:tgtEl>
+                    <p:sldTgt/>
+                  </p:tgtEl>
+                </p:cond>
+              </p:nextCondLst>
+            </p:seq>
+          </p:childTnLst>
+        </p:cTn>
+      </p:par>
+    </p:tnLst>
+  </p:timing>
 </p:sld>
 </file>
 
@@ -8315,12 +10200,14 @@
         </p:nvSpPr>
         <p:spPr/>
         <p:txBody>
-          <a:bodyPr/>
+          <a:bodyPr>
+            <a:normAutofit fontScale="90000"/>
+          </a:bodyPr>
           <a:lstStyle/>
           <a:p>
             <a:r>
               <a:rPr lang="en-US" dirty="0" smtClean="0"/>
-              <a:t>Literature Review</a:t>
+              <a:t>Literature Review – Main Lessons</a:t>
             </a:r>
             <a:endParaRPr lang="en-US" dirty="0"/>
           </a:p>
@@ -8338,12 +10225,14 @@
         </p:nvSpPr>
         <p:spPr/>
         <p:txBody>
-          <a:bodyPr/>
+          <a:bodyPr>
+            <a:normAutofit fontScale="92500" lnSpcReduction="10000"/>
+          </a:bodyPr>
           <a:lstStyle/>
           <a:p>
             <a:r>
               <a:rPr lang="en-US" dirty="0" smtClean="0"/>
-              <a:t>Twitter Text Sentiment</a:t>
+              <a:t>DETERMINING image sentiment</a:t>
             </a:r>
             <a:endParaRPr lang="en-US" dirty="0"/>
           </a:p>
@@ -8367,34 +10256,17 @@
           <a:lstStyle/>
           <a:p>
             <a:r>
-              <a:rPr lang="en-US" dirty="0" smtClean="0"/>
-              <a:t>Attributing sentiment is tricky</a:t>
-            </a:r>
-          </a:p>
-          <a:p>
-            <a:pPr lvl="1"/>
-            <a:r>
-              <a:rPr lang="en-US" dirty="0" smtClean="0"/>
-              <a:t>Short messages</a:t>
-            </a:r>
-          </a:p>
-          <a:p>
-            <a:pPr lvl="1"/>
-            <a:r>
-              <a:rPr lang="en-US" dirty="0" smtClean="0"/>
-              <a:t>Use of unconventional grammar &amp; slang</a:t>
-            </a:r>
-          </a:p>
-          <a:p>
-            <a:r>
-              <a:rPr lang="en-US" dirty="0" smtClean="0"/>
-              <a:t>Approaches tend to be lexicon-based</a:t>
-            </a:r>
-          </a:p>
-          <a:p>
-            <a:pPr marL="118872" indent="0">
-              <a:buNone/>
-            </a:pPr>
+              <a:rPr lang="en-US" dirty="0"/>
+              <a:t>Associated text can be used to determine image sentiment</a:t>
+            </a:r>
+          </a:p>
+          <a:p>
+            <a:r>
+              <a:rPr lang="en-US" dirty="0"/>
+              <a:t>Neural Networks seem to perform better than other approaches</a:t>
+            </a:r>
+          </a:p>
+          <a:p>
             <a:endParaRPr lang="en-US" dirty="0"/>
           </a:p>
           <a:p>
@@ -8402,17 +10274,54 @@
               <a:buNone/>
             </a:pPr>
             <a:r>
-              <a:rPr lang="en-US" sz="1500" i="1" dirty="0" smtClean="0"/>
-              <a:t>-C.J. </a:t>
-            </a:r>
-            <a:r>
-              <a:rPr lang="en-US" sz="1500" i="1" dirty="0" err="1" smtClean="0"/>
-              <a:t>Hutto</a:t>
-            </a:r>
-            <a:r>
-              <a:rPr lang="en-US" sz="1500" i="1" dirty="0" smtClean="0"/>
-              <a:t> and Eric Gilbert, VADER: A Parsimonious Rule-based Model for Sentiment Analysis of Social Media Text, Association for the Advancement of Artificial Intelligence, 2014</a:t>
-            </a:r>
+              <a:rPr lang="en-US" sz="1500" i="1" dirty="0"/>
+              <a:t>- </a:t>
+            </a:r>
+            <a:r>
+              <a:rPr lang="en-US" sz="1500" i="1" dirty="0" err="1"/>
+              <a:t>Yilin</a:t>
+            </a:r>
+            <a:r>
+              <a:rPr lang="en-US" sz="1500" i="1" dirty="0"/>
+              <a:t> Wang, </a:t>
+            </a:r>
+            <a:r>
+              <a:rPr lang="en-US" sz="1500" i="1" dirty="0" err="1"/>
+              <a:t>Suhang</a:t>
+            </a:r>
+            <a:r>
+              <a:rPr lang="en-US" sz="1500" i="1" dirty="0"/>
+              <a:t> Wang, </a:t>
+            </a:r>
+            <a:r>
+              <a:rPr lang="en-US" sz="1500" i="1" dirty="0" err="1"/>
+              <a:t>Jiliang</a:t>
+            </a:r>
+            <a:r>
+              <a:rPr lang="en-US" sz="1500" i="1" dirty="0"/>
+              <a:t> Tang, </a:t>
+            </a:r>
+            <a:r>
+              <a:rPr lang="en-US" sz="1500" i="1" dirty="0" err="1"/>
+              <a:t>Huan</a:t>
+            </a:r>
+            <a:r>
+              <a:rPr lang="en-US" sz="1500" i="1" dirty="0"/>
+              <a:t> Liu and </a:t>
+            </a:r>
+            <a:r>
+              <a:rPr lang="en-US" sz="1500" i="1" dirty="0" err="1"/>
+              <a:t>Baoxin</a:t>
+            </a:r>
+            <a:r>
+              <a:rPr lang="en-US" sz="1500" i="1" dirty="0"/>
+              <a:t> Li, Unsupervised Sentiment Analysis for Social Media Images, International Joint Conference on Artificial Intelligence, 2015</a:t>
+            </a:r>
+            <a:r>
+              <a:rPr lang="en-CA" sz="1500" i="1" dirty="0"/>
+              <a:t> </a:t>
+            </a:r>
+            <a:endParaRPr lang="en-US" sz="1500" i="1" dirty="0"/>
           </a:p>
         </p:txBody>
       </p:sp>
@@ -8435,7 +10344,11 @@
           <a:p>
             <a:r>
               <a:rPr lang="en-US" dirty="0" smtClean="0"/>
-              <a:t>Social Media image sentiment</a:t>
+              <a:t>Determining Twitter </a:t>
+            </a:r>
+            <a:r>
+              <a:rPr lang="en-US" dirty="0"/>
+              <a:t>Text Sentiment</a:t>
             </a:r>
             <a:endParaRPr lang="en-US" dirty="0"/>
           </a:p>
@@ -8459,71 +10372,62 @@
           <a:lstStyle/>
           <a:p>
             <a:r>
+              <a:rPr lang="en-US" dirty="0"/>
+              <a:t>Attributing sentiment </a:t>
+            </a:r>
+            <a:r>
               <a:rPr lang="en-US" dirty="0" smtClean="0"/>
-              <a:t>Associated text can be used to determine image sentiment</a:t>
-            </a:r>
-          </a:p>
-          <a:p>
-            <a:r>
-              <a:rPr lang="en-US" dirty="0" smtClean="0"/>
-              <a:t>Neural Networks seem to perform better than other approaches</a:t>
-            </a:r>
-          </a:p>
-          <a:p>
-            <a:endParaRPr lang="en-US" dirty="0" smtClean="0"/>
+              <a:t>to tweets is </a:t>
+            </a:r>
+            <a:r>
+              <a:rPr lang="en-US" dirty="0"/>
+              <a:t>tricky</a:t>
+            </a:r>
+          </a:p>
+          <a:p>
+            <a:pPr lvl="1"/>
+            <a:r>
+              <a:rPr lang="en-US" dirty="0"/>
+              <a:t>Short messages</a:t>
+            </a:r>
+          </a:p>
+          <a:p>
+            <a:pPr lvl="1"/>
+            <a:r>
+              <a:rPr lang="en-US" dirty="0"/>
+              <a:t>Use of unconventional grammar &amp; slang</a:t>
+            </a:r>
+          </a:p>
+          <a:p>
+            <a:r>
+              <a:rPr lang="en-US" dirty="0"/>
+              <a:t>Approaches tend to be lexicon-based</a:t>
+            </a:r>
+          </a:p>
+          <a:p>
+            <a:pPr marL="118872" indent="0">
+              <a:buNone/>
+            </a:pPr>
+            <a:endParaRPr lang="en-US" dirty="0"/>
           </a:p>
           <a:p>
             <a:pPr marL="118872" indent="0" algn="r">
               <a:buNone/>
             </a:pPr>
             <a:r>
-              <a:rPr lang="en-US" sz="1500" i="1" dirty="0" smtClean="0"/>
-              <a:t>- </a:t>
+              <a:rPr lang="en-US" sz="1500" i="1" dirty="0"/>
+              <a:t>-C.J. </a:t>
             </a:r>
             <a:r>
               <a:rPr lang="en-US" sz="1500" i="1" dirty="0" err="1"/>
-              <a:t>Yilin</a:t>
+              <a:t>Hutto</a:t>
             </a:r>
             <a:r>
               <a:rPr lang="en-US" sz="1500" i="1" dirty="0"/>
-              <a:t> Wang, </a:t>
-            </a:r>
-            <a:r>
-              <a:rPr lang="en-US" sz="1500" i="1" dirty="0" err="1"/>
-              <a:t>Suhang</a:t>
-            </a:r>
-            <a:r>
-              <a:rPr lang="en-US" sz="1500" i="1" dirty="0"/>
-              <a:t> Wang, </a:t>
-            </a:r>
-            <a:r>
-              <a:rPr lang="en-US" sz="1500" i="1" dirty="0" err="1"/>
-              <a:t>Jiliang</a:t>
-            </a:r>
-            <a:r>
-              <a:rPr lang="en-US" sz="1500" i="1" dirty="0"/>
-              <a:t> Tang, </a:t>
-            </a:r>
-            <a:r>
-              <a:rPr lang="en-US" sz="1500" i="1" dirty="0" err="1"/>
-              <a:t>Huan</a:t>
-            </a:r>
-            <a:r>
-              <a:rPr lang="en-US" sz="1500" i="1" dirty="0"/>
-              <a:t> Liu and </a:t>
-            </a:r>
-            <a:r>
-              <a:rPr lang="en-US" sz="1500" i="1" dirty="0" err="1"/>
-              <a:t>Baoxin</a:t>
-            </a:r>
-            <a:r>
-              <a:rPr lang="en-US" sz="1500" i="1" dirty="0"/>
-              <a:t> Li, Unsupervised Sentiment Analysis for Social Media Images, International Joint Conference on Artificial Intelligence, 2015</a:t>
-            </a:r>
-            <a:r>
-              <a:rPr lang="en-CA" sz="1500" i="1" dirty="0"/>
-              <a:t> </a:t>
-            </a:r>
+              <a:t> and Eric Gilbert, VADER: A Parsimonious Rule-based Model for Sentiment Analysis of Social Media Text, Association for the Advancement of Artificial Intelligence, 2014</a:t>
+            </a:r>
+          </a:p>
+          <a:p>
             <a:endParaRPr lang="en-US" sz="1500" i="1" dirty="0" smtClean="0"/>
           </a:p>
         </p:txBody>
@@ -8538,6 +10442,567 @@
   <p:clrMapOvr>
     <a:masterClrMapping/>
   </p:clrMapOvr>
+  <mc:AlternateContent xmlns:mc="http://schemas.openxmlformats.org/markup-compatibility/2006">
+    <mc:Choice xmlns:p14="http://schemas.microsoft.com/office/powerpoint/2010/main" Requires="p14">
+      <p:transition spd="med" p14:dur="700">
+        <p:fade/>
+      </p:transition>
+    </mc:Choice>
+    <mc:Fallback>
+      <p:transition xmlns:p14="http://schemas.microsoft.com/office/powerpoint/2010/main" spd="med">
+        <p:fade/>
+      </p:transition>
+    </mc:Fallback>
+  </mc:AlternateContent>
+  <p:timing>
+    <p:tnLst>
+      <p:par>
+        <p:cTn xmlns:p14="http://schemas.microsoft.com/office/powerpoint/2010/main" id="1" dur="indefinite" restart="never" nodeType="tmRoot">
+          <p:childTnLst>
+            <p:seq concurrent="1" nextAc="seek">
+              <p:cTn id="2" dur="indefinite" nodeType="mainSeq">
+                <p:childTnLst>
+                  <p:par>
+                    <p:cTn id="3" fill="hold">
+                      <p:stCondLst>
+                        <p:cond delay="indefinite"/>
+                      </p:stCondLst>
+                      <p:childTnLst>
+                        <p:par>
+                          <p:cTn id="4" fill="hold">
+                            <p:stCondLst>
+                              <p:cond delay="0"/>
+                            </p:stCondLst>
+                            <p:childTnLst>
+                              <p:par>
+                                <p:cTn id="5" presetID="9" presetClass="entr" presetSubtype="0" fill="hold" grpId="0" nodeType="clickEffect">
+                                  <p:stCondLst>
+                                    <p:cond delay="0"/>
+                                  </p:stCondLst>
+                                  <p:childTnLst>
+                                    <p:set>
+                                      <p:cBhvr>
+                                        <p:cTn id="6" dur="1" fill="hold">
+                                          <p:stCondLst>
+                                            <p:cond delay="0"/>
+                                          </p:stCondLst>
+                                        </p:cTn>
+                                        <p:tgtEl>
+                                          <p:spTgt spid="6">
+                                            <p:txEl>
+                                              <p:pRg st="0" end="0"/>
+                                            </p:txEl>
+                                          </p:spTgt>
+                                        </p:tgtEl>
+                                        <p:attrNameLst>
+                                          <p:attrName>style.visibility</p:attrName>
+                                        </p:attrNameLst>
+                                      </p:cBhvr>
+                                      <p:to>
+                                        <p:strVal val="visible"/>
+                                      </p:to>
+                                    </p:set>
+                                    <p:animEffect transition="in" filter="dissolve">
+                                      <p:cBhvr>
+                                        <p:cTn id="7" dur="500"/>
+                                        <p:tgtEl>
+                                          <p:spTgt spid="6">
+                                            <p:txEl>
+                                              <p:pRg st="0" end="0"/>
+                                            </p:txEl>
+                                          </p:spTgt>
+                                        </p:tgtEl>
+                                      </p:cBhvr>
+                                    </p:animEffect>
+                                  </p:childTnLst>
+                                </p:cTn>
+                              </p:par>
+                            </p:childTnLst>
+                          </p:cTn>
+                        </p:par>
+                      </p:childTnLst>
+                    </p:cTn>
+                  </p:par>
+                  <p:par>
+                    <p:cTn id="8" fill="hold">
+                      <p:stCondLst>
+                        <p:cond delay="indefinite"/>
+                      </p:stCondLst>
+                      <p:childTnLst>
+                        <p:par>
+                          <p:cTn id="9" fill="hold">
+                            <p:stCondLst>
+                              <p:cond delay="0"/>
+                            </p:stCondLst>
+                            <p:childTnLst>
+                              <p:par>
+                                <p:cTn id="10" presetID="9" presetClass="entr" presetSubtype="0" fill="hold" grpId="0" nodeType="clickEffect">
+                                  <p:stCondLst>
+                                    <p:cond delay="0"/>
+                                  </p:stCondLst>
+                                  <p:childTnLst>
+                                    <p:set>
+                                      <p:cBhvr>
+                                        <p:cTn id="11" dur="1" fill="hold">
+                                          <p:stCondLst>
+                                            <p:cond delay="0"/>
+                                          </p:stCondLst>
+                                        </p:cTn>
+                                        <p:tgtEl>
+                                          <p:spTgt spid="8">
+                                            <p:txEl>
+                                              <p:pRg st="0" end="0"/>
+                                            </p:txEl>
+                                          </p:spTgt>
+                                        </p:tgtEl>
+                                        <p:attrNameLst>
+                                          <p:attrName>style.visibility</p:attrName>
+                                        </p:attrNameLst>
+                                      </p:cBhvr>
+                                      <p:to>
+                                        <p:strVal val="visible"/>
+                                      </p:to>
+                                    </p:set>
+                                    <p:animEffect transition="in" filter="dissolve">
+                                      <p:cBhvr>
+                                        <p:cTn id="12" dur="500"/>
+                                        <p:tgtEl>
+                                          <p:spTgt spid="8">
+                                            <p:txEl>
+                                              <p:pRg st="0" end="0"/>
+                                            </p:txEl>
+                                          </p:spTgt>
+                                        </p:tgtEl>
+                                      </p:cBhvr>
+                                    </p:animEffect>
+                                  </p:childTnLst>
+                                </p:cTn>
+                              </p:par>
+                            </p:childTnLst>
+                          </p:cTn>
+                        </p:par>
+                      </p:childTnLst>
+                    </p:cTn>
+                  </p:par>
+                  <p:par>
+                    <p:cTn id="13" fill="hold">
+                      <p:stCondLst>
+                        <p:cond delay="indefinite"/>
+                      </p:stCondLst>
+                      <p:childTnLst>
+                        <p:par>
+                          <p:cTn id="14" fill="hold">
+                            <p:stCondLst>
+                              <p:cond delay="0"/>
+                            </p:stCondLst>
+                            <p:childTnLst>
+                              <p:par>
+                                <p:cTn id="15" presetID="1" presetClass="entr" presetSubtype="0" fill="hold" grpId="0" nodeType="clickEffect">
+                                  <p:stCondLst>
+                                    <p:cond delay="0"/>
+                                  </p:stCondLst>
+                                  <p:childTnLst>
+                                    <p:set>
+                                      <p:cBhvr>
+                                        <p:cTn id="16" dur="1" fill="hold">
+                                          <p:stCondLst>
+                                            <p:cond delay="0"/>
+                                          </p:stCondLst>
+                                        </p:cTn>
+                                        <p:tgtEl>
+                                          <p:spTgt spid="7">
+                                            <p:txEl>
+                                              <p:pRg st="0" end="0"/>
+                                            </p:txEl>
+                                          </p:spTgt>
+                                        </p:tgtEl>
+                                        <p:attrNameLst>
+                                          <p:attrName>style.visibility</p:attrName>
+                                        </p:attrNameLst>
+                                      </p:cBhvr>
+                                      <p:to>
+                                        <p:strVal val="visible"/>
+                                      </p:to>
+                                    </p:set>
+                                  </p:childTnLst>
+                                </p:cTn>
+                              </p:par>
+                            </p:childTnLst>
+                          </p:cTn>
+                        </p:par>
+                      </p:childTnLst>
+                    </p:cTn>
+                  </p:par>
+                  <p:par>
+                    <p:cTn id="17" fill="hold">
+                      <p:stCondLst>
+                        <p:cond delay="indefinite"/>
+                      </p:stCondLst>
+                      <p:childTnLst>
+                        <p:par>
+                          <p:cTn id="18" fill="hold">
+                            <p:stCondLst>
+                              <p:cond delay="0"/>
+                            </p:stCondLst>
+                            <p:childTnLst>
+                              <p:par>
+                                <p:cTn id="19" presetID="1" presetClass="entr" presetSubtype="0" fill="hold" grpId="0" nodeType="clickEffect">
+                                  <p:stCondLst>
+                                    <p:cond delay="0"/>
+                                  </p:stCondLst>
+                                  <p:childTnLst>
+                                    <p:set>
+                                      <p:cBhvr>
+                                        <p:cTn id="20" dur="1" fill="hold">
+                                          <p:stCondLst>
+                                            <p:cond delay="0"/>
+                                          </p:stCondLst>
+                                        </p:cTn>
+                                        <p:tgtEl>
+                                          <p:spTgt spid="7">
+                                            <p:txEl>
+                                              <p:pRg st="1" end="1"/>
+                                            </p:txEl>
+                                          </p:spTgt>
+                                        </p:tgtEl>
+                                        <p:attrNameLst>
+                                          <p:attrName>style.visibility</p:attrName>
+                                        </p:attrNameLst>
+                                      </p:cBhvr>
+                                      <p:to>
+                                        <p:strVal val="visible"/>
+                                      </p:to>
+                                    </p:set>
+                                  </p:childTnLst>
+                                </p:cTn>
+                              </p:par>
+                            </p:childTnLst>
+                          </p:cTn>
+                        </p:par>
+                      </p:childTnLst>
+                    </p:cTn>
+                  </p:par>
+                  <p:par>
+                    <p:cTn id="21" fill="hold">
+                      <p:stCondLst>
+                        <p:cond delay="indefinite"/>
+                      </p:stCondLst>
+                      <p:childTnLst>
+                        <p:par>
+                          <p:cTn id="22" fill="hold">
+                            <p:stCondLst>
+                              <p:cond delay="0"/>
+                            </p:stCondLst>
+                            <p:childTnLst>
+                              <p:par>
+                                <p:cTn id="23" presetID="1" presetClass="entr" presetSubtype="0" fill="hold" grpId="0" nodeType="clickEffect">
+                                  <p:stCondLst>
+                                    <p:cond delay="0"/>
+                                  </p:stCondLst>
+                                  <p:childTnLst>
+                                    <p:set>
+                                      <p:cBhvr>
+                                        <p:cTn id="24" dur="1" fill="hold">
+                                          <p:stCondLst>
+                                            <p:cond delay="0"/>
+                                          </p:stCondLst>
+                                        </p:cTn>
+                                        <p:tgtEl>
+                                          <p:spTgt spid="7">
+                                            <p:txEl>
+                                              <p:pRg st="3" end="3"/>
+                                            </p:txEl>
+                                          </p:spTgt>
+                                        </p:tgtEl>
+                                        <p:attrNameLst>
+                                          <p:attrName>style.visibility</p:attrName>
+                                        </p:attrNameLst>
+                                      </p:cBhvr>
+                                      <p:to>
+                                        <p:strVal val="visible"/>
+                                      </p:to>
+                                    </p:set>
+                                  </p:childTnLst>
+                                </p:cTn>
+                              </p:par>
+                            </p:childTnLst>
+                          </p:cTn>
+                        </p:par>
+                      </p:childTnLst>
+                    </p:cTn>
+                  </p:par>
+                  <p:par>
+                    <p:cTn id="25" fill="hold">
+                      <p:stCondLst>
+                        <p:cond delay="indefinite"/>
+                      </p:stCondLst>
+                      <p:childTnLst>
+                        <p:par>
+                          <p:cTn id="26" fill="hold">
+                            <p:stCondLst>
+                              <p:cond delay="0"/>
+                            </p:stCondLst>
+                            <p:childTnLst>
+                              <p:par>
+                                <p:cTn id="27" presetID="1" presetClass="entr" presetSubtype="0" fill="hold" nodeType="clickEffect">
+                                  <p:stCondLst>
+                                    <p:cond delay="0"/>
+                                  </p:stCondLst>
+                                  <p:childTnLst>
+                                    <p:set>
+                                      <p:cBhvr>
+                                        <p:cTn id="28" dur="1" fill="hold">
+                                          <p:stCondLst>
+                                            <p:cond delay="0"/>
+                                          </p:stCondLst>
+                                        </p:cTn>
+                                        <p:tgtEl>
+                                          <p:spTgt spid="9">
+                                            <p:txEl>
+                                              <p:pRg st="0" end="0"/>
+                                            </p:txEl>
+                                          </p:spTgt>
+                                        </p:tgtEl>
+                                        <p:attrNameLst>
+                                          <p:attrName>style.visibility</p:attrName>
+                                        </p:attrNameLst>
+                                      </p:cBhvr>
+                                      <p:to>
+                                        <p:strVal val="visible"/>
+                                      </p:to>
+                                    </p:set>
+                                  </p:childTnLst>
+                                </p:cTn>
+                              </p:par>
+                            </p:childTnLst>
+                          </p:cTn>
+                        </p:par>
+                      </p:childTnLst>
+                    </p:cTn>
+                  </p:par>
+                  <p:par>
+                    <p:cTn id="29" fill="hold">
+                      <p:stCondLst>
+                        <p:cond delay="indefinite"/>
+                      </p:stCondLst>
+                      <p:childTnLst>
+                        <p:par>
+                          <p:cTn id="30" fill="hold">
+                            <p:stCondLst>
+                              <p:cond delay="0"/>
+                            </p:stCondLst>
+                            <p:childTnLst>
+                              <p:par>
+                                <p:cTn id="31" presetID="1" presetClass="entr" presetSubtype="0" fill="hold" nodeType="clickEffect">
+                                  <p:stCondLst>
+                                    <p:cond delay="0"/>
+                                  </p:stCondLst>
+                                  <p:childTnLst>
+                                    <p:set>
+                                      <p:cBhvr>
+                                        <p:cTn id="32" dur="1" fill="hold">
+                                          <p:stCondLst>
+                                            <p:cond delay="0"/>
+                                          </p:stCondLst>
+                                        </p:cTn>
+                                        <p:tgtEl>
+                                          <p:spTgt spid="9">
+                                            <p:txEl>
+                                              <p:pRg st="1" end="1"/>
+                                            </p:txEl>
+                                          </p:spTgt>
+                                        </p:tgtEl>
+                                        <p:attrNameLst>
+                                          <p:attrName>style.visibility</p:attrName>
+                                        </p:attrNameLst>
+                                      </p:cBhvr>
+                                      <p:to>
+                                        <p:strVal val="visible"/>
+                                      </p:to>
+                                    </p:set>
+                                  </p:childTnLst>
+                                </p:cTn>
+                              </p:par>
+                            </p:childTnLst>
+                          </p:cTn>
+                        </p:par>
+                      </p:childTnLst>
+                    </p:cTn>
+                  </p:par>
+                  <p:par>
+                    <p:cTn id="33" fill="hold">
+                      <p:stCondLst>
+                        <p:cond delay="indefinite"/>
+                      </p:stCondLst>
+                      <p:childTnLst>
+                        <p:par>
+                          <p:cTn id="34" fill="hold">
+                            <p:stCondLst>
+                              <p:cond delay="0"/>
+                            </p:stCondLst>
+                            <p:childTnLst>
+                              <p:par>
+                                <p:cTn id="35" presetID="1" presetClass="entr" presetSubtype="0" fill="hold" nodeType="clickEffect">
+                                  <p:stCondLst>
+                                    <p:cond delay="0"/>
+                                  </p:stCondLst>
+                                  <p:childTnLst>
+                                    <p:set>
+                                      <p:cBhvr>
+                                        <p:cTn id="36" dur="1" fill="hold">
+                                          <p:stCondLst>
+                                            <p:cond delay="0"/>
+                                          </p:stCondLst>
+                                        </p:cTn>
+                                        <p:tgtEl>
+                                          <p:spTgt spid="9">
+                                            <p:txEl>
+                                              <p:pRg st="2" end="2"/>
+                                            </p:txEl>
+                                          </p:spTgt>
+                                        </p:tgtEl>
+                                        <p:attrNameLst>
+                                          <p:attrName>style.visibility</p:attrName>
+                                        </p:attrNameLst>
+                                      </p:cBhvr>
+                                      <p:to>
+                                        <p:strVal val="visible"/>
+                                      </p:to>
+                                    </p:set>
+                                  </p:childTnLst>
+                                </p:cTn>
+                              </p:par>
+                            </p:childTnLst>
+                          </p:cTn>
+                        </p:par>
+                      </p:childTnLst>
+                    </p:cTn>
+                  </p:par>
+                  <p:par>
+                    <p:cTn id="37" fill="hold">
+                      <p:stCondLst>
+                        <p:cond delay="indefinite"/>
+                      </p:stCondLst>
+                      <p:childTnLst>
+                        <p:par>
+                          <p:cTn id="38" fill="hold">
+                            <p:stCondLst>
+                              <p:cond delay="0"/>
+                            </p:stCondLst>
+                            <p:childTnLst>
+                              <p:par>
+                                <p:cTn id="39" presetID="1" presetClass="entr" presetSubtype="0" fill="hold" nodeType="clickEffect">
+                                  <p:stCondLst>
+                                    <p:cond delay="0"/>
+                                  </p:stCondLst>
+                                  <p:childTnLst>
+                                    <p:set>
+                                      <p:cBhvr>
+                                        <p:cTn id="40" dur="1" fill="hold">
+                                          <p:stCondLst>
+                                            <p:cond delay="0"/>
+                                          </p:stCondLst>
+                                        </p:cTn>
+                                        <p:tgtEl>
+                                          <p:spTgt spid="9">
+                                            <p:txEl>
+                                              <p:pRg st="3" end="3"/>
+                                            </p:txEl>
+                                          </p:spTgt>
+                                        </p:tgtEl>
+                                        <p:attrNameLst>
+                                          <p:attrName>style.visibility</p:attrName>
+                                        </p:attrNameLst>
+                                      </p:cBhvr>
+                                      <p:to>
+                                        <p:strVal val="visible"/>
+                                      </p:to>
+                                    </p:set>
+                                  </p:childTnLst>
+                                </p:cTn>
+                              </p:par>
+                            </p:childTnLst>
+                          </p:cTn>
+                        </p:par>
+                      </p:childTnLst>
+                    </p:cTn>
+                  </p:par>
+                  <p:par>
+                    <p:cTn id="41" fill="hold">
+                      <p:stCondLst>
+                        <p:cond delay="indefinite"/>
+                      </p:stCondLst>
+                      <p:childTnLst>
+                        <p:par>
+                          <p:cTn id="42" fill="hold">
+                            <p:stCondLst>
+                              <p:cond delay="0"/>
+                            </p:stCondLst>
+                            <p:childTnLst>
+                              <p:par>
+                                <p:cTn id="43" presetID="1" presetClass="entr" presetSubtype="0" fill="hold" nodeType="clickEffect">
+                                  <p:stCondLst>
+                                    <p:cond delay="0"/>
+                                  </p:stCondLst>
+                                  <p:childTnLst>
+                                    <p:set>
+                                      <p:cBhvr>
+                                        <p:cTn id="44" dur="1" fill="hold">
+                                          <p:stCondLst>
+                                            <p:cond delay="0"/>
+                                          </p:stCondLst>
+                                        </p:cTn>
+                                        <p:tgtEl>
+                                          <p:spTgt spid="9">
+                                            <p:txEl>
+                                              <p:pRg st="5" end="5"/>
+                                            </p:txEl>
+                                          </p:spTgt>
+                                        </p:tgtEl>
+                                        <p:attrNameLst>
+                                          <p:attrName>style.visibility</p:attrName>
+                                        </p:attrNameLst>
+                                      </p:cBhvr>
+                                      <p:to>
+                                        <p:strVal val="visible"/>
+                                      </p:to>
+                                    </p:set>
+                                  </p:childTnLst>
+                                </p:cTn>
+                              </p:par>
+                            </p:childTnLst>
+                          </p:cTn>
+                        </p:par>
+                      </p:childTnLst>
+                    </p:cTn>
+                  </p:par>
+                </p:childTnLst>
+              </p:cTn>
+              <p:prevCondLst>
+                <p:cond evt="onPrev" delay="0">
+                  <p:tgtEl>
+                    <p:sldTgt/>
+                  </p:tgtEl>
+                </p:cond>
+              </p:prevCondLst>
+              <p:nextCondLst>
+                <p:cond evt="onNext" delay="0">
+                  <p:tgtEl>
+                    <p:sldTgt/>
+                  </p:tgtEl>
+                </p:cond>
+              </p:nextCondLst>
+            </p:seq>
+          </p:childTnLst>
+        </p:cTn>
+      </p:par>
+    </p:tnLst>
+    <p:bldLst>
+      <p:bldP spid="6" grpId="0" build="p"/>
+      <p:bldP spid="7" grpId="0" uiExpand="1" build="p"/>
+      <p:bldP spid="8" grpId="0" build="p"/>
+    </p:bldLst>
+  </p:timing>
 </p:sld>
 </file>
 
@@ -8600,7 +11065,7 @@
           <a:p>
             <a:r>
               <a:rPr lang="en-US" dirty="0" smtClean="0"/>
-              <a:t>Primary data: Downloaded tweet &amp; images</a:t>
+              <a:t>Primary data: Downloaded tweets &amp; images</a:t>
             </a:r>
           </a:p>
           <a:p>
@@ -8657,6 +11122,330 @@
   <p:clrMapOvr>
     <a:masterClrMapping/>
   </p:clrMapOvr>
+  <mc:AlternateContent xmlns:mc="http://schemas.openxmlformats.org/markup-compatibility/2006">
+    <mc:Choice xmlns:p14="http://schemas.microsoft.com/office/powerpoint/2010/main" Requires="p14">
+      <p:transition spd="med" p14:dur="700">
+        <p:fade/>
+      </p:transition>
+    </mc:Choice>
+    <mc:Fallback>
+      <p:transition xmlns:p14="http://schemas.microsoft.com/office/powerpoint/2010/main" spd="med">
+        <p:fade/>
+      </p:transition>
+    </mc:Fallback>
+  </mc:AlternateContent>
+  <p:timing>
+    <p:tnLst>
+      <p:par>
+        <p:cTn xmlns:p14="http://schemas.microsoft.com/office/powerpoint/2010/main" id="1" dur="indefinite" restart="never" nodeType="tmRoot">
+          <p:childTnLst>
+            <p:seq concurrent="1" nextAc="seek">
+              <p:cTn id="2" dur="indefinite" nodeType="mainSeq">
+                <p:childTnLst>
+                  <p:par>
+                    <p:cTn id="3" fill="hold">
+                      <p:stCondLst>
+                        <p:cond delay="indefinite"/>
+                      </p:stCondLst>
+                      <p:childTnLst>
+                        <p:par>
+                          <p:cTn id="4" fill="hold">
+                            <p:stCondLst>
+                              <p:cond delay="0"/>
+                            </p:stCondLst>
+                            <p:childTnLst>
+                              <p:par>
+                                <p:cTn id="5" presetID="9" presetClass="entr" presetSubtype="0" fill="hold" nodeType="clickEffect">
+                                  <p:stCondLst>
+                                    <p:cond delay="0"/>
+                                  </p:stCondLst>
+                                  <p:childTnLst>
+                                    <p:set>
+                                      <p:cBhvr>
+                                        <p:cTn id="6" dur="1" fill="hold">
+                                          <p:stCondLst>
+                                            <p:cond delay="0"/>
+                                          </p:stCondLst>
+                                        </p:cTn>
+                                        <p:tgtEl>
+                                          <p:spTgt spid="7">
+                                            <p:txEl>
+                                              <p:pRg st="0" end="0"/>
+                                            </p:txEl>
+                                          </p:spTgt>
+                                        </p:tgtEl>
+                                        <p:attrNameLst>
+                                          <p:attrName>style.visibility</p:attrName>
+                                        </p:attrNameLst>
+                                      </p:cBhvr>
+                                      <p:to>
+                                        <p:strVal val="visible"/>
+                                      </p:to>
+                                    </p:set>
+                                    <p:animEffect transition="in" filter="dissolve">
+                                      <p:cBhvr>
+                                        <p:cTn id="7" dur="500"/>
+                                        <p:tgtEl>
+                                          <p:spTgt spid="7">
+                                            <p:txEl>
+                                              <p:pRg st="0" end="0"/>
+                                            </p:txEl>
+                                          </p:spTgt>
+                                        </p:tgtEl>
+                                      </p:cBhvr>
+                                    </p:animEffect>
+                                  </p:childTnLst>
+                                </p:cTn>
+                              </p:par>
+                            </p:childTnLst>
+                          </p:cTn>
+                        </p:par>
+                      </p:childTnLst>
+                    </p:cTn>
+                  </p:par>
+                  <p:par>
+                    <p:cTn id="8" fill="hold">
+                      <p:stCondLst>
+                        <p:cond delay="indefinite"/>
+                      </p:stCondLst>
+                      <p:childTnLst>
+                        <p:par>
+                          <p:cTn id="9" fill="hold">
+                            <p:stCondLst>
+                              <p:cond delay="0"/>
+                            </p:stCondLst>
+                            <p:childTnLst>
+                              <p:par>
+                                <p:cTn id="10" presetID="1" presetClass="entr" presetSubtype="0" fill="hold" nodeType="clickEffect">
+                                  <p:stCondLst>
+                                    <p:cond delay="0"/>
+                                  </p:stCondLst>
+                                  <p:childTnLst>
+                                    <p:set>
+                                      <p:cBhvr>
+                                        <p:cTn id="11" dur="1" fill="hold">
+                                          <p:stCondLst>
+                                            <p:cond delay="0"/>
+                                          </p:stCondLst>
+                                        </p:cTn>
+                                        <p:tgtEl>
+                                          <p:spTgt spid="7">
+                                            <p:txEl>
+                                              <p:pRg st="1" end="1"/>
+                                            </p:txEl>
+                                          </p:spTgt>
+                                        </p:tgtEl>
+                                        <p:attrNameLst>
+                                          <p:attrName>style.visibility</p:attrName>
+                                        </p:attrNameLst>
+                                      </p:cBhvr>
+                                      <p:to>
+                                        <p:strVal val="visible"/>
+                                      </p:to>
+                                    </p:set>
+                                  </p:childTnLst>
+                                </p:cTn>
+                              </p:par>
+                              <p:par>
+                                <p:cTn id="12" presetID="1" presetClass="entr" presetSubtype="0" fill="hold" nodeType="withEffect">
+                                  <p:stCondLst>
+                                    <p:cond delay="0"/>
+                                  </p:stCondLst>
+                                  <p:childTnLst>
+                                    <p:set>
+                                      <p:cBhvr>
+                                        <p:cTn id="13" dur="1" fill="hold">
+                                          <p:stCondLst>
+                                            <p:cond delay="0"/>
+                                          </p:stCondLst>
+                                        </p:cTn>
+                                        <p:tgtEl>
+                                          <p:spTgt spid="7">
+                                            <p:txEl>
+                                              <p:pRg st="2" end="2"/>
+                                            </p:txEl>
+                                          </p:spTgt>
+                                        </p:tgtEl>
+                                        <p:attrNameLst>
+                                          <p:attrName>style.visibility</p:attrName>
+                                        </p:attrNameLst>
+                                      </p:cBhvr>
+                                      <p:to>
+                                        <p:strVal val="visible"/>
+                                      </p:to>
+                                    </p:set>
+                                  </p:childTnLst>
+                                </p:cTn>
+                              </p:par>
+                            </p:childTnLst>
+                          </p:cTn>
+                        </p:par>
+                      </p:childTnLst>
+                    </p:cTn>
+                  </p:par>
+                  <p:par>
+                    <p:cTn id="14" fill="hold">
+                      <p:stCondLst>
+                        <p:cond delay="indefinite"/>
+                      </p:stCondLst>
+                      <p:childTnLst>
+                        <p:par>
+                          <p:cTn id="15" fill="hold">
+                            <p:stCondLst>
+                              <p:cond delay="0"/>
+                            </p:stCondLst>
+                            <p:childTnLst>
+                              <p:par>
+                                <p:cTn id="16" presetID="9" presetClass="entr" presetSubtype="0" fill="hold" nodeType="clickEffect">
+                                  <p:stCondLst>
+                                    <p:cond delay="0"/>
+                                  </p:stCondLst>
+                                  <p:childTnLst>
+                                    <p:set>
+                                      <p:cBhvr>
+                                        <p:cTn id="17" dur="1" fill="hold">
+                                          <p:stCondLst>
+                                            <p:cond delay="0"/>
+                                          </p:stCondLst>
+                                        </p:cTn>
+                                        <p:tgtEl>
+                                          <p:spTgt spid="7">
+                                            <p:txEl>
+                                              <p:pRg st="3" end="3"/>
+                                            </p:txEl>
+                                          </p:spTgt>
+                                        </p:tgtEl>
+                                        <p:attrNameLst>
+                                          <p:attrName>style.visibility</p:attrName>
+                                        </p:attrNameLst>
+                                      </p:cBhvr>
+                                      <p:to>
+                                        <p:strVal val="visible"/>
+                                      </p:to>
+                                    </p:set>
+                                    <p:animEffect transition="in" filter="dissolve">
+                                      <p:cBhvr>
+                                        <p:cTn id="18" dur="500"/>
+                                        <p:tgtEl>
+                                          <p:spTgt spid="7">
+                                            <p:txEl>
+                                              <p:pRg st="3" end="3"/>
+                                            </p:txEl>
+                                          </p:spTgt>
+                                        </p:tgtEl>
+                                      </p:cBhvr>
+                                    </p:animEffect>
+                                  </p:childTnLst>
+                                </p:cTn>
+                              </p:par>
+                            </p:childTnLst>
+                          </p:cTn>
+                        </p:par>
+                      </p:childTnLst>
+                    </p:cTn>
+                  </p:par>
+                  <p:par>
+                    <p:cTn id="19" fill="hold">
+                      <p:stCondLst>
+                        <p:cond delay="indefinite"/>
+                      </p:stCondLst>
+                      <p:childTnLst>
+                        <p:par>
+                          <p:cTn id="20" fill="hold">
+                            <p:stCondLst>
+                              <p:cond delay="0"/>
+                            </p:stCondLst>
+                            <p:childTnLst>
+                              <p:par>
+                                <p:cTn id="21" presetID="1" presetClass="entr" presetSubtype="0" fill="hold" nodeType="clickEffect">
+                                  <p:stCondLst>
+                                    <p:cond delay="0"/>
+                                  </p:stCondLst>
+                                  <p:childTnLst>
+                                    <p:set>
+                                      <p:cBhvr>
+                                        <p:cTn id="22" dur="1" fill="hold">
+                                          <p:stCondLst>
+                                            <p:cond delay="0"/>
+                                          </p:stCondLst>
+                                        </p:cTn>
+                                        <p:tgtEl>
+                                          <p:spTgt spid="7">
+                                            <p:txEl>
+                                              <p:pRg st="4" end="4"/>
+                                            </p:txEl>
+                                          </p:spTgt>
+                                        </p:tgtEl>
+                                        <p:attrNameLst>
+                                          <p:attrName>style.visibility</p:attrName>
+                                        </p:attrNameLst>
+                                      </p:cBhvr>
+                                      <p:to>
+                                        <p:strVal val="visible"/>
+                                      </p:to>
+                                    </p:set>
+                                  </p:childTnLst>
+                                </p:cTn>
+                              </p:par>
+                              <p:par>
+                                <p:cTn id="23" presetID="1" presetClass="entr" presetSubtype="0" fill="hold" nodeType="withEffect">
+                                  <p:stCondLst>
+                                    <p:cond delay="0"/>
+                                  </p:stCondLst>
+                                  <p:childTnLst>
+                                    <p:set>
+                                      <p:cBhvr>
+                                        <p:cTn id="24" dur="1" fill="hold">
+                                          <p:stCondLst>
+                                            <p:cond delay="0"/>
+                                          </p:stCondLst>
+                                        </p:cTn>
+                                        <p:tgtEl>
+                                          <p:spTgt spid="7">
+                                            <p:txEl>
+                                              <p:pRg st="5" end="5"/>
+                                            </p:txEl>
+                                          </p:spTgt>
+                                        </p:tgtEl>
+                                        <p:attrNameLst>
+                                          <p:attrName>style.visibility</p:attrName>
+                                        </p:attrNameLst>
+                                      </p:cBhvr>
+                                      <p:to>
+                                        <p:strVal val="visible"/>
+                                      </p:to>
+                                    </p:set>
+                                  </p:childTnLst>
+                                </p:cTn>
+                              </p:par>
+                            </p:childTnLst>
+                          </p:cTn>
+                        </p:par>
+                      </p:childTnLst>
+                    </p:cTn>
+                  </p:par>
+                </p:childTnLst>
+              </p:cTn>
+              <p:prevCondLst>
+                <p:cond evt="onPrev" delay="0">
+                  <p:tgtEl>
+                    <p:sldTgt/>
+                  </p:tgtEl>
+                </p:cond>
+              </p:prevCondLst>
+              <p:nextCondLst>
+                <p:cond evt="onNext" delay="0">
+                  <p:tgtEl>
+                    <p:sldTgt/>
+                  </p:tgtEl>
+                </p:cond>
+              </p:nextCondLst>
+            </p:seq>
+          </p:childTnLst>
+        </p:cTn>
+      </p:par>
+    </p:tnLst>
+  </p:timing>
 </p:sld>
 </file>
 
@@ -8710,7 +11499,7 @@
             <p:ph idx="1"/>
             <p:extLst>
               <p:ext uri="{D42A27DB-BD31-4B8C-83A1-F6EECF244321}">
-                <p14:modId xmlns:p14="http://schemas.microsoft.com/office/powerpoint/2010/main" val="2856842478"/>
+                <p14:modId xmlns:p14="http://schemas.microsoft.com/office/powerpoint/2010/main" val="712202357"/>
               </p:ext>
             </p:extLst>
           </p:nvPr>
@@ -8721,7 +11510,7 @@
         </p:xfrm>
         <a:graphic>
           <a:graphicData uri="http://schemas.openxmlformats.org/drawingml/2006/diagram">
-            <dgm:relIds xmlns:dgm="http://schemas.openxmlformats.org/drawingml/2006/diagram" xmlns:r="http://schemas.openxmlformats.org/officeDocument/2006/relationships" r:dm="rId2" r:lo="rId3" r:qs="rId4" r:cs="rId5"/>
+            <dgm:relIds xmlns:dgm="http://schemas.openxmlformats.org/drawingml/2006/diagram" xmlns:r="http://schemas.openxmlformats.org/officeDocument/2006/relationships" r:dm="rId3" r:lo="rId4" r:qs="rId5" r:cs="rId6"/>
           </a:graphicData>
         </a:graphic>
       </p:graphicFrame>
@@ -8735,6 +11524,532 @@
   <p:clrMapOvr>
     <a:masterClrMapping/>
   </p:clrMapOvr>
+  <mc:AlternateContent xmlns:mc="http://schemas.openxmlformats.org/markup-compatibility/2006">
+    <mc:Choice xmlns:p14="http://schemas.microsoft.com/office/powerpoint/2010/main" Requires="p14">
+      <p:transition spd="med" p14:dur="700">
+        <p:fade/>
+      </p:transition>
+    </mc:Choice>
+    <mc:Fallback>
+      <p:transition xmlns:p14="http://schemas.microsoft.com/office/powerpoint/2010/main" spd="med">
+        <p:fade/>
+      </p:transition>
+    </mc:Fallback>
+  </mc:AlternateContent>
+  <p:timing>
+    <p:tnLst>
+      <p:par>
+        <p:cTn xmlns:p14="http://schemas.microsoft.com/office/powerpoint/2010/main" id="1" dur="indefinite" restart="never" nodeType="tmRoot">
+          <p:childTnLst>
+            <p:seq concurrent="1" nextAc="seek">
+              <p:cTn id="2" dur="indefinite" nodeType="mainSeq">
+                <p:childTnLst>
+                  <p:par>
+                    <p:cTn id="3" fill="hold">
+                      <p:stCondLst>
+                        <p:cond delay="indefinite"/>
+                      </p:stCondLst>
+                      <p:childTnLst>
+                        <p:par>
+                          <p:cTn id="4" fill="hold">
+                            <p:stCondLst>
+                              <p:cond delay="0"/>
+                            </p:stCondLst>
+                            <p:childTnLst>
+                              <p:par>
+                                <p:cTn id="5" presetID="9" presetClass="entr" presetSubtype="0" fill="hold" grpId="0" nodeType="clickEffect">
+                                  <p:stCondLst>
+                                    <p:cond delay="0"/>
+                                  </p:stCondLst>
+                                  <p:childTnLst>
+                                    <p:set>
+                                      <p:cBhvr>
+                                        <p:cTn id="6" dur="1" fill="hold">
+                                          <p:stCondLst>
+                                            <p:cond delay="0"/>
+                                          </p:stCondLst>
+                                        </p:cTn>
+                                        <p:tgtEl>
+                                          <p:spTgt spid="9">
+                                            <p:graphicEl>
+                                              <a:dgm id="{B463894A-E665-F64F-9935-46A073DAAC0D}"/>
+                                            </p:graphicEl>
+                                          </p:spTgt>
+                                        </p:tgtEl>
+                                        <p:attrNameLst>
+                                          <p:attrName>style.visibility</p:attrName>
+                                        </p:attrNameLst>
+                                      </p:cBhvr>
+                                      <p:to>
+                                        <p:strVal val="visible"/>
+                                      </p:to>
+                                    </p:set>
+                                    <p:animEffect transition="in" filter="dissolve">
+                                      <p:cBhvr>
+                                        <p:cTn id="7" dur="500"/>
+                                        <p:tgtEl>
+                                          <p:spTgt spid="9">
+                                            <p:graphicEl>
+                                              <a:dgm id="{B463894A-E665-F64F-9935-46A073DAAC0D}"/>
+                                            </p:graphicEl>
+                                          </p:spTgt>
+                                        </p:tgtEl>
+                                      </p:cBhvr>
+                                    </p:animEffect>
+                                  </p:childTnLst>
+                                </p:cTn>
+                              </p:par>
+                            </p:childTnLst>
+                          </p:cTn>
+                        </p:par>
+                      </p:childTnLst>
+                    </p:cTn>
+                  </p:par>
+                  <p:par>
+                    <p:cTn id="8" fill="hold">
+                      <p:stCondLst>
+                        <p:cond delay="indefinite"/>
+                      </p:stCondLst>
+                      <p:childTnLst>
+                        <p:par>
+                          <p:cTn id="9" fill="hold">
+                            <p:stCondLst>
+                              <p:cond delay="0"/>
+                            </p:stCondLst>
+                            <p:childTnLst>
+                              <p:par>
+                                <p:cTn id="10" presetID="9" presetClass="entr" presetSubtype="0" fill="hold" grpId="0" nodeType="clickEffect">
+                                  <p:stCondLst>
+                                    <p:cond delay="0"/>
+                                  </p:stCondLst>
+                                  <p:childTnLst>
+                                    <p:set>
+                                      <p:cBhvr>
+                                        <p:cTn id="11" dur="1" fill="hold">
+                                          <p:stCondLst>
+                                            <p:cond delay="0"/>
+                                          </p:stCondLst>
+                                        </p:cTn>
+                                        <p:tgtEl>
+                                          <p:spTgt spid="9">
+                                            <p:graphicEl>
+                                              <a:dgm id="{581FBB15-C32F-B14E-85A9-ACE2C48A2F64}"/>
+                                            </p:graphicEl>
+                                          </p:spTgt>
+                                        </p:tgtEl>
+                                        <p:attrNameLst>
+                                          <p:attrName>style.visibility</p:attrName>
+                                        </p:attrNameLst>
+                                      </p:cBhvr>
+                                      <p:to>
+                                        <p:strVal val="visible"/>
+                                      </p:to>
+                                    </p:set>
+                                    <p:animEffect transition="in" filter="dissolve">
+                                      <p:cBhvr>
+                                        <p:cTn id="12" dur="500"/>
+                                        <p:tgtEl>
+                                          <p:spTgt spid="9">
+                                            <p:graphicEl>
+                                              <a:dgm id="{581FBB15-C32F-B14E-85A9-ACE2C48A2F64}"/>
+                                            </p:graphicEl>
+                                          </p:spTgt>
+                                        </p:tgtEl>
+                                      </p:cBhvr>
+                                    </p:animEffect>
+                                  </p:childTnLst>
+                                </p:cTn>
+                              </p:par>
+                              <p:par>
+                                <p:cTn id="13" presetID="9" presetClass="entr" presetSubtype="0" fill="hold" grpId="0" nodeType="withEffect">
+                                  <p:stCondLst>
+                                    <p:cond delay="0"/>
+                                  </p:stCondLst>
+                                  <p:childTnLst>
+                                    <p:set>
+                                      <p:cBhvr>
+                                        <p:cTn id="14" dur="1" fill="hold">
+                                          <p:stCondLst>
+                                            <p:cond delay="0"/>
+                                          </p:stCondLst>
+                                        </p:cTn>
+                                        <p:tgtEl>
+                                          <p:spTgt spid="9">
+                                            <p:graphicEl>
+                                              <a:dgm id="{4101A08F-3022-9A4B-B439-66A9F204A941}"/>
+                                            </p:graphicEl>
+                                          </p:spTgt>
+                                        </p:tgtEl>
+                                        <p:attrNameLst>
+                                          <p:attrName>style.visibility</p:attrName>
+                                        </p:attrNameLst>
+                                      </p:cBhvr>
+                                      <p:to>
+                                        <p:strVal val="visible"/>
+                                      </p:to>
+                                    </p:set>
+                                    <p:animEffect transition="in" filter="dissolve">
+                                      <p:cBhvr>
+                                        <p:cTn id="15" dur="500"/>
+                                        <p:tgtEl>
+                                          <p:spTgt spid="9">
+                                            <p:graphicEl>
+                                              <a:dgm id="{4101A08F-3022-9A4B-B439-66A9F204A941}"/>
+                                            </p:graphicEl>
+                                          </p:spTgt>
+                                        </p:tgtEl>
+                                      </p:cBhvr>
+                                    </p:animEffect>
+                                  </p:childTnLst>
+                                </p:cTn>
+                              </p:par>
+                            </p:childTnLst>
+                          </p:cTn>
+                        </p:par>
+                      </p:childTnLst>
+                    </p:cTn>
+                  </p:par>
+                  <p:par>
+                    <p:cTn id="16" fill="hold">
+                      <p:stCondLst>
+                        <p:cond delay="indefinite"/>
+                      </p:stCondLst>
+                      <p:childTnLst>
+                        <p:par>
+                          <p:cTn id="17" fill="hold">
+                            <p:stCondLst>
+                              <p:cond delay="0"/>
+                            </p:stCondLst>
+                            <p:childTnLst>
+                              <p:par>
+                                <p:cTn id="18" presetID="9" presetClass="entr" presetSubtype="0" fill="hold" grpId="0" nodeType="clickEffect">
+                                  <p:stCondLst>
+                                    <p:cond delay="0"/>
+                                  </p:stCondLst>
+                                  <p:childTnLst>
+                                    <p:set>
+                                      <p:cBhvr>
+                                        <p:cTn id="19" dur="1" fill="hold">
+                                          <p:stCondLst>
+                                            <p:cond delay="0"/>
+                                          </p:stCondLst>
+                                        </p:cTn>
+                                        <p:tgtEl>
+                                          <p:spTgt spid="9">
+                                            <p:graphicEl>
+                                              <a:dgm id="{B5AF37B4-CA54-AC47-8852-A7EF813859D8}"/>
+                                            </p:graphicEl>
+                                          </p:spTgt>
+                                        </p:tgtEl>
+                                        <p:attrNameLst>
+                                          <p:attrName>style.visibility</p:attrName>
+                                        </p:attrNameLst>
+                                      </p:cBhvr>
+                                      <p:to>
+                                        <p:strVal val="visible"/>
+                                      </p:to>
+                                    </p:set>
+                                    <p:animEffect transition="in" filter="dissolve">
+                                      <p:cBhvr>
+                                        <p:cTn id="20" dur="500"/>
+                                        <p:tgtEl>
+                                          <p:spTgt spid="9">
+                                            <p:graphicEl>
+                                              <a:dgm id="{B5AF37B4-CA54-AC47-8852-A7EF813859D8}"/>
+                                            </p:graphicEl>
+                                          </p:spTgt>
+                                        </p:tgtEl>
+                                      </p:cBhvr>
+                                    </p:animEffect>
+                                  </p:childTnLst>
+                                </p:cTn>
+                              </p:par>
+                              <p:par>
+                                <p:cTn id="21" presetID="9" presetClass="entr" presetSubtype="0" fill="hold" grpId="0" nodeType="withEffect">
+                                  <p:stCondLst>
+                                    <p:cond delay="0"/>
+                                  </p:stCondLst>
+                                  <p:childTnLst>
+                                    <p:set>
+                                      <p:cBhvr>
+                                        <p:cTn id="22" dur="1" fill="hold">
+                                          <p:stCondLst>
+                                            <p:cond delay="0"/>
+                                          </p:stCondLst>
+                                        </p:cTn>
+                                        <p:tgtEl>
+                                          <p:spTgt spid="9">
+                                            <p:graphicEl>
+                                              <a:dgm id="{2870774E-A3A4-544F-884A-333EE83C9593}"/>
+                                            </p:graphicEl>
+                                          </p:spTgt>
+                                        </p:tgtEl>
+                                        <p:attrNameLst>
+                                          <p:attrName>style.visibility</p:attrName>
+                                        </p:attrNameLst>
+                                      </p:cBhvr>
+                                      <p:to>
+                                        <p:strVal val="visible"/>
+                                      </p:to>
+                                    </p:set>
+                                    <p:animEffect transition="in" filter="dissolve">
+                                      <p:cBhvr>
+                                        <p:cTn id="23" dur="500"/>
+                                        <p:tgtEl>
+                                          <p:spTgt spid="9">
+                                            <p:graphicEl>
+                                              <a:dgm id="{2870774E-A3A4-544F-884A-333EE83C9593}"/>
+                                            </p:graphicEl>
+                                          </p:spTgt>
+                                        </p:tgtEl>
+                                      </p:cBhvr>
+                                    </p:animEffect>
+                                  </p:childTnLst>
+                                </p:cTn>
+                              </p:par>
+                            </p:childTnLst>
+                          </p:cTn>
+                        </p:par>
+                      </p:childTnLst>
+                    </p:cTn>
+                  </p:par>
+                  <p:par>
+                    <p:cTn id="24" fill="hold">
+                      <p:stCondLst>
+                        <p:cond delay="indefinite"/>
+                      </p:stCondLst>
+                      <p:childTnLst>
+                        <p:par>
+                          <p:cTn id="25" fill="hold">
+                            <p:stCondLst>
+                              <p:cond delay="0"/>
+                            </p:stCondLst>
+                            <p:childTnLst>
+                              <p:par>
+                                <p:cTn id="26" presetID="9" presetClass="entr" presetSubtype="0" fill="hold" grpId="0" nodeType="clickEffect">
+                                  <p:stCondLst>
+                                    <p:cond delay="0"/>
+                                  </p:stCondLst>
+                                  <p:childTnLst>
+                                    <p:set>
+                                      <p:cBhvr>
+                                        <p:cTn id="27" dur="1" fill="hold">
+                                          <p:stCondLst>
+                                            <p:cond delay="0"/>
+                                          </p:stCondLst>
+                                        </p:cTn>
+                                        <p:tgtEl>
+                                          <p:spTgt spid="9">
+                                            <p:graphicEl>
+                                              <a:dgm id="{1B382A9A-9CA6-0243-ACDD-D118A0DBF182}"/>
+                                            </p:graphicEl>
+                                          </p:spTgt>
+                                        </p:tgtEl>
+                                        <p:attrNameLst>
+                                          <p:attrName>style.visibility</p:attrName>
+                                        </p:attrNameLst>
+                                      </p:cBhvr>
+                                      <p:to>
+                                        <p:strVal val="visible"/>
+                                      </p:to>
+                                    </p:set>
+                                    <p:animEffect transition="in" filter="dissolve">
+                                      <p:cBhvr>
+                                        <p:cTn id="28" dur="500"/>
+                                        <p:tgtEl>
+                                          <p:spTgt spid="9">
+                                            <p:graphicEl>
+                                              <a:dgm id="{1B382A9A-9CA6-0243-ACDD-D118A0DBF182}"/>
+                                            </p:graphicEl>
+                                          </p:spTgt>
+                                        </p:tgtEl>
+                                      </p:cBhvr>
+                                    </p:animEffect>
+                                  </p:childTnLst>
+                                </p:cTn>
+                              </p:par>
+                              <p:par>
+                                <p:cTn id="29" presetID="9" presetClass="entr" presetSubtype="0" fill="hold" grpId="0" nodeType="withEffect">
+                                  <p:stCondLst>
+                                    <p:cond delay="0"/>
+                                  </p:stCondLst>
+                                  <p:childTnLst>
+                                    <p:set>
+                                      <p:cBhvr>
+                                        <p:cTn id="30" dur="1" fill="hold">
+                                          <p:stCondLst>
+                                            <p:cond delay="0"/>
+                                          </p:stCondLst>
+                                        </p:cTn>
+                                        <p:tgtEl>
+                                          <p:spTgt spid="9">
+                                            <p:graphicEl>
+                                              <a:dgm id="{C47D9BAF-9FF3-9449-80B0-8C8C23604445}"/>
+                                            </p:graphicEl>
+                                          </p:spTgt>
+                                        </p:tgtEl>
+                                        <p:attrNameLst>
+                                          <p:attrName>style.visibility</p:attrName>
+                                        </p:attrNameLst>
+                                      </p:cBhvr>
+                                      <p:to>
+                                        <p:strVal val="visible"/>
+                                      </p:to>
+                                    </p:set>
+                                    <p:animEffect transition="in" filter="dissolve">
+                                      <p:cBhvr>
+                                        <p:cTn id="31" dur="500"/>
+                                        <p:tgtEl>
+                                          <p:spTgt spid="9">
+                                            <p:graphicEl>
+                                              <a:dgm id="{C47D9BAF-9FF3-9449-80B0-8C8C23604445}"/>
+                                            </p:graphicEl>
+                                          </p:spTgt>
+                                        </p:tgtEl>
+                                      </p:cBhvr>
+                                    </p:animEffect>
+                                  </p:childTnLst>
+                                </p:cTn>
+                              </p:par>
+                            </p:childTnLst>
+                          </p:cTn>
+                        </p:par>
+                      </p:childTnLst>
+                    </p:cTn>
+                  </p:par>
+                  <p:par>
+                    <p:cTn id="32" fill="hold">
+                      <p:stCondLst>
+                        <p:cond delay="indefinite"/>
+                      </p:stCondLst>
+                      <p:childTnLst>
+                        <p:par>
+                          <p:cTn id="33" fill="hold">
+                            <p:stCondLst>
+                              <p:cond delay="0"/>
+                            </p:stCondLst>
+                            <p:childTnLst>
+                              <p:par>
+                                <p:cTn id="34" presetID="9" presetClass="entr" presetSubtype="0" fill="hold" grpId="0" nodeType="clickEffect">
+                                  <p:stCondLst>
+                                    <p:cond delay="0"/>
+                                  </p:stCondLst>
+                                  <p:childTnLst>
+                                    <p:set>
+                                      <p:cBhvr>
+                                        <p:cTn id="35" dur="1" fill="hold">
+                                          <p:stCondLst>
+                                            <p:cond delay="0"/>
+                                          </p:stCondLst>
+                                        </p:cTn>
+                                        <p:tgtEl>
+                                          <p:spTgt spid="9">
+                                            <p:graphicEl>
+                                              <a:dgm id="{B38A962C-4EFB-9E40-9700-0B7376C827FD}"/>
+                                            </p:graphicEl>
+                                          </p:spTgt>
+                                        </p:tgtEl>
+                                        <p:attrNameLst>
+                                          <p:attrName>style.visibility</p:attrName>
+                                        </p:attrNameLst>
+                                      </p:cBhvr>
+                                      <p:to>
+                                        <p:strVal val="visible"/>
+                                      </p:to>
+                                    </p:set>
+                                    <p:animEffect transition="in" filter="dissolve">
+                                      <p:cBhvr>
+                                        <p:cTn id="36" dur="500"/>
+                                        <p:tgtEl>
+                                          <p:spTgt spid="9">
+                                            <p:graphicEl>
+                                              <a:dgm id="{B38A962C-4EFB-9E40-9700-0B7376C827FD}"/>
+                                            </p:graphicEl>
+                                          </p:spTgt>
+                                        </p:tgtEl>
+                                      </p:cBhvr>
+                                    </p:animEffect>
+                                  </p:childTnLst>
+                                </p:cTn>
+                              </p:par>
+                              <p:par>
+                                <p:cTn id="37" presetID="9" presetClass="entr" presetSubtype="0" fill="hold" grpId="0" nodeType="withEffect">
+                                  <p:stCondLst>
+                                    <p:cond delay="0"/>
+                                  </p:stCondLst>
+                                  <p:childTnLst>
+                                    <p:set>
+                                      <p:cBhvr>
+                                        <p:cTn id="38" dur="1" fill="hold">
+                                          <p:stCondLst>
+                                            <p:cond delay="0"/>
+                                          </p:stCondLst>
+                                        </p:cTn>
+                                        <p:tgtEl>
+                                          <p:spTgt spid="9">
+                                            <p:graphicEl>
+                                              <a:dgm id="{4880F54D-9832-0842-92E1-87F336B7CC9F}"/>
+                                            </p:graphicEl>
+                                          </p:spTgt>
+                                        </p:tgtEl>
+                                        <p:attrNameLst>
+                                          <p:attrName>style.visibility</p:attrName>
+                                        </p:attrNameLst>
+                                      </p:cBhvr>
+                                      <p:to>
+                                        <p:strVal val="visible"/>
+                                      </p:to>
+                                    </p:set>
+                                    <p:animEffect transition="in" filter="dissolve">
+                                      <p:cBhvr>
+                                        <p:cTn id="39" dur="500"/>
+                                        <p:tgtEl>
+                                          <p:spTgt spid="9">
+                                            <p:graphicEl>
+                                              <a:dgm id="{4880F54D-9832-0842-92E1-87F336B7CC9F}"/>
+                                            </p:graphicEl>
+                                          </p:spTgt>
+                                        </p:tgtEl>
+                                      </p:cBhvr>
+                                    </p:animEffect>
+                                  </p:childTnLst>
+                                </p:cTn>
+                              </p:par>
+                            </p:childTnLst>
+                          </p:cTn>
+                        </p:par>
+                      </p:childTnLst>
+                    </p:cTn>
+                  </p:par>
+                </p:childTnLst>
+              </p:cTn>
+              <p:prevCondLst>
+                <p:cond evt="onPrev" delay="0">
+                  <p:tgtEl>
+                    <p:sldTgt/>
+                  </p:tgtEl>
+                </p:cond>
+              </p:prevCondLst>
+              <p:nextCondLst>
+                <p:cond evt="onNext" delay="0">
+                  <p:tgtEl>
+                    <p:sldTgt/>
+                  </p:tgtEl>
+                </p:cond>
+              </p:nextCondLst>
+            </p:seq>
+          </p:childTnLst>
+        </p:cTn>
+      </p:par>
+    </p:tnLst>
+    <p:bldLst>
+      <p:bldGraphic spid="9" grpId="0">
+        <p:bldSub>
+          <a:bldDgm bld="one"/>
+        </p:bldSub>
+      </p:bldGraphic>
+    </p:bldLst>
+  </p:timing>
 </p:sld>
 </file>
 
@@ -8780,12 +12095,12 @@
       </p:sp>
       <p:sp>
         <p:nvSpPr>
-          <p:cNvPr id="3" name="Content Placeholder 2"/>
+          <p:cNvPr id="5" name="Content Placeholder 4"/>
           <p:cNvSpPr>
             <a:spLocks noGrp="1"/>
           </p:cNvSpPr>
           <p:nvPr>
-            <p:ph sz="half" idx="1"/>
+            <p:ph idx="1"/>
           </p:nvPr>
         </p:nvSpPr>
         <p:spPr/>
@@ -8793,26 +12108,54 @@
           <a:bodyPr/>
           <a:lstStyle/>
           <a:p>
-            <a:endParaRPr lang="en-US"/>
-          </a:p>
-        </p:txBody>
-      </p:sp>
-      <p:sp>
-        <p:nvSpPr>
-          <p:cNvPr id="4" name="Content Placeholder 3"/>
-          <p:cNvSpPr>
-            <a:spLocks noGrp="1"/>
-          </p:cNvSpPr>
-          <p:nvPr>
-            <p:ph sz="half" idx="2"/>
-          </p:nvPr>
-        </p:nvSpPr>
-        <p:spPr/>
-        <p:txBody>
-          <a:bodyPr/>
-          <a:lstStyle/>
-          <a:p>
-            <a:endParaRPr lang="en-US"/>
+            <a:r>
+              <a:rPr lang="en-US" dirty="0" smtClean="0"/>
+              <a:t>Key decisions</a:t>
+            </a:r>
+          </a:p>
+          <a:p>
+            <a:pPr lvl="1"/>
+            <a:r>
+              <a:rPr lang="en-US" dirty="0" smtClean="0"/>
+              <a:t>Only rely on original tweet text – not responses</a:t>
+            </a:r>
+          </a:p>
+          <a:p>
+            <a:pPr lvl="1"/>
+            <a:r>
+              <a:rPr lang="en-US" dirty="0" smtClean="0"/>
+              <a:t>Multi-lexicon approach to text sentiment (requiring unanimous agreement)</a:t>
+            </a:r>
+          </a:p>
+          <a:p>
+            <a:pPr lvl="1"/>
+            <a:r>
+              <a:rPr lang="en-US" dirty="0" smtClean="0"/>
+              <a:t>Treatment of repeated images</a:t>
+            </a:r>
+          </a:p>
+          <a:p>
+            <a:pPr lvl="1"/>
+            <a:r>
+              <a:rPr lang="en-US" dirty="0" smtClean="0"/>
+              <a:t>Leveraging </a:t>
+            </a:r>
+            <a:r>
+              <a:rPr lang="en-US" dirty="0" err="1" smtClean="0"/>
+              <a:t>LeNet</a:t>
+            </a:r>
+            <a:r>
+              <a:rPr lang="en-US" dirty="0" smtClean="0"/>
+              <a:t> engine (-2 layer)</a:t>
+            </a:r>
+          </a:p>
+          <a:p>
+            <a:pPr lvl="1"/>
+            <a:endParaRPr lang="en-US" dirty="0" smtClean="0"/>
+          </a:p>
+          <a:p>
+            <a:pPr lvl="1"/>
+            <a:endParaRPr lang="en-US" dirty="0"/>
           </a:p>
         </p:txBody>
       </p:sp>
@@ -8826,6 +12169,244 @@
   <p:clrMapOvr>
     <a:masterClrMapping/>
   </p:clrMapOvr>
+  <mc:AlternateContent xmlns:mc="http://schemas.openxmlformats.org/markup-compatibility/2006">
+    <mc:Choice xmlns:p14="http://schemas.microsoft.com/office/powerpoint/2010/main" Requires="p14">
+      <p:transition spd="med" p14:dur="700">
+        <p:fade/>
+      </p:transition>
+    </mc:Choice>
+    <mc:Fallback>
+      <p:transition xmlns:p14="http://schemas.microsoft.com/office/powerpoint/2010/main" spd="med">
+        <p:fade/>
+      </p:transition>
+    </mc:Fallback>
+  </mc:AlternateContent>
+  <p:timing>
+    <p:tnLst>
+      <p:par>
+        <p:cTn xmlns:p14="http://schemas.microsoft.com/office/powerpoint/2010/main" id="1" dur="indefinite" restart="never" nodeType="tmRoot">
+          <p:childTnLst>
+            <p:seq concurrent="1" nextAc="seek">
+              <p:cTn id="2" dur="indefinite" nodeType="mainSeq">
+                <p:childTnLst>
+                  <p:par>
+                    <p:cTn id="3" fill="hold">
+                      <p:stCondLst>
+                        <p:cond delay="indefinite"/>
+                      </p:stCondLst>
+                      <p:childTnLst>
+                        <p:par>
+                          <p:cTn id="4" fill="hold">
+                            <p:stCondLst>
+                              <p:cond delay="0"/>
+                            </p:stCondLst>
+                            <p:childTnLst>
+                              <p:par>
+                                <p:cTn id="5" presetID="1" presetClass="entr" presetSubtype="0" fill="hold" nodeType="clickEffect">
+                                  <p:stCondLst>
+                                    <p:cond delay="0"/>
+                                  </p:stCondLst>
+                                  <p:childTnLst>
+                                    <p:set>
+                                      <p:cBhvr>
+                                        <p:cTn id="6" dur="1" fill="hold">
+                                          <p:stCondLst>
+                                            <p:cond delay="0"/>
+                                          </p:stCondLst>
+                                        </p:cTn>
+                                        <p:tgtEl>
+                                          <p:spTgt spid="5">
+                                            <p:txEl>
+                                              <p:pRg st="1" end="1"/>
+                                            </p:txEl>
+                                          </p:spTgt>
+                                        </p:tgtEl>
+                                        <p:attrNameLst>
+                                          <p:attrName>style.visibility</p:attrName>
+                                        </p:attrNameLst>
+                                      </p:cBhvr>
+                                      <p:to>
+                                        <p:strVal val="visible"/>
+                                      </p:to>
+                                    </p:set>
+                                  </p:childTnLst>
+                                </p:cTn>
+                              </p:par>
+                            </p:childTnLst>
+                          </p:cTn>
+                        </p:par>
+                      </p:childTnLst>
+                    </p:cTn>
+                  </p:par>
+                  <p:par>
+                    <p:cTn id="7" fill="hold">
+                      <p:stCondLst>
+                        <p:cond delay="indefinite"/>
+                      </p:stCondLst>
+                      <p:childTnLst>
+                        <p:par>
+                          <p:cTn id="8" fill="hold">
+                            <p:stCondLst>
+                              <p:cond delay="0"/>
+                            </p:stCondLst>
+                            <p:childTnLst>
+                              <p:par>
+                                <p:cTn id="9" presetID="1" presetClass="entr" presetSubtype="0" fill="hold" nodeType="clickEffect">
+                                  <p:stCondLst>
+                                    <p:cond delay="0"/>
+                                  </p:stCondLst>
+                                  <p:childTnLst>
+                                    <p:set>
+                                      <p:cBhvr>
+                                        <p:cTn id="10" dur="1" fill="hold">
+                                          <p:stCondLst>
+                                            <p:cond delay="0"/>
+                                          </p:stCondLst>
+                                        </p:cTn>
+                                        <p:tgtEl>
+                                          <p:spTgt spid="5">
+                                            <p:txEl>
+                                              <p:pRg st="2" end="2"/>
+                                            </p:txEl>
+                                          </p:spTgt>
+                                        </p:tgtEl>
+                                        <p:attrNameLst>
+                                          <p:attrName>style.visibility</p:attrName>
+                                        </p:attrNameLst>
+                                      </p:cBhvr>
+                                      <p:to>
+                                        <p:strVal val="visible"/>
+                                      </p:to>
+                                    </p:set>
+                                  </p:childTnLst>
+                                </p:cTn>
+                              </p:par>
+                            </p:childTnLst>
+                          </p:cTn>
+                        </p:par>
+                      </p:childTnLst>
+                    </p:cTn>
+                  </p:par>
+                  <p:par>
+                    <p:cTn id="11" fill="hold">
+                      <p:stCondLst>
+                        <p:cond delay="indefinite"/>
+                      </p:stCondLst>
+                      <p:childTnLst>
+                        <p:par>
+                          <p:cTn id="12" fill="hold">
+                            <p:stCondLst>
+                              <p:cond delay="0"/>
+                            </p:stCondLst>
+                            <p:childTnLst>
+                              <p:par>
+                                <p:cTn id="13" presetID="1" presetClass="entr" presetSubtype="0" fill="hold" nodeType="clickEffect">
+                                  <p:stCondLst>
+                                    <p:cond delay="0"/>
+                                  </p:stCondLst>
+                                  <p:childTnLst>
+                                    <p:set>
+                                      <p:cBhvr>
+                                        <p:cTn id="14" dur="1" fill="hold">
+                                          <p:stCondLst>
+                                            <p:cond delay="0"/>
+                                          </p:stCondLst>
+                                        </p:cTn>
+                                        <p:tgtEl>
+                                          <p:spTgt spid="5">
+                                            <p:txEl>
+                                              <p:pRg st="3" end="3"/>
+                                            </p:txEl>
+                                          </p:spTgt>
+                                        </p:tgtEl>
+                                        <p:attrNameLst>
+                                          <p:attrName>style.visibility</p:attrName>
+                                        </p:attrNameLst>
+                                      </p:cBhvr>
+                                      <p:to>
+                                        <p:strVal val="visible"/>
+                                      </p:to>
+                                    </p:set>
+                                  </p:childTnLst>
+                                </p:cTn>
+                              </p:par>
+                            </p:childTnLst>
+                          </p:cTn>
+                        </p:par>
+                      </p:childTnLst>
+                    </p:cTn>
+                  </p:par>
+                  <p:par>
+                    <p:cTn id="15" fill="hold">
+                      <p:stCondLst>
+                        <p:cond delay="indefinite"/>
+                      </p:stCondLst>
+                      <p:childTnLst>
+                        <p:par>
+                          <p:cTn id="16" fill="hold">
+                            <p:stCondLst>
+                              <p:cond delay="0"/>
+                            </p:stCondLst>
+                            <p:childTnLst>
+                              <p:par>
+                                <p:cTn id="17" presetID="1" presetClass="entr" presetSubtype="0" fill="hold" nodeType="clickEffect">
+                                  <p:stCondLst>
+                                    <p:cond delay="0"/>
+                                  </p:stCondLst>
+                                  <p:childTnLst>
+                                    <p:set>
+                                      <p:cBhvr>
+                                        <p:cTn id="18" dur="1" fill="hold">
+                                          <p:stCondLst>
+                                            <p:cond delay="0"/>
+                                          </p:stCondLst>
+                                        </p:cTn>
+                                        <p:tgtEl>
+                                          <p:spTgt spid="5">
+                                            <p:txEl>
+                                              <p:pRg st="4" end="4"/>
+                                            </p:txEl>
+                                          </p:spTgt>
+                                        </p:tgtEl>
+                                        <p:attrNameLst>
+                                          <p:attrName>style.visibility</p:attrName>
+                                        </p:attrNameLst>
+                                      </p:cBhvr>
+                                      <p:to>
+                                        <p:strVal val="visible"/>
+                                      </p:to>
+                                    </p:set>
+                                  </p:childTnLst>
+                                </p:cTn>
+                              </p:par>
+                            </p:childTnLst>
+                          </p:cTn>
+                        </p:par>
+                      </p:childTnLst>
+                    </p:cTn>
+                  </p:par>
+                </p:childTnLst>
+              </p:cTn>
+              <p:prevCondLst>
+                <p:cond evt="onPrev" delay="0">
+                  <p:tgtEl>
+                    <p:sldTgt/>
+                  </p:tgtEl>
+                </p:cond>
+              </p:prevCondLst>
+              <p:nextCondLst>
+                <p:cond evt="onNext" delay="0">
+                  <p:tgtEl>
+                    <p:sldTgt/>
+                  </p:tgtEl>
+                </p:cond>
+              </p:nextCondLst>
+            </p:seq>
+          </p:childTnLst>
+        </p:cTn>
+      </p:par>
+    </p:tnLst>
+  </p:timing>
 </p:sld>
 </file>
 
@@ -8856,7 +12437,12 @@
             <p:ph type="title"/>
           </p:nvPr>
         </p:nvSpPr>
-        <p:spPr/>
+        <p:spPr>
+          <a:xfrm>
+            <a:off x="483118" y="155448"/>
+            <a:ext cx="6333171" cy="1252728"/>
+          </a:xfrm>
+        </p:spPr>
         <p:txBody>
           <a:bodyPr/>
           <a:lstStyle/>
@@ -8869,41 +12455,120 @@
           </a:p>
         </p:txBody>
       </p:sp>
+      <p:graphicFrame>
+        <p:nvGraphicFramePr>
+          <p:cNvPr id="11" name="Content Placeholder 10"/>
+          <p:cNvGraphicFramePr>
+            <a:graphicFrameLocks noGrp="1" noChangeAspect="1"/>
+          </p:cNvGraphicFramePr>
+          <p:nvPr>
+            <p:ph idx="1"/>
+            <p:extLst>
+              <p:ext uri="{D42A27DB-BD31-4B8C-83A1-F6EECF244321}">
+                <p14:modId xmlns:p14="http://schemas.microsoft.com/office/powerpoint/2010/main" val="4276274220"/>
+              </p:ext>
+            </p:extLst>
+          </p:nvPr>
+        </p:nvGraphicFramePr>
+        <p:xfrm>
+          <a:off x="1193800" y="1774825"/>
+          <a:ext cx="6756400" cy="4625975"/>
+        </p:xfrm>
+        <a:graphic>
+          <a:graphicData uri="http://schemas.openxmlformats.org/presentationml/2006/ole">
+            <mc:AlternateContent xmlns:mc="http://schemas.openxmlformats.org/markup-compatibility/2006">
+              <mc:Choice xmlns:v="urn:schemas-microsoft-com:vml" Requires="v">
+                <p:oleObj spid="_x0000_s2060" name="Worksheet" r:id="rId4" imgW="8661400" imgH="5930900" progId="Excel.Sheet.8">
+                  <p:embed/>
+                </p:oleObj>
+              </mc:Choice>
+              <mc:Fallback>
+                <p:oleObj name="Worksheet" r:id="rId4" imgW="8661400" imgH="5930900" progId="Excel.Sheet.8">
+                  <p:embed/>
+                  <p:pic>
+                    <p:nvPicPr>
+                      <p:cNvPr id="0" name=""/>
+                      <p:cNvPicPr/>
+                      <p:nvPr/>
+                    </p:nvPicPr>
+                    <p:blipFill>
+                      <a:blip r:embed="rId5"/>
+                      <a:stretch>
+                        <a:fillRect/>
+                      </a:stretch>
+                    </p:blipFill>
+                    <p:spPr>
+                      <a:xfrm>
+                        <a:off x="1193800" y="1774825"/>
+                        <a:ext cx="6756400" cy="4625975"/>
+                      </a:xfrm>
+                      <a:prstGeom prst="rect">
+                        <a:avLst/>
+                      </a:prstGeom>
+                    </p:spPr>
+                  </p:pic>
+                </p:oleObj>
+              </mc:Fallback>
+            </mc:AlternateContent>
+          </a:graphicData>
+        </a:graphic>
+      </p:graphicFrame>
       <p:sp>
         <p:nvSpPr>
-          <p:cNvPr id="3" name="Content Placeholder 2"/>
-          <p:cNvSpPr>
-            <a:spLocks noGrp="1"/>
+          <p:cNvPr id="13" name="Title 1"/>
+          <p:cNvSpPr txBox="1">
+            <a:spLocks/>
           </p:cNvSpPr>
-          <p:nvPr>
-            <p:ph sz="half" idx="1"/>
-          </p:nvPr>
+          <p:nvPr/>
         </p:nvSpPr>
-        <p:spPr/>
+        <p:spPr>
+          <a:xfrm>
+            <a:off x="2397942" y="152352"/>
+            <a:ext cx="6333171" cy="1252728"/>
+          </a:xfrm>
+          <a:prstGeom prst="rect">
+            <a:avLst/>
+          </a:prstGeom>
+        </p:spPr>
         <p:txBody>
-          <a:bodyPr/>
-          <a:lstStyle/>
-          <a:p>
+          <a:bodyPr vert="horz" lIns="91440" rIns="45720" rtlCol="0" anchor="ctr">
+            <a:normAutofit/>
+            <a:scene3d>
+              <a:camera prst="orthographicFront"/>
+              <a:lightRig rig="threePt" dir="t">
+                <a:rot lat="0" lon="0" rev="4800000"/>
+              </a:lightRig>
+            </a:scene3d>
+            <a:sp3d prstMaterial="matte">
+              <a:bevelT w="50800" h="10160"/>
+            </a:sp3d>
+          </a:bodyPr>
+          <a:lstStyle>
+            <a:lvl1pPr algn="l" rtl="0" eaLnBrk="1" latinLnBrk="0" hangingPunct="1">
+              <a:spcBef>
+                <a:spcPct val="0"/>
+              </a:spcBef>
+              <a:buNone/>
+              <a:defRPr kumimoji="0" sz="4500" b="1" kern="1200">
+                <a:solidFill>
+                  <a:schemeClr val="accent1">
+                    <a:satMod val="150000"/>
+                  </a:schemeClr>
+                </a:solidFill>
+                <a:effectLst/>
+                <a:latin typeface="+mj-lt"/>
+                <a:ea typeface="+mj-ea"/>
+                <a:cs typeface="+mj-cs"/>
+              </a:defRPr>
+            </a:lvl1pPr>
+            <a:extLst/>
+          </a:lstStyle>
+          <a:p>
+            <a:r>
+              <a:rPr lang="en-US" dirty="0" smtClean="0"/>
+              <a:t>= Failure!</a:t>
+            </a:r>
             <a:endParaRPr lang="en-US" dirty="0"/>
-          </a:p>
-        </p:txBody>
-      </p:sp>
-      <p:sp>
-        <p:nvSpPr>
-          <p:cNvPr id="4" name="Content Placeholder 3"/>
-          <p:cNvSpPr>
-            <a:spLocks noGrp="1"/>
-          </p:cNvSpPr>
-          <p:nvPr>
-            <p:ph sz="half" idx="2"/>
-          </p:nvPr>
-        </p:nvSpPr>
-        <p:spPr/>
-        <p:txBody>
-          <a:bodyPr/>
-          <a:lstStyle/>
-          <a:p>
-            <a:endParaRPr lang="en-US"/>
           </a:p>
         </p:txBody>
       </p:sp>
@@ -8917,6 +12582,288 @@
   <p:clrMapOvr>
     <a:masterClrMapping/>
   </p:clrMapOvr>
+  <mc:AlternateContent xmlns:mc="http://schemas.openxmlformats.org/markup-compatibility/2006">
+    <mc:Choice xmlns:p14="http://schemas.microsoft.com/office/powerpoint/2010/main" Requires="p14">
+      <p:transition spd="med" p14:dur="700">
+        <p:fade/>
+      </p:transition>
+    </mc:Choice>
+    <mc:Fallback>
+      <p:transition xmlns:p14="http://schemas.microsoft.com/office/powerpoint/2010/main" spd="med">
+        <p:fade/>
+      </p:transition>
+    </mc:Fallback>
+  </mc:AlternateContent>
+  <p:timing>
+    <p:tnLst>
+      <p:par>
+        <p:cTn xmlns:p14="http://schemas.microsoft.com/office/powerpoint/2010/main" id="1" dur="indefinite" restart="never" nodeType="tmRoot">
+          <p:childTnLst>
+            <p:seq concurrent="1" nextAc="seek">
+              <p:cTn id="2" dur="indefinite" nodeType="mainSeq">
+                <p:childTnLst>
+                  <p:par>
+                    <p:cTn id="3" fill="hold">
+                      <p:stCondLst>
+                        <p:cond delay="indefinite"/>
+                      </p:stCondLst>
+                      <p:childTnLst>
+                        <p:par>
+                          <p:cTn id="4" fill="hold">
+                            <p:stCondLst>
+                              <p:cond delay="0"/>
+                            </p:stCondLst>
+                            <p:childTnLst>
+                              <p:par>
+                                <p:cTn id="5" presetID="41" presetClass="entr" presetSubtype="0" fill="hold" nodeType="clickEffect">
+                                  <p:stCondLst>
+                                    <p:cond delay="0"/>
+                                  </p:stCondLst>
+                                  <p:iterate type="lt">
+                                    <p:tmPct val="10000"/>
+                                  </p:iterate>
+                                  <p:childTnLst>
+                                    <p:set>
+                                      <p:cBhvr>
+                                        <p:cTn id="6" dur="1" fill="hold">
+                                          <p:stCondLst>
+                                            <p:cond delay="0"/>
+                                          </p:stCondLst>
+                                        </p:cTn>
+                                        <p:tgtEl>
+                                          <p:spTgt spid="13">
+                                            <p:txEl>
+                                              <p:pRg st="0" end="0"/>
+                                            </p:txEl>
+                                          </p:spTgt>
+                                        </p:tgtEl>
+                                        <p:attrNameLst>
+                                          <p:attrName>style.visibility</p:attrName>
+                                        </p:attrNameLst>
+                                      </p:cBhvr>
+                                      <p:to>
+                                        <p:strVal val="visible"/>
+                                      </p:to>
+                                    </p:set>
+                                    <p:anim calcmode="lin" valueType="num">
+                                      <p:cBhvr>
+                                        <p:cTn id="7" dur="500" fill="hold"/>
+                                        <p:tgtEl>
+                                          <p:spTgt spid="13">
+                                            <p:txEl>
+                                              <p:pRg st="0" end="0"/>
+                                            </p:txEl>
+                                          </p:spTgt>
+                                        </p:tgtEl>
+                                        <p:attrNameLst>
+                                          <p:attrName>ppt_x</p:attrName>
+                                        </p:attrNameLst>
+                                      </p:cBhvr>
+                                      <p:tavLst>
+                                        <p:tav tm="0">
+                                          <p:val>
+                                            <p:strVal val="#ppt_x"/>
+                                          </p:val>
+                                        </p:tav>
+                                        <p:tav tm="50000">
+                                          <p:val>
+                                            <p:strVal val="#ppt_x+.1"/>
+                                          </p:val>
+                                        </p:tav>
+                                        <p:tav tm="100000">
+                                          <p:val>
+                                            <p:strVal val="#ppt_x"/>
+                                          </p:val>
+                                        </p:tav>
+                                      </p:tavLst>
+                                    </p:anim>
+                                    <p:anim calcmode="lin" valueType="num">
+                                      <p:cBhvr>
+                                        <p:cTn id="8" dur="500" fill="hold"/>
+                                        <p:tgtEl>
+                                          <p:spTgt spid="13">
+                                            <p:txEl>
+                                              <p:pRg st="0" end="0"/>
+                                            </p:txEl>
+                                          </p:spTgt>
+                                        </p:tgtEl>
+                                        <p:attrNameLst>
+                                          <p:attrName>ppt_y</p:attrName>
+                                        </p:attrNameLst>
+                                      </p:cBhvr>
+                                      <p:tavLst>
+                                        <p:tav tm="0">
+                                          <p:val>
+                                            <p:strVal val="#ppt_y"/>
+                                          </p:val>
+                                        </p:tav>
+                                        <p:tav tm="100000">
+                                          <p:val>
+                                            <p:strVal val="#ppt_y"/>
+                                          </p:val>
+                                        </p:tav>
+                                      </p:tavLst>
+                                    </p:anim>
+                                    <p:anim calcmode="lin" valueType="num">
+                                      <p:cBhvr>
+                                        <p:cTn id="9" dur="500" fill="hold"/>
+                                        <p:tgtEl>
+                                          <p:spTgt spid="13">
+                                            <p:txEl>
+                                              <p:pRg st="0" end="0"/>
+                                            </p:txEl>
+                                          </p:spTgt>
+                                        </p:tgtEl>
+                                        <p:attrNameLst>
+                                          <p:attrName>ppt_h</p:attrName>
+                                        </p:attrNameLst>
+                                      </p:cBhvr>
+                                      <p:tavLst>
+                                        <p:tav tm="0">
+                                          <p:val>
+                                            <p:strVal val="#ppt_h/10"/>
+                                          </p:val>
+                                        </p:tav>
+                                        <p:tav tm="50000">
+                                          <p:val>
+                                            <p:strVal val="#ppt_h+.01"/>
+                                          </p:val>
+                                        </p:tav>
+                                        <p:tav tm="100000">
+                                          <p:val>
+                                            <p:strVal val="#ppt_h"/>
+                                          </p:val>
+                                        </p:tav>
+                                      </p:tavLst>
+                                    </p:anim>
+                                    <p:anim calcmode="lin" valueType="num">
+                                      <p:cBhvr>
+                                        <p:cTn id="10" dur="500" fill="hold"/>
+                                        <p:tgtEl>
+                                          <p:spTgt spid="13">
+                                            <p:txEl>
+                                              <p:pRg st="0" end="0"/>
+                                            </p:txEl>
+                                          </p:spTgt>
+                                        </p:tgtEl>
+                                        <p:attrNameLst>
+                                          <p:attrName>ppt_w</p:attrName>
+                                        </p:attrNameLst>
+                                      </p:cBhvr>
+                                      <p:tavLst>
+                                        <p:tav tm="0">
+                                          <p:val>
+                                            <p:strVal val="#ppt_w/10"/>
+                                          </p:val>
+                                        </p:tav>
+                                        <p:tav tm="50000">
+                                          <p:val>
+                                            <p:strVal val="#ppt_w+.01"/>
+                                          </p:val>
+                                        </p:tav>
+                                        <p:tav tm="100000">
+                                          <p:val>
+                                            <p:strVal val="#ppt_w"/>
+                                          </p:val>
+                                        </p:tav>
+                                      </p:tavLst>
+                                    </p:anim>
+                                    <p:animEffect transition="in" filter="fade">
+                                      <p:cBhvr>
+                                        <p:cTn id="11" dur="500" tmFilter="0,0; .5, 1; 1, 1"/>
+                                        <p:tgtEl>
+                                          <p:spTgt spid="13">
+                                            <p:txEl>
+                                              <p:pRg st="0" end="0"/>
+                                            </p:txEl>
+                                          </p:spTgt>
+                                        </p:tgtEl>
+                                      </p:cBhvr>
+                                    </p:animEffect>
+                                  </p:childTnLst>
+                                </p:cTn>
+                              </p:par>
+                            </p:childTnLst>
+                          </p:cTn>
+                        </p:par>
+                      </p:childTnLst>
+                    </p:cTn>
+                  </p:par>
+                  <p:par>
+                    <p:cTn id="12" fill="hold">
+                      <p:stCondLst>
+                        <p:cond delay="indefinite"/>
+                      </p:stCondLst>
+                      <p:childTnLst>
+                        <p:par>
+                          <p:cTn id="13" fill="hold">
+                            <p:stCondLst>
+                              <p:cond delay="0"/>
+                            </p:stCondLst>
+                            <p:childTnLst>
+                              <p:par>
+                                <p:cTn id="14" presetID="9" presetClass="entr" presetSubtype="0" fill="hold" nodeType="clickEffect">
+                                  <p:stCondLst>
+                                    <p:cond delay="0"/>
+                                  </p:stCondLst>
+                                  <p:childTnLst>
+                                    <p:set>
+                                      <p:cBhvr>
+                                        <p:cTn id="15" dur="1" fill="hold">
+                                          <p:stCondLst>
+                                            <p:cond delay="0"/>
+                                          </p:stCondLst>
+                                        </p:cTn>
+                                        <p:tgtEl>
+                                          <p:spTgt spid="11"/>
+                                        </p:tgtEl>
+                                        <p:attrNameLst>
+                                          <p:attrName>style.visibility</p:attrName>
+                                        </p:attrNameLst>
+                                      </p:cBhvr>
+                                      <p:to>
+                                        <p:strVal val="visible"/>
+                                      </p:to>
+                                    </p:set>
+                                    <p:animEffect transition="in" filter="dissolve">
+                                      <p:cBhvr>
+                                        <p:cTn id="16" dur="500"/>
+                                        <p:tgtEl>
+                                          <p:spTgt spid="11"/>
+                                        </p:tgtEl>
+                                      </p:cBhvr>
+                                    </p:animEffect>
+                                  </p:childTnLst>
+                                </p:cTn>
+                              </p:par>
+                            </p:childTnLst>
+                          </p:cTn>
+                        </p:par>
+                      </p:childTnLst>
+                    </p:cTn>
+                  </p:par>
+                </p:childTnLst>
+              </p:cTn>
+              <p:prevCondLst>
+                <p:cond evt="onPrev" delay="0">
+                  <p:tgtEl>
+                    <p:sldTgt/>
+                  </p:tgtEl>
+                </p:cond>
+              </p:prevCondLst>
+              <p:nextCondLst>
+                <p:cond evt="onNext" delay="0">
+                  <p:tgtEl>
+                    <p:sldTgt/>
+                  </p:tgtEl>
+                </p:cond>
+              </p:nextCondLst>
+            </p:seq>
+          </p:childTnLst>
+        </p:cTn>
+      </p:par>
+    </p:tnLst>
+  </p:timing>
 </p:sld>
 </file>
 
@@ -8975,29 +12922,80 @@
           <a:bodyPr/>
           <a:lstStyle/>
           <a:p>
-            <a:endParaRPr lang="en-US"/>
+            <a:r>
+              <a:rPr lang="en-US" dirty="0" smtClean="0"/>
+              <a:t>For Twitter, text &amp; sentiment probably don’t align</a:t>
+            </a:r>
+          </a:p>
+          <a:p>
+            <a:r>
+              <a:rPr lang="en-US" dirty="0" smtClean="0"/>
+              <a:t>CNN had 74% accuracy on </a:t>
+            </a:r>
+            <a:r>
+              <a:rPr lang="en-US" dirty="0" err="1" smtClean="0"/>
+              <a:t>Crowdflower</a:t>
+            </a:r>
+            <a:r>
+              <a:rPr lang="en-US" dirty="0" smtClean="0"/>
+              <a:t> (chance was 50%)</a:t>
+            </a:r>
+            <a:endParaRPr lang="en-US" dirty="0"/>
+          </a:p>
+          <a:p>
+            <a:r>
+              <a:rPr lang="en-US" dirty="0" smtClean="0"/>
+              <a:t>How to improve?</a:t>
+            </a:r>
+          </a:p>
+          <a:p>
+            <a:pPr lvl="1"/>
+            <a:r>
+              <a:rPr lang="en-US" dirty="0" smtClean="0"/>
+              <a:t>Better pre-processing?</a:t>
+            </a:r>
+          </a:p>
+          <a:p>
+            <a:pPr lvl="1"/>
+            <a:r>
+              <a:rPr lang="en-US" dirty="0" smtClean="0"/>
+              <a:t>Other data set?</a:t>
+            </a:r>
+          </a:p>
+          <a:p>
+            <a:pPr lvl="1"/>
+            <a:r>
+              <a:rPr lang="en-US" dirty="0" smtClean="0"/>
+              <a:t>Custom CNN?</a:t>
+            </a:r>
           </a:p>
         </p:txBody>
       </p:sp>
-      <p:sp>
-        <p:nvSpPr>
-          <p:cNvPr id="4" name="Content Placeholder 3"/>
-          <p:cNvSpPr>
-            <a:spLocks noGrp="1"/>
-          </p:cNvSpPr>
+      <p:pic>
+        <p:nvPicPr>
+          <p:cNvPr id="5" name="Content Placeholder 4" descr="cute_negative.png"/>
+          <p:cNvPicPr>
+            <a:picLocks noGrp="1" noChangeAspect="1"/>
+          </p:cNvPicPr>
           <p:nvPr>
             <p:ph sz="half" idx="2"/>
           </p:nvPr>
-        </p:nvSpPr>
+        </p:nvPicPr>
+        <p:blipFill>
+          <a:blip r:embed="rId3" cstate="print">
+            <a:extLst>
+              <a:ext uri="{28A0092B-C50C-407E-A947-70E740481C1C}">
+                <a14:useLocalDpi xmlns:a14="http://schemas.microsoft.com/office/drawing/2010/main" val="0"/>
+              </a:ext>
+            </a:extLst>
+          </a:blip>
+          <a:srcRect t="-7245" b="-7245"/>
+          <a:stretch>
+            <a:fillRect/>
+          </a:stretch>
+        </p:blipFill>
         <p:spPr/>
-        <p:txBody>
-          <a:bodyPr/>
-          <a:lstStyle/>
-          <a:p>
-            <a:endParaRPr lang="en-US"/>
-          </a:p>
-        </p:txBody>
-      </p:sp>
+      </p:pic>
     </p:spTree>
     <p:extLst>
       <p:ext uri="{BB962C8B-B14F-4D97-AF65-F5344CB8AC3E}">
@@ -9008,6 +13006,395 @@
   <p:clrMapOvr>
     <a:masterClrMapping/>
   </p:clrMapOvr>
+  <mc:AlternateContent xmlns:mc="http://schemas.openxmlformats.org/markup-compatibility/2006">
+    <mc:Choice xmlns:p14="http://schemas.microsoft.com/office/powerpoint/2010/main" Requires="p14">
+      <p:transition spd="med" p14:dur="700">
+        <p:fade/>
+      </p:transition>
+    </mc:Choice>
+    <mc:Fallback>
+      <p:transition xmlns:p14="http://schemas.microsoft.com/office/powerpoint/2010/main" spd="med">
+        <p:fade/>
+      </p:transition>
+    </mc:Fallback>
+  </mc:AlternateContent>
+  <p:timing>
+    <p:tnLst>
+      <p:par>
+        <p:cTn xmlns:p14="http://schemas.microsoft.com/office/powerpoint/2010/main" id="1" dur="indefinite" restart="never" nodeType="tmRoot">
+          <p:childTnLst>
+            <p:seq concurrent="1" nextAc="seek">
+              <p:cTn id="2" dur="indefinite" nodeType="mainSeq">
+                <p:childTnLst>
+                  <p:par>
+                    <p:cTn id="3" fill="hold">
+                      <p:stCondLst>
+                        <p:cond delay="indefinite"/>
+                      </p:stCondLst>
+                      <p:childTnLst>
+                        <p:par>
+                          <p:cTn id="4" fill="hold">
+                            <p:stCondLst>
+                              <p:cond delay="0"/>
+                            </p:stCondLst>
+                            <p:childTnLst>
+                              <p:par>
+                                <p:cTn id="5" presetID="1" presetClass="entr" presetSubtype="0" fill="hold" nodeType="clickEffect">
+                                  <p:stCondLst>
+                                    <p:cond delay="0"/>
+                                  </p:stCondLst>
+                                  <p:childTnLst>
+                                    <p:set>
+                                      <p:cBhvr>
+                                        <p:cTn id="6" dur="1" fill="hold">
+                                          <p:stCondLst>
+                                            <p:cond delay="0"/>
+                                          </p:stCondLst>
+                                        </p:cTn>
+                                        <p:tgtEl>
+                                          <p:spTgt spid="3">
+                                            <p:txEl>
+                                              <p:pRg st="0" end="0"/>
+                                            </p:txEl>
+                                          </p:spTgt>
+                                        </p:tgtEl>
+                                        <p:attrNameLst>
+                                          <p:attrName>style.visibility</p:attrName>
+                                        </p:attrNameLst>
+                                      </p:cBhvr>
+                                      <p:to>
+                                        <p:strVal val="visible"/>
+                                      </p:to>
+                                    </p:set>
+                                  </p:childTnLst>
+                                </p:cTn>
+                              </p:par>
+                            </p:childTnLst>
+                          </p:cTn>
+                        </p:par>
+                      </p:childTnLst>
+                    </p:cTn>
+                  </p:par>
+                  <p:par>
+                    <p:cTn id="7" fill="hold">
+                      <p:stCondLst>
+                        <p:cond delay="indefinite"/>
+                      </p:stCondLst>
+                      <p:childTnLst>
+                        <p:par>
+                          <p:cTn id="8" fill="hold">
+                            <p:stCondLst>
+                              <p:cond delay="0"/>
+                            </p:stCondLst>
+                            <p:childTnLst>
+                              <p:par>
+                                <p:cTn id="9" presetID="9" presetClass="entr" presetSubtype="0" fill="hold" nodeType="clickEffect">
+                                  <p:stCondLst>
+                                    <p:cond delay="0"/>
+                                  </p:stCondLst>
+                                  <p:childTnLst>
+                                    <p:set>
+                                      <p:cBhvr>
+                                        <p:cTn id="10" dur="1" fill="hold">
+                                          <p:stCondLst>
+                                            <p:cond delay="0"/>
+                                          </p:stCondLst>
+                                        </p:cTn>
+                                        <p:tgtEl>
+                                          <p:spTgt spid="5"/>
+                                        </p:tgtEl>
+                                        <p:attrNameLst>
+                                          <p:attrName>style.visibility</p:attrName>
+                                        </p:attrNameLst>
+                                      </p:cBhvr>
+                                      <p:to>
+                                        <p:strVal val="visible"/>
+                                      </p:to>
+                                    </p:set>
+                                    <p:animEffect transition="in" filter="dissolve">
+                                      <p:cBhvr>
+                                        <p:cTn id="11" dur="500"/>
+                                        <p:tgtEl>
+                                          <p:spTgt spid="5"/>
+                                        </p:tgtEl>
+                                      </p:cBhvr>
+                                    </p:animEffect>
+                                  </p:childTnLst>
+                                </p:cTn>
+                              </p:par>
+                            </p:childTnLst>
+                          </p:cTn>
+                        </p:par>
+                      </p:childTnLst>
+                    </p:cTn>
+                  </p:par>
+                  <p:par>
+                    <p:cTn id="12" fill="hold">
+                      <p:stCondLst>
+                        <p:cond delay="indefinite"/>
+                      </p:stCondLst>
+                      <p:childTnLst>
+                        <p:par>
+                          <p:cTn id="13" fill="hold">
+                            <p:stCondLst>
+                              <p:cond delay="0"/>
+                            </p:stCondLst>
+                            <p:childTnLst>
+                              <p:par>
+                                <p:cTn id="14" presetID="1" presetClass="entr" presetSubtype="0" fill="hold" nodeType="clickEffect">
+                                  <p:stCondLst>
+                                    <p:cond delay="0"/>
+                                  </p:stCondLst>
+                                  <p:childTnLst>
+                                    <p:set>
+                                      <p:cBhvr>
+                                        <p:cTn id="15" dur="1" fill="hold">
+                                          <p:stCondLst>
+                                            <p:cond delay="0"/>
+                                          </p:stCondLst>
+                                        </p:cTn>
+                                        <p:tgtEl>
+                                          <p:spTgt spid="3">
+                                            <p:txEl>
+                                              <p:pRg st="1" end="1"/>
+                                            </p:txEl>
+                                          </p:spTgt>
+                                        </p:tgtEl>
+                                        <p:attrNameLst>
+                                          <p:attrName>style.visibility</p:attrName>
+                                        </p:attrNameLst>
+                                      </p:cBhvr>
+                                      <p:to>
+                                        <p:strVal val="visible"/>
+                                      </p:to>
+                                    </p:set>
+                                  </p:childTnLst>
+                                </p:cTn>
+                              </p:par>
+                            </p:childTnLst>
+                          </p:cTn>
+                        </p:par>
+                      </p:childTnLst>
+                    </p:cTn>
+                  </p:par>
+                  <p:par>
+                    <p:cTn id="16" fill="hold">
+                      <p:stCondLst>
+                        <p:cond delay="indefinite"/>
+                      </p:stCondLst>
+                      <p:childTnLst>
+                        <p:par>
+                          <p:cTn id="17" fill="hold">
+                            <p:stCondLst>
+                              <p:cond delay="0"/>
+                            </p:stCondLst>
+                            <p:childTnLst>
+                              <p:par>
+                                <p:cTn id="18" presetID="1" presetClass="entr" presetSubtype="0" fill="hold" nodeType="clickEffect">
+                                  <p:stCondLst>
+                                    <p:cond delay="0"/>
+                                  </p:stCondLst>
+                                  <p:childTnLst>
+                                    <p:set>
+                                      <p:cBhvr>
+                                        <p:cTn id="19" dur="1" fill="hold">
+                                          <p:stCondLst>
+                                            <p:cond delay="0"/>
+                                          </p:stCondLst>
+                                        </p:cTn>
+                                        <p:tgtEl>
+                                          <p:spTgt spid="3">
+                                            <p:txEl>
+                                              <p:pRg st="2" end="2"/>
+                                            </p:txEl>
+                                          </p:spTgt>
+                                        </p:tgtEl>
+                                        <p:attrNameLst>
+                                          <p:attrName>style.visibility</p:attrName>
+                                        </p:attrNameLst>
+                                      </p:cBhvr>
+                                      <p:to>
+                                        <p:strVal val="visible"/>
+                                      </p:to>
+                                    </p:set>
+                                  </p:childTnLst>
+                                </p:cTn>
+                              </p:par>
+                            </p:childTnLst>
+                          </p:cTn>
+                        </p:par>
+                      </p:childTnLst>
+                    </p:cTn>
+                  </p:par>
+                  <p:par>
+                    <p:cTn id="20" fill="hold">
+                      <p:stCondLst>
+                        <p:cond delay="indefinite"/>
+                      </p:stCondLst>
+                      <p:childTnLst>
+                        <p:par>
+                          <p:cTn id="21" fill="hold">
+                            <p:stCondLst>
+                              <p:cond delay="0"/>
+                            </p:stCondLst>
+                            <p:childTnLst>
+                              <p:par>
+                                <p:cTn id="22" presetID="1" presetClass="entr" presetSubtype="0" fill="hold" nodeType="clickEffect">
+                                  <p:stCondLst>
+                                    <p:cond delay="0"/>
+                                  </p:stCondLst>
+                                  <p:childTnLst>
+                                    <p:set>
+                                      <p:cBhvr>
+                                        <p:cTn id="23" dur="1" fill="hold">
+                                          <p:stCondLst>
+                                            <p:cond delay="0"/>
+                                          </p:stCondLst>
+                                        </p:cTn>
+                                        <p:tgtEl>
+                                          <p:spTgt spid="3">
+                                            <p:txEl>
+                                              <p:pRg st="3" end="3"/>
+                                            </p:txEl>
+                                          </p:spTgt>
+                                        </p:tgtEl>
+                                        <p:attrNameLst>
+                                          <p:attrName>style.visibility</p:attrName>
+                                        </p:attrNameLst>
+                                      </p:cBhvr>
+                                      <p:to>
+                                        <p:strVal val="visible"/>
+                                      </p:to>
+                                    </p:set>
+                                  </p:childTnLst>
+                                </p:cTn>
+                              </p:par>
+                            </p:childTnLst>
+                          </p:cTn>
+                        </p:par>
+                      </p:childTnLst>
+                    </p:cTn>
+                  </p:par>
+                  <p:par>
+                    <p:cTn id="24" fill="hold">
+                      <p:stCondLst>
+                        <p:cond delay="indefinite"/>
+                      </p:stCondLst>
+                      <p:childTnLst>
+                        <p:par>
+                          <p:cTn id="25" fill="hold">
+                            <p:stCondLst>
+                              <p:cond delay="0"/>
+                            </p:stCondLst>
+                            <p:childTnLst>
+                              <p:par>
+                                <p:cTn id="26" presetID="1" presetClass="entr" presetSubtype="0" fill="hold" nodeType="clickEffect">
+                                  <p:stCondLst>
+                                    <p:cond delay="0"/>
+                                  </p:stCondLst>
+                                  <p:childTnLst>
+                                    <p:set>
+                                      <p:cBhvr>
+                                        <p:cTn id="27" dur="1" fill="hold">
+                                          <p:stCondLst>
+                                            <p:cond delay="0"/>
+                                          </p:stCondLst>
+                                        </p:cTn>
+                                        <p:tgtEl>
+                                          <p:spTgt spid="3">
+                                            <p:txEl>
+                                              <p:pRg st="4" end="4"/>
+                                            </p:txEl>
+                                          </p:spTgt>
+                                        </p:tgtEl>
+                                        <p:attrNameLst>
+                                          <p:attrName>style.visibility</p:attrName>
+                                        </p:attrNameLst>
+                                      </p:cBhvr>
+                                      <p:to>
+                                        <p:strVal val="visible"/>
+                                      </p:to>
+                                    </p:set>
+                                  </p:childTnLst>
+                                </p:cTn>
+                              </p:par>
+                            </p:childTnLst>
+                          </p:cTn>
+                        </p:par>
+                      </p:childTnLst>
+                    </p:cTn>
+                  </p:par>
+                  <p:par>
+                    <p:cTn id="28" fill="hold">
+                      <p:stCondLst>
+                        <p:cond delay="indefinite"/>
+                      </p:stCondLst>
+                      <p:childTnLst>
+                        <p:par>
+                          <p:cTn id="29" fill="hold">
+                            <p:stCondLst>
+                              <p:cond delay="0"/>
+                            </p:stCondLst>
+                            <p:childTnLst>
+                              <p:par>
+                                <p:cTn id="30" presetID="1" presetClass="entr" presetSubtype="0" fill="hold" nodeType="clickEffect">
+                                  <p:stCondLst>
+                                    <p:cond delay="0"/>
+                                  </p:stCondLst>
+                                  <p:childTnLst>
+                                    <p:set>
+                                      <p:cBhvr>
+                                        <p:cTn id="31" dur="1" fill="hold">
+                                          <p:stCondLst>
+                                            <p:cond delay="0"/>
+                                          </p:stCondLst>
+                                        </p:cTn>
+                                        <p:tgtEl>
+                                          <p:spTgt spid="3">
+                                            <p:txEl>
+                                              <p:pRg st="5" end="5"/>
+                                            </p:txEl>
+                                          </p:spTgt>
+                                        </p:tgtEl>
+                                        <p:attrNameLst>
+                                          <p:attrName>style.visibility</p:attrName>
+                                        </p:attrNameLst>
+                                      </p:cBhvr>
+                                      <p:to>
+                                        <p:strVal val="visible"/>
+                                      </p:to>
+                                    </p:set>
+                                  </p:childTnLst>
+                                </p:cTn>
+                              </p:par>
+                            </p:childTnLst>
+                          </p:cTn>
+                        </p:par>
+                      </p:childTnLst>
+                    </p:cTn>
+                  </p:par>
+                </p:childTnLst>
+              </p:cTn>
+              <p:prevCondLst>
+                <p:cond evt="onPrev" delay="0">
+                  <p:tgtEl>
+                    <p:sldTgt/>
+                  </p:tgtEl>
+                </p:cond>
+              </p:prevCondLst>
+              <p:nextCondLst>
+                <p:cond evt="onNext" delay="0">
+                  <p:tgtEl>
+                    <p:sldTgt/>
+                  </p:tgtEl>
+                </p:cond>
+              </p:nextCondLst>
+            </p:seq>
+          </p:childTnLst>
+        </p:cTn>
+      </p:par>
+    </p:tnLst>
+  </p:timing>
 </p:sld>
 </file>
 
@@ -9335,4 +13722,324 @@
   </a:objectDefaults>
   <a:extraClrSchemeLst/>
 </a:theme>
+</file>
+
+<file path=ppt/theme/theme2.xml><?xml version="1.0" encoding="utf-8"?>
+<a:theme xmlns:a="http://schemas.openxmlformats.org/drawingml/2006/main" name="Office Theme">
+  <a:themeElements>
+    <a:clrScheme name="Office">
+      <a:dk1>
+        <a:sysClr val="windowText" lastClr="000000"/>
+      </a:dk1>
+      <a:lt1>
+        <a:sysClr val="window" lastClr="FFFFFF"/>
+      </a:lt1>
+      <a:dk2>
+        <a:srgbClr val="1F497D"/>
+      </a:dk2>
+      <a:lt2>
+        <a:srgbClr val="EEECE1"/>
+      </a:lt2>
+      <a:accent1>
+        <a:srgbClr val="4F81BD"/>
+      </a:accent1>
+      <a:accent2>
+        <a:srgbClr val="C0504D"/>
+      </a:accent2>
+      <a:accent3>
+        <a:srgbClr val="9BBB59"/>
+      </a:accent3>
+      <a:accent4>
+        <a:srgbClr val="8064A2"/>
+      </a:accent4>
+      <a:accent5>
+        <a:srgbClr val="4BACC6"/>
+      </a:accent5>
+      <a:accent6>
+        <a:srgbClr val="F79646"/>
+      </a:accent6>
+      <a:hlink>
+        <a:srgbClr val="0000FF"/>
+      </a:hlink>
+      <a:folHlink>
+        <a:srgbClr val="800080"/>
+      </a:folHlink>
+    </a:clrScheme>
+    <a:fontScheme name="Office">
+      <a:majorFont>
+        <a:latin typeface="Calibri"/>
+        <a:ea typeface=""/>
+        <a:cs typeface=""/>
+        <a:font script="Jpan" typeface="ＭＳ Ｐゴシック"/>
+        <a:font script="Hang" typeface="맑은 고딕"/>
+        <a:font script="Hans" typeface="宋体"/>
+        <a:font script="Hant" typeface="新細明體"/>
+        <a:font script="Arab" typeface="Times New Roman"/>
+        <a:font script="Hebr" typeface="Times New Roman"/>
+        <a:font script="Thai" typeface="Angsana New"/>
+        <a:font script="Ethi" typeface="Nyala"/>
+        <a:font script="Beng" typeface="Vrinda"/>
+        <a:font script="Gujr" typeface="Shruti"/>
+        <a:font script="Khmr" typeface="MoolBoran"/>
+        <a:font script="Knda" typeface="Tunga"/>
+        <a:font script="Guru" typeface="Raavi"/>
+        <a:font script="Cans" typeface="Euphemia"/>
+        <a:font script="Cher" typeface="Plantagenet Cherokee"/>
+        <a:font script="Yiii" typeface="Microsoft Yi Baiti"/>
+        <a:font script="Tibt" typeface="Microsoft Himalaya"/>
+        <a:font script="Thaa" typeface="MV Boli"/>
+        <a:font script="Deva" typeface="Mangal"/>
+        <a:font script="Telu" typeface="Gautami"/>
+        <a:font script="Taml" typeface="Latha"/>
+        <a:font script="Syrc" typeface="Estrangelo Edessa"/>
+        <a:font script="Orya" typeface="Kalinga"/>
+        <a:font script="Mlym" typeface="Kartika"/>
+        <a:font script="Laoo" typeface="DokChampa"/>
+        <a:font script="Sinh" typeface="Iskoola Pota"/>
+        <a:font script="Mong" typeface="Mongolian Baiti"/>
+        <a:font script="Viet" typeface="Times New Roman"/>
+        <a:font script="Uigh" typeface="Microsoft Uighur"/>
+        <a:font script="Geor" typeface="Sylfaen"/>
+      </a:majorFont>
+      <a:minorFont>
+        <a:latin typeface="Calibri"/>
+        <a:ea typeface=""/>
+        <a:cs typeface=""/>
+        <a:font script="Jpan" typeface="ＭＳ Ｐゴシック"/>
+        <a:font script="Hang" typeface="맑은 고딕"/>
+        <a:font script="Hans" typeface="宋体"/>
+        <a:font script="Hant" typeface="新細明體"/>
+        <a:font script="Arab" typeface="Arial"/>
+        <a:font script="Hebr" typeface="Arial"/>
+        <a:font script="Thai" typeface="Cordia New"/>
+        <a:font script="Ethi" typeface="Nyala"/>
+        <a:font script="Beng" typeface="Vrinda"/>
+        <a:font script="Gujr" typeface="Shruti"/>
+        <a:font script="Khmr" typeface="DaunPenh"/>
+        <a:font script="Knda" typeface="Tunga"/>
+        <a:font script="Guru" typeface="Raavi"/>
+        <a:font script="Cans" typeface="Euphemia"/>
+        <a:font script="Cher" typeface="Plantagenet Cherokee"/>
+        <a:font script="Yiii" typeface="Microsoft Yi Baiti"/>
+        <a:font script="Tibt" typeface="Microsoft Himalaya"/>
+        <a:font script="Thaa" typeface="MV Boli"/>
+        <a:font script="Deva" typeface="Mangal"/>
+        <a:font script="Telu" typeface="Gautami"/>
+        <a:font script="Taml" typeface="Latha"/>
+        <a:font script="Syrc" typeface="Estrangelo Edessa"/>
+        <a:font script="Orya" typeface="Kalinga"/>
+        <a:font script="Mlym" typeface="Kartika"/>
+        <a:font script="Laoo" typeface="DokChampa"/>
+        <a:font script="Sinh" typeface="Iskoola Pota"/>
+        <a:font script="Mong" typeface="Mongolian Baiti"/>
+        <a:font script="Viet" typeface="Arial"/>
+        <a:font script="Uigh" typeface="Microsoft Uighur"/>
+        <a:font script="Geor" typeface="Sylfaen"/>
+      </a:minorFont>
+    </a:fontScheme>
+    <a:fmtScheme name="Office">
+      <a:fillStyleLst>
+        <a:solidFill>
+          <a:schemeClr val="phClr"/>
+        </a:solidFill>
+        <a:gradFill rotWithShape="1">
+          <a:gsLst>
+            <a:gs pos="0">
+              <a:schemeClr val="phClr">
+                <a:tint val="50000"/>
+                <a:satMod val="300000"/>
+              </a:schemeClr>
+            </a:gs>
+            <a:gs pos="35000">
+              <a:schemeClr val="phClr">
+                <a:tint val="37000"/>
+                <a:satMod val="300000"/>
+              </a:schemeClr>
+            </a:gs>
+            <a:gs pos="100000">
+              <a:schemeClr val="phClr">
+                <a:tint val="15000"/>
+                <a:satMod val="350000"/>
+              </a:schemeClr>
+            </a:gs>
+          </a:gsLst>
+          <a:lin ang="16200000" scaled="1"/>
+        </a:gradFill>
+        <a:gradFill rotWithShape="1">
+          <a:gsLst>
+            <a:gs pos="0">
+              <a:schemeClr val="phClr">
+                <a:tint val="100000"/>
+                <a:shade val="100000"/>
+                <a:satMod val="130000"/>
+              </a:schemeClr>
+            </a:gs>
+            <a:gs pos="100000">
+              <a:schemeClr val="phClr">
+                <a:tint val="50000"/>
+                <a:shade val="100000"/>
+                <a:satMod val="350000"/>
+              </a:schemeClr>
+            </a:gs>
+          </a:gsLst>
+          <a:lin ang="16200000" scaled="0"/>
+        </a:gradFill>
+      </a:fillStyleLst>
+      <a:lnStyleLst>
+        <a:ln w="9525" cap="flat" cmpd="sng" algn="ctr">
+          <a:solidFill>
+            <a:schemeClr val="phClr">
+              <a:shade val="95000"/>
+              <a:satMod val="105000"/>
+            </a:schemeClr>
+          </a:solidFill>
+          <a:prstDash val="solid"/>
+        </a:ln>
+        <a:ln w="25400" cap="flat" cmpd="sng" algn="ctr">
+          <a:solidFill>
+            <a:schemeClr val="phClr"/>
+          </a:solidFill>
+          <a:prstDash val="solid"/>
+        </a:ln>
+        <a:ln w="38100" cap="flat" cmpd="sng" algn="ctr">
+          <a:solidFill>
+            <a:schemeClr val="phClr"/>
+          </a:solidFill>
+          <a:prstDash val="solid"/>
+        </a:ln>
+      </a:lnStyleLst>
+      <a:effectStyleLst>
+        <a:effectStyle>
+          <a:effectLst>
+            <a:outerShdw blurRad="40000" dist="20000" dir="5400000" rotWithShape="0">
+              <a:srgbClr val="000000">
+                <a:alpha val="38000"/>
+              </a:srgbClr>
+            </a:outerShdw>
+          </a:effectLst>
+        </a:effectStyle>
+        <a:effectStyle>
+          <a:effectLst>
+            <a:outerShdw blurRad="40000" dist="23000" dir="5400000" rotWithShape="0">
+              <a:srgbClr val="000000">
+                <a:alpha val="35000"/>
+              </a:srgbClr>
+            </a:outerShdw>
+          </a:effectLst>
+        </a:effectStyle>
+        <a:effectStyle>
+          <a:effectLst>
+            <a:outerShdw blurRad="40000" dist="23000" dir="5400000" rotWithShape="0">
+              <a:srgbClr val="000000">
+                <a:alpha val="35000"/>
+              </a:srgbClr>
+            </a:outerShdw>
+          </a:effectLst>
+          <a:scene3d>
+            <a:camera prst="orthographicFront">
+              <a:rot lat="0" lon="0" rev="0"/>
+            </a:camera>
+            <a:lightRig rig="threePt" dir="t">
+              <a:rot lat="0" lon="0" rev="1200000"/>
+            </a:lightRig>
+          </a:scene3d>
+          <a:sp3d>
+            <a:bevelT w="63500" h="25400"/>
+          </a:sp3d>
+        </a:effectStyle>
+      </a:effectStyleLst>
+      <a:bgFillStyleLst>
+        <a:solidFill>
+          <a:schemeClr val="phClr"/>
+        </a:solidFill>
+        <a:gradFill rotWithShape="1">
+          <a:gsLst>
+            <a:gs pos="0">
+              <a:schemeClr val="phClr">
+                <a:tint val="40000"/>
+                <a:satMod val="350000"/>
+              </a:schemeClr>
+            </a:gs>
+            <a:gs pos="40000">
+              <a:schemeClr val="phClr">
+                <a:tint val="45000"/>
+                <a:shade val="99000"/>
+                <a:satMod val="350000"/>
+              </a:schemeClr>
+            </a:gs>
+            <a:gs pos="100000">
+              <a:schemeClr val="phClr">
+                <a:shade val="20000"/>
+                <a:satMod val="255000"/>
+              </a:schemeClr>
+            </a:gs>
+          </a:gsLst>
+          <a:path path="circle">
+            <a:fillToRect l="50000" t="-80000" r="50000" b="180000"/>
+          </a:path>
+        </a:gradFill>
+        <a:gradFill rotWithShape="1">
+          <a:gsLst>
+            <a:gs pos="0">
+              <a:schemeClr val="phClr">
+                <a:tint val="80000"/>
+                <a:satMod val="300000"/>
+              </a:schemeClr>
+            </a:gs>
+            <a:gs pos="100000">
+              <a:schemeClr val="phClr">
+                <a:shade val="30000"/>
+                <a:satMod val="200000"/>
+              </a:schemeClr>
+            </a:gs>
+          </a:gsLst>
+          <a:path path="circle">
+            <a:fillToRect l="50000" t="50000" r="50000" b="50000"/>
+          </a:path>
+        </a:gradFill>
+      </a:bgFillStyleLst>
+    </a:fmtScheme>
+  </a:themeElements>
+  <a:objectDefaults>
+    <a:spDef>
+      <a:spPr/>
+      <a:bodyPr/>
+      <a:lstStyle/>
+      <a:style>
+        <a:lnRef idx="1">
+          <a:schemeClr val="accent1"/>
+        </a:lnRef>
+        <a:fillRef idx="3">
+          <a:schemeClr val="accent1"/>
+        </a:fillRef>
+        <a:effectRef idx="2">
+          <a:schemeClr val="accent1"/>
+        </a:effectRef>
+        <a:fontRef idx="minor">
+          <a:schemeClr val="lt1"/>
+        </a:fontRef>
+      </a:style>
+    </a:spDef>
+    <a:lnDef>
+      <a:spPr/>
+      <a:bodyPr/>
+      <a:lstStyle/>
+      <a:style>
+        <a:lnRef idx="2">
+          <a:schemeClr val="accent1"/>
+        </a:lnRef>
+        <a:fillRef idx="0">
+          <a:schemeClr val="accent1"/>
+        </a:fillRef>
+        <a:effectRef idx="1">
+          <a:schemeClr val="accent1"/>
+        </a:effectRef>
+        <a:fontRef idx="minor">
+          <a:schemeClr val="tx1"/>
+        </a:fontRef>
+      </a:style>
+    </a:lnDef>
+  </a:objectDefaults>
+  <a:extraClrSchemeLst/>
+</a:theme>
 </file>